--- a/datasheets/Digital Zoom presentation.pptx
+++ b/datasheets/Digital Zoom presentation.pptx
@@ -5,10 +5,10 @@
     <p:sldMasterId id="2147483648" r:id="rId1"/>
   </p:sldMasterIdLst>
   <p:notesMasterIdLst>
-    <p:notesMasterId r:id="rId24"/>
+    <p:notesMasterId r:id="rId25"/>
   </p:notesMasterIdLst>
   <p:handoutMasterIdLst>
-    <p:handoutMasterId r:id="rId25"/>
+    <p:handoutMasterId r:id="rId26"/>
   </p:handoutMasterIdLst>
   <p:sldIdLst>
     <p:sldId id="256" r:id="rId2"/>
@@ -16,23 +16,24 @@
     <p:sldId id="287" r:id="rId4"/>
     <p:sldId id="266" r:id="rId5"/>
     <p:sldId id="277" r:id="rId6"/>
-    <p:sldId id="278" r:id="rId7"/>
-    <p:sldId id="279" r:id="rId8"/>
-    <p:sldId id="283" r:id="rId9"/>
-    <p:sldId id="285" r:id="rId10"/>
-    <p:sldId id="280" r:id="rId11"/>
-    <p:sldId id="281" r:id="rId12"/>
-    <p:sldId id="284" r:id="rId13"/>
-    <p:sldId id="286" r:id="rId14"/>
-    <p:sldId id="267" r:id="rId15"/>
-    <p:sldId id="288" r:id="rId16"/>
-    <p:sldId id="269" r:id="rId17"/>
-    <p:sldId id="270" r:id="rId18"/>
-    <p:sldId id="271" r:id="rId19"/>
-    <p:sldId id="272" r:id="rId20"/>
-    <p:sldId id="273" r:id="rId21"/>
-    <p:sldId id="274" r:id="rId22"/>
-    <p:sldId id="275" r:id="rId23"/>
+    <p:sldId id="289" r:id="rId7"/>
+    <p:sldId id="278" r:id="rId8"/>
+    <p:sldId id="290" r:id="rId9"/>
+    <p:sldId id="283" r:id="rId10"/>
+    <p:sldId id="285" r:id="rId11"/>
+    <p:sldId id="280" r:id="rId12"/>
+    <p:sldId id="281" r:id="rId13"/>
+    <p:sldId id="284" r:id="rId14"/>
+    <p:sldId id="286" r:id="rId15"/>
+    <p:sldId id="267" r:id="rId16"/>
+    <p:sldId id="288" r:id="rId17"/>
+    <p:sldId id="269" r:id="rId18"/>
+    <p:sldId id="270" r:id="rId19"/>
+    <p:sldId id="271" r:id="rId20"/>
+    <p:sldId id="272" r:id="rId21"/>
+    <p:sldId id="273" r:id="rId22"/>
+    <p:sldId id="274" r:id="rId23"/>
+    <p:sldId id="275" r:id="rId24"/>
   </p:sldIdLst>
   <p:sldSz cx="12192000" cy="6858000"/>
   <p:notesSz cx="6858000" cy="9144000"/>
@@ -6732,186 +6733,7 @@
           <a:bodyPr/>
           <a:lstStyle/>
           <a:p>
-            <a:pPr algn="r" rtl="1"/>
-            <a:r>
-              <a:rPr lang="he-IL" dirty="0"/>
-              <a:t>המודול הראשון </a:t>
-            </a:r>
-            <a:r>
-              <a:rPr lang="en-US" dirty="0"/>
-              <a:t>Controller</a:t>
-            </a:r>
-            <a:endParaRPr lang="he-IL" dirty="0"/>
-          </a:p>
-          <a:p>
-            <a:pPr algn="r" rtl="1"/>
-            <a:r>
-              <a:rPr lang="he-IL" dirty="0"/>
-              <a:t>תפקידו להתממשק עם המצלמה ולספק לה:</a:t>
-            </a:r>
-          </a:p>
-          <a:p>
-            <a:pPr marL="228600" indent="-228600" algn="r" rtl="1">
-              <a:buFont typeface="+mj-lt"/>
-              <a:buAutoNum type="arabicPeriod"/>
-            </a:pPr>
-            <a:r>
-              <a:rPr lang="he-IL" dirty="0"/>
-              <a:t>שעון וריסט</a:t>
-            </a:r>
-          </a:p>
-          <a:p>
-            <a:pPr marL="228600" indent="-228600" algn="r" rtl="1">
-              <a:buFont typeface="+mj-lt"/>
-              <a:buAutoNum type="arabicPeriod"/>
-            </a:pPr>
-            <a:r>
-              <a:rPr lang="he-IL" dirty="0"/>
-              <a:t>לקנפג את הרגיסטרים של המצלמה באמצעות פרוטוקול דומה </a:t>
-            </a:r>
-          </a:p>
-          <a:p>
-            <a:pPr algn="r" rtl="1"/>
-            <a:r>
-              <a:rPr lang="he-IL" dirty="0"/>
-              <a:t>ל</a:t>
-            </a:r>
-            <a:r>
-              <a:rPr lang="en-US" dirty="0"/>
-              <a:t> I2C</a:t>
-            </a:r>
-            <a:r>
-              <a:rPr lang="he-IL" dirty="0"/>
-              <a:t> (=</a:t>
-            </a:r>
-            <a:r>
-              <a:rPr lang="en-US" dirty="0"/>
-              <a:t>Inter-Integrated Circuit</a:t>
-            </a:r>
-            <a:r>
-              <a:rPr lang="he-IL" dirty="0"/>
-              <a:t>) בשם </a:t>
-            </a:r>
-            <a:r>
-              <a:rPr lang="en-US" dirty="0"/>
-              <a:t>SCCB</a:t>
-            </a:r>
-            <a:r>
-              <a:rPr lang="he-IL" dirty="0"/>
-              <a:t> (=</a:t>
-            </a:r>
-            <a:r>
-              <a:rPr lang="en-US" dirty="0"/>
-              <a:t>Serial Camera Control Bus</a:t>
-            </a:r>
-            <a:r>
-              <a:rPr lang="he-IL" dirty="0"/>
-              <a:t>):</a:t>
-            </a:r>
-          </a:p>
-          <a:p>
-            <a:pPr algn="r" rtl="1"/>
-            <a:r>
-              <a:rPr lang="he-IL" dirty="0"/>
-              <a:t>&lt;קליק&gt;</a:t>
-            </a:r>
-          </a:p>
-          <a:p>
-            <a:pPr algn="r" rtl="1"/>
-            <a:r>
-              <a:rPr lang="he-IL" dirty="0"/>
-              <a:t>ניתן לראות בסימולציה שיצרנו דוגמה לכתיבה לרגיסטר:</a:t>
-            </a:r>
-          </a:p>
-          <a:p>
-            <a:pPr algn="r" rtl="1"/>
-            <a:r>
-              <a:rPr lang="he-IL" dirty="0"/>
-              <a:t>בהתחלה נרצה לכתוב </a:t>
-            </a:r>
-            <a:r>
-              <a:rPr lang="en-US" dirty="0"/>
-              <a:t>x”42”</a:t>
-            </a:r>
-            <a:r>
-              <a:rPr lang="he-IL" dirty="0"/>
-              <a:t> שזהו ה</a:t>
-            </a:r>
-            <a:r>
-              <a:rPr lang="en-US" dirty="0"/>
-              <a:t>ID</a:t>
-            </a:r>
-            <a:r>
-              <a:rPr lang="he-IL" dirty="0"/>
-              <a:t> של המצלמה שלנו</a:t>
-            </a:r>
-          </a:p>
-          <a:p>
-            <a:pPr algn="r" rtl="1"/>
-            <a:r>
-              <a:rPr lang="he-IL" dirty="0"/>
-              <a:t>ניתן לראות את השעון דוגם 0 ואז 1 ו0 ו0 – שזה 4</a:t>
-            </a:r>
-          </a:p>
-          <a:p>
-            <a:pPr algn="r" rtl="1"/>
-            <a:r>
-              <a:rPr lang="he-IL" dirty="0"/>
-              <a:t>ו0 0 1 ו0 – זהו 2</a:t>
-            </a:r>
-          </a:p>
-          <a:p>
-            <a:pPr algn="r" rtl="1"/>
-            <a:r>
-              <a:rPr lang="he-IL" dirty="0"/>
-              <a:t>&lt;קליק&gt;</a:t>
-            </a:r>
-          </a:p>
-          <a:p>
-            <a:pPr algn="r" rtl="1"/>
-            <a:r>
-              <a:rPr lang="he-IL" dirty="0"/>
-              <a:t>ואז את כתובת הרגיסטר </a:t>
-            </a:r>
-            <a:r>
-              <a:rPr lang="en-US" dirty="0"/>
-              <a:t>X”12”</a:t>
-            </a:r>
-            <a:endParaRPr lang="he-IL" dirty="0"/>
-          </a:p>
-          <a:p>
-            <a:pPr algn="r" rtl="1"/>
-            <a:r>
-              <a:rPr lang="he-IL" dirty="0"/>
-              <a:t>&lt;קליק&gt;</a:t>
-            </a:r>
-          </a:p>
-          <a:p>
-            <a:pPr algn="r" rtl="1"/>
-            <a:r>
-              <a:rPr lang="he-IL" dirty="0"/>
-              <a:t>ולבסוף את ה</a:t>
-            </a:r>
-            <a:r>
-              <a:rPr lang="en-US" dirty="0"/>
-              <a:t>DATA</a:t>
-            </a:r>
-            <a:r>
-              <a:rPr lang="he-IL" dirty="0"/>
-              <a:t> </a:t>
-            </a:r>
-            <a:r>
-              <a:rPr lang="en-US" dirty="0"/>
-              <a:t>X”80”</a:t>
-            </a:r>
-            <a:r>
-              <a:rPr lang="he-IL" dirty="0"/>
-              <a:t> באופן דומה ל</a:t>
-            </a:r>
-            <a:r>
-              <a:rPr lang="en-US" dirty="0"/>
-              <a:t>X”42”</a:t>
-            </a:r>
+            <a:endParaRPr lang="en-US"/>
           </a:p>
         </p:txBody>
       </p:sp>
@@ -6932,91 +6754,7 @@
           <a:p>
             <a:fld id="{5EE2CF44-2B13-41B4-A334-1CDF534EEBBF}" type="slidenum">
               <a:rPr lang="en-US" smtClean="0"/>
-              <a:t>10</a:t>
-            </a:fld>
-            <a:endParaRPr lang="en-US"/>
-          </a:p>
-        </p:txBody>
-      </p:sp>
-    </p:spTree>
-    <p:extLst>
-      <p:ext uri="{BB962C8B-B14F-4D97-AF65-F5344CB8AC3E}">
-        <p14:creationId xmlns:p14="http://schemas.microsoft.com/office/powerpoint/2010/main" val="831199167"/>
-      </p:ext>
-    </p:extLst>
-  </p:cSld>
-  <p:clrMapOvr>
-    <a:masterClrMapping/>
-  </p:clrMapOvr>
-</p:notes>
-</file>
-
-<file path=ppt/notesSlides/notesSlide11.xml><?xml version="1.0" encoding="utf-8"?>
-<p:notes xmlns:a="http://schemas.openxmlformats.org/drawingml/2006/main" xmlns:r="http://schemas.openxmlformats.org/officeDocument/2006/relationships" xmlns:p="http://schemas.openxmlformats.org/presentationml/2006/main">
-  <p:cSld>
-    <p:spTree>
-      <p:nvGrpSpPr>
-        <p:cNvPr id="1" name=""/>
-        <p:cNvGrpSpPr/>
-        <p:nvPr/>
-      </p:nvGrpSpPr>
-      <p:grpSpPr>
-        <a:xfrm>
-          <a:off x="0" y="0"/>
-          <a:ext cx="0" cy="0"/>
-          <a:chOff x="0" y="0"/>
-          <a:chExt cx="0" cy="0"/>
-        </a:xfrm>
-      </p:grpSpPr>
-      <p:sp>
-        <p:nvSpPr>
-          <p:cNvPr id="2" name="Slide Image Placeholder 1"/>
-          <p:cNvSpPr>
-            <a:spLocks noGrp="1" noRot="1" noChangeAspect="1"/>
-          </p:cNvSpPr>
-          <p:nvPr>
-            <p:ph type="sldImg"/>
-          </p:nvPr>
-        </p:nvSpPr>
-        <p:spPr/>
-      </p:sp>
-      <p:sp>
-        <p:nvSpPr>
-          <p:cNvPr id="3" name="Notes Placeholder 2"/>
-          <p:cNvSpPr>
-            <a:spLocks noGrp="1"/>
-          </p:cNvSpPr>
-          <p:nvPr>
-            <p:ph type="body" idx="1"/>
-          </p:nvPr>
-        </p:nvSpPr>
-        <p:spPr/>
-        <p:txBody>
-          <a:bodyPr/>
-          <a:lstStyle/>
-          <a:p>
-            <a:endParaRPr lang="en-US"/>
-          </a:p>
-        </p:txBody>
-      </p:sp>
-      <p:sp>
-        <p:nvSpPr>
-          <p:cNvPr id="4" name="Slide Number Placeholder 3"/>
-          <p:cNvSpPr>
-            <a:spLocks noGrp="1"/>
-          </p:cNvSpPr>
-          <p:nvPr>
-            <p:ph type="sldNum" sz="quarter" idx="5"/>
-          </p:nvPr>
-        </p:nvSpPr>
-        <p:spPr/>
-        <p:txBody>
-          <a:bodyPr/>
-          <a:lstStyle/>
-          <a:p>
-            <a:fld id="{5EE2CF44-2B13-41B4-A334-1CDF534EEBBF}" type="slidenum">
-              <a:rPr lang="en-US" smtClean="0"/>
-              <a:t>11</a:t>
+              <a:t>12</a:t>
             </a:fld>
             <a:endParaRPr lang="en-US"/>
           </a:p>
@@ -7080,6 +6818,17 @@
           <a:lstStyle/>
           <a:p>
             <a:pPr algn="r" rtl="1"/>
+            <a:r>
+              <a:rPr lang="he-IL" dirty="0"/>
+              <a:t>בהצגה נתמקד ב:</a:t>
+            </a:r>
+          </a:p>
+          <a:p>
+            <a:pPr algn="r" rtl="1"/>
+            <a:r>
+              <a:rPr lang="he-IL" dirty="0"/>
+              <a:t>1. </a:t>
+            </a:r>
             <a:endParaRPr lang="en-US" dirty="0"/>
           </a:p>
         </p:txBody>
@@ -7779,7 +7528,7 @@
           <a:p>
             <a:fld id="{5EE2CF44-2B13-41B4-A334-1CDF534EEBBF}" type="slidenum">
               <a:rPr lang="en-US" smtClean="0"/>
-              <a:t>6</a:t>
+              <a:t>7</a:t>
             </a:fld>
             <a:endParaRPr lang="en-US"/>
           </a:p>
@@ -7842,8 +7591,7 @@
           <a:bodyPr/>
           <a:lstStyle/>
           <a:p>
-            <a:pPr algn="r" rtl="1"/>
-            <a:endParaRPr lang="en-US" dirty="0"/>
+            <a:endParaRPr lang="en-US"/>
           </a:p>
         </p:txBody>
       </p:sp>
@@ -7864,7 +7612,7 @@
           <a:p>
             <a:fld id="{5EE2CF44-2B13-41B4-A334-1CDF534EEBBF}" type="slidenum">
               <a:rPr lang="en-US" smtClean="0"/>
-              <a:t>7</a:t>
+              <a:t>9</a:t>
             </a:fld>
             <a:endParaRPr lang="en-US"/>
           </a:p>
@@ -7873,7 +7621,7 @@
     </p:spTree>
     <p:extLst>
       <p:ext uri="{BB962C8B-B14F-4D97-AF65-F5344CB8AC3E}">
-        <p14:creationId xmlns:p14="http://schemas.microsoft.com/office/powerpoint/2010/main" val="4035054388"/>
+        <p14:creationId xmlns:p14="http://schemas.microsoft.com/office/powerpoint/2010/main" val="1039069473"/>
       </p:ext>
     </p:extLst>
   </p:cSld>
@@ -7927,7 +7675,107 @@
           <a:bodyPr/>
           <a:lstStyle/>
           <a:p>
-            <a:endParaRPr lang="en-US"/>
+            <a:pPr algn="r" rtl="1"/>
+            <a:r>
+              <a:rPr lang="he-IL" dirty="0"/>
+              <a:t>המשתמש יוכל להפעיל את המצלמה ולשנות את הזום והרזולציה באמצעות הסוויצ’ים</a:t>
+            </a:r>
+            <a:r>
+              <a:rPr lang="en-US" dirty="0"/>
+              <a:t>:</a:t>
+            </a:r>
+          </a:p>
+          <a:p>
+            <a:pPr algn="r" rtl="1"/>
+            <a:endParaRPr lang="en-US" dirty="0"/>
+          </a:p>
+          <a:p>
+            <a:pPr marL="228600" indent="-228600" algn="r" rtl="1">
+              <a:buAutoNum type="arabicPeriod"/>
+            </a:pPr>
+            <a:r>
+              <a:rPr lang="en-US" dirty="0"/>
+              <a:t>SW15</a:t>
+            </a:r>
+            <a:r>
+              <a:rPr lang="he-IL" dirty="0"/>
+              <a:t> – השמאלי ביותר</a:t>
+            </a:r>
+          </a:p>
+          <a:p>
+            <a:pPr marL="685800" lvl="1" indent="-228600" algn="r" rtl="1">
+              <a:buAutoNum type="arabicPeriod"/>
+            </a:pPr>
+            <a:r>
+              <a:rPr lang="he-IL" dirty="0"/>
+              <a:t>ירסט את המערכת ונוכל לראות על מסך ה</a:t>
+            </a:r>
+            <a:r>
+              <a:rPr lang="en-US" dirty="0"/>
+              <a:t>VGA</a:t>
+            </a:r>
+            <a:r>
+              <a:rPr lang="he-IL" dirty="0"/>
+              <a:t> פסים צבעוניים (מעין בדיקת שפיות)</a:t>
+            </a:r>
+          </a:p>
+          <a:p>
+            <a:pPr marL="228600" indent="-228600" algn="r" rtl="1">
+              <a:buAutoNum type="arabicPeriod"/>
+            </a:pPr>
+            <a:r>
+              <a:rPr lang="en-US" dirty="0"/>
+              <a:t>SW14</a:t>
+            </a:r>
+            <a:r>
+              <a:rPr lang="he-IL" dirty="0"/>
+              <a:t> – מימינו יפעיל את המצלמה – המשתמש יראה את הוידאו מוקרן על המסך</a:t>
+            </a:r>
+          </a:p>
+          <a:p>
+            <a:pPr marL="228600" indent="-228600" algn="r" rtl="1">
+              <a:buAutoNum type="arabicPeriod"/>
+            </a:pPr>
+            <a:r>
+              <a:rPr lang="en-US" dirty="0"/>
+              <a:t>SW13</a:t>
+            </a:r>
+            <a:r>
+              <a:rPr lang="he-IL" dirty="0"/>
+              <a:t> – המצלמה תקונפג והצבעים יהיו ריאלסטיים יותר</a:t>
+            </a:r>
+          </a:p>
+          <a:p>
+            <a:pPr marL="228600" indent="-228600" algn="r" rtl="1">
+              <a:buAutoNum type="arabicPeriod"/>
+            </a:pPr>
+            <a:r>
+              <a:rPr lang="en-US" dirty="0"/>
+              <a:t>SW12</a:t>
+            </a:r>
+            <a:r>
+              <a:rPr lang="he-IL" dirty="0"/>
+              <a:t> – זום -&gt; רק מרכז התמונה יוקרן על המסך כולו.</a:t>
+            </a:r>
+          </a:p>
+          <a:p>
+            <a:pPr marL="228600" indent="-228600" algn="r" rtl="1">
+              <a:buAutoNum type="arabicPeriod"/>
+            </a:pPr>
+            <a:r>
+              <a:rPr lang="en-US" dirty="0"/>
+              <a:t>SW11</a:t>
+            </a:r>
+            <a:r>
+              <a:rPr lang="he-IL" dirty="0"/>
+              <a:t> – אינטרפולציה – התמונה עם הזום תראה טוב יותר עם מעט פיקסול</a:t>
+            </a:r>
+          </a:p>
+          <a:p>
+            <a:pPr marL="228600" indent="-228600" algn="r" rtl="1">
+              <a:buAutoNum type="arabicPeriod"/>
+            </a:pPr>
+            <a:endParaRPr lang="he-IL" dirty="0"/>
           </a:p>
         </p:txBody>
       </p:sp>
@@ -7948,7 +7796,7 @@
           <a:p>
             <a:fld id="{5EE2CF44-2B13-41B4-A334-1CDF534EEBBF}" type="slidenum">
               <a:rPr lang="en-US" smtClean="0"/>
-              <a:t>8</a:t>
+              <a:t>10</a:t>
             </a:fld>
             <a:endParaRPr lang="en-US"/>
           </a:p>
@@ -7957,7 +7805,7 @@
     </p:spTree>
     <p:extLst>
       <p:ext uri="{BB962C8B-B14F-4D97-AF65-F5344CB8AC3E}">
-        <p14:creationId xmlns:p14="http://schemas.microsoft.com/office/powerpoint/2010/main" val="1039069473"/>
+        <p14:creationId xmlns:p14="http://schemas.microsoft.com/office/powerpoint/2010/main" val="3312437063"/>
       </p:ext>
     </p:extLst>
   </p:cSld>
@@ -8014,104 +7862,183 @@
             <a:pPr algn="r" rtl="1"/>
             <a:r>
               <a:rPr lang="he-IL" dirty="0"/>
-              <a:t>המשתמש יוכל להפעיל את המצלמה ולשנות את הזום והרזולציה באמצעות הסוויצ’ים</a:t>
+              <a:t>המודול הראשון </a:t>
             </a:r>
             <a:r>
               <a:rPr lang="en-US" dirty="0"/>
-              <a:t>:</a:t>
-            </a:r>
+              <a:t>Controller</a:t>
+            </a:r>
+            <a:endParaRPr lang="he-IL" dirty="0"/>
           </a:p>
           <a:p>
             <a:pPr algn="r" rtl="1"/>
-            <a:endParaRPr lang="en-US" dirty="0"/>
+            <a:r>
+              <a:rPr lang="he-IL" dirty="0"/>
+              <a:t>תפקידו להתממשק עם המצלמה ולספק לה:</a:t>
+            </a:r>
           </a:p>
           <a:p>
             <a:pPr marL="228600" indent="-228600" algn="r" rtl="1">
+              <a:buFont typeface="+mj-lt"/>
               <a:buAutoNum type="arabicPeriod"/>
             </a:pPr>
             <a:r>
-              <a:rPr lang="en-US" dirty="0"/>
-              <a:t>SW15</a:t>
-            </a:r>
-            <a:r>
               <a:rPr lang="he-IL" dirty="0"/>
-              <a:t> – השמאלי ביותר</a:t>
-            </a:r>
-          </a:p>
-          <a:p>
-            <a:pPr marL="685800" lvl="1" indent="-228600" algn="r" rtl="1">
+              <a:t>שעון וריסט</a:t>
+            </a:r>
+          </a:p>
+          <a:p>
+            <a:pPr marL="228600" indent="-228600" algn="r" rtl="1">
+              <a:buFont typeface="+mj-lt"/>
               <a:buAutoNum type="arabicPeriod"/>
             </a:pPr>
             <a:r>
               <a:rPr lang="he-IL" dirty="0"/>
-              <a:t>ירסט את המערכת ונוכל לראות על מסך ה</a:t>
+              <a:t>לקנפג את הרגיסטרים של המצלמה באמצעות פרוטוקול דומה </a:t>
+            </a:r>
+          </a:p>
+          <a:p>
+            <a:pPr algn="r" rtl="1"/>
+            <a:r>
+              <a:rPr lang="he-IL" dirty="0"/>
+              <a:t>ל</a:t>
             </a:r>
             <a:r>
               <a:rPr lang="en-US" dirty="0"/>
-              <a:t>VGA</a:t>
+              <a:t> I2C</a:t>
             </a:r>
             <a:r>
               <a:rPr lang="he-IL" dirty="0"/>
-              <a:t> פסים צבעוניים (מעין בדיקת שפיות)</a:t>
-            </a:r>
-          </a:p>
-          <a:p>
-            <a:pPr marL="228600" indent="-228600" algn="r" rtl="1">
-              <a:buAutoNum type="arabicPeriod"/>
-            </a:pPr>
+              <a:t> (=</a:t>
+            </a:r>
             <a:r>
               <a:rPr lang="en-US" dirty="0"/>
-              <a:t>SW14</a:t>
+              <a:t>Inter-Integrated Circuit</a:t>
             </a:r>
             <a:r>
               <a:rPr lang="he-IL" dirty="0"/>
-              <a:t> – מימינו יפעיל את המצלמה – המשתמש יראה את הוידאו מוקרן על המסך</a:t>
-            </a:r>
-          </a:p>
-          <a:p>
-            <a:pPr marL="228600" indent="-228600" algn="r" rtl="1">
-              <a:buAutoNum type="arabicPeriod"/>
-            </a:pPr>
+              <a:t>) בשם </a:t>
+            </a:r>
             <a:r>
               <a:rPr lang="en-US" dirty="0"/>
-              <a:t>SW13</a:t>
+              <a:t>SCCB</a:t>
             </a:r>
             <a:r>
               <a:rPr lang="he-IL" dirty="0"/>
-              <a:t> – המצלמה תקונפג והצבעים יהיו ריאלסטיים יותר</a:t>
-            </a:r>
-          </a:p>
-          <a:p>
-            <a:pPr marL="228600" indent="-228600" algn="r" rtl="1">
-              <a:buAutoNum type="arabicPeriod"/>
-            </a:pPr>
+              <a:t> (=</a:t>
+            </a:r>
             <a:r>
               <a:rPr lang="en-US" dirty="0"/>
-              <a:t>SW12</a:t>
+              <a:t>Serial Camera Control Bus</a:t>
             </a:r>
             <a:r>
               <a:rPr lang="he-IL" dirty="0"/>
-              <a:t> – זום -&gt; רק מרכז התמונה יוקרן על המסך כולו.</a:t>
-            </a:r>
-          </a:p>
-          <a:p>
-            <a:pPr marL="228600" indent="-228600" algn="r" rtl="1">
-              <a:buAutoNum type="arabicPeriod"/>
-            </a:pPr>
+              <a:t>):</a:t>
+            </a:r>
+          </a:p>
+          <a:p>
+            <a:pPr algn="r" rtl="1"/>
+            <a:r>
+              <a:rPr lang="he-IL" dirty="0"/>
+              <a:t>&lt;קליק&gt;</a:t>
+            </a:r>
+          </a:p>
+          <a:p>
+            <a:pPr algn="r" rtl="1"/>
+            <a:r>
+              <a:rPr lang="he-IL" dirty="0"/>
+              <a:t>ניתן לראות בסימולציה שיצרנו דוגמה לכתיבה לרגיסטר:</a:t>
+            </a:r>
+          </a:p>
+          <a:p>
+            <a:pPr algn="r" rtl="1"/>
+            <a:r>
+              <a:rPr lang="he-IL" dirty="0"/>
+              <a:t>בהתחלה נרצה לכתוב </a:t>
+            </a:r>
             <a:r>
               <a:rPr lang="en-US" dirty="0"/>
-              <a:t>SW11</a:t>
+              <a:t>x”42”</a:t>
             </a:r>
             <a:r>
               <a:rPr lang="he-IL" dirty="0"/>
-              <a:t> – אינטרפולציה – התמונה עם הזום תראה טוב יותר עם מעט פיקסול</a:t>
-            </a:r>
-          </a:p>
-          <a:p>
-            <a:pPr marL="228600" indent="-228600" algn="r" rtl="1">
-              <a:buAutoNum type="arabicPeriod"/>
-            </a:pPr>
+              <a:t> שזהו ה</a:t>
+            </a:r>
+            <a:r>
+              <a:rPr lang="en-US" dirty="0"/>
+              <a:t>ID</a:t>
+            </a:r>
+            <a:r>
+              <a:rPr lang="he-IL" dirty="0"/>
+              <a:t> של המצלמה שלנו</a:t>
+            </a:r>
+          </a:p>
+          <a:p>
+            <a:pPr algn="r" rtl="1"/>
+            <a:r>
+              <a:rPr lang="he-IL" dirty="0"/>
+              <a:t>ניתן לראות את השעון דוגם 0 ואז 1 ו0 ו0 – שזה 4</a:t>
+            </a:r>
+          </a:p>
+          <a:p>
+            <a:pPr algn="r" rtl="1"/>
+            <a:r>
+              <a:rPr lang="he-IL" dirty="0"/>
+              <a:t>ו0 0 1 ו0 – זהו 2</a:t>
+            </a:r>
+          </a:p>
+          <a:p>
+            <a:pPr algn="r" rtl="1"/>
+            <a:r>
+              <a:rPr lang="he-IL" dirty="0"/>
+              <a:t>&lt;קליק&gt;</a:t>
+            </a:r>
+          </a:p>
+          <a:p>
+            <a:pPr algn="r" rtl="1"/>
+            <a:r>
+              <a:rPr lang="he-IL" dirty="0"/>
+              <a:t>ואז את כתובת הרגיסטר </a:t>
+            </a:r>
+            <a:r>
+              <a:rPr lang="en-US" dirty="0"/>
+              <a:t>X”12”</a:t>
+            </a:r>
             <a:endParaRPr lang="he-IL" dirty="0"/>
+          </a:p>
+          <a:p>
+            <a:pPr algn="r" rtl="1"/>
+            <a:r>
+              <a:rPr lang="he-IL" dirty="0"/>
+              <a:t>&lt;קליק&gt;</a:t>
+            </a:r>
+          </a:p>
+          <a:p>
+            <a:pPr algn="r" rtl="1"/>
+            <a:r>
+              <a:rPr lang="he-IL" dirty="0"/>
+              <a:t>ולבסוף את ה</a:t>
+            </a:r>
+            <a:r>
+              <a:rPr lang="en-US" dirty="0"/>
+              <a:t>DATA</a:t>
+            </a:r>
+            <a:r>
+              <a:rPr lang="he-IL" dirty="0"/>
+              <a:t> </a:t>
+            </a:r>
+            <a:r>
+              <a:rPr lang="en-US" dirty="0"/>
+              <a:t>X”80”</a:t>
+            </a:r>
+            <a:r>
+              <a:rPr lang="he-IL" dirty="0"/>
+              <a:t> באופן דומה ל</a:t>
+            </a:r>
+            <a:r>
+              <a:rPr lang="en-US" dirty="0"/>
+              <a:t>X”42”</a:t>
+            </a:r>
           </a:p>
         </p:txBody>
       </p:sp>
@@ -8132,7 +8059,7 @@
           <a:p>
             <a:fld id="{5EE2CF44-2B13-41B4-A334-1CDF534EEBBF}" type="slidenum">
               <a:rPr lang="en-US" smtClean="0"/>
-              <a:t>9</a:t>
+              <a:t>11</a:t>
             </a:fld>
             <a:endParaRPr lang="en-US"/>
           </a:p>
@@ -8141,7 +8068,7 @@
     </p:spTree>
     <p:extLst>
       <p:ext uri="{BB962C8B-B14F-4D97-AF65-F5344CB8AC3E}">
-        <p14:creationId xmlns:p14="http://schemas.microsoft.com/office/powerpoint/2010/main" val="3312437063"/>
+        <p14:creationId xmlns:p14="http://schemas.microsoft.com/office/powerpoint/2010/main" val="831199167"/>
       </p:ext>
     </p:extLst>
   </p:cSld>
@@ -8410,6 +8337,11 @@
 <file path=ppt/slideLayouts/slideLayout10.xml><?xml version="1.0" encoding="utf-8"?>
 <p:sldLayout xmlns:a="http://schemas.openxmlformats.org/drawingml/2006/main" xmlns:r="http://schemas.openxmlformats.org/officeDocument/2006/relationships" xmlns:p="http://schemas.openxmlformats.org/presentationml/2006/main" type="vertTx" preserve="1">
   <p:cSld name="Title and Vertical Text">
+    <p:bg>
+      <p:bgRef idx="1001">
+        <a:schemeClr val="bg1"/>
+      </p:bgRef>
+    </p:bg>
     <p:spTree>
       <p:nvGrpSpPr>
         <p:cNvPr id="1" name=""/>
@@ -8571,7 +8503,7 @@
     </p:extLst>
   </p:cSld>
   <p:clrMapOvr>
-    <a:masterClrMapping/>
+    <a:overrideClrMapping bg1="dk1" tx1="lt1" bg2="dk2" tx2="lt2" accent1="accent1" accent2="accent2" accent3="accent3" accent4="accent4" accent5="accent5" accent6="accent6" hlink="hlink" folHlink="folHlink"/>
   </p:clrMapOvr>
 </p:sldLayout>
 </file>
@@ -8579,6 +8511,11 @@
 <file path=ppt/slideLayouts/slideLayout11.xml><?xml version="1.0" encoding="utf-8"?>
 <p:sldLayout xmlns:a="http://schemas.openxmlformats.org/drawingml/2006/main" xmlns:r="http://schemas.openxmlformats.org/officeDocument/2006/relationships" xmlns:p="http://schemas.openxmlformats.org/presentationml/2006/main" type="vertTitleAndTx" preserve="1">
   <p:cSld name="Vertical Title and Text">
+    <p:bg>
+      <p:bgRef idx="1001">
+        <a:schemeClr val="bg1"/>
+      </p:bgRef>
+    </p:bg>
     <p:spTree>
       <p:nvGrpSpPr>
         <p:cNvPr id="1" name=""/>
@@ -8750,7 +8687,7 @@
     </p:extLst>
   </p:cSld>
   <p:clrMapOvr>
-    <a:masterClrMapping/>
+    <a:overrideClrMapping bg1="dk1" tx1="lt1" bg2="dk2" tx2="lt2" accent1="accent1" accent2="accent2" accent3="accent3" accent4="accent4" accent5="accent5" accent6="accent6" hlink="hlink" folHlink="folHlink"/>
   </p:clrMapOvr>
 </p:sldLayout>
 </file>
@@ -8758,6 +8695,11 @@
 <file path=ppt/slideLayouts/slideLayout2.xml><?xml version="1.0" encoding="utf-8"?>
 <p:sldLayout xmlns:a="http://schemas.openxmlformats.org/drawingml/2006/main" xmlns:r="http://schemas.openxmlformats.org/officeDocument/2006/relationships" xmlns:p="http://schemas.openxmlformats.org/presentationml/2006/main" type="obj" preserve="1">
   <p:cSld name="Title and Content">
+    <p:bg>
+      <p:bgRef idx="1001">
+        <a:schemeClr val="bg1"/>
+      </p:bgRef>
+    </p:bg>
     <p:spTree>
       <p:nvGrpSpPr>
         <p:cNvPr id="1" name=""/>
@@ -8923,7 +8865,7 @@
     </p:extLst>
   </p:cSld>
   <p:clrMapOvr>
-    <a:masterClrMapping/>
+    <a:overrideClrMapping bg1="dk1" tx1="lt1" bg2="dk2" tx2="lt2" accent1="accent1" accent2="accent2" accent3="accent3" accent4="accent4" accent5="accent5" accent6="accent6" hlink="hlink" folHlink="folHlink"/>
   </p:clrMapOvr>
 </p:sldLayout>
 </file>
@@ -8931,6 +8873,11 @@
 <file path=ppt/slideLayouts/slideLayout3.xml><?xml version="1.0" encoding="utf-8"?>
 <p:sldLayout xmlns:a="http://schemas.openxmlformats.org/drawingml/2006/main" xmlns:r="http://schemas.openxmlformats.org/officeDocument/2006/relationships" xmlns:p="http://schemas.openxmlformats.org/presentationml/2006/main" type="secHead" preserve="1">
   <p:cSld name="Section Header">
+    <p:bg>
+      <p:bgRef idx="1001">
+        <a:schemeClr val="bg1"/>
+      </p:bgRef>
+    </p:bg>
     <p:spTree>
       <p:nvGrpSpPr>
         <p:cNvPr id="1" name=""/>
@@ -9065,7 +9012,7 @@
     </p:extLst>
   </p:cSld>
   <p:clrMapOvr>
-    <a:masterClrMapping/>
+    <a:overrideClrMapping bg1="dk1" tx1="lt1" bg2="dk2" tx2="lt2" accent1="accent1" accent2="accent2" accent3="accent3" accent4="accent4" accent5="accent5" accent6="accent6" hlink="hlink" folHlink="folHlink"/>
   </p:clrMapOvr>
 </p:sldLayout>
 </file>
@@ -9073,6 +9020,11 @@
 <file path=ppt/slideLayouts/slideLayout4.xml><?xml version="1.0" encoding="utf-8"?>
 <p:sldLayout xmlns:a="http://schemas.openxmlformats.org/drawingml/2006/main" xmlns:r="http://schemas.openxmlformats.org/officeDocument/2006/relationships" xmlns:p="http://schemas.openxmlformats.org/presentationml/2006/main" type="twoObj" preserve="1">
   <p:cSld name="Two Content">
+    <p:bg>
+      <p:bgRef idx="1001">
+        <a:schemeClr val="bg1"/>
+      </p:bgRef>
+    </p:bg>
     <p:spTree>
       <p:nvGrpSpPr>
         <p:cNvPr id="1" name=""/>
@@ -9356,7 +9308,7 @@
     </p:extLst>
   </p:cSld>
   <p:clrMapOvr>
-    <a:masterClrMapping/>
+    <a:overrideClrMapping bg1="dk1" tx1="lt1" bg2="dk2" tx2="lt2" accent1="accent1" accent2="accent2" accent3="accent3" accent4="accent4" accent5="accent5" accent6="accent6" hlink="hlink" folHlink="folHlink"/>
   </p:clrMapOvr>
 </p:sldLayout>
 </file>
@@ -9364,6 +9316,11 @@
 <file path=ppt/slideLayouts/slideLayout5.xml><?xml version="1.0" encoding="utf-8"?>
 <p:sldLayout xmlns:a="http://schemas.openxmlformats.org/drawingml/2006/main" xmlns:r="http://schemas.openxmlformats.org/officeDocument/2006/relationships" xmlns:p="http://schemas.openxmlformats.org/presentationml/2006/main" type="twoTxTwoObj" preserve="1">
   <p:cSld name="Comparison">
+    <p:bg>
+      <p:bgRef idx="1001">
+        <a:schemeClr val="bg1"/>
+      </p:bgRef>
+    </p:bg>
     <p:spTree>
       <p:nvGrpSpPr>
         <p:cNvPr id="1" name=""/>
@@ -9795,7 +9752,7 @@
     </p:extLst>
   </p:cSld>
   <p:clrMapOvr>
-    <a:masterClrMapping/>
+    <a:overrideClrMapping bg1="dk1" tx1="lt1" bg2="dk2" tx2="lt2" accent1="accent1" accent2="accent2" accent3="accent3" accent4="accent4" accent5="accent5" accent6="accent6" hlink="hlink" folHlink="folHlink"/>
   </p:clrMapOvr>
 </p:sldLayout>
 </file>
@@ -9803,6 +9760,11 @@
 <file path=ppt/slideLayouts/slideLayout6.xml><?xml version="1.0" encoding="utf-8"?>
 <p:sldLayout xmlns:a="http://schemas.openxmlformats.org/drawingml/2006/main" xmlns:r="http://schemas.openxmlformats.org/officeDocument/2006/relationships" xmlns:p="http://schemas.openxmlformats.org/presentationml/2006/main" type="titleOnly" preserve="1">
   <p:cSld name="Title Only">
+    <p:bg>
+      <p:bgRef idx="1001">
+        <a:schemeClr val="bg1"/>
+      </p:bgRef>
+    </p:bg>
     <p:spTree>
       <p:nvGrpSpPr>
         <p:cNvPr id="1" name=""/>
@@ -9912,7 +9874,7 @@
     </p:extLst>
   </p:cSld>
   <p:clrMapOvr>
-    <a:masterClrMapping/>
+    <a:overrideClrMapping bg1="dk1" tx1="lt1" bg2="dk2" tx2="lt2" accent1="accent1" accent2="accent2" accent3="accent3" accent4="accent4" accent5="accent5" accent6="accent6" hlink="hlink" folHlink="folHlink"/>
   </p:clrMapOvr>
 </p:sldLayout>
 </file>
@@ -9920,6 +9882,11 @@
 <file path=ppt/slideLayouts/slideLayout7.xml><?xml version="1.0" encoding="utf-8"?>
 <p:sldLayout xmlns:a="http://schemas.openxmlformats.org/drawingml/2006/main" xmlns:r="http://schemas.openxmlformats.org/officeDocument/2006/relationships" xmlns:p="http://schemas.openxmlformats.org/presentationml/2006/main" type="blank" preserve="1">
   <p:cSld name="Blank">
+    <p:bg>
+      <p:bgRef idx="1001">
+        <a:schemeClr val="bg1"/>
+      </p:bgRef>
+    </p:bg>
     <p:spTree>
       <p:nvGrpSpPr>
         <p:cNvPr id="1" name=""/>
@@ -10007,7 +9974,7 @@
     </p:extLst>
   </p:cSld>
   <p:clrMapOvr>
-    <a:masterClrMapping/>
+    <a:overrideClrMapping bg1="dk1" tx1="lt1" bg2="dk2" tx2="lt2" accent1="accent1" accent2="accent2" accent3="accent3" accent4="accent4" accent5="accent5" accent6="accent6" hlink="hlink" folHlink="folHlink"/>
   </p:clrMapOvr>
 </p:sldLayout>
 </file>
@@ -10015,6 +9982,11 @@
 <file path=ppt/slideLayouts/slideLayout8.xml><?xml version="1.0" encoding="utf-8"?>
 <p:sldLayout xmlns:a="http://schemas.openxmlformats.org/drawingml/2006/main" xmlns:r="http://schemas.openxmlformats.org/officeDocument/2006/relationships" xmlns:p="http://schemas.openxmlformats.org/presentationml/2006/main" preserve="1" userDrawn="1">
   <p:cSld name="Content with Caption">
+    <p:bg>
+      <p:bgRef idx="1001">
+        <a:schemeClr val="bg1"/>
+      </p:bgRef>
+    </p:bg>
     <p:spTree>
       <p:nvGrpSpPr>
         <p:cNvPr id="1" name=""/>
@@ -10291,7 +10263,7 @@
     </p:extLst>
   </p:cSld>
   <p:clrMapOvr>
-    <a:masterClrMapping/>
+    <a:overrideClrMapping bg1="dk1" tx1="lt1" bg2="dk2" tx2="lt2" accent1="accent1" accent2="accent2" accent3="accent3" accent4="accent4" accent5="accent5" accent6="accent6" hlink="hlink" folHlink="folHlink"/>
   </p:clrMapOvr>
 </p:sldLayout>
 </file>
@@ -10299,6 +10271,11 @@
 <file path=ppt/slideLayouts/slideLayout9.xml><?xml version="1.0" encoding="utf-8"?>
 <p:sldLayout xmlns:a="http://schemas.openxmlformats.org/drawingml/2006/main" xmlns:r="http://schemas.openxmlformats.org/officeDocument/2006/relationships" xmlns:p="http://schemas.openxmlformats.org/presentationml/2006/main" type="picTx" preserve="1">
   <p:cSld name="Picture with Caption">
+    <p:bg>
+      <p:bgRef idx="1001">
+        <a:schemeClr val="bg1"/>
+      </p:bgRef>
+    </p:bg>
     <p:spTree>
       <p:nvGrpSpPr>
         <p:cNvPr id="1" name=""/>
@@ -10602,7 +10579,7 @@
     </p:extLst>
   </p:cSld>
   <p:clrMapOvr>
-    <a:masterClrMapping/>
+    <a:overrideClrMapping bg1="dk1" tx1="lt1" bg2="dk2" tx2="lt2" accent1="accent1" accent2="accent2" accent3="accent3" accent4="accent4" accent5="accent5" accent6="accent6" hlink="hlink" folHlink="folHlink"/>
   </p:clrMapOvr>
 </p:sldLayout>
 </file>
@@ -11271,6 +11248,89 @@
           </a:p>
         </p:txBody>
       </p:sp>
+      <p:pic>
+        <p:nvPicPr>
+          <p:cNvPr id="1026" name="Picture 2" descr="Logtel לוגטל | LinkedIn">
+            <a:extLst>
+              <a:ext uri="{FF2B5EF4-FFF2-40B4-BE49-F238E27FC236}">
+                <a16:creationId xmlns:a16="http://schemas.microsoft.com/office/drawing/2014/main" id="{FB46A8E9-20F4-8904-3268-4A97E849C38B}"/>
+              </a:ext>
+            </a:extLst>
+          </p:cNvPr>
+          <p:cNvPicPr>
+            <a:picLocks noChangeAspect="1" noChangeArrowheads="1"/>
+          </p:cNvPicPr>
+          <p:nvPr/>
+        </p:nvPicPr>
+        <p:blipFill>
+          <a:blip r:embed="rId3" cstate="print">
+            <a:extLst>
+              <a:ext uri="{28A0092B-C50C-407E-A947-70E740481C1C}">
+                <a14:useLocalDpi xmlns:a14="http://schemas.microsoft.com/office/drawing/2010/main" val="0"/>
+              </a:ext>
+            </a:extLst>
+          </a:blip>
+          <a:srcRect/>
+          <a:stretch>
+            <a:fillRect/>
+          </a:stretch>
+        </p:blipFill>
+        <p:spPr bwMode="auto">
+          <a:xfrm>
+            <a:off x="9677400" y="328610"/>
+            <a:ext cx="609600" cy="609600"/>
+          </a:xfrm>
+          <a:prstGeom prst="rect">
+            <a:avLst/>
+          </a:prstGeom>
+          <a:noFill/>
+          <a:extLst>
+            <a:ext uri="{909E8E84-426E-40DD-AFC4-6F175D3DCCD1}">
+              <a14:hiddenFill xmlns:a14="http://schemas.microsoft.com/office/drawing/2010/main">
+                <a:solidFill>
+                  <a:srgbClr val="FFFFFF"/>
+                </a:solidFill>
+              </a14:hiddenFill>
+            </a:ext>
+          </a:extLst>
+        </p:spPr>
+      </p:pic>
+      <p:pic>
+        <p:nvPicPr>
+          <p:cNvPr id="5" name="Graphic 4">
+            <a:extLst>
+              <a:ext uri="{FF2B5EF4-FFF2-40B4-BE49-F238E27FC236}">
+                <a16:creationId xmlns:a16="http://schemas.microsoft.com/office/drawing/2014/main" id="{C4DD85A6-1F0A-3CD8-8251-25DFC6E73CE5}"/>
+              </a:ext>
+            </a:extLst>
+          </p:cNvPr>
+          <p:cNvPicPr>
+            <a:picLocks noChangeAspect="1"/>
+          </p:cNvPicPr>
+          <p:nvPr/>
+        </p:nvPicPr>
+        <p:blipFill>
+          <a:blip r:embed="rId4">
+            <a:extLst>
+              <a:ext uri="{96DAC541-7B7A-43D3-8B79-37D633B846F1}">
+                <asvg:svgBlip xmlns:asvg="http://schemas.microsoft.com/office/drawing/2016/SVG/main" r:embed="rId5"/>
+              </a:ext>
+            </a:extLst>
+          </a:blip>
+          <a:stretch>
+            <a:fillRect/>
+          </a:stretch>
+        </p:blipFill>
+        <p:spPr>
+          <a:xfrm>
+            <a:off x="10534650" y="466722"/>
+            <a:ext cx="1647825" cy="333375"/>
+          </a:xfrm>
+          <a:prstGeom prst="rect">
+            <a:avLst/>
+          </a:prstGeom>
+        </p:spPr>
+      </p:pic>
     </p:spTree>
     <p:extLst>
       <p:ext uri="{BB962C8B-B14F-4D97-AF65-F5344CB8AC3E}">
@@ -11285,6 +11345,135 @@
 </file>
 
 <file path=ppt/slides/slide10.xml><?xml version="1.0" encoding="utf-8"?>
+<p:sld xmlns:a="http://schemas.openxmlformats.org/drawingml/2006/main" xmlns:r="http://schemas.openxmlformats.org/officeDocument/2006/relationships" xmlns:p="http://schemas.openxmlformats.org/presentationml/2006/main">
+  <p:cSld>
+    <p:spTree>
+      <p:nvGrpSpPr>
+        <p:cNvPr id="1" name="">
+          <a:extLst>
+            <a:ext uri="{FF2B5EF4-FFF2-40B4-BE49-F238E27FC236}">
+              <a16:creationId xmlns:a16="http://schemas.microsoft.com/office/drawing/2014/main" id="{B852AF45-8B4E-EADA-A7B5-B3ABAFFA86B2}"/>
+            </a:ext>
+          </a:extLst>
+        </p:cNvPr>
+        <p:cNvGrpSpPr/>
+        <p:nvPr/>
+      </p:nvGrpSpPr>
+      <p:grpSpPr>
+        <a:xfrm>
+          <a:off x="0" y="0"/>
+          <a:ext cx="0" cy="0"/>
+          <a:chOff x="0" y="0"/>
+          <a:chExt cx="0" cy="0"/>
+        </a:xfrm>
+      </p:grpSpPr>
+      <p:pic>
+        <p:nvPicPr>
+          <p:cNvPr id="27" name="Picture 26" descr="A screen with many colors&#10;&#10;AI-generated content may be incorrect.">
+            <a:extLst>
+              <a:ext uri="{FF2B5EF4-FFF2-40B4-BE49-F238E27FC236}">
+                <a16:creationId xmlns:a16="http://schemas.microsoft.com/office/drawing/2014/main" id="{35C4AAE8-28BD-9AFA-CECF-401852188E87}"/>
+              </a:ext>
+            </a:extLst>
+          </p:cNvPr>
+          <p:cNvPicPr>
+            <a:picLocks noChangeAspect="1"/>
+          </p:cNvPicPr>
+          <p:nvPr/>
+        </p:nvPicPr>
+        <p:blipFill>
+          <a:blip r:embed="rId3"/>
+          <a:stretch>
+            <a:fillRect/>
+          </a:stretch>
+        </p:blipFill>
+        <p:spPr>
+          <a:xfrm>
+            <a:off x="1371600" y="4343400"/>
+            <a:ext cx="1791883" cy="1066800"/>
+          </a:xfrm>
+          <a:prstGeom prst="rect">
+            <a:avLst/>
+          </a:prstGeom>
+        </p:spPr>
+      </p:pic>
+      <p:pic>
+        <p:nvPicPr>
+          <p:cNvPr id="29" name="Picture 28">
+            <a:extLst>
+              <a:ext uri="{FF2B5EF4-FFF2-40B4-BE49-F238E27FC236}">
+                <a16:creationId xmlns:a16="http://schemas.microsoft.com/office/drawing/2014/main" id="{6F245036-97D1-C14E-285C-580A8C743717}"/>
+              </a:ext>
+            </a:extLst>
+          </p:cNvPr>
+          <p:cNvPicPr>
+            <a:picLocks noChangeAspect="1"/>
+          </p:cNvPicPr>
+          <p:nvPr/>
+        </p:nvPicPr>
+        <p:blipFill>
+          <a:blip r:embed="rId4"/>
+          <a:stretch>
+            <a:fillRect/>
+          </a:stretch>
+        </p:blipFill>
+        <p:spPr>
+          <a:xfrm>
+            <a:off x="0" y="3206525"/>
+            <a:ext cx="12192000" cy="1136875"/>
+          </a:xfrm>
+          <a:prstGeom prst="rect">
+            <a:avLst/>
+          </a:prstGeom>
+        </p:spPr>
+      </p:pic>
+      <p:sp>
+        <p:nvSpPr>
+          <p:cNvPr id="4" name="Title 1">
+            <a:extLst>
+              <a:ext uri="{FF2B5EF4-FFF2-40B4-BE49-F238E27FC236}">
+                <a16:creationId xmlns:a16="http://schemas.microsoft.com/office/drawing/2014/main" id="{83FB57A5-C562-292C-DCB8-DED9956E2946}"/>
+              </a:ext>
+            </a:extLst>
+          </p:cNvPr>
+          <p:cNvSpPr>
+            <a:spLocks noGrp="1"/>
+          </p:cNvSpPr>
+          <p:nvPr>
+            <p:ph type="title"/>
+          </p:nvPr>
+        </p:nvSpPr>
+        <p:spPr>
+          <a:xfrm>
+            <a:off x="1219200" y="457200"/>
+            <a:ext cx="9448800" cy="1143000"/>
+          </a:xfrm>
+        </p:spPr>
+        <p:txBody>
+          <a:bodyPr/>
+          <a:lstStyle/>
+          <a:p>
+            <a:r>
+              <a:rPr lang="en-US" dirty="0"/>
+              <a:t>User interface</a:t>
+            </a:r>
+          </a:p>
+        </p:txBody>
+      </p:sp>
+    </p:spTree>
+    <p:extLst>
+      <p:ext uri="{BB962C8B-B14F-4D97-AF65-F5344CB8AC3E}">
+        <p14:creationId xmlns:p14="http://schemas.microsoft.com/office/powerpoint/2010/main" val="3500706204"/>
+      </p:ext>
+    </p:extLst>
+  </p:cSld>
+  <p:clrMapOvr>
+    <a:masterClrMapping/>
+  </p:clrMapOvr>
+</p:sld>
+</file>
+
+<file path=ppt/slides/slide11.xml><?xml version="1.0" encoding="utf-8"?>
 <p:sld xmlns:a="http://schemas.openxmlformats.org/drawingml/2006/main" xmlns:r="http://schemas.openxmlformats.org/officeDocument/2006/relationships" xmlns:p="http://schemas.openxmlformats.org/presentationml/2006/main">
   <p:cSld>
     <p:spTree>
@@ -11496,8 +11685,8 @@
           </a:p>
         </p:txBody>
       </p:sp>
-      <mc:AlternateContent xmlns:mc="http://schemas.openxmlformats.org/markup-compatibility/2006">
-        <mc:Choice xmlns:a14="http://schemas.microsoft.com/office/drawing/2010/main" Requires="a14">
+      <mc:AlternateContent xmlns:mc="http://schemas.openxmlformats.org/markup-compatibility/2006" xmlns:a14="http://schemas.microsoft.com/office/drawing/2010/main">
+        <mc:Choice Requires="a14">
           <p:sp>
             <p:nvSpPr>
               <p:cNvPr id="10" name="Content Placeholder 2">
@@ -11799,7 +11988,19 @@
                           <a:rPr lang="en-US" b="0" i="1" smtClean="0">
                             <a:latin typeface="Cambria Math" panose="02040503050406030204" pitchFamily="18" charset="0"/>
                           </a:rPr>
-                          <m:t>𝑀h𝑧</m:t>
+                          <m:t>𝑀</m:t>
+                        </m:r>
+                        <m:r>
+                          <a:rPr lang="en-US" b="0" i="1" smtClean="0">
+                            <a:latin typeface="Cambria Math" panose="02040503050406030204" pitchFamily="18" charset="0"/>
+                          </a:rPr>
+                          <m:t>h</m:t>
+                        </m:r>
+                        <m:r>
+                          <a:rPr lang="en-US" b="0" i="1" smtClean="0">
+                            <a:latin typeface="Cambria Math" panose="02040503050406030204" pitchFamily="18" charset="0"/>
+                          </a:rPr>
+                          <m:t>𝑧</m:t>
                         </m:r>
                       </m:num>
                       <m:den>
@@ -11816,7 +12017,14 @@
                         <a:latin typeface="Cambria Math" panose="02040503050406030204" pitchFamily="18" charset="0"/>
                         <a:ea typeface="Cambria Math" panose="02040503050406030204" pitchFamily="18" charset="0"/>
                       </a:rPr>
-                      <m:t>≈100</m:t>
+                      <m:t>≈</m:t>
+                    </m:r>
+                    <m:r>
+                      <a:rPr lang="en-US" b="0" i="1" smtClean="0">
+                        <a:latin typeface="Cambria Math" panose="02040503050406030204" pitchFamily="18" charset="0"/>
+                        <a:ea typeface="Cambria Math" panose="02040503050406030204" pitchFamily="18" charset="0"/>
+                      </a:rPr>
+                      <m:t>100</m:t>
                     </m:r>
                     <m:r>
                       <a:rPr lang="en-US" b="0" i="1" smtClean="0">
@@ -11835,7 +12043,7 @@
             </p:txBody>
           </p:sp>
         </mc:Choice>
-        <mc:Fallback>
+        <mc:Fallback xmlns="">
           <p:sp>
             <p:nvSpPr>
               <p:cNvPr id="10" name="Content Placeholder 2">
@@ -13217,7 +13425,7 @@
 </p:sld>
 </file>
 
-<file path=ppt/slides/slide11.xml><?xml version="1.0" encoding="utf-8"?>
+<file path=ppt/slides/slide12.xml><?xml version="1.0" encoding="utf-8"?>
 <p:sld xmlns:a="http://schemas.openxmlformats.org/drawingml/2006/main" xmlns:r="http://schemas.openxmlformats.org/officeDocument/2006/relationships" xmlns:p="http://schemas.openxmlformats.org/presentationml/2006/main">
   <p:cSld>
     <p:spTree>
@@ -14930,7 +15138,7 @@
 </p:sld>
 </file>
 
-<file path=ppt/slides/slide12.xml><?xml version="1.0" encoding="utf-8"?>
+<file path=ppt/slides/slide13.xml><?xml version="1.0" encoding="utf-8"?>
 <p:sld xmlns:a="http://schemas.openxmlformats.org/drawingml/2006/main" xmlns:r="http://schemas.openxmlformats.org/officeDocument/2006/relationships" xmlns:p="http://schemas.openxmlformats.org/presentationml/2006/main">
   <p:cSld>
     <p:spTree>
@@ -15726,7 +15934,7 @@
 </p:sld>
 </file>
 
-<file path=ppt/slides/slide13.xml><?xml version="1.0" encoding="utf-8"?>
+<file path=ppt/slides/slide14.xml><?xml version="1.0" encoding="utf-8"?>
 <p:sld xmlns:a="http://schemas.openxmlformats.org/drawingml/2006/main" xmlns:r="http://schemas.openxmlformats.org/officeDocument/2006/relationships" xmlns:p="http://schemas.openxmlformats.org/presentationml/2006/main">
   <p:cSld>
     <p:spTree>
@@ -18411,7 +18619,7 @@
 </p:sld>
 </file>
 
-<file path=ppt/slides/slide14.xml><?xml version="1.0" encoding="utf-8"?>
+<file path=ppt/slides/slide15.xml><?xml version="1.0" encoding="utf-8"?>
 <p:sld xmlns:a="http://schemas.openxmlformats.org/drawingml/2006/main" xmlns:r="http://schemas.openxmlformats.org/officeDocument/2006/relationships" xmlns:p="http://schemas.openxmlformats.org/presentationml/2006/main">
   <p:cSld>
     <p:spTree>
@@ -18554,7 +18762,7 @@
 </p:sld>
 </file>
 
-<file path=ppt/slides/slide15.xml><?xml version="1.0" encoding="utf-8"?>
+<file path=ppt/slides/slide16.xml><?xml version="1.0" encoding="utf-8"?>
 <p:sld xmlns:a="http://schemas.openxmlformats.org/drawingml/2006/main" xmlns:r="http://schemas.openxmlformats.org/officeDocument/2006/relationships" xmlns:p="http://schemas.openxmlformats.org/presentationml/2006/main">
   <p:cSld>
     <p:spTree>
@@ -18718,98 +18926,6 @@
 </p:sld>
 </file>
 
-<file path=ppt/slides/slide16.xml><?xml version="1.0" encoding="utf-8"?>
-<p:sld xmlns:a="http://schemas.openxmlformats.org/drawingml/2006/main" xmlns:r="http://schemas.openxmlformats.org/officeDocument/2006/relationships" xmlns:p="http://schemas.openxmlformats.org/presentationml/2006/main">
-  <p:cSld>
-    <p:spTree>
-      <p:nvGrpSpPr>
-        <p:cNvPr id="1" name=""/>
-        <p:cNvGrpSpPr/>
-        <p:nvPr/>
-      </p:nvGrpSpPr>
-      <p:grpSpPr>
-        <a:xfrm>
-          <a:off x="0" y="0"/>
-          <a:ext cx="0" cy="0"/>
-          <a:chOff x="0" y="0"/>
-          <a:chExt cx="0" cy="0"/>
-        </a:xfrm>
-      </p:grpSpPr>
-      <p:sp>
-        <p:nvSpPr>
-          <p:cNvPr id="2" name="Title 1"/>
-          <p:cNvSpPr>
-            <a:spLocks noGrp="1"/>
-          </p:cNvSpPr>
-          <p:nvPr>
-            <p:ph type="title"/>
-          </p:nvPr>
-        </p:nvSpPr>
-        <p:spPr/>
-        <p:txBody>
-          <a:bodyPr/>
-          <a:lstStyle/>
-          <a:p>
-            <a:r>
-              <a:rPr lang="en-US" dirty="0"/>
-              <a:t>WIP, Future features / improvements</a:t>
-            </a:r>
-            <a:endParaRPr dirty="0"/>
-          </a:p>
-        </p:txBody>
-      </p:sp>
-      <p:sp>
-        <p:nvSpPr>
-          <p:cNvPr id="4" name="Content Placeholder 3">
-            <a:extLst>
-              <a:ext uri="{FF2B5EF4-FFF2-40B4-BE49-F238E27FC236}">
-                <a16:creationId xmlns:a16="http://schemas.microsoft.com/office/drawing/2014/main" id="{EF49BA9A-B574-A112-8B33-7056735E53D0}"/>
-              </a:ext>
-            </a:extLst>
-          </p:cNvPr>
-          <p:cNvSpPr>
-            <a:spLocks noGrp="1"/>
-          </p:cNvSpPr>
-          <p:nvPr>
-            <p:ph idx="1"/>
-          </p:nvPr>
-        </p:nvSpPr>
-        <p:spPr/>
-        <p:txBody>
-          <a:bodyPr/>
-          <a:lstStyle/>
-          <a:p>
-            <a:pPr marL="457200" indent="-457200">
-              <a:buFont typeface="+mj-lt"/>
-              <a:buAutoNum type="arabicPeriod"/>
-            </a:pPr>
-            <a:r>
-              <a:rPr lang="en-US" dirty="0"/>
-              <a:t>DSP utilize..</a:t>
-            </a:r>
-          </a:p>
-          <a:p>
-            <a:pPr marL="457200" indent="-457200">
-              <a:buFont typeface="+mj-lt"/>
-              <a:buAutoNum type="arabicPeriod"/>
-            </a:pPr>
-            <a:endParaRPr lang="en-US" dirty="0"/>
-          </a:p>
-        </p:txBody>
-      </p:sp>
-    </p:spTree>
-    <p:extLst>
-      <p:ext uri="{BB962C8B-B14F-4D97-AF65-F5344CB8AC3E}">
-        <p14:creationId xmlns:p14="http://schemas.microsoft.com/office/powerpoint/2010/main" val="1153027685"/>
-      </p:ext>
-    </p:extLst>
-  </p:cSld>
-  <p:clrMapOvr>
-    <a:masterClrMapping/>
-  </p:clrMapOvr>
-</p:sld>
-</file>
-
 <file path=ppt/slides/slide17.xml><?xml version="1.0" encoding="utf-8"?>
 <p:sld xmlns:a="http://schemas.openxmlformats.org/drawingml/2006/main" xmlns:r="http://schemas.openxmlformats.org/officeDocument/2006/relationships" xmlns:p="http://schemas.openxmlformats.org/presentationml/2006/main">
   <p:cSld>
@@ -18844,7 +18960,7 @@
           <a:p>
             <a:r>
               <a:rPr lang="en-US" dirty="0"/>
-              <a:t>Add a Slide Title - 1</a:t>
+              <a:t>WIP, Future features / improvements</a:t>
             </a:r>
             <a:endParaRPr dirty="0"/>
           </a:p>
@@ -18852,12 +18968,18 @@
       </p:sp>
       <p:sp>
         <p:nvSpPr>
-          <p:cNvPr id="3" name="Text Placeholder 2"/>
+          <p:cNvPr id="4" name="Content Placeholder 3">
+            <a:extLst>
+              <a:ext uri="{FF2B5EF4-FFF2-40B4-BE49-F238E27FC236}">
+                <a16:creationId xmlns:a16="http://schemas.microsoft.com/office/drawing/2014/main" id="{EF49BA9A-B574-A112-8B33-7056735E53D0}"/>
+              </a:ext>
+            </a:extLst>
+          </p:cNvPr>
           <p:cNvSpPr>
             <a:spLocks noGrp="1"/>
           </p:cNvSpPr>
           <p:nvPr>
-            <p:ph type="body" idx="1"/>
+            <p:ph idx="1"/>
           </p:nvPr>
         </p:nvSpPr>
         <p:spPr/>
@@ -18865,14 +18987,28 @@
           <a:bodyPr/>
           <a:lstStyle/>
           <a:p>
-            <a:endParaRPr/>
+            <a:pPr marL="457200" indent="-457200">
+              <a:buFont typeface="+mj-lt"/>
+              <a:buAutoNum type="arabicPeriod"/>
+            </a:pPr>
+            <a:r>
+              <a:rPr lang="en-US" dirty="0"/>
+              <a:t>DSP utilize..</a:t>
+            </a:r>
+          </a:p>
+          <a:p>
+            <a:pPr marL="457200" indent="-457200">
+              <a:buFont typeface="+mj-lt"/>
+              <a:buAutoNum type="arabicPeriod"/>
+            </a:pPr>
+            <a:endParaRPr lang="en-US" dirty="0"/>
           </a:p>
         </p:txBody>
       </p:sp>
     </p:spTree>
     <p:extLst>
       <p:ext uri="{BB962C8B-B14F-4D97-AF65-F5344CB8AC3E}">
-        <p14:creationId xmlns:p14="http://schemas.microsoft.com/office/powerpoint/2010/main" val="3444435236"/>
+        <p14:creationId xmlns:p14="http://schemas.microsoft.com/office/powerpoint/2010/main" val="1153027685"/>
       </p:ext>
     </p:extLst>
   </p:cSld>
@@ -18916,7 +19052,7 @@
           <a:p>
             <a:r>
               <a:rPr lang="en-US" dirty="0"/>
-              <a:t>Add a Slide Title - 2</a:t>
+              <a:t>Add a Slide Title - 1</a:t>
             </a:r>
             <a:endParaRPr dirty="0"/>
           </a:p>
@@ -18941,67 +19077,10 @@
           </a:p>
         </p:txBody>
       </p:sp>
-      <p:sp>
-        <p:nvSpPr>
-          <p:cNvPr id="4" name="Content Placeholder 3"/>
-          <p:cNvSpPr>
-            <a:spLocks noGrp="1"/>
-          </p:cNvSpPr>
-          <p:nvPr>
-            <p:ph sz="half" idx="2"/>
-          </p:nvPr>
-        </p:nvSpPr>
-        <p:spPr/>
-        <p:txBody>
-          <a:bodyPr/>
-          <a:lstStyle/>
-          <a:p>
-            <a:endParaRPr/>
-          </a:p>
-        </p:txBody>
-      </p:sp>
-      <p:sp>
-        <p:nvSpPr>
-          <p:cNvPr id="5" name="Text Placeholder 4"/>
-          <p:cNvSpPr>
-            <a:spLocks noGrp="1"/>
-          </p:cNvSpPr>
-          <p:nvPr>
-            <p:ph type="body" sz="quarter" idx="3"/>
-          </p:nvPr>
-        </p:nvSpPr>
-        <p:spPr/>
-        <p:txBody>
-          <a:bodyPr/>
-          <a:lstStyle/>
-          <a:p>
-            <a:endParaRPr/>
-          </a:p>
-        </p:txBody>
-      </p:sp>
-      <p:sp>
-        <p:nvSpPr>
-          <p:cNvPr id="6" name="Content Placeholder 5"/>
-          <p:cNvSpPr>
-            <a:spLocks noGrp="1"/>
-          </p:cNvSpPr>
-          <p:nvPr>
-            <p:ph sz="quarter" idx="4"/>
-          </p:nvPr>
-        </p:nvSpPr>
-        <p:spPr/>
-        <p:txBody>
-          <a:bodyPr/>
-          <a:lstStyle/>
-          <a:p>
-            <a:endParaRPr/>
-          </a:p>
-        </p:txBody>
-      </p:sp>
     </p:spTree>
     <p:extLst>
       <p:ext uri="{BB962C8B-B14F-4D97-AF65-F5344CB8AC3E}">
-        <p14:creationId xmlns:p14="http://schemas.microsoft.com/office/powerpoint/2010/main" val="1475842300"/>
+        <p14:creationId xmlns:p14="http://schemas.microsoft.com/office/powerpoint/2010/main" val="3444435236"/>
       </p:ext>
     </p:extLst>
   </p:cSld>
@@ -19045,16 +19124,92 @@
           <a:p>
             <a:r>
               <a:rPr lang="en-US" dirty="0"/>
-              <a:t>Add a Slide Title - 3</a:t>
+              <a:t>Add a Slide Title - 2</a:t>
             </a:r>
             <a:endParaRPr dirty="0"/>
+          </a:p>
+        </p:txBody>
+      </p:sp>
+      <p:sp>
+        <p:nvSpPr>
+          <p:cNvPr id="3" name="Text Placeholder 2"/>
+          <p:cNvSpPr>
+            <a:spLocks noGrp="1"/>
+          </p:cNvSpPr>
+          <p:nvPr>
+            <p:ph type="body" idx="1"/>
+          </p:nvPr>
+        </p:nvSpPr>
+        <p:spPr/>
+        <p:txBody>
+          <a:bodyPr/>
+          <a:lstStyle/>
+          <a:p>
+            <a:endParaRPr/>
+          </a:p>
+        </p:txBody>
+      </p:sp>
+      <p:sp>
+        <p:nvSpPr>
+          <p:cNvPr id="4" name="Content Placeholder 3"/>
+          <p:cNvSpPr>
+            <a:spLocks noGrp="1"/>
+          </p:cNvSpPr>
+          <p:nvPr>
+            <p:ph sz="half" idx="2"/>
+          </p:nvPr>
+        </p:nvSpPr>
+        <p:spPr/>
+        <p:txBody>
+          <a:bodyPr/>
+          <a:lstStyle/>
+          <a:p>
+            <a:endParaRPr/>
+          </a:p>
+        </p:txBody>
+      </p:sp>
+      <p:sp>
+        <p:nvSpPr>
+          <p:cNvPr id="5" name="Text Placeholder 4"/>
+          <p:cNvSpPr>
+            <a:spLocks noGrp="1"/>
+          </p:cNvSpPr>
+          <p:nvPr>
+            <p:ph type="body" sz="quarter" idx="3"/>
+          </p:nvPr>
+        </p:nvSpPr>
+        <p:spPr/>
+        <p:txBody>
+          <a:bodyPr/>
+          <a:lstStyle/>
+          <a:p>
+            <a:endParaRPr/>
+          </a:p>
+        </p:txBody>
+      </p:sp>
+      <p:sp>
+        <p:nvSpPr>
+          <p:cNvPr id="6" name="Content Placeholder 5"/>
+          <p:cNvSpPr>
+            <a:spLocks noGrp="1"/>
+          </p:cNvSpPr>
+          <p:nvPr>
+            <p:ph sz="quarter" idx="4"/>
+          </p:nvPr>
+        </p:nvSpPr>
+        <p:spPr/>
+        <p:txBody>
+          <a:bodyPr/>
+          <a:lstStyle/>
+          <a:p>
+            <a:endParaRPr/>
           </a:p>
         </p:txBody>
       </p:sp>
     </p:spTree>
     <p:extLst>
       <p:ext uri="{BB962C8B-B14F-4D97-AF65-F5344CB8AC3E}">
-        <p14:creationId xmlns:p14="http://schemas.microsoft.com/office/powerpoint/2010/main" val="215988672"/>
+        <p14:creationId xmlns:p14="http://schemas.microsoft.com/office/powerpoint/2010/main" val="1475842300"/>
       </p:ext>
     </p:extLst>
   </p:cSld>
@@ -19127,7 +19282,36 @@
               <a:rPr lang="en-US" dirty="0"/>
               <a:t>System Overview</a:t>
             </a:r>
-            <a:endParaRPr dirty="0"/>
+          </a:p>
+          <a:p>
+            <a:pPr marL="457200" indent="-457200">
+              <a:buFont typeface="+mj-lt"/>
+              <a:buAutoNum type="arabicPeriod"/>
+            </a:pPr>
+            <a:r>
+              <a:rPr lang="en-US" dirty="0"/>
+              <a:t>Project’s steps</a:t>
+            </a:r>
+          </a:p>
+          <a:p>
+            <a:pPr marL="457200" indent="-457200">
+              <a:buFont typeface="+mj-lt"/>
+              <a:buAutoNum type="arabicPeriod"/>
+            </a:pPr>
+            <a:r>
+              <a:rPr lang="en-US" dirty="0"/>
+              <a:t>User interface</a:t>
+            </a:r>
+          </a:p>
+          <a:p>
+            <a:pPr marL="457200" indent="-457200">
+              <a:buFont typeface="+mj-lt"/>
+              <a:buAutoNum type="arabicPeriod"/>
+            </a:pPr>
+            <a:r>
+              <a:rPr lang="en-US" dirty="0"/>
+              <a:t>Architectures</a:t>
+            </a:r>
           </a:p>
         </p:txBody>
       </p:sp>
@@ -19161,6 +19345,59 @@
           <a:chExt cx="0" cy="0"/>
         </a:xfrm>
       </p:grpSpPr>
+      <p:sp>
+        <p:nvSpPr>
+          <p:cNvPr id="2" name="Title 1"/>
+          <p:cNvSpPr>
+            <a:spLocks noGrp="1"/>
+          </p:cNvSpPr>
+          <p:nvPr>
+            <p:ph type="title"/>
+          </p:nvPr>
+        </p:nvSpPr>
+        <p:spPr/>
+        <p:txBody>
+          <a:bodyPr/>
+          <a:lstStyle/>
+          <a:p>
+            <a:r>
+              <a:rPr lang="en-US" dirty="0"/>
+              <a:t>Add a Slide Title - 3</a:t>
+            </a:r>
+            <a:endParaRPr dirty="0"/>
+          </a:p>
+        </p:txBody>
+      </p:sp>
+    </p:spTree>
+    <p:extLst>
+      <p:ext uri="{BB962C8B-B14F-4D97-AF65-F5344CB8AC3E}">
+        <p14:creationId xmlns:p14="http://schemas.microsoft.com/office/powerpoint/2010/main" val="215988672"/>
+      </p:ext>
+    </p:extLst>
+  </p:cSld>
+  <p:clrMapOvr>
+    <a:masterClrMapping/>
+  </p:clrMapOvr>
+</p:sld>
+</file>
+
+<file path=ppt/slides/slide21.xml><?xml version="1.0" encoding="utf-8"?>
+<p:sld xmlns:a="http://schemas.openxmlformats.org/drawingml/2006/main" xmlns:r="http://schemas.openxmlformats.org/officeDocument/2006/relationships" xmlns:p="http://schemas.openxmlformats.org/presentationml/2006/main">
+  <p:cSld>
+    <p:spTree>
+      <p:nvGrpSpPr>
+        <p:cNvPr id="1" name=""/>
+        <p:cNvGrpSpPr/>
+        <p:nvPr/>
+      </p:nvGrpSpPr>
+      <p:grpSpPr>
+        <a:xfrm>
+          <a:off x="0" y="0"/>
+          <a:ext cx="0" cy="0"/>
+          <a:chOff x="0" y="0"/>
+          <a:chExt cx="0" cy="0"/>
+        </a:xfrm>
+      </p:grpSpPr>
     </p:spTree>
     <p:extLst>
       <p:ext uri="{BB962C8B-B14F-4D97-AF65-F5344CB8AC3E}">
@@ -19174,7 +19411,7 @@
 </p:sld>
 </file>
 
-<file path=ppt/slides/slide21.xml><?xml version="1.0" encoding="utf-8"?>
+<file path=ppt/slides/slide22.xml><?xml version="1.0" encoding="utf-8"?>
 <p:sld xmlns:a="http://schemas.openxmlformats.org/drawingml/2006/main" xmlns:r="http://schemas.openxmlformats.org/officeDocument/2006/relationships" xmlns:p="http://schemas.openxmlformats.org/presentationml/2006/main">
   <p:cSld>
     <p:spTree>
@@ -19265,7 +19502,7 @@
 </p:sld>
 </file>
 
-<file path=ppt/slides/slide22.xml><?xml version="1.0" encoding="utf-8"?>
+<file path=ppt/slides/slide23.xml><?xml version="1.0" encoding="utf-8"?>
 <p:sld xmlns:a="http://schemas.openxmlformats.org/drawingml/2006/main" xmlns:r="http://schemas.openxmlformats.org/officeDocument/2006/relationships" xmlns:p="http://schemas.openxmlformats.org/presentationml/2006/main">
   <p:cSld>
     <p:spTree>
@@ -19501,36 +19738,403 @@
           </a:p>
         </p:txBody>
       </p:sp>
-      <p:pic>
-        <p:nvPicPr>
-          <p:cNvPr id="3" name="Picture 2">
+      <p:grpSp>
+        <p:nvGrpSpPr>
+          <p:cNvPr id="10" name="Group 9">
             <a:extLst>
               <a:ext uri="{FF2B5EF4-FFF2-40B4-BE49-F238E27FC236}">
-                <a16:creationId xmlns:a16="http://schemas.microsoft.com/office/drawing/2014/main" id="{2918F484-533B-7CD8-5D99-D641C3EB2CB5}"/>
+                <a16:creationId xmlns:a16="http://schemas.microsoft.com/office/drawing/2014/main" id="{81E2FB34-6381-0205-C4DF-08AC97370415}"/>
               </a:ext>
             </a:extLst>
           </p:cNvPr>
-          <p:cNvPicPr>
-            <a:picLocks noChangeAspect="1"/>
-          </p:cNvPicPr>
+          <p:cNvGrpSpPr/>
           <p:nvPr/>
-        </p:nvPicPr>
-        <p:blipFill>
-          <a:blip r:embed="rId3"/>
-          <a:stretch>
-            <a:fillRect/>
-          </a:stretch>
-        </p:blipFill>
-        <p:spPr>
+        </p:nvGrpSpPr>
+        <p:grpSpPr>
           <a:xfrm>
-            <a:off x="1905000" y="4459834"/>
-            <a:ext cx="1828800" cy="1641305"/>
+            <a:off x="6400800" y="2133600"/>
+            <a:ext cx="5245415" cy="4343400"/>
+            <a:chOff x="2047025" y="-122464"/>
+            <a:chExt cx="9294390" cy="6980464"/>
           </a:xfrm>
-          <a:prstGeom prst="rect">
-            <a:avLst/>
-          </a:prstGeom>
-        </p:spPr>
-      </p:pic>
+        </p:grpSpPr>
+        <p:pic>
+          <p:nvPicPr>
+            <p:cNvPr id="2" name="Content Placeholder 7">
+              <a:extLst>
+                <a:ext uri="{FF2B5EF4-FFF2-40B4-BE49-F238E27FC236}">
+                  <a16:creationId xmlns:a16="http://schemas.microsoft.com/office/drawing/2014/main" id="{B3AFCDE3-EB07-C8D4-9460-07B7254D6D82}"/>
+                </a:ext>
+              </a:extLst>
+            </p:cNvPr>
+            <p:cNvPicPr>
+              <a:picLocks noChangeAspect="1"/>
+            </p:cNvPicPr>
+            <p:nvPr/>
+          </p:nvPicPr>
+          <p:blipFill>
+            <a:blip r:embed="rId3"/>
+            <a:stretch>
+              <a:fillRect/>
+            </a:stretch>
+          </p:blipFill>
+          <p:spPr>
+            <a:xfrm>
+              <a:off x="2047025" y="4353560"/>
+              <a:ext cx="1686775" cy="1513840"/>
+            </a:xfrm>
+            <a:prstGeom prst="rect">
+              <a:avLst/>
+            </a:prstGeom>
+          </p:spPr>
+        </p:pic>
+        <p:pic>
+          <p:nvPicPr>
+            <p:cNvPr id="4" name="Picture 4" descr="Digilent Nexys A7">
+              <a:extLst>
+                <a:ext uri="{FF2B5EF4-FFF2-40B4-BE49-F238E27FC236}">
+                  <a16:creationId xmlns:a16="http://schemas.microsoft.com/office/drawing/2014/main" id="{DE04FBD6-EB0C-3A88-ACC0-6D030F11AC67}"/>
+                </a:ext>
+              </a:extLst>
+            </p:cNvPr>
+            <p:cNvPicPr>
+              <a:picLocks noChangeAspect="1" noChangeArrowheads="1"/>
+            </p:cNvPicPr>
+            <p:nvPr/>
+          </p:nvPicPr>
+          <p:blipFill rotWithShape="1">
+            <a:blip r:embed="rId4" cstate="print">
+              <a:extLst>
+                <a:ext uri="{28A0092B-C50C-407E-A947-70E740481C1C}">
+                  <a14:useLocalDpi xmlns:a14="http://schemas.microsoft.com/office/drawing/2010/main" val="0"/>
+                </a:ext>
+              </a:extLst>
+            </a:blip>
+            <a:srcRect l="6062" t="6060" r="9091" b="15152"/>
+            <a:stretch/>
+          </p:blipFill>
+          <p:spPr bwMode="auto">
+            <a:xfrm>
+              <a:off x="6663907" y="2514600"/>
+              <a:ext cx="4677508" cy="4343400"/>
+            </a:xfrm>
+            <a:prstGeom prst="rect">
+              <a:avLst/>
+            </a:prstGeom>
+            <a:noFill/>
+            <a:extLst>
+              <a:ext uri="{909E8E84-426E-40DD-AFC4-6F175D3DCCD1}">
+                <a14:hiddenFill xmlns:a14="http://schemas.microsoft.com/office/drawing/2010/main">
+                  <a:solidFill>
+                    <a:srgbClr val="FFFFFF"/>
+                  </a:solidFill>
+                </a14:hiddenFill>
+              </a:ext>
+            </a:extLst>
+          </p:spPr>
+        </p:pic>
+        <p:sp>
+          <p:nvSpPr>
+            <p:cNvPr id="5" name="Arrow: Right 4">
+              <a:extLst>
+                <a:ext uri="{FF2B5EF4-FFF2-40B4-BE49-F238E27FC236}">
+                  <a16:creationId xmlns:a16="http://schemas.microsoft.com/office/drawing/2014/main" id="{7328CD1D-59C4-D27B-1589-A246B064D6BF}"/>
+                </a:ext>
+              </a:extLst>
+            </p:cNvPr>
+            <p:cNvSpPr/>
+            <p:nvPr/>
+          </p:nvSpPr>
+          <p:spPr>
+            <a:xfrm>
+              <a:off x="3702481" y="4572000"/>
+              <a:ext cx="3231719" cy="457200"/>
+            </a:xfrm>
+            <a:prstGeom prst="rightArrow">
+              <a:avLst/>
+            </a:prstGeom>
+          </p:spPr>
+          <p:style>
+            <a:lnRef idx="2">
+              <a:schemeClr val="accent1">
+                <a:shade val="15000"/>
+              </a:schemeClr>
+            </a:lnRef>
+            <a:fillRef idx="1">
+              <a:schemeClr val="accent1"/>
+            </a:fillRef>
+            <a:effectRef idx="0">
+              <a:schemeClr val="accent1"/>
+            </a:effectRef>
+            <a:fontRef idx="minor">
+              <a:schemeClr val="lt1"/>
+            </a:fontRef>
+          </p:style>
+          <p:txBody>
+            <a:bodyPr rtlCol="0" anchor="ctr"/>
+            <a:lstStyle/>
+            <a:p>
+              <a:pPr algn="ctr"/>
+              <a:r>
+                <a:rPr lang="en-US" sz="1050" dirty="0">
+                  <a:solidFill>
+                    <a:schemeClr val="bg1"/>
+                  </a:solidFill>
+                </a:rPr>
+                <a:t>Pixel data, </a:t>
+              </a:r>
+              <a:r>
+                <a:rPr lang="en-US" sz="1050" dirty="0" err="1">
+                  <a:solidFill>
+                    <a:schemeClr val="bg1"/>
+                  </a:solidFill>
+                </a:rPr>
+                <a:t>clk</a:t>
+              </a:r>
+              <a:r>
+                <a:rPr lang="en-US" sz="1050" dirty="0">
+                  <a:solidFill>
+                    <a:schemeClr val="bg1"/>
+                  </a:solidFill>
+                </a:rPr>
+                <a:t>, sync signals</a:t>
+              </a:r>
+            </a:p>
+          </p:txBody>
+        </p:sp>
+        <p:sp>
+          <p:nvSpPr>
+            <p:cNvPr id="6" name="Arrow: Right 5">
+              <a:extLst>
+                <a:ext uri="{FF2B5EF4-FFF2-40B4-BE49-F238E27FC236}">
+                  <a16:creationId xmlns:a16="http://schemas.microsoft.com/office/drawing/2014/main" id="{8DE8CA77-9EC3-15ED-4CA3-CE93C86BAE4F}"/>
+                </a:ext>
+              </a:extLst>
+            </p:cNvPr>
+            <p:cNvSpPr/>
+            <p:nvPr/>
+          </p:nvSpPr>
+          <p:spPr>
+            <a:xfrm rot="10800000" flipV="1">
+              <a:off x="3744174" y="5333999"/>
+              <a:ext cx="3190026" cy="457200"/>
+            </a:xfrm>
+            <a:prstGeom prst="rightArrow">
+              <a:avLst>
+                <a:gd name="adj1" fmla="val 50000"/>
+                <a:gd name="adj2" fmla="val 86227"/>
+              </a:avLst>
+            </a:prstGeom>
+          </p:spPr>
+          <p:style>
+            <a:lnRef idx="2">
+              <a:schemeClr val="accent1">
+                <a:shade val="15000"/>
+              </a:schemeClr>
+            </a:lnRef>
+            <a:fillRef idx="1">
+              <a:schemeClr val="accent1"/>
+            </a:fillRef>
+            <a:effectRef idx="0">
+              <a:schemeClr val="accent1"/>
+            </a:effectRef>
+            <a:fontRef idx="minor">
+              <a:schemeClr val="lt1"/>
+            </a:fontRef>
+          </p:style>
+          <p:txBody>
+            <a:bodyPr rtlCol="0" anchor="ctr"/>
+            <a:lstStyle/>
+            <a:p>
+              <a:pPr algn="ctr"/>
+              <a:r>
+                <a:rPr lang="en-US" sz="1050" dirty="0">
+                  <a:solidFill>
+                    <a:schemeClr val="bg1"/>
+                  </a:solidFill>
+                </a:rPr>
+                <a:t>SCCB Config, </a:t>
+              </a:r>
+              <a:r>
+                <a:rPr lang="en-US" sz="1050" dirty="0" err="1">
+                  <a:solidFill>
+                    <a:schemeClr val="bg1"/>
+                  </a:solidFill>
+                </a:rPr>
+                <a:t>clk</a:t>
+              </a:r>
+              <a:r>
+                <a:rPr lang="en-US" sz="1050" dirty="0">
+                  <a:solidFill>
+                    <a:schemeClr val="bg1"/>
+                  </a:solidFill>
+                </a:rPr>
+                <a:t>, reset</a:t>
+              </a:r>
+            </a:p>
+          </p:txBody>
+        </p:sp>
+        <p:pic>
+          <p:nvPicPr>
+            <p:cNvPr id="7" name="Picture 6" descr="Vga Monitor 7 Inch 1024*600 Hd Mini Portable Monitor With Av Vga Input">
+              <a:extLst>
+                <a:ext uri="{FF2B5EF4-FFF2-40B4-BE49-F238E27FC236}">
+                  <a16:creationId xmlns:a16="http://schemas.microsoft.com/office/drawing/2014/main" id="{584C2B83-B9E1-A5CF-2B09-FA225822BF5D}"/>
+                </a:ext>
+              </a:extLst>
+            </p:cNvPr>
+            <p:cNvPicPr>
+              <a:picLocks noChangeAspect="1" noChangeArrowheads="1"/>
+            </p:cNvPicPr>
+            <p:nvPr/>
+          </p:nvPicPr>
+          <p:blipFill>
+            <a:blip r:embed="rId5" cstate="print">
+              <a:extLst>
+                <a:ext uri="{28A0092B-C50C-407E-A947-70E740481C1C}">
+                  <a14:useLocalDpi xmlns:a14="http://schemas.microsoft.com/office/drawing/2010/main" val="0"/>
+                </a:ext>
+              </a:extLst>
+            </a:blip>
+            <a:srcRect/>
+            <a:stretch>
+              <a:fillRect/>
+            </a:stretch>
+          </p:blipFill>
+          <p:spPr bwMode="auto">
+            <a:xfrm>
+              <a:off x="9067801" y="-122464"/>
+              <a:ext cx="1828800" cy="1828800"/>
+            </a:xfrm>
+            <a:prstGeom prst="rect">
+              <a:avLst/>
+            </a:prstGeom>
+            <a:noFill/>
+            <a:extLst>
+              <a:ext uri="{909E8E84-426E-40DD-AFC4-6F175D3DCCD1}">
+                <a14:hiddenFill xmlns:a14="http://schemas.microsoft.com/office/drawing/2010/main">
+                  <a:solidFill>
+                    <a:srgbClr val="FFFFFF"/>
+                  </a:solidFill>
+                </a14:hiddenFill>
+              </a:ext>
+            </a:extLst>
+          </p:spPr>
+        </p:pic>
+        <p:sp>
+          <p:nvSpPr>
+            <p:cNvPr id="8" name="Arrow: Up 7">
+              <a:extLst>
+                <a:ext uri="{FF2B5EF4-FFF2-40B4-BE49-F238E27FC236}">
+                  <a16:creationId xmlns:a16="http://schemas.microsoft.com/office/drawing/2014/main" id="{41D0016D-1008-52DD-053E-2FD9D74BA07C}"/>
+                </a:ext>
+              </a:extLst>
+            </p:cNvPr>
+            <p:cNvSpPr/>
+            <p:nvPr/>
+          </p:nvSpPr>
+          <p:spPr>
+            <a:xfrm>
+              <a:off x="9608109" y="1592036"/>
+              <a:ext cx="644246" cy="917121"/>
+            </a:xfrm>
+            <a:prstGeom prst="upArrow">
+              <a:avLst/>
+            </a:prstGeom>
+            <a:solidFill>
+              <a:srgbClr val="FFFF00"/>
+            </a:solidFill>
+          </p:spPr>
+          <p:style>
+            <a:lnRef idx="2">
+              <a:schemeClr val="accent1">
+                <a:shade val="15000"/>
+              </a:schemeClr>
+            </a:lnRef>
+            <a:fillRef idx="1">
+              <a:schemeClr val="accent1"/>
+            </a:fillRef>
+            <a:effectRef idx="0">
+              <a:schemeClr val="accent1"/>
+            </a:effectRef>
+            <a:fontRef idx="minor">
+              <a:schemeClr val="lt1"/>
+            </a:fontRef>
+          </p:style>
+          <p:txBody>
+            <a:bodyPr rot="0" spcFirstLastPara="0" vertOverflow="overflow" horzOverflow="overflow" vert="horz" wrap="square" lIns="91440" tIns="45720" rIns="91440" bIns="45720" numCol="1" spcCol="0" rtlCol="0" fromWordArt="0" anchor="ctr" anchorCtr="0" forceAA="0" compatLnSpc="1">
+              <a:prstTxWarp prst="textNoShape">
+                <a:avLst/>
+              </a:prstTxWarp>
+              <a:noAutofit/>
+            </a:bodyPr>
+            <a:lstStyle/>
+            <a:p>
+              <a:pPr algn="ctr"/>
+              <a:r>
+                <a:rPr lang="en-US" sz="1000" dirty="0">
+                  <a:solidFill>
+                    <a:schemeClr val="bg1"/>
+                  </a:solidFill>
+                </a:rPr>
+                <a:t>VGA</a:t>
+              </a:r>
+            </a:p>
+          </p:txBody>
+        </p:sp>
+        <p:sp>
+          <p:nvSpPr>
+            <p:cNvPr id="9" name="Rectangle 8">
+              <a:extLst>
+                <a:ext uri="{FF2B5EF4-FFF2-40B4-BE49-F238E27FC236}">
+                  <a16:creationId xmlns:a16="http://schemas.microsoft.com/office/drawing/2014/main" id="{6EEEB6E4-84DB-4500-1E17-8D69A02BB2A6}"/>
+                </a:ext>
+              </a:extLst>
+            </p:cNvPr>
+            <p:cNvSpPr/>
+            <p:nvPr/>
+          </p:nvSpPr>
+          <p:spPr>
+            <a:xfrm>
+              <a:off x="7239000" y="6019800"/>
+              <a:ext cx="1143000" cy="685800"/>
+            </a:xfrm>
+            <a:prstGeom prst="rect">
+              <a:avLst/>
+            </a:prstGeom>
+            <a:noFill/>
+            <a:ln w="76200">
+              <a:solidFill>
+                <a:srgbClr val="7030A0"/>
+              </a:solidFill>
+            </a:ln>
+          </p:spPr>
+          <p:style>
+            <a:lnRef idx="2">
+              <a:schemeClr val="accent1">
+                <a:shade val="15000"/>
+              </a:schemeClr>
+            </a:lnRef>
+            <a:fillRef idx="1">
+              <a:schemeClr val="accent1"/>
+            </a:fillRef>
+            <a:effectRef idx="0">
+              <a:schemeClr val="accent1"/>
+            </a:effectRef>
+            <a:fontRef idx="minor">
+              <a:schemeClr val="lt1"/>
+            </a:fontRef>
+          </p:style>
+          <p:txBody>
+            <a:bodyPr rtlCol="0" anchor="ctr"/>
+            <a:lstStyle/>
+            <a:p>
+              <a:pPr algn="ctr"/>
+              <a:endParaRPr lang="en-US" sz="1050"/>
+            </a:p>
+          </p:txBody>
+        </p:sp>
+      </p:grpSp>
     </p:spTree>
     <p:extLst>
       <p:ext uri="{BB962C8B-B14F-4D97-AF65-F5344CB8AC3E}">
@@ -19720,14 +20324,19 @@
             <p:ph type="title"/>
           </p:nvPr>
         </p:nvSpPr>
-        <p:spPr/>
+        <p:spPr>
+          <a:xfrm>
+            <a:off x="1219200" y="457200"/>
+            <a:ext cx="9448800" cy="1143000"/>
+          </a:xfrm>
+        </p:spPr>
         <p:txBody>
           <a:bodyPr/>
           <a:lstStyle/>
           <a:p>
             <a:r>
               <a:rPr lang="en-US" dirty="0"/>
-              <a:t>Architecture – Key FPGA Modules.</a:t>
+              <a:t>Architecture V1.0 – Key FPGA Modules.</a:t>
             </a:r>
           </a:p>
         </p:txBody>
@@ -19899,67 +20508,6 @@
           <a:p>
             <a:pPr algn="ctr"/>
             <a:endParaRPr lang="en-US"/>
-          </a:p>
-        </p:txBody>
-      </p:sp>
-      <p:sp>
-        <p:nvSpPr>
-          <p:cNvPr id="10" name="TextBox 9">
-            <a:extLst>
-              <a:ext uri="{FF2B5EF4-FFF2-40B4-BE49-F238E27FC236}">
-                <a16:creationId xmlns:a16="http://schemas.microsoft.com/office/drawing/2014/main" id="{1A92247E-E20E-06D9-4F7E-E85032172934}"/>
-              </a:ext>
-            </a:extLst>
-          </p:cNvPr>
-          <p:cNvSpPr txBox="1"/>
-          <p:nvPr/>
-        </p:nvSpPr>
-        <p:spPr>
-          <a:xfrm>
-            <a:off x="2209800" y="295870"/>
-            <a:ext cx="6094562" cy="923330"/>
-          </a:xfrm>
-          <a:prstGeom prst="rect">
-            <a:avLst/>
-          </a:prstGeom>
-          <a:noFill/>
-        </p:spPr>
-        <p:txBody>
-          <a:bodyPr wrap="square">
-            <a:spAutoFit/>
-          </a:bodyPr>
-          <a:lstStyle/>
-          <a:p>
-            <a:pPr marL="0" lvl="0" indent="0" algn="ctr" fontAlgn="base">
-              <a:spcAft>
-                <a:spcPct val="0"/>
-              </a:spcAft>
-              <a:buNone/>
-            </a:pPr>
-            <a:r>
-              <a:rPr lang="en-US" sz="1800" dirty="0"/>
-              <a:t>Capture → BRAM →  VGA</a:t>
-            </a:r>
-          </a:p>
-          <a:p>
-            <a:pPr algn="ctr" fontAlgn="base">
-              <a:spcAft>
-                <a:spcPct val="0"/>
-              </a:spcAft>
-            </a:pPr>
-            <a:r>
-              <a:rPr lang="en-US" sz="1800" dirty="0"/>
-              <a:t>Capture → Zoom → BRAM / 4 →  VGA</a:t>
-            </a:r>
-          </a:p>
-          <a:p>
-            <a:pPr marL="0" lvl="0" indent="0" algn="ctr" fontAlgn="base">
-              <a:spcAft>
-                <a:spcPct val="0"/>
-              </a:spcAft>
-              <a:buNone/>
-            </a:pPr>
-            <a:endParaRPr lang="en-US" sz="1800" dirty="0"/>
           </a:p>
         </p:txBody>
       </p:sp>
@@ -20374,6 +20922,973 @@
   <p:cSld>
     <p:spTree>
       <p:nvGrpSpPr>
+        <p:cNvPr id="1" name=""/>
+        <p:cNvGrpSpPr/>
+        <p:nvPr/>
+      </p:nvGrpSpPr>
+      <p:grpSpPr>
+        <a:xfrm>
+          <a:off x="0" y="0"/>
+          <a:ext cx="0" cy="0"/>
+          <a:chOff x="0" y="0"/>
+          <a:chExt cx="0" cy="0"/>
+        </a:xfrm>
+      </p:grpSpPr>
+      <p:sp>
+        <p:nvSpPr>
+          <p:cNvPr id="5" name="Rectangle: Rounded Corners 4">
+            <a:extLst>
+              <a:ext uri="{FF2B5EF4-FFF2-40B4-BE49-F238E27FC236}">
+                <a16:creationId xmlns:a16="http://schemas.microsoft.com/office/drawing/2014/main" id="{53BF9BD8-3035-878F-9986-5549548C2733}"/>
+              </a:ext>
+            </a:extLst>
+          </p:cNvPr>
+          <p:cNvSpPr/>
+          <p:nvPr/>
+        </p:nvSpPr>
+        <p:spPr>
+          <a:xfrm>
+            <a:off x="914400" y="2514600"/>
+            <a:ext cx="2057400" cy="1219200"/>
+          </a:xfrm>
+          <a:prstGeom prst="roundRect">
+            <a:avLst/>
+          </a:prstGeom>
+          <a:ln>
+            <a:noFill/>
+          </a:ln>
+          <a:effectLst>
+            <a:outerShdw blurRad="184150" dist="241300" dir="11520000" sx="110000" sy="110000" algn="ctr">
+              <a:srgbClr val="000000">
+                <a:alpha val="18000"/>
+              </a:srgbClr>
+            </a:outerShdw>
+            <a:reflection blurRad="6350" stA="50000" endA="300" endPos="38500" dist="50800" dir="5400000" sy="-100000" algn="bl" rotWithShape="0"/>
+          </a:effectLst>
+          <a:scene3d>
+            <a:camera prst="orthographicFront"/>
+            <a:lightRig rig="flood" dir="t">
+              <a:rot lat="0" lon="0" rev="13800000"/>
+            </a:lightRig>
+          </a:scene3d>
+          <a:sp3d extrusionH="107950" prstMaterial="plastic">
+            <a:bevelT w="82550" h="63500" prst="divot"/>
+            <a:bevelB/>
+          </a:sp3d>
+        </p:spPr>
+        <p:style>
+          <a:lnRef idx="2">
+            <a:schemeClr val="accent1">
+              <a:shade val="15000"/>
+            </a:schemeClr>
+          </a:lnRef>
+          <a:fillRef idx="1">
+            <a:schemeClr val="accent1"/>
+          </a:fillRef>
+          <a:effectRef idx="0">
+            <a:schemeClr val="accent1"/>
+          </a:effectRef>
+          <a:fontRef idx="minor">
+            <a:schemeClr val="lt1"/>
+          </a:fontRef>
+        </p:style>
+        <p:txBody>
+          <a:bodyPr rtlCol="1" anchor="ctr"/>
+          <a:lstStyle/>
+          <a:p>
+            <a:pPr algn="ctr"/>
+            <a:r>
+              <a:rPr lang="en-US" dirty="0"/>
+              <a:t>Capture</a:t>
+            </a:r>
+          </a:p>
+        </p:txBody>
+      </p:sp>
+      <p:sp>
+        <p:nvSpPr>
+          <p:cNvPr id="6" name="Rectangle: Rounded Corners 5">
+            <a:extLst>
+              <a:ext uri="{FF2B5EF4-FFF2-40B4-BE49-F238E27FC236}">
+                <a16:creationId xmlns:a16="http://schemas.microsoft.com/office/drawing/2014/main" id="{4BE9EA95-BCBD-6966-5CBE-934760BDD646}"/>
+              </a:ext>
+            </a:extLst>
+          </p:cNvPr>
+          <p:cNvSpPr/>
+          <p:nvPr/>
+        </p:nvSpPr>
+        <p:spPr>
+          <a:xfrm>
+            <a:off x="6096000" y="3886200"/>
+            <a:ext cx="2057400" cy="1219200"/>
+          </a:xfrm>
+          <a:prstGeom prst="roundRect">
+            <a:avLst/>
+          </a:prstGeom>
+          <a:ln>
+            <a:noFill/>
+          </a:ln>
+          <a:effectLst>
+            <a:outerShdw blurRad="184150" dist="241300" dir="11520000" sx="110000" sy="110000" algn="ctr">
+              <a:srgbClr val="000000">
+                <a:alpha val="18000"/>
+              </a:srgbClr>
+            </a:outerShdw>
+            <a:reflection blurRad="6350" stA="50000" endA="300" endPos="38500" dist="50800" dir="5400000" sy="-100000" algn="bl" rotWithShape="0"/>
+          </a:effectLst>
+          <a:scene3d>
+            <a:camera prst="orthographicFront"/>
+            <a:lightRig rig="flood" dir="t">
+              <a:rot lat="0" lon="0" rev="13800000"/>
+            </a:lightRig>
+          </a:scene3d>
+          <a:sp3d extrusionH="107950" prstMaterial="plastic">
+            <a:bevelT w="82550" h="63500" prst="divot"/>
+            <a:bevelB/>
+          </a:sp3d>
+        </p:spPr>
+        <p:style>
+          <a:lnRef idx="2">
+            <a:schemeClr val="accent1">
+              <a:shade val="15000"/>
+            </a:schemeClr>
+          </a:lnRef>
+          <a:fillRef idx="1">
+            <a:schemeClr val="accent1"/>
+          </a:fillRef>
+          <a:effectRef idx="0">
+            <a:schemeClr val="accent1"/>
+          </a:effectRef>
+          <a:fontRef idx="minor">
+            <a:schemeClr val="lt1"/>
+          </a:fontRef>
+        </p:style>
+        <p:txBody>
+          <a:bodyPr rtlCol="1" anchor="ctr"/>
+          <a:lstStyle/>
+          <a:p>
+            <a:pPr algn="ctr"/>
+            <a:r>
+              <a:rPr lang="en-US" dirty="0"/>
+              <a:t>Zoom x2</a:t>
+            </a:r>
+          </a:p>
+          <a:p>
+            <a:pPr algn="ctr"/>
+            <a:r>
+              <a:rPr lang="en-US" dirty="0"/>
+              <a:t>Pixel render</a:t>
+            </a:r>
+          </a:p>
+        </p:txBody>
+      </p:sp>
+      <p:sp>
+        <p:nvSpPr>
+          <p:cNvPr id="7" name="Rectangle: Rounded Corners 6">
+            <a:extLst>
+              <a:ext uri="{FF2B5EF4-FFF2-40B4-BE49-F238E27FC236}">
+                <a16:creationId xmlns:a16="http://schemas.microsoft.com/office/drawing/2014/main" id="{7522C5A2-3E31-D8BF-0028-D00BC66F4867}"/>
+              </a:ext>
+            </a:extLst>
+          </p:cNvPr>
+          <p:cNvSpPr/>
+          <p:nvPr/>
+        </p:nvSpPr>
+        <p:spPr>
+          <a:xfrm>
+            <a:off x="8686800" y="2514600"/>
+            <a:ext cx="2057400" cy="1219200"/>
+          </a:xfrm>
+          <a:prstGeom prst="roundRect">
+            <a:avLst/>
+          </a:prstGeom>
+          <a:ln>
+            <a:noFill/>
+          </a:ln>
+          <a:effectLst>
+            <a:outerShdw blurRad="184150" dist="241300" dir="11520000" sx="110000" sy="110000" algn="ctr">
+              <a:srgbClr val="000000">
+                <a:alpha val="18000"/>
+              </a:srgbClr>
+            </a:outerShdw>
+            <a:reflection blurRad="6350" stA="50000" endA="300" endPos="38500" dist="50800" dir="5400000" sy="-100000" algn="bl" rotWithShape="0"/>
+          </a:effectLst>
+          <a:scene3d>
+            <a:camera prst="orthographicFront"/>
+            <a:lightRig rig="flood" dir="t">
+              <a:rot lat="0" lon="0" rev="13800000"/>
+            </a:lightRig>
+          </a:scene3d>
+          <a:sp3d extrusionH="107950" prstMaterial="plastic">
+            <a:bevelT w="82550" h="63500" prst="divot"/>
+            <a:bevelB/>
+          </a:sp3d>
+        </p:spPr>
+        <p:style>
+          <a:lnRef idx="2">
+            <a:schemeClr val="accent1">
+              <a:shade val="15000"/>
+            </a:schemeClr>
+          </a:lnRef>
+          <a:fillRef idx="1">
+            <a:schemeClr val="accent1"/>
+          </a:fillRef>
+          <a:effectRef idx="0">
+            <a:schemeClr val="accent1"/>
+          </a:effectRef>
+          <a:fontRef idx="minor">
+            <a:schemeClr val="lt1"/>
+          </a:fontRef>
+        </p:style>
+        <p:txBody>
+          <a:bodyPr rtlCol="1" anchor="ctr"/>
+          <a:lstStyle/>
+          <a:p>
+            <a:pPr algn="ctr"/>
+            <a:r>
+              <a:rPr lang="en-US" dirty="0"/>
+              <a:t>VGA</a:t>
+            </a:r>
+          </a:p>
+        </p:txBody>
+      </p:sp>
+      <p:sp>
+        <p:nvSpPr>
+          <p:cNvPr id="11" name="Rectangle: Rounded Corners 10">
+            <a:extLst>
+              <a:ext uri="{FF2B5EF4-FFF2-40B4-BE49-F238E27FC236}">
+                <a16:creationId xmlns:a16="http://schemas.microsoft.com/office/drawing/2014/main" id="{FCED641C-AC96-E830-F45A-CB03C7E06983}"/>
+              </a:ext>
+            </a:extLst>
+          </p:cNvPr>
+          <p:cNvSpPr/>
+          <p:nvPr/>
+        </p:nvSpPr>
+        <p:spPr>
+          <a:xfrm>
+            <a:off x="3505200" y="2514600"/>
+            <a:ext cx="2057400" cy="1219200"/>
+          </a:xfrm>
+          <a:prstGeom prst="roundRect">
+            <a:avLst/>
+          </a:prstGeom>
+          <a:ln>
+            <a:noFill/>
+          </a:ln>
+          <a:effectLst>
+            <a:outerShdw blurRad="184150" dist="241300" dir="11520000" sx="110000" sy="110000" algn="ctr">
+              <a:srgbClr val="000000">
+                <a:alpha val="18000"/>
+              </a:srgbClr>
+            </a:outerShdw>
+            <a:reflection blurRad="6350" stA="50000" endA="300" endPos="38500" dist="50800" dir="5400000" sy="-100000" algn="bl" rotWithShape="0"/>
+          </a:effectLst>
+          <a:scene3d>
+            <a:camera prst="orthographicFront"/>
+            <a:lightRig rig="flood" dir="t">
+              <a:rot lat="0" lon="0" rev="13800000"/>
+            </a:lightRig>
+          </a:scene3d>
+          <a:sp3d extrusionH="107950" prstMaterial="plastic">
+            <a:bevelT w="82550" h="63500" prst="divot"/>
+            <a:bevelB/>
+          </a:sp3d>
+        </p:spPr>
+        <p:style>
+          <a:lnRef idx="2">
+            <a:schemeClr val="accent1">
+              <a:shade val="15000"/>
+            </a:schemeClr>
+          </a:lnRef>
+          <a:fillRef idx="1">
+            <a:schemeClr val="accent1"/>
+          </a:fillRef>
+          <a:effectRef idx="0">
+            <a:schemeClr val="accent1"/>
+          </a:effectRef>
+          <a:fontRef idx="minor">
+            <a:schemeClr val="lt1"/>
+          </a:fontRef>
+        </p:style>
+        <p:txBody>
+          <a:bodyPr rtlCol="1" anchor="ctr"/>
+          <a:lstStyle/>
+          <a:p>
+            <a:pPr algn="ctr"/>
+            <a:r>
+              <a:rPr lang="en-US" dirty="0"/>
+              <a:t>BRAM</a:t>
+            </a:r>
+          </a:p>
+          <a:p>
+            <a:pPr algn="ctr"/>
+            <a:r>
+              <a:rPr lang="en-US" dirty="0"/>
+              <a:t>(640 x 480 x 12)</a:t>
+            </a:r>
+          </a:p>
+        </p:txBody>
+      </p:sp>
+      <p:cxnSp>
+        <p:nvCxnSpPr>
+          <p:cNvPr id="13" name="Straight Arrow Connector 12">
+            <a:extLst>
+              <a:ext uri="{FF2B5EF4-FFF2-40B4-BE49-F238E27FC236}">
+                <a16:creationId xmlns:a16="http://schemas.microsoft.com/office/drawing/2014/main" id="{FFECE7BC-62B9-1651-C430-3AB8482C4A00}"/>
+              </a:ext>
+            </a:extLst>
+          </p:cNvPr>
+          <p:cNvCxnSpPr>
+            <a:stCxn id="5" idx="3"/>
+            <a:endCxn id="11" idx="1"/>
+          </p:cNvCxnSpPr>
+          <p:nvPr/>
+        </p:nvCxnSpPr>
+        <p:spPr>
+          <a:xfrm>
+            <a:off x="2971800" y="3124200"/>
+            <a:ext cx="533400" cy="0"/>
+          </a:xfrm>
+          <a:prstGeom prst="straightConnector1">
+            <a:avLst/>
+          </a:prstGeom>
+          <a:ln w="38100">
+            <a:solidFill>
+              <a:schemeClr val="tx1"/>
+            </a:solidFill>
+            <a:tailEnd type="triangle"/>
+          </a:ln>
+        </p:spPr>
+        <p:style>
+          <a:lnRef idx="1">
+            <a:schemeClr val="accent1"/>
+          </a:lnRef>
+          <a:fillRef idx="0">
+            <a:schemeClr val="accent1"/>
+          </a:fillRef>
+          <a:effectRef idx="0">
+            <a:schemeClr val="accent1"/>
+          </a:effectRef>
+          <a:fontRef idx="minor">
+            <a:schemeClr val="tx1"/>
+          </a:fontRef>
+        </p:style>
+      </p:cxnSp>
+      <p:cxnSp>
+        <p:nvCxnSpPr>
+          <p:cNvPr id="14" name="Straight Arrow Connector 13">
+            <a:extLst>
+              <a:ext uri="{FF2B5EF4-FFF2-40B4-BE49-F238E27FC236}">
+                <a16:creationId xmlns:a16="http://schemas.microsoft.com/office/drawing/2014/main" id="{45ED17D7-7C14-C87C-CB63-DF4D51DA5A5D}"/>
+              </a:ext>
+            </a:extLst>
+          </p:cNvPr>
+          <p:cNvCxnSpPr>
+            <a:cxnSpLocks/>
+          </p:cNvCxnSpPr>
+          <p:nvPr/>
+        </p:nvCxnSpPr>
+        <p:spPr>
+          <a:xfrm>
+            <a:off x="5562600" y="4495800"/>
+            <a:ext cx="533400" cy="0"/>
+          </a:xfrm>
+          <a:prstGeom prst="straightConnector1">
+            <a:avLst/>
+          </a:prstGeom>
+          <a:ln w="38100">
+            <a:solidFill>
+              <a:schemeClr val="tx1"/>
+            </a:solidFill>
+            <a:tailEnd type="triangle"/>
+          </a:ln>
+        </p:spPr>
+        <p:style>
+          <a:lnRef idx="1">
+            <a:schemeClr val="accent1"/>
+          </a:lnRef>
+          <a:fillRef idx="0">
+            <a:schemeClr val="accent1"/>
+          </a:fillRef>
+          <a:effectRef idx="0">
+            <a:schemeClr val="accent1"/>
+          </a:effectRef>
+          <a:fontRef idx="minor">
+            <a:schemeClr val="tx1"/>
+          </a:fontRef>
+        </p:style>
+      </p:cxnSp>
+      <p:cxnSp>
+        <p:nvCxnSpPr>
+          <p:cNvPr id="15" name="Straight Arrow Connector 14">
+            <a:extLst>
+              <a:ext uri="{FF2B5EF4-FFF2-40B4-BE49-F238E27FC236}">
+                <a16:creationId xmlns:a16="http://schemas.microsoft.com/office/drawing/2014/main" id="{3E57A641-8186-A7BB-359C-CC92232A88B6}"/>
+              </a:ext>
+            </a:extLst>
+          </p:cNvPr>
+          <p:cNvCxnSpPr>
+            <a:cxnSpLocks/>
+          </p:cNvCxnSpPr>
+          <p:nvPr/>
+        </p:nvCxnSpPr>
+        <p:spPr>
+          <a:xfrm>
+            <a:off x="8458200" y="3124200"/>
+            <a:ext cx="228600" cy="0"/>
+          </a:xfrm>
+          <a:prstGeom prst="straightConnector1">
+            <a:avLst/>
+          </a:prstGeom>
+          <a:ln w="38100">
+            <a:solidFill>
+              <a:schemeClr val="tx1"/>
+            </a:solidFill>
+            <a:tailEnd type="triangle"/>
+          </a:ln>
+        </p:spPr>
+        <p:style>
+          <a:lnRef idx="1">
+            <a:schemeClr val="accent1"/>
+          </a:lnRef>
+          <a:fillRef idx="0">
+            <a:schemeClr val="accent1"/>
+          </a:fillRef>
+          <a:effectRef idx="0">
+            <a:schemeClr val="accent1"/>
+          </a:effectRef>
+          <a:fontRef idx="minor">
+            <a:schemeClr val="tx1"/>
+          </a:fontRef>
+        </p:style>
+      </p:cxnSp>
+      <p:cxnSp>
+        <p:nvCxnSpPr>
+          <p:cNvPr id="16" name="Straight Arrow Connector 15">
+            <a:extLst>
+              <a:ext uri="{FF2B5EF4-FFF2-40B4-BE49-F238E27FC236}">
+                <a16:creationId xmlns:a16="http://schemas.microsoft.com/office/drawing/2014/main" id="{AC5F52EB-B7A6-B759-35B9-E6B94704ADB4}"/>
+              </a:ext>
+            </a:extLst>
+          </p:cNvPr>
+          <p:cNvCxnSpPr>
+            <a:cxnSpLocks/>
+          </p:cNvCxnSpPr>
+          <p:nvPr/>
+        </p:nvCxnSpPr>
+        <p:spPr>
+          <a:xfrm>
+            <a:off x="9715500" y="1828800"/>
+            <a:ext cx="0" cy="704850"/>
+          </a:xfrm>
+          <a:prstGeom prst="straightConnector1">
+            <a:avLst/>
+          </a:prstGeom>
+          <a:ln w="38100">
+            <a:solidFill>
+              <a:schemeClr val="tx1"/>
+            </a:solidFill>
+            <a:tailEnd type="triangle"/>
+          </a:ln>
+        </p:spPr>
+        <p:style>
+          <a:lnRef idx="1">
+            <a:schemeClr val="accent1"/>
+          </a:lnRef>
+          <a:fillRef idx="0">
+            <a:schemeClr val="accent1"/>
+          </a:fillRef>
+          <a:effectRef idx="0">
+            <a:schemeClr val="accent1"/>
+          </a:effectRef>
+          <a:fontRef idx="minor">
+            <a:schemeClr val="tx1"/>
+          </a:fontRef>
+        </p:style>
+      </p:cxnSp>
+      <p:cxnSp>
+        <p:nvCxnSpPr>
+          <p:cNvPr id="19" name="Straight Connector 18">
+            <a:extLst>
+              <a:ext uri="{FF2B5EF4-FFF2-40B4-BE49-F238E27FC236}">
+                <a16:creationId xmlns:a16="http://schemas.microsoft.com/office/drawing/2014/main" id="{F3B8D80B-CB0B-80C3-A1F2-7E0E10FB5CDB}"/>
+              </a:ext>
+            </a:extLst>
+          </p:cNvPr>
+          <p:cNvCxnSpPr/>
+          <p:nvPr/>
+        </p:nvCxnSpPr>
+        <p:spPr>
+          <a:xfrm flipH="1">
+            <a:off x="4533900" y="1828800"/>
+            <a:ext cx="5181600" cy="0"/>
+          </a:xfrm>
+          <a:prstGeom prst="line">
+            <a:avLst/>
+          </a:prstGeom>
+          <a:ln w="38100">
+            <a:solidFill>
+              <a:schemeClr val="tx1"/>
+            </a:solidFill>
+          </a:ln>
+        </p:spPr>
+        <p:style>
+          <a:lnRef idx="1">
+            <a:schemeClr val="accent1"/>
+          </a:lnRef>
+          <a:fillRef idx="0">
+            <a:schemeClr val="accent1"/>
+          </a:fillRef>
+          <a:effectRef idx="0">
+            <a:schemeClr val="accent1"/>
+          </a:effectRef>
+          <a:fontRef idx="minor">
+            <a:schemeClr val="tx1"/>
+          </a:fontRef>
+        </p:style>
+      </p:cxnSp>
+      <p:cxnSp>
+        <p:nvCxnSpPr>
+          <p:cNvPr id="21" name="Straight Connector 20">
+            <a:extLst>
+              <a:ext uri="{FF2B5EF4-FFF2-40B4-BE49-F238E27FC236}">
+                <a16:creationId xmlns:a16="http://schemas.microsoft.com/office/drawing/2014/main" id="{60E05E86-40B5-AF3C-1261-B39F1FCE09B8}"/>
+              </a:ext>
+            </a:extLst>
+          </p:cNvPr>
+          <p:cNvCxnSpPr>
+            <a:cxnSpLocks/>
+            <a:endCxn id="11" idx="0"/>
+          </p:cNvCxnSpPr>
+          <p:nvPr/>
+        </p:nvCxnSpPr>
+        <p:spPr>
+          <a:xfrm>
+            <a:off x="4533900" y="1828800"/>
+            <a:ext cx="0" cy="685800"/>
+          </a:xfrm>
+          <a:prstGeom prst="line">
+            <a:avLst/>
+          </a:prstGeom>
+          <a:ln w="38100">
+            <a:solidFill>
+              <a:schemeClr val="tx1"/>
+            </a:solidFill>
+          </a:ln>
+        </p:spPr>
+        <p:style>
+          <a:lnRef idx="1">
+            <a:schemeClr val="accent1"/>
+          </a:lnRef>
+          <a:fillRef idx="0">
+            <a:schemeClr val="accent1"/>
+          </a:fillRef>
+          <a:effectRef idx="0">
+            <a:schemeClr val="accent1"/>
+          </a:effectRef>
+          <a:fontRef idx="minor">
+            <a:schemeClr val="tx1"/>
+          </a:fontRef>
+        </p:style>
+      </p:cxnSp>
+      <p:sp>
+        <p:nvSpPr>
+          <p:cNvPr id="24" name="TextBox 23">
+            <a:extLst>
+              <a:ext uri="{FF2B5EF4-FFF2-40B4-BE49-F238E27FC236}">
+                <a16:creationId xmlns:a16="http://schemas.microsoft.com/office/drawing/2014/main" id="{71FC952C-A804-2760-F505-BE5086A74593}"/>
+              </a:ext>
+            </a:extLst>
+          </p:cNvPr>
+          <p:cNvSpPr txBox="1"/>
+          <p:nvPr/>
+        </p:nvSpPr>
+        <p:spPr>
+          <a:xfrm>
+            <a:off x="3886200" y="1447800"/>
+            <a:ext cx="6094562" cy="646331"/>
+          </a:xfrm>
+          <a:prstGeom prst="rect">
+            <a:avLst/>
+          </a:prstGeom>
+          <a:noFill/>
+        </p:spPr>
+        <p:txBody>
+          <a:bodyPr wrap="square">
+            <a:spAutoFit/>
+          </a:bodyPr>
+          <a:lstStyle/>
+          <a:p>
+            <a:pPr algn="ctr" fontAlgn="base">
+              <a:spcAft>
+                <a:spcPct val="0"/>
+              </a:spcAft>
+            </a:pPr>
+            <a:r>
+              <a:rPr lang="en-US" sz="1800" dirty="0"/>
+              <a:t>Zoom disabled</a:t>
+            </a:r>
+          </a:p>
+          <a:p>
+            <a:pPr marL="0" lvl="0" indent="0" algn="ctr" fontAlgn="base">
+              <a:spcAft>
+                <a:spcPct val="0"/>
+              </a:spcAft>
+              <a:buNone/>
+            </a:pPr>
+            <a:endParaRPr lang="en-US" sz="1800" dirty="0"/>
+          </a:p>
+        </p:txBody>
+      </p:sp>
+      <p:sp>
+        <p:nvSpPr>
+          <p:cNvPr id="25" name="Rectangle: Rounded Corners 24">
+            <a:extLst>
+              <a:ext uri="{FF2B5EF4-FFF2-40B4-BE49-F238E27FC236}">
+                <a16:creationId xmlns:a16="http://schemas.microsoft.com/office/drawing/2014/main" id="{81FA479D-2C2D-ADDE-5ED9-D7B89736F164}"/>
+              </a:ext>
+            </a:extLst>
+          </p:cNvPr>
+          <p:cNvSpPr/>
+          <p:nvPr/>
+        </p:nvSpPr>
+        <p:spPr>
+          <a:xfrm>
+            <a:off x="3505200" y="3886200"/>
+            <a:ext cx="2057400" cy="1219200"/>
+          </a:xfrm>
+          <a:prstGeom prst="roundRect">
+            <a:avLst/>
+          </a:prstGeom>
+          <a:ln>
+            <a:noFill/>
+          </a:ln>
+          <a:effectLst>
+            <a:outerShdw blurRad="184150" dist="241300" dir="11520000" sx="110000" sy="110000" algn="ctr">
+              <a:srgbClr val="000000">
+                <a:alpha val="18000"/>
+              </a:srgbClr>
+            </a:outerShdw>
+            <a:reflection blurRad="6350" stA="50000" endA="300" endPos="38500" dist="50800" dir="5400000" sy="-100000" algn="bl" rotWithShape="0"/>
+          </a:effectLst>
+          <a:scene3d>
+            <a:camera prst="orthographicFront"/>
+            <a:lightRig rig="flood" dir="t">
+              <a:rot lat="0" lon="0" rev="13800000"/>
+            </a:lightRig>
+          </a:scene3d>
+          <a:sp3d extrusionH="107950" prstMaterial="plastic">
+            <a:bevelT w="82550" h="63500" prst="divot"/>
+            <a:bevelB/>
+          </a:sp3d>
+        </p:spPr>
+        <p:style>
+          <a:lnRef idx="2">
+            <a:schemeClr val="accent1">
+              <a:shade val="15000"/>
+            </a:schemeClr>
+          </a:lnRef>
+          <a:fillRef idx="1">
+            <a:schemeClr val="accent1"/>
+          </a:fillRef>
+          <a:effectRef idx="0">
+            <a:schemeClr val="accent1"/>
+          </a:effectRef>
+          <a:fontRef idx="minor">
+            <a:schemeClr val="lt1"/>
+          </a:fontRef>
+        </p:style>
+        <p:txBody>
+          <a:bodyPr rtlCol="1" anchor="ctr"/>
+          <a:lstStyle/>
+          <a:p>
+            <a:pPr algn="ctr"/>
+            <a:r>
+              <a:rPr lang="en-US" dirty="0"/>
+              <a:t>¼ BRAM</a:t>
+            </a:r>
+          </a:p>
+          <a:p>
+            <a:pPr algn="ctr"/>
+            <a:r>
+              <a:rPr lang="en-US" dirty="0"/>
+              <a:t>(640 x 480 x 12)</a:t>
+            </a:r>
+          </a:p>
+        </p:txBody>
+      </p:sp>
+      <p:cxnSp>
+        <p:nvCxnSpPr>
+          <p:cNvPr id="27" name="Straight Arrow Connector 26">
+            <a:extLst>
+              <a:ext uri="{FF2B5EF4-FFF2-40B4-BE49-F238E27FC236}">
+                <a16:creationId xmlns:a16="http://schemas.microsoft.com/office/drawing/2014/main" id="{CE3D477E-A4DD-E090-F243-906BD8320A53}"/>
+              </a:ext>
+            </a:extLst>
+          </p:cNvPr>
+          <p:cNvCxnSpPr>
+            <a:cxnSpLocks/>
+          </p:cNvCxnSpPr>
+          <p:nvPr/>
+        </p:nvCxnSpPr>
+        <p:spPr>
+          <a:xfrm flipV="1">
+            <a:off x="1943100" y="4486275"/>
+            <a:ext cx="1609725" cy="9525"/>
+          </a:xfrm>
+          <a:prstGeom prst="straightConnector1">
+            <a:avLst/>
+          </a:prstGeom>
+          <a:ln w="38100">
+            <a:solidFill>
+              <a:schemeClr val="tx1"/>
+            </a:solidFill>
+            <a:tailEnd type="triangle"/>
+          </a:ln>
+        </p:spPr>
+        <p:style>
+          <a:lnRef idx="1">
+            <a:schemeClr val="accent1"/>
+          </a:lnRef>
+          <a:fillRef idx="0">
+            <a:schemeClr val="accent1"/>
+          </a:fillRef>
+          <a:effectRef idx="0">
+            <a:schemeClr val="accent1"/>
+          </a:effectRef>
+          <a:fontRef idx="minor">
+            <a:schemeClr val="tx1"/>
+          </a:fontRef>
+        </p:style>
+      </p:cxnSp>
+      <p:cxnSp>
+        <p:nvCxnSpPr>
+          <p:cNvPr id="28" name="Straight Connector 27">
+            <a:extLst>
+              <a:ext uri="{FF2B5EF4-FFF2-40B4-BE49-F238E27FC236}">
+                <a16:creationId xmlns:a16="http://schemas.microsoft.com/office/drawing/2014/main" id="{3176AB47-5353-9B19-12B5-6041DF0EC6F6}"/>
+              </a:ext>
+            </a:extLst>
+          </p:cNvPr>
+          <p:cNvCxnSpPr>
+            <a:cxnSpLocks/>
+          </p:cNvCxnSpPr>
+          <p:nvPr/>
+        </p:nvCxnSpPr>
+        <p:spPr>
+          <a:xfrm>
+            <a:off x="1943100" y="3733800"/>
+            <a:ext cx="0" cy="752475"/>
+          </a:xfrm>
+          <a:prstGeom prst="line">
+            <a:avLst/>
+          </a:prstGeom>
+          <a:ln w="38100">
+            <a:solidFill>
+              <a:schemeClr val="tx1"/>
+            </a:solidFill>
+          </a:ln>
+        </p:spPr>
+        <p:style>
+          <a:lnRef idx="1">
+            <a:schemeClr val="accent1"/>
+          </a:lnRef>
+          <a:fillRef idx="0">
+            <a:schemeClr val="accent1"/>
+          </a:fillRef>
+          <a:effectRef idx="0">
+            <a:schemeClr val="accent1"/>
+          </a:effectRef>
+          <a:fontRef idx="minor">
+            <a:schemeClr val="tx1"/>
+          </a:fontRef>
+        </p:style>
+      </p:cxnSp>
+      <p:cxnSp>
+        <p:nvCxnSpPr>
+          <p:cNvPr id="31" name="Straight Connector 30">
+            <a:extLst>
+              <a:ext uri="{FF2B5EF4-FFF2-40B4-BE49-F238E27FC236}">
+                <a16:creationId xmlns:a16="http://schemas.microsoft.com/office/drawing/2014/main" id="{43BA5BA9-4BB1-2323-0C66-7DD1480997F6}"/>
+              </a:ext>
+            </a:extLst>
+          </p:cNvPr>
+          <p:cNvCxnSpPr>
+            <a:cxnSpLocks/>
+          </p:cNvCxnSpPr>
+          <p:nvPr/>
+        </p:nvCxnSpPr>
+        <p:spPr>
+          <a:xfrm>
+            <a:off x="8458200" y="3133725"/>
+            <a:ext cx="0" cy="1362075"/>
+          </a:xfrm>
+          <a:prstGeom prst="line">
+            <a:avLst/>
+          </a:prstGeom>
+          <a:ln w="38100">
+            <a:solidFill>
+              <a:schemeClr val="tx1"/>
+            </a:solidFill>
+          </a:ln>
+        </p:spPr>
+        <p:style>
+          <a:lnRef idx="1">
+            <a:schemeClr val="accent1"/>
+          </a:lnRef>
+          <a:fillRef idx="0">
+            <a:schemeClr val="accent1"/>
+          </a:fillRef>
+          <a:effectRef idx="0">
+            <a:schemeClr val="accent1"/>
+          </a:effectRef>
+          <a:fontRef idx="minor">
+            <a:schemeClr val="tx1"/>
+          </a:fontRef>
+        </p:style>
+      </p:cxnSp>
+      <p:cxnSp>
+        <p:nvCxnSpPr>
+          <p:cNvPr id="33" name="Straight Connector 32">
+            <a:extLst>
+              <a:ext uri="{FF2B5EF4-FFF2-40B4-BE49-F238E27FC236}">
+                <a16:creationId xmlns:a16="http://schemas.microsoft.com/office/drawing/2014/main" id="{D434A3A1-EF27-5958-A6FF-D81A03FA1D7E}"/>
+              </a:ext>
+            </a:extLst>
+          </p:cNvPr>
+          <p:cNvCxnSpPr>
+            <a:cxnSpLocks/>
+          </p:cNvCxnSpPr>
+          <p:nvPr/>
+        </p:nvCxnSpPr>
+        <p:spPr>
+          <a:xfrm flipH="1">
+            <a:off x="8153400" y="4486275"/>
+            <a:ext cx="304800" cy="0"/>
+          </a:xfrm>
+          <a:prstGeom prst="line">
+            <a:avLst/>
+          </a:prstGeom>
+          <a:ln w="38100">
+            <a:solidFill>
+              <a:schemeClr val="tx1"/>
+            </a:solidFill>
+          </a:ln>
+        </p:spPr>
+        <p:style>
+          <a:lnRef idx="1">
+            <a:schemeClr val="accent1"/>
+          </a:lnRef>
+          <a:fillRef idx="0">
+            <a:schemeClr val="accent1"/>
+          </a:fillRef>
+          <a:effectRef idx="0">
+            <a:schemeClr val="accent1"/>
+          </a:effectRef>
+          <a:fontRef idx="minor">
+            <a:schemeClr val="tx1"/>
+          </a:fontRef>
+        </p:style>
+      </p:cxnSp>
+      <p:sp>
+        <p:nvSpPr>
+          <p:cNvPr id="36" name="TextBox 35">
+            <a:extLst>
+              <a:ext uri="{FF2B5EF4-FFF2-40B4-BE49-F238E27FC236}">
+                <a16:creationId xmlns:a16="http://schemas.microsoft.com/office/drawing/2014/main" id="{9E7AA244-6670-7A7F-9DDD-B73CDD94C154}"/>
+              </a:ext>
+            </a:extLst>
+          </p:cNvPr>
+          <p:cNvSpPr txBox="1"/>
+          <p:nvPr/>
+        </p:nvSpPr>
+        <p:spPr>
+          <a:xfrm>
+            <a:off x="-303362" y="4840069"/>
+            <a:ext cx="6094562" cy="646331"/>
+          </a:xfrm>
+          <a:prstGeom prst="rect">
+            <a:avLst/>
+          </a:prstGeom>
+          <a:noFill/>
+        </p:spPr>
+        <p:txBody>
+          <a:bodyPr wrap="square">
+            <a:spAutoFit/>
+          </a:bodyPr>
+          <a:lstStyle/>
+          <a:p>
+            <a:pPr algn="ctr" fontAlgn="base">
+              <a:spcAft>
+                <a:spcPct val="0"/>
+              </a:spcAft>
+            </a:pPr>
+            <a:r>
+              <a:rPr lang="en-US" sz="1800" dirty="0"/>
+              <a:t>Zoom enabled</a:t>
+            </a:r>
+          </a:p>
+          <a:p>
+            <a:pPr marL="0" lvl="0" indent="0" algn="ctr" fontAlgn="base">
+              <a:spcAft>
+                <a:spcPct val="0"/>
+              </a:spcAft>
+              <a:buNone/>
+            </a:pPr>
+            <a:endParaRPr lang="en-US" sz="1800" dirty="0"/>
+          </a:p>
+        </p:txBody>
+      </p:sp>
+      <p:sp>
+        <p:nvSpPr>
+          <p:cNvPr id="37" name="Title 1">
+            <a:extLst>
+              <a:ext uri="{FF2B5EF4-FFF2-40B4-BE49-F238E27FC236}">
+                <a16:creationId xmlns:a16="http://schemas.microsoft.com/office/drawing/2014/main" id="{6184887E-F413-227A-DB79-BFAFD434FF49}"/>
+              </a:ext>
+            </a:extLst>
+          </p:cNvPr>
+          <p:cNvSpPr>
+            <a:spLocks noGrp="1"/>
+          </p:cNvSpPr>
+          <p:nvPr>
+            <p:ph type="title"/>
+          </p:nvPr>
+        </p:nvSpPr>
+        <p:spPr>
+          <a:xfrm>
+            <a:off x="1219200" y="381000"/>
+            <a:ext cx="9448800" cy="1143000"/>
+          </a:xfrm>
+        </p:spPr>
+        <p:txBody>
+          <a:bodyPr/>
+          <a:lstStyle/>
+          <a:p>
+            <a:r>
+              <a:rPr lang="en-US" dirty="0"/>
+              <a:t>Architecture V1.0 – Data Flow.</a:t>
+            </a:r>
+          </a:p>
+        </p:txBody>
+      </p:sp>
+    </p:spTree>
+    <p:extLst>
+      <p:ext uri="{BB962C8B-B14F-4D97-AF65-F5344CB8AC3E}">
+        <p14:creationId xmlns:p14="http://schemas.microsoft.com/office/powerpoint/2010/main" val="2124551211"/>
+      </p:ext>
+    </p:extLst>
+  </p:cSld>
+  <p:clrMapOvr>
+    <a:masterClrMapping/>
+  </p:clrMapOvr>
+</p:sld>
+</file>
+
+<file path=ppt/slides/slide7.xml><?xml version="1.0" encoding="utf-8"?>
+<p:sld xmlns:a="http://schemas.openxmlformats.org/drawingml/2006/main" xmlns:r="http://schemas.openxmlformats.org/officeDocument/2006/relationships" xmlns:p="http://schemas.openxmlformats.org/presentationml/2006/main">
+  <p:cSld>
+    <p:spTree>
+      <p:nvGrpSpPr>
         <p:cNvPr id="1" name="">
           <a:extLst>
             <a:ext uri="{FF2B5EF4-FFF2-40B4-BE49-F238E27FC236}">
@@ -20408,14 +21923,19 @@
             <p:ph type="title"/>
           </p:nvPr>
         </p:nvSpPr>
-        <p:spPr/>
+        <p:spPr>
+          <a:xfrm>
+            <a:off x="1524000" y="457200"/>
+            <a:ext cx="9525000" cy="1143000"/>
+          </a:xfrm>
+        </p:spPr>
         <p:txBody>
           <a:bodyPr/>
           <a:lstStyle/>
           <a:p>
             <a:r>
               <a:rPr lang="en-US" dirty="0"/>
-              <a:t>Architecture – Key FPGA Modules.</a:t>
+              <a:t>Architecture V2.0 – Key FPGA Modules.</a:t>
             </a:r>
           </a:p>
         </p:txBody>
@@ -20750,86 +22270,6 @@
           <a:p>
             <a:pPr algn="ctr"/>
             <a:endParaRPr lang="en-US"/>
-          </a:p>
-        </p:txBody>
-      </p:sp>
-      <p:sp>
-        <p:nvSpPr>
-          <p:cNvPr id="15" name="TextBox 14">
-            <a:extLst>
-              <a:ext uri="{FF2B5EF4-FFF2-40B4-BE49-F238E27FC236}">
-                <a16:creationId xmlns:a16="http://schemas.microsoft.com/office/drawing/2014/main" id="{12E1C263-BEC3-F0EE-9EE2-2D5820FB0DC8}"/>
-              </a:ext>
-            </a:extLst>
-          </p:cNvPr>
-          <p:cNvSpPr txBox="1"/>
-          <p:nvPr/>
-        </p:nvSpPr>
-        <p:spPr>
-          <a:xfrm>
-            <a:off x="1676400" y="272534"/>
-            <a:ext cx="6934200" cy="1477328"/>
-          </a:xfrm>
-          <a:prstGeom prst="rect">
-            <a:avLst/>
-          </a:prstGeom>
-          <a:noFill/>
-        </p:spPr>
-        <p:txBody>
-          <a:bodyPr wrap="square">
-            <a:spAutoFit/>
-          </a:bodyPr>
-          <a:lstStyle/>
-          <a:p>
-            <a:pPr marL="0" lvl="0" indent="0" algn="ctr" fontAlgn="base">
-              <a:spcAft>
-                <a:spcPct val="0"/>
-              </a:spcAft>
-              <a:buNone/>
-            </a:pPr>
-            <a:r>
-              <a:rPr lang="en-US" sz="1800" dirty="0"/>
-              <a:t>Capture →  Zoom → BRAM2 → Bili → BRAM1 → VGA</a:t>
-            </a:r>
-          </a:p>
-          <a:p>
-            <a:pPr algn="ctr" fontAlgn="base">
-              <a:spcAft>
-                <a:spcPct val="0"/>
-              </a:spcAft>
-            </a:pPr>
-            <a:r>
-              <a:rPr lang="en-US" sz="1800" dirty="0"/>
-              <a:t>Capture →  Zoom → BRAM2 → VGA</a:t>
-            </a:r>
-          </a:p>
-          <a:p>
-            <a:pPr algn="ctr" fontAlgn="base">
-              <a:spcAft>
-                <a:spcPct val="0"/>
-              </a:spcAft>
-            </a:pPr>
-            <a:r>
-              <a:rPr lang="en-US" sz="1800" dirty="0"/>
-              <a:t>Capture → BRAM1 → VGA</a:t>
-            </a:r>
-          </a:p>
-          <a:p>
-            <a:pPr algn="ctr" fontAlgn="base">
-              <a:spcAft>
-                <a:spcPct val="0"/>
-              </a:spcAft>
-            </a:pPr>
-            <a:endParaRPr lang="en-US" sz="1800" dirty="0"/>
-          </a:p>
-          <a:p>
-            <a:pPr marL="0" lvl="0" indent="0" algn="ctr" fontAlgn="base">
-              <a:spcAft>
-                <a:spcPct val="0"/>
-              </a:spcAft>
-              <a:buNone/>
-            </a:pPr>
-            <a:endParaRPr lang="en-US" sz="1800" dirty="0"/>
           </a:p>
         </p:txBody>
       </p:sp>
@@ -21308,7 +22748,7 @@
 </p:sld>
 </file>
 
-<file path=ppt/slides/slide7.xml><?xml version="1.0" encoding="utf-8"?>
+<file path=ppt/slides/slide8.xml><?xml version="1.0" encoding="utf-8"?>
 <p:sld xmlns:a="http://schemas.openxmlformats.org/drawingml/2006/main" xmlns:r="http://schemas.openxmlformats.org/officeDocument/2006/relationships" xmlns:p="http://schemas.openxmlformats.org/presentationml/2006/main">
   <p:cSld>
     <p:spTree>
@@ -21316,7 +22756,7 @@
         <p:cNvPr id="1" name="">
           <a:extLst>
             <a:ext uri="{FF2B5EF4-FFF2-40B4-BE49-F238E27FC236}">
-              <a16:creationId xmlns:a16="http://schemas.microsoft.com/office/drawing/2014/main" id="{F9D4EDFF-1EFD-0551-7B74-C76229F9F633}"/>
+              <a16:creationId xmlns:a16="http://schemas.microsoft.com/office/drawing/2014/main" id="{4CECB949-1DD2-F25A-BB8D-4834D595940F}"/>
             </a:ext>
           </a:extLst>
         </p:cNvPr>
@@ -21333,116 +22773,10 @@
       </p:grpSpPr>
       <p:sp>
         <p:nvSpPr>
-          <p:cNvPr id="2" name="Title 1">
+          <p:cNvPr id="5" name="Rectangle: Rounded Corners 4">
             <a:extLst>
               <a:ext uri="{FF2B5EF4-FFF2-40B4-BE49-F238E27FC236}">
-                <a16:creationId xmlns:a16="http://schemas.microsoft.com/office/drawing/2014/main" id="{3F062729-EDBD-BE8A-5DD0-8465E02F846D}"/>
-              </a:ext>
-            </a:extLst>
-          </p:cNvPr>
-          <p:cNvSpPr>
-            <a:spLocks noGrp="1"/>
-          </p:cNvSpPr>
-          <p:nvPr>
-            <p:ph type="title"/>
-          </p:nvPr>
-        </p:nvSpPr>
-        <p:spPr/>
-        <p:txBody>
-          <a:bodyPr/>
-          <a:lstStyle/>
-          <a:p>
-            <a:pPr algn="ctr"/>
-            <a:r>
-              <a:rPr lang="en-US" dirty="0"/>
-              <a:t>MOCKUP</a:t>
-            </a:r>
-          </a:p>
-        </p:txBody>
-      </p:sp>
-      <p:pic>
-        <p:nvPicPr>
-          <p:cNvPr id="8" name="Content Placeholder 7">
-            <a:extLst>
-              <a:ext uri="{FF2B5EF4-FFF2-40B4-BE49-F238E27FC236}">
-                <a16:creationId xmlns:a16="http://schemas.microsoft.com/office/drawing/2014/main" id="{67E4C2B4-477A-BA7A-0C96-E9B96ED32081}"/>
-              </a:ext>
-            </a:extLst>
-          </p:cNvPr>
-          <p:cNvPicPr>
-            <a:picLocks noGrp="1" noChangeAspect="1"/>
-          </p:cNvPicPr>
-          <p:nvPr>
-            <p:ph idx="1"/>
-          </p:nvPr>
-        </p:nvPicPr>
-        <p:blipFill>
-          <a:blip r:embed="rId3"/>
-          <a:stretch>
-            <a:fillRect/>
-          </a:stretch>
-        </p:blipFill>
-        <p:spPr>
-          <a:xfrm>
-            <a:off x="2047025" y="4353560"/>
-            <a:ext cx="1686775" cy="1513840"/>
-          </a:xfrm>
-          <a:prstGeom prst="rect">
-            <a:avLst/>
-          </a:prstGeom>
-        </p:spPr>
-      </p:pic>
-      <p:pic>
-        <p:nvPicPr>
-          <p:cNvPr id="1028" name="Picture 4" descr="Digilent Nexys A7">
-            <a:extLst>
-              <a:ext uri="{FF2B5EF4-FFF2-40B4-BE49-F238E27FC236}">
-                <a16:creationId xmlns:a16="http://schemas.microsoft.com/office/drawing/2014/main" id="{4D769ACA-ACF4-DADD-47E6-040129E5F1C4}"/>
-              </a:ext>
-            </a:extLst>
-          </p:cNvPr>
-          <p:cNvPicPr>
-            <a:picLocks noChangeAspect="1" noChangeArrowheads="1"/>
-          </p:cNvPicPr>
-          <p:nvPr/>
-        </p:nvPicPr>
-        <p:blipFill rotWithShape="1">
-          <a:blip r:embed="rId4" cstate="print">
-            <a:extLst>
-              <a:ext uri="{28A0092B-C50C-407E-A947-70E740481C1C}">
-                <a14:useLocalDpi xmlns:a14="http://schemas.microsoft.com/office/drawing/2010/main" val="0"/>
-              </a:ext>
-            </a:extLst>
-          </a:blip>
-          <a:srcRect l="6062" t="6060" r="9091" b="15152"/>
-          <a:stretch/>
-        </p:blipFill>
-        <p:spPr bwMode="auto">
-          <a:xfrm>
-            <a:off x="6663907" y="2514600"/>
-            <a:ext cx="4677508" cy="4343400"/>
-          </a:xfrm>
-          <a:prstGeom prst="rect">
-            <a:avLst/>
-          </a:prstGeom>
-          <a:noFill/>
-          <a:extLst>
-            <a:ext uri="{909E8E84-426E-40DD-AFC4-6F175D3DCCD1}">
-              <a14:hiddenFill xmlns:a14="http://schemas.microsoft.com/office/drawing/2010/main">
-                <a:solidFill>
-                  <a:srgbClr val="FFFFFF"/>
-                </a:solidFill>
-              </a14:hiddenFill>
-            </a:ext>
-          </a:extLst>
-        </p:spPr>
-      </p:pic>
-      <p:sp>
-        <p:nvSpPr>
-          <p:cNvPr id="16" name="Arrow: Right 15">
-            <a:extLst>
-              <a:ext uri="{FF2B5EF4-FFF2-40B4-BE49-F238E27FC236}">
-                <a16:creationId xmlns:a16="http://schemas.microsoft.com/office/drawing/2014/main" id="{0EA5E127-E925-3F51-28DB-55A91F006908}"/>
+                <a16:creationId xmlns:a16="http://schemas.microsoft.com/office/drawing/2014/main" id="{9229F390-B5AE-133D-C2A9-17B9A904E1D7}"/>
               </a:ext>
             </a:extLst>
           </p:cNvPr>
@@ -21451,12 +22785,33 @@
         </p:nvSpPr>
         <p:spPr>
           <a:xfrm>
-            <a:off x="3702481" y="4572000"/>
-            <a:ext cx="3231719" cy="457200"/>
+            <a:off x="914400" y="2302736"/>
+            <a:ext cx="2057400" cy="1219200"/>
           </a:xfrm>
-          <a:prstGeom prst="rightArrow">
+          <a:prstGeom prst="roundRect">
             <a:avLst/>
           </a:prstGeom>
+          <a:ln>
+            <a:noFill/>
+          </a:ln>
+          <a:effectLst>
+            <a:outerShdw blurRad="184150" dist="241300" dir="11520000" sx="110000" sy="110000" algn="ctr">
+              <a:srgbClr val="000000">
+                <a:alpha val="18000"/>
+              </a:srgbClr>
+            </a:outerShdw>
+            <a:reflection blurRad="6350" stA="50000" endA="300" endPos="38500" dist="50800" dir="5400000" sy="-100000" algn="bl" rotWithShape="0"/>
+          </a:effectLst>
+          <a:scene3d>
+            <a:camera prst="orthographicFront"/>
+            <a:lightRig rig="flood" dir="t">
+              <a:rot lat="0" lon="0" rev="13800000"/>
+            </a:lightRig>
+          </a:scene3d>
+          <a:sp3d extrusionH="107950" prstMaterial="plastic">
+            <a:bevelT w="82550" h="63500" prst="divot"/>
+            <a:bevelB/>
+          </a:sp3d>
         </p:spPr>
         <p:style>
           <a:lnRef idx="2">
@@ -21475,43 +22830,23 @@
           </a:fontRef>
         </p:style>
         <p:txBody>
-          <a:bodyPr rtlCol="0" anchor="ctr"/>
+          <a:bodyPr rtlCol="1" anchor="ctr"/>
           <a:lstStyle/>
           <a:p>
             <a:pPr algn="ctr"/>
             <a:r>
-              <a:rPr lang="en-US" dirty="0">
-                <a:solidFill>
-                  <a:schemeClr val="bg1"/>
-                </a:solidFill>
-              </a:rPr>
-              <a:t>Pixel data, </a:t>
-            </a:r>
-            <a:r>
-              <a:rPr lang="en-US" dirty="0" err="1">
-                <a:solidFill>
-                  <a:schemeClr val="bg1"/>
-                </a:solidFill>
-              </a:rPr>
-              <a:t>clk</a:t>
-            </a:r>
-            <a:r>
-              <a:rPr lang="en-US" dirty="0">
-                <a:solidFill>
-                  <a:schemeClr val="bg1"/>
-                </a:solidFill>
-              </a:rPr>
-              <a:t>, sync signals</a:t>
+              <a:rPr lang="en-US" dirty="0"/>
+              <a:t>Capture</a:t>
             </a:r>
           </a:p>
         </p:txBody>
       </p:sp>
       <p:sp>
         <p:nvSpPr>
-          <p:cNvPr id="17" name="Arrow: Right 16">
+          <p:cNvPr id="6" name="Rectangle: Rounded Corners 5">
             <a:extLst>
               <a:ext uri="{FF2B5EF4-FFF2-40B4-BE49-F238E27FC236}">
-                <a16:creationId xmlns:a16="http://schemas.microsoft.com/office/drawing/2014/main" id="{FCAFF8C1-DAF2-7554-A27B-A82628615D06}"/>
+                <a16:creationId xmlns:a16="http://schemas.microsoft.com/office/drawing/2014/main" id="{6280C3E5-B477-2A83-08D5-B1B8876D2A27}"/>
               </a:ext>
             </a:extLst>
           </p:cNvPr>
@@ -21519,16 +22854,34 @@
           <p:nvPr/>
         </p:nvSpPr>
         <p:spPr>
-          <a:xfrm rot="10800000" flipV="1">
-            <a:off x="3744174" y="5333999"/>
-            <a:ext cx="3190026" cy="457200"/>
+          <a:xfrm>
+            <a:off x="6096000" y="3886200"/>
+            <a:ext cx="2057400" cy="1219200"/>
           </a:xfrm>
-          <a:prstGeom prst="rightArrow">
-            <a:avLst>
-              <a:gd name="adj1" fmla="val 50000"/>
-              <a:gd name="adj2" fmla="val 86227"/>
-            </a:avLst>
+          <a:prstGeom prst="roundRect">
+            <a:avLst/>
           </a:prstGeom>
+          <a:ln>
+            <a:noFill/>
+          </a:ln>
+          <a:effectLst>
+            <a:outerShdw blurRad="184150" dist="241300" dir="11520000" sx="110000" sy="110000" algn="ctr">
+              <a:srgbClr val="000000">
+                <a:alpha val="18000"/>
+              </a:srgbClr>
+            </a:outerShdw>
+            <a:reflection blurRad="6350" stA="50000" endA="300" endPos="38500" dist="50800" dir="5400000" sy="-100000" algn="bl" rotWithShape="0"/>
+          </a:effectLst>
+          <a:scene3d>
+            <a:camera prst="orthographicFront"/>
+            <a:lightRig rig="flood" dir="t">
+              <a:rot lat="0" lon="0" rev="13800000"/>
+            </a:lightRig>
+          </a:scene3d>
+          <a:sp3d extrusionH="107950" prstMaterial="plastic">
+            <a:bevelT w="82550" h="63500" prst="divot"/>
+            <a:bevelB/>
+          </a:sp3d>
         </p:spPr>
         <p:style>
           <a:lnRef idx="2">
@@ -21547,90 +22900,23 @@
           </a:fontRef>
         </p:style>
         <p:txBody>
-          <a:bodyPr rtlCol="0" anchor="ctr"/>
+          <a:bodyPr rtlCol="1" anchor="ctr"/>
           <a:lstStyle/>
           <a:p>
             <a:pPr algn="ctr"/>
             <a:r>
-              <a:rPr lang="en-US" dirty="0">
-                <a:solidFill>
-                  <a:schemeClr val="bg1"/>
-                </a:solidFill>
-              </a:rPr>
-              <a:t>SCCB Config, </a:t>
-            </a:r>
-            <a:r>
-              <a:rPr lang="en-US" dirty="0" err="1">
-                <a:solidFill>
-                  <a:schemeClr val="bg1"/>
-                </a:solidFill>
-              </a:rPr>
-              <a:t>clk</a:t>
-            </a:r>
-            <a:r>
-              <a:rPr lang="en-US" dirty="0">
-                <a:solidFill>
-                  <a:schemeClr val="bg1"/>
-                </a:solidFill>
-              </a:rPr>
-              <a:t>, reset</a:t>
+              <a:rPr lang="en-US" dirty="0"/>
+              <a:t>Bi-linear interpolation</a:t>
             </a:r>
           </a:p>
         </p:txBody>
       </p:sp>
-      <p:pic>
-        <p:nvPicPr>
-          <p:cNvPr id="1030" name="Picture 6" descr="Vga Monitor 7 Inch 1024*600 Hd Mini Portable Monitor With Av Vga Input">
+      <p:sp>
+        <p:nvSpPr>
+          <p:cNvPr id="7" name="Rectangle: Rounded Corners 6">
             <a:extLst>
               <a:ext uri="{FF2B5EF4-FFF2-40B4-BE49-F238E27FC236}">
-                <a16:creationId xmlns:a16="http://schemas.microsoft.com/office/drawing/2014/main" id="{E0777190-B3D4-1BE3-231B-0DF2C8F53BA5}"/>
-              </a:ext>
-            </a:extLst>
-          </p:cNvPr>
-          <p:cNvPicPr>
-            <a:picLocks noChangeAspect="1" noChangeArrowheads="1"/>
-          </p:cNvPicPr>
-          <p:nvPr/>
-        </p:nvPicPr>
-        <p:blipFill>
-          <a:blip r:embed="rId5" cstate="print">
-            <a:extLst>
-              <a:ext uri="{28A0092B-C50C-407E-A947-70E740481C1C}">
-                <a14:useLocalDpi xmlns:a14="http://schemas.microsoft.com/office/drawing/2010/main" val="0"/>
-              </a:ext>
-            </a:extLst>
-          </a:blip>
-          <a:srcRect/>
-          <a:stretch>
-            <a:fillRect/>
-          </a:stretch>
-        </p:blipFill>
-        <p:spPr bwMode="auto">
-          <a:xfrm>
-            <a:off x="9067800" y="0"/>
-            <a:ext cx="1828800" cy="1828800"/>
-          </a:xfrm>
-          <a:prstGeom prst="rect">
-            <a:avLst/>
-          </a:prstGeom>
-          <a:noFill/>
-          <a:extLst>
-            <a:ext uri="{909E8E84-426E-40DD-AFC4-6F175D3DCCD1}">
-              <a14:hiddenFill xmlns:a14="http://schemas.microsoft.com/office/drawing/2010/main">
-                <a:solidFill>
-                  <a:srgbClr val="FFFFFF"/>
-                </a:solidFill>
-              </a14:hiddenFill>
-            </a:ext>
-          </a:extLst>
-        </p:spPr>
-      </p:pic>
-      <p:sp>
-        <p:nvSpPr>
-          <p:cNvPr id="26" name="Arrow: Up 25">
-            <a:extLst>
-              <a:ext uri="{FF2B5EF4-FFF2-40B4-BE49-F238E27FC236}">
-                <a16:creationId xmlns:a16="http://schemas.microsoft.com/office/drawing/2014/main" id="{15594713-C298-8021-2201-82E2A6B9B591}"/>
+                <a16:creationId xmlns:a16="http://schemas.microsoft.com/office/drawing/2014/main" id="{00E0BE10-93B0-4606-9120-53494DF08A51}"/>
               </a:ext>
             </a:extLst>
           </p:cNvPr>
@@ -21639,15 +22925,33 @@
         </p:nvSpPr>
         <p:spPr>
           <a:xfrm>
-            <a:off x="9067800" y="1524000"/>
-            <a:ext cx="1828800" cy="1066800"/>
+            <a:off x="8686800" y="2302736"/>
+            <a:ext cx="2057400" cy="1219200"/>
           </a:xfrm>
-          <a:prstGeom prst="upArrow">
+          <a:prstGeom prst="roundRect">
             <a:avLst/>
           </a:prstGeom>
-          <a:solidFill>
-            <a:srgbClr val="FFFF00"/>
-          </a:solidFill>
+          <a:ln>
+            <a:noFill/>
+          </a:ln>
+          <a:effectLst>
+            <a:outerShdw blurRad="184150" dist="241300" dir="11520000" sx="110000" sy="110000" algn="ctr">
+              <a:srgbClr val="000000">
+                <a:alpha val="18000"/>
+              </a:srgbClr>
+            </a:outerShdw>
+            <a:reflection blurRad="6350" stA="50000" endA="300" endPos="38500" dist="50800" dir="5400000" sy="-100000" algn="bl" rotWithShape="0"/>
+          </a:effectLst>
+          <a:scene3d>
+            <a:camera prst="orthographicFront"/>
+            <a:lightRig rig="flood" dir="t">
+              <a:rot lat="0" lon="0" rev="13800000"/>
+            </a:lightRig>
+          </a:scene3d>
+          <a:sp3d extrusionH="107950" prstMaterial="plastic">
+            <a:bevelT w="82550" h="63500" prst="divot"/>
+            <a:bevelB/>
+          </a:sp3d>
         </p:spPr>
         <p:style>
           <a:lnRef idx="2">
@@ -21666,32 +22970,23 @@
           </a:fontRef>
         </p:style>
         <p:txBody>
-          <a:bodyPr rot="0" spcFirstLastPara="0" vertOverflow="overflow" horzOverflow="overflow" vert="horz" wrap="square" lIns="91440" tIns="45720" rIns="91440" bIns="45720" numCol="1" spcCol="0" rtlCol="0" fromWordArt="0" anchor="ctr" anchorCtr="0" forceAA="0" compatLnSpc="1">
-            <a:prstTxWarp prst="textNoShape">
-              <a:avLst/>
-            </a:prstTxWarp>
-            <a:noAutofit/>
-          </a:bodyPr>
+          <a:bodyPr rtlCol="1" anchor="ctr"/>
           <a:lstStyle/>
           <a:p>
             <a:pPr algn="ctr"/>
             <a:r>
-              <a:rPr lang="en-US" sz="1600" dirty="0">
-                <a:solidFill>
-                  <a:schemeClr val="bg1"/>
-                </a:solidFill>
-              </a:rPr>
-              <a:t>Sync signals, pixels</a:t>
+              <a:rPr lang="en-US" dirty="0"/>
+              <a:t>VGA</a:t>
             </a:r>
           </a:p>
         </p:txBody>
       </p:sp>
       <p:sp>
         <p:nvSpPr>
-          <p:cNvPr id="27" name="Rectangle 26">
+          <p:cNvPr id="11" name="Rectangle: Rounded Corners 10">
             <a:extLst>
               <a:ext uri="{FF2B5EF4-FFF2-40B4-BE49-F238E27FC236}">
-                <a16:creationId xmlns:a16="http://schemas.microsoft.com/office/drawing/2014/main" id="{E539E701-80EB-7814-23F2-BF8EF20C3248}"/>
+                <a16:creationId xmlns:a16="http://schemas.microsoft.com/office/drawing/2014/main" id="{662E417A-BB43-9365-080C-C02BF187D761}"/>
               </a:ext>
             </a:extLst>
           </p:cNvPr>
@@ -21700,18 +22995,33 @@
         </p:nvSpPr>
         <p:spPr>
           <a:xfrm>
-            <a:off x="7239000" y="6019800"/>
-            <a:ext cx="1143000" cy="685800"/>
+            <a:off x="3505200" y="2302736"/>
+            <a:ext cx="2057400" cy="1219200"/>
           </a:xfrm>
-          <a:prstGeom prst="rect">
+          <a:prstGeom prst="roundRect">
             <a:avLst/>
           </a:prstGeom>
-          <a:noFill/>
-          <a:ln w="76200">
-            <a:solidFill>
-              <a:srgbClr val="7030A0"/>
-            </a:solidFill>
+          <a:ln>
+            <a:noFill/>
           </a:ln>
+          <a:effectLst>
+            <a:outerShdw blurRad="184150" dist="241300" dir="11520000" sx="110000" sy="110000" algn="ctr">
+              <a:srgbClr val="000000">
+                <a:alpha val="18000"/>
+              </a:srgbClr>
+            </a:outerShdw>
+            <a:reflection blurRad="6350" stA="50000" endA="300" endPos="38500" dist="50800" dir="5400000" sy="-100000" algn="bl" rotWithShape="0"/>
+          </a:effectLst>
+          <a:scene3d>
+            <a:camera prst="orthographicFront"/>
+            <a:lightRig rig="flood" dir="t">
+              <a:rot lat="0" lon="0" rev="13800000"/>
+            </a:lightRig>
+          </a:scene3d>
+          <a:sp3d extrusionH="107950" prstMaterial="plastic">
+            <a:bevelT w="82550" h="63500" prst="divot"/>
+            <a:bevelB/>
+          </a:sp3d>
         </p:spPr>
         <p:style>
           <a:lnRef idx="2">
@@ -21730,18 +23040,932 @@
           </a:fontRef>
         </p:style>
         <p:txBody>
-          <a:bodyPr rtlCol="0" anchor="ctr"/>
+          <a:bodyPr rtlCol="1" anchor="ctr"/>
           <a:lstStyle/>
           <a:p>
             <a:pPr algn="ctr"/>
-            <a:endParaRPr lang="en-US"/>
+            <a:r>
+              <a:rPr lang="en-US" dirty="0"/>
+              <a:t>BRAM</a:t>
+            </a:r>
           </a:p>
         </p:txBody>
       </p:sp>
+      <p:cxnSp>
+        <p:nvCxnSpPr>
+          <p:cNvPr id="13" name="Straight Arrow Connector 12">
+            <a:extLst>
+              <a:ext uri="{FF2B5EF4-FFF2-40B4-BE49-F238E27FC236}">
+                <a16:creationId xmlns:a16="http://schemas.microsoft.com/office/drawing/2014/main" id="{456B108C-5539-5941-0DAA-31B49E234C86}"/>
+              </a:ext>
+            </a:extLst>
+          </p:cNvPr>
+          <p:cNvCxnSpPr>
+            <a:stCxn id="5" idx="3"/>
+            <a:endCxn id="11" idx="1"/>
+          </p:cNvCxnSpPr>
+          <p:nvPr/>
+        </p:nvCxnSpPr>
+        <p:spPr>
+          <a:xfrm>
+            <a:off x="2971800" y="2912336"/>
+            <a:ext cx="533400" cy="0"/>
+          </a:xfrm>
+          <a:prstGeom prst="straightConnector1">
+            <a:avLst/>
+          </a:prstGeom>
+          <a:ln w="38100">
+            <a:solidFill>
+              <a:schemeClr val="tx1"/>
+            </a:solidFill>
+            <a:tailEnd type="triangle"/>
+          </a:ln>
+        </p:spPr>
+        <p:style>
+          <a:lnRef idx="1">
+            <a:schemeClr val="accent1"/>
+          </a:lnRef>
+          <a:fillRef idx="0">
+            <a:schemeClr val="accent1"/>
+          </a:fillRef>
+          <a:effectRef idx="0">
+            <a:schemeClr val="accent1"/>
+          </a:effectRef>
+          <a:fontRef idx="minor">
+            <a:schemeClr val="tx1"/>
+          </a:fontRef>
+        </p:style>
+      </p:cxnSp>
+      <p:cxnSp>
+        <p:nvCxnSpPr>
+          <p:cNvPr id="14" name="Straight Arrow Connector 13">
+            <a:extLst>
+              <a:ext uri="{FF2B5EF4-FFF2-40B4-BE49-F238E27FC236}">
+                <a16:creationId xmlns:a16="http://schemas.microsoft.com/office/drawing/2014/main" id="{4FEC7B29-FA56-77AC-EAF1-58440F2B4AF7}"/>
+              </a:ext>
+            </a:extLst>
+          </p:cNvPr>
+          <p:cNvCxnSpPr>
+            <a:cxnSpLocks/>
+          </p:cNvCxnSpPr>
+          <p:nvPr/>
+        </p:nvCxnSpPr>
+        <p:spPr>
+          <a:xfrm>
+            <a:off x="5562600" y="4495800"/>
+            <a:ext cx="533400" cy="0"/>
+          </a:xfrm>
+          <a:prstGeom prst="straightConnector1">
+            <a:avLst/>
+          </a:prstGeom>
+          <a:ln w="38100">
+            <a:solidFill>
+              <a:schemeClr val="tx1"/>
+            </a:solidFill>
+            <a:tailEnd type="triangle"/>
+          </a:ln>
+        </p:spPr>
+        <p:style>
+          <a:lnRef idx="1">
+            <a:schemeClr val="accent1"/>
+          </a:lnRef>
+          <a:fillRef idx="0">
+            <a:schemeClr val="accent1"/>
+          </a:fillRef>
+          <a:effectRef idx="0">
+            <a:schemeClr val="accent1"/>
+          </a:effectRef>
+          <a:fontRef idx="minor">
+            <a:schemeClr val="tx1"/>
+          </a:fontRef>
+        </p:style>
+      </p:cxnSp>
+      <p:sp>
+        <p:nvSpPr>
+          <p:cNvPr id="24" name="TextBox 23">
+            <a:extLst>
+              <a:ext uri="{FF2B5EF4-FFF2-40B4-BE49-F238E27FC236}">
+                <a16:creationId xmlns:a16="http://schemas.microsoft.com/office/drawing/2014/main" id="{DD0770C1-5B2F-01F5-E7C6-4AFA59F18A40}"/>
+              </a:ext>
+            </a:extLst>
+          </p:cNvPr>
+          <p:cNvSpPr txBox="1"/>
+          <p:nvPr/>
+        </p:nvSpPr>
+        <p:spPr>
+          <a:xfrm>
+            <a:off x="4076700" y="2514629"/>
+            <a:ext cx="6094562" cy="646331"/>
+          </a:xfrm>
+          <a:prstGeom prst="rect">
+            <a:avLst/>
+          </a:prstGeom>
+          <a:noFill/>
+        </p:spPr>
+        <p:txBody>
+          <a:bodyPr wrap="square">
+            <a:spAutoFit/>
+          </a:bodyPr>
+          <a:lstStyle/>
+          <a:p>
+            <a:pPr algn="ctr" fontAlgn="base">
+              <a:spcAft>
+                <a:spcPct val="0"/>
+              </a:spcAft>
+            </a:pPr>
+            <a:r>
+              <a:rPr lang="en-US" sz="1800" dirty="0"/>
+              <a:t>Zoom disabled</a:t>
+            </a:r>
+          </a:p>
+          <a:p>
+            <a:pPr marL="0" lvl="0" indent="0" algn="ctr" fontAlgn="base">
+              <a:spcAft>
+                <a:spcPct val="0"/>
+              </a:spcAft>
+              <a:buNone/>
+            </a:pPr>
+            <a:endParaRPr lang="en-US" sz="1800" dirty="0"/>
+          </a:p>
+        </p:txBody>
+      </p:sp>
+      <p:sp>
+        <p:nvSpPr>
+          <p:cNvPr id="25" name="Rectangle: Rounded Corners 24">
+            <a:extLst>
+              <a:ext uri="{FF2B5EF4-FFF2-40B4-BE49-F238E27FC236}">
+                <a16:creationId xmlns:a16="http://schemas.microsoft.com/office/drawing/2014/main" id="{1374CDCF-E602-92B4-1EC9-FFBC17A88783}"/>
+              </a:ext>
+            </a:extLst>
+          </p:cNvPr>
+          <p:cNvSpPr/>
+          <p:nvPr/>
+        </p:nvSpPr>
+        <p:spPr>
+          <a:xfrm>
+            <a:off x="3505200" y="3886200"/>
+            <a:ext cx="2057400" cy="1219200"/>
+          </a:xfrm>
+          <a:prstGeom prst="roundRect">
+            <a:avLst/>
+          </a:prstGeom>
+          <a:ln>
+            <a:noFill/>
+          </a:ln>
+          <a:effectLst>
+            <a:outerShdw blurRad="184150" dist="241300" dir="11520000" sx="110000" sy="110000" algn="ctr">
+              <a:srgbClr val="000000">
+                <a:alpha val="18000"/>
+              </a:srgbClr>
+            </a:outerShdw>
+            <a:reflection blurRad="6350" stA="50000" endA="300" endPos="38500" dist="50800" dir="5400000" sy="-100000" algn="bl" rotWithShape="0"/>
+          </a:effectLst>
+          <a:scene3d>
+            <a:camera prst="orthographicFront"/>
+            <a:lightRig rig="flood" dir="t">
+              <a:rot lat="0" lon="0" rev="13800000"/>
+            </a:lightRig>
+          </a:scene3d>
+          <a:sp3d extrusionH="107950" prstMaterial="plastic">
+            <a:bevelT w="82550" h="63500" prst="divot"/>
+            <a:bevelB/>
+          </a:sp3d>
+        </p:spPr>
+        <p:style>
+          <a:lnRef idx="2">
+            <a:schemeClr val="accent1">
+              <a:shade val="15000"/>
+            </a:schemeClr>
+          </a:lnRef>
+          <a:fillRef idx="1">
+            <a:schemeClr val="accent1"/>
+          </a:fillRef>
+          <a:effectRef idx="0">
+            <a:schemeClr val="accent1"/>
+          </a:effectRef>
+          <a:fontRef idx="minor">
+            <a:schemeClr val="lt1"/>
+          </a:fontRef>
+        </p:style>
+        <p:txBody>
+          <a:bodyPr rtlCol="1" anchor="ctr"/>
+          <a:lstStyle/>
+          <a:p>
+            <a:pPr algn="ctr"/>
+            <a:r>
+              <a:rPr lang="en-US" dirty="0"/>
+              <a:t>BRAM</a:t>
+            </a:r>
+          </a:p>
+          <a:p>
+            <a:pPr algn="ctr"/>
+            <a:r>
+              <a:rPr lang="en-US" dirty="0"/>
+              <a:t>(320 x 240 x 12)</a:t>
+            </a:r>
+          </a:p>
+        </p:txBody>
+      </p:sp>
+      <p:cxnSp>
+        <p:nvCxnSpPr>
+          <p:cNvPr id="27" name="Straight Arrow Connector 26">
+            <a:extLst>
+              <a:ext uri="{FF2B5EF4-FFF2-40B4-BE49-F238E27FC236}">
+                <a16:creationId xmlns:a16="http://schemas.microsoft.com/office/drawing/2014/main" id="{362B3FD8-3051-BD10-EC39-F092BDCE5E47}"/>
+              </a:ext>
+            </a:extLst>
+          </p:cNvPr>
+          <p:cNvCxnSpPr>
+            <a:cxnSpLocks/>
+          </p:cNvCxnSpPr>
+          <p:nvPr/>
+        </p:nvCxnSpPr>
+        <p:spPr>
+          <a:xfrm flipV="1">
+            <a:off x="1943100" y="4486275"/>
+            <a:ext cx="1609725" cy="9525"/>
+          </a:xfrm>
+          <a:prstGeom prst="straightConnector1">
+            <a:avLst/>
+          </a:prstGeom>
+          <a:ln w="38100">
+            <a:solidFill>
+              <a:schemeClr val="tx1"/>
+            </a:solidFill>
+            <a:tailEnd type="triangle"/>
+          </a:ln>
+        </p:spPr>
+        <p:style>
+          <a:lnRef idx="1">
+            <a:schemeClr val="accent1"/>
+          </a:lnRef>
+          <a:fillRef idx="0">
+            <a:schemeClr val="accent1"/>
+          </a:fillRef>
+          <a:effectRef idx="0">
+            <a:schemeClr val="accent1"/>
+          </a:effectRef>
+          <a:fontRef idx="minor">
+            <a:schemeClr val="tx1"/>
+          </a:fontRef>
+        </p:style>
+      </p:cxnSp>
+      <p:cxnSp>
+        <p:nvCxnSpPr>
+          <p:cNvPr id="28" name="Straight Connector 27">
+            <a:extLst>
+              <a:ext uri="{FF2B5EF4-FFF2-40B4-BE49-F238E27FC236}">
+                <a16:creationId xmlns:a16="http://schemas.microsoft.com/office/drawing/2014/main" id="{93312084-3A4E-3047-08F7-296BEC8CBE4B}"/>
+              </a:ext>
+            </a:extLst>
+          </p:cNvPr>
+          <p:cNvCxnSpPr>
+            <a:cxnSpLocks/>
+          </p:cNvCxnSpPr>
+          <p:nvPr/>
+        </p:nvCxnSpPr>
+        <p:spPr>
+          <a:xfrm>
+            <a:off x="1943100" y="3581400"/>
+            <a:ext cx="0" cy="904875"/>
+          </a:xfrm>
+          <a:prstGeom prst="line">
+            <a:avLst/>
+          </a:prstGeom>
+          <a:ln w="38100">
+            <a:solidFill>
+              <a:schemeClr val="tx1"/>
+            </a:solidFill>
+          </a:ln>
+        </p:spPr>
+        <p:style>
+          <a:lnRef idx="1">
+            <a:schemeClr val="accent1"/>
+          </a:lnRef>
+          <a:fillRef idx="0">
+            <a:schemeClr val="accent1"/>
+          </a:fillRef>
+          <a:effectRef idx="0">
+            <a:schemeClr val="accent1"/>
+          </a:effectRef>
+          <a:fontRef idx="minor">
+            <a:schemeClr val="tx1"/>
+          </a:fontRef>
+        </p:style>
+      </p:cxnSp>
+      <p:sp>
+        <p:nvSpPr>
+          <p:cNvPr id="36" name="TextBox 35">
+            <a:extLst>
+              <a:ext uri="{FF2B5EF4-FFF2-40B4-BE49-F238E27FC236}">
+                <a16:creationId xmlns:a16="http://schemas.microsoft.com/office/drawing/2014/main" id="{B3C0E562-C3EE-1CBE-A6A5-0264BA01C3B8}"/>
+              </a:ext>
+            </a:extLst>
+          </p:cNvPr>
+          <p:cNvSpPr txBox="1"/>
+          <p:nvPr/>
+        </p:nvSpPr>
+        <p:spPr>
+          <a:xfrm>
+            <a:off x="1143000" y="4078069"/>
+            <a:ext cx="3122762" cy="646331"/>
+          </a:xfrm>
+          <a:prstGeom prst="rect">
+            <a:avLst/>
+          </a:prstGeom>
+          <a:noFill/>
+        </p:spPr>
+        <p:txBody>
+          <a:bodyPr wrap="square">
+            <a:spAutoFit/>
+          </a:bodyPr>
+          <a:lstStyle/>
+          <a:p>
+            <a:pPr algn="ctr" fontAlgn="base">
+              <a:spcAft>
+                <a:spcPct val="0"/>
+              </a:spcAft>
+            </a:pPr>
+            <a:r>
+              <a:rPr lang="en-US" sz="1800" dirty="0"/>
+              <a:t>Zoom enabled</a:t>
+            </a:r>
+          </a:p>
+          <a:p>
+            <a:pPr marL="0" lvl="0" indent="0" algn="ctr" fontAlgn="base">
+              <a:spcAft>
+                <a:spcPct val="0"/>
+              </a:spcAft>
+              <a:buNone/>
+            </a:pPr>
+            <a:endParaRPr lang="en-US" sz="1800" dirty="0"/>
+          </a:p>
+        </p:txBody>
+      </p:sp>
+      <p:sp>
+        <p:nvSpPr>
+          <p:cNvPr id="37" name="Title 1">
+            <a:extLst>
+              <a:ext uri="{FF2B5EF4-FFF2-40B4-BE49-F238E27FC236}">
+                <a16:creationId xmlns:a16="http://schemas.microsoft.com/office/drawing/2014/main" id="{0EC5949A-6C5A-6921-011C-535D12FC8C41}"/>
+              </a:ext>
+            </a:extLst>
+          </p:cNvPr>
+          <p:cNvSpPr>
+            <a:spLocks noGrp="1"/>
+          </p:cNvSpPr>
+          <p:nvPr>
+            <p:ph type="title"/>
+          </p:nvPr>
+        </p:nvSpPr>
+        <p:spPr>
+          <a:xfrm>
+            <a:off x="1219200" y="457200"/>
+            <a:ext cx="9448800" cy="1143000"/>
+          </a:xfrm>
+        </p:spPr>
+        <p:txBody>
+          <a:bodyPr/>
+          <a:lstStyle/>
+          <a:p>
+            <a:r>
+              <a:rPr lang="en-US" dirty="0"/>
+              <a:t>Architecture V2.0 – Data Flow.</a:t>
+            </a:r>
+          </a:p>
+        </p:txBody>
+      </p:sp>
+      <p:sp>
+        <p:nvSpPr>
+          <p:cNvPr id="4" name="Rectangle: Rounded Corners 3">
+            <a:extLst>
+              <a:ext uri="{FF2B5EF4-FFF2-40B4-BE49-F238E27FC236}">
+                <a16:creationId xmlns:a16="http://schemas.microsoft.com/office/drawing/2014/main" id="{6F7BECAA-2849-36F8-79D2-D654EFC5F25A}"/>
+              </a:ext>
+            </a:extLst>
+          </p:cNvPr>
+          <p:cNvSpPr/>
+          <p:nvPr/>
+        </p:nvSpPr>
+        <p:spPr>
+          <a:xfrm>
+            <a:off x="8686800" y="3835255"/>
+            <a:ext cx="2057400" cy="1219200"/>
+          </a:xfrm>
+          <a:prstGeom prst="roundRect">
+            <a:avLst/>
+          </a:prstGeom>
+          <a:ln>
+            <a:noFill/>
+          </a:ln>
+          <a:effectLst>
+            <a:outerShdw blurRad="184150" dist="241300" dir="11520000" sx="110000" sy="110000" algn="ctr">
+              <a:srgbClr val="000000">
+                <a:alpha val="18000"/>
+              </a:srgbClr>
+            </a:outerShdw>
+            <a:reflection blurRad="6350" stA="50000" endA="300" endPos="38500" dist="50800" dir="5400000" sy="-100000" algn="bl" rotWithShape="0"/>
+          </a:effectLst>
+          <a:scene3d>
+            <a:camera prst="orthographicFront"/>
+            <a:lightRig rig="flood" dir="t">
+              <a:rot lat="0" lon="0" rev="13800000"/>
+            </a:lightRig>
+          </a:scene3d>
+          <a:sp3d extrusionH="107950" prstMaterial="plastic">
+            <a:bevelT w="82550" h="63500" prst="divot"/>
+            <a:bevelB/>
+          </a:sp3d>
+        </p:spPr>
+        <p:style>
+          <a:lnRef idx="2">
+            <a:schemeClr val="accent1">
+              <a:shade val="15000"/>
+            </a:schemeClr>
+          </a:lnRef>
+          <a:fillRef idx="1">
+            <a:schemeClr val="accent1"/>
+          </a:fillRef>
+          <a:effectRef idx="0">
+            <a:schemeClr val="accent1"/>
+          </a:effectRef>
+          <a:fontRef idx="minor">
+            <a:schemeClr val="lt1"/>
+          </a:fontRef>
+        </p:style>
+        <p:txBody>
+          <a:bodyPr rtlCol="1" anchor="ctr"/>
+          <a:lstStyle/>
+          <a:p>
+            <a:pPr algn="ctr"/>
+            <a:r>
+              <a:rPr lang="en-US" dirty="0"/>
+              <a:t>BRAM</a:t>
+            </a:r>
+          </a:p>
+          <a:p>
+            <a:pPr algn="ctr"/>
+            <a:r>
+              <a:rPr lang="en-US" dirty="0"/>
+              <a:t>(640 x 480 x 12)</a:t>
+            </a:r>
+          </a:p>
+        </p:txBody>
+      </p:sp>
+      <p:sp>
+        <p:nvSpPr>
+          <p:cNvPr id="18" name="TextBox 17">
+            <a:extLst>
+              <a:ext uri="{FF2B5EF4-FFF2-40B4-BE49-F238E27FC236}">
+                <a16:creationId xmlns:a16="http://schemas.microsoft.com/office/drawing/2014/main" id="{C3192D27-8B32-AE8A-DB12-D39491E1A648}"/>
+              </a:ext>
+            </a:extLst>
+          </p:cNvPr>
+          <p:cNvSpPr txBox="1"/>
+          <p:nvPr/>
+        </p:nvSpPr>
+        <p:spPr>
+          <a:xfrm>
+            <a:off x="6934200" y="5900668"/>
+            <a:ext cx="1961042" cy="646331"/>
+          </a:xfrm>
+          <a:prstGeom prst="rect">
+            <a:avLst/>
+          </a:prstGeom>
+          <a:noFill/>
+        </p:spPr>
+        <p:txBody>
+          <a:bodyPr wrap="square">
+            <a:spAutoFit/>
+          </a:bodyPr>
+          <a:lstStyle/>
+          <a:p>
+            <a:pPr algn="ctr" fontAlgn="base">
+              <a:spcAft>
+                <a:spcPct val="0"/>
+              </a:spcAft>
+            </a:pPr>
+            <a:r>
+              <a:rPr lang="en-US" dirty="0"/>
+              <a:t>filter</a:t>
+            </a:r>
+            <a:r>
+              <a:rPr lang="en-US" sz="1800" dirty="0"/>
+              <a:t> disabled</a:t>
+            </a:r>
+          </a:p>
+          <a:p>
+            <a:pPr marL="0" lvl="0" indent="0" algn="ctr" fontAlgn="base">
+              <a:spcAft>
+                <a:spcPct val="0"/>
+              </a:spcAft>
+              <a:buNone/>
+            </a:pPr>
+            <a:endParaRPr lang="en-US" sz="1800" dirty="0"/>
+          </a:p>
+        </p:txBody>
+      </p:sp>
+      <p:cxnSp>
+        <p:nvCxnSpPr>
+          <p:cNvPr id="20" name="Straight Arrow Connector 19">
+            <a:extLst>
+              <a:ext uri="{FF2B5EF4-FFF2-40B4-BE49-F238E27FC236}">
+                <a16:creationId xmlns:a16="http://schemas.microsoft.com/office/drawing/2014/main" id="{F05A38C4-A845-E968-34F3-93D94D980A02}"/>
+              </a:ext>
+            </a:extLst>
+          </p:cNvPr>
+          <p:cNvCxnSpPr>
+            <a:cxnSpLocks/>
+          </p:cNvCxnSpPr>
+          <p:nvPr/>
+        </p:nvCxnSpPr>
+        <p:spPr>
+          <a:xfrm>
+            <a:off x="8153400" y="4486275"/>
+            <a:ext cx="533400" cy="0"/>
+          </a:xfrm>
+          <a:prstGeom prst="straightConnector1">
+            <a:avLst/>
+          </a:prstGeom>
+          <a:ln w="38100">
+            <a:solidFill>
+              <a:schemeClr val="tx1"/>
+            </a:solidFill>
+            <a:tailEnd type="triangle"/>
+          </a:ln>
+        </p:spPr>
+        <p:style>
+          <a:lnRef idx="1">
+            <a:schemeClr val="accent1"/>
+          </a:lnRef>
+          <a:fillRef idx="0">
+            <a:schemeClr val="accent1"/>
+          </a:fillRef>
+          <a:effectRef idx="0">
+            <a:schemeClr val="accent1"/>
+          </a:effectRef>
+          <a:fontRef idx="minor">
+            <a:schemeClr val="tx1"/>
+          </a:fontRef>
+        </p:style>
+      </p:cxnSp>
+      <p:cxnSp>
+        <p:nvCxnSpPr>
+          <p:cNvPr id="23" name="Straight Arrow Connector 22">
+            <a:extLst>
+              <a:ext uri="{FF2B5EF4-FFF2-40B4-BE49-F238E27FC236}">
+                <a16:creationId xmlns:a16="http://schemas.microsoft.com/office/drawing/2014/main" id="{AC1A6EC2-1500-0313-34AF-2A0D1E7C8385}"/>
+              </a:ext>
+            </a:extLst>
+          </p:cNvPr>
+          <p:cNvCxnSpPr>
+            <a:cxnSpLocks/>
+            <a:endCxn id="7" idx="2"/>
+          </p:cNvCxnSpPr>
+          <p:nvPr/>
+        </p:nvCxnSpPr>
+        <p:spPr>
+          <a:xfrm flipV="1">
+            <a:off x="9715500" y="3521936"/>
+            <a:ext cx="0" cy="346196"/>
+          </a:xfrm>
+          <a:prstGeom prst="straightConnector1">
+            <a:avLst/>
+          </a:prstGeom>
+          <a:ln w="38100">
+            <a:solidFill>
+              <a:schemeClr val="tx1"/>
+            </a:solidFill>
+            <a:tailEnd type="triangle"/>
+          </a:ln>
+        </p:spPr>
+        <p:style>
+          <a:lnRef idx="1">
+            <a:schemeClr val="accent1"/>
+          </a:lnRef>
+          <a:fillRef idx="0">
+            <a:schemeClr val="accent1"/>
+          </a:fillRef>
+          <a:effectRef idx="0">
+            <a:schemeClr val="accent1"/>
+          </a:effectRef>
+          <a:fontRef idx="minor">
+            <a:schemeClr val="tx1"/>
+          </a:fontRef>
+        </p:style>
+      </p:cxnSp>
+      <p:sp>
+        <p:nvSpPr>
+          <p:cNvPr id="29" name="TextBox 28">
+            <a:extLst>
+              <a:ext uri="{FF2B5EF4-FFF2-40B4-BE49-F238E27FC236}">
+                <a16:creationId xmlns:a16="http://schemas.microsoft.com/office/drawing/2014/main" id="{7F22A24E-61F6-9B11-044B-FABBD096E4C8}"/>
+              </a:ext>
+            </a:extLst>
+          </p:cNvPr>
+          <p:cNvSpPr txBox="1"/>
+          <p:nvPr/>
+        </p:nvSpPr>
+        <p:spPr>
+          <a:xfrm>
+            <a:off x="5562600" y="3563641"/>
+            <a:ext cx="3122762" cy="646331"/>
+          </a:xfrm>
+          <a:prstGeom prst="rect">
+            <a:avLst/>
+          </a:prstGeom>
+          <a:noFill/>
+        </p:spPr>
+        <p:txBody>
+          <a:bodyPr wrap="square">
+            <a:spAutoFit/>
+          </a:bodyPr>
+          <a:lstStyle/>
+          <a:p>
+            <a:pPr algn="ctr" fontAlgn="base">
+              <a:spcAft>
+                <a:spcPct val="0"/>
+              </a:spcAft>
+            </a:pPr>
+            <a:r>
+              <a:rPr lang="en-US" sz="1800" dirty="0"/>
+              <a:t>filter enabled</a:t>
+            </a:r>
+          </a:p>
+          <a:p>
+            <a:pPr marL="0" lvl="0" indent="0" algn="ctr" fontAlgn="base">
+              <a:spcAft>
+                <a:spcPct val="0"/>
+              </a:spcAft>
+              <a:buNone/>
+            </a:pPr>
+            <a:endParaRPr lang="en-US" sz="1800" dirty="0"/>
+          </a:p>
+        </p:txBody>
+      </p:sp>
+      <p:grpSp>
+        <p:nvGrpSpPr>
+          <p:cNvPr id="40" name="Group 39">
+            <a:extLst>
+              <a:ext uri="{FF2B5EF4-FFF2-40B4-BE49-F238E27FC236}">
+                <a16:creationId xmlns:a16="http://schemas.microsoft.com/office/drawing/2014/main" id="{8A8DE3DC-2D7F-5B5D-E310-85E75323BE0E}"/>
+              </a:ext>
+            </a:extLst>
+          </p:cNvPr>
+          <p:cNvGrpSpPr/>
+          <p:nvPr/>
+        </p:nvGrpSpPr>
+        <p:grpSpPr>
+          <a:xfrm>
+            <a:off x="4518974" y="2971800"/>
+            <a:ext cx="6758626" cy="2895599"/>
+            <a:chOff x="4518974" y="2971800"/>
+            <a:chExt cx="6758626" cy="2895599"/>
+          </a:xfrm>
+        </p:grpSpPr>
+        <p:grpSp>
+          <p:nvGrpSpPr>
+            <p:cNvPr id="9" name="Group 8">
+              <a:extLst>
+                <a:ext uri="{FF2B5EF4-FFF2-40B4-BE49-F238E27FC236}">
+                  <a16:creationId xmlns:a16="http://schemas.microsoft.com/office/drawing/2014/main" id="{A08F1330-E2FE-011F-5C5B-07581C2480A1}"/>
+                </a:ext>
+              </a:extLst>
+            </p:cNvPr>
+            <p:cNvGrpSpPr/>
+            <p:nvPr/>
+          </p:nvGrpSpPr>
+          <p:grpSpPr>
+            <a:xfrm flipV="1">
+              <a:off x="4518974" y="5108794"/>
+              <a:ext cx="6747081" cy="758605"/>
+              <a:chOff x="4533900" y="1828800"/>
+              <a:chExt cx="6747081" cy="685800"/>
+            </a:xfrm>
+          </p:grpSpPr>
+          <p:cxnSp>
+            <p:nvCxnSpPr>
+              <p:cNvPr id="12" name="Straight Connector 11">
+                <a:extLst>
+                  <a:ext uri="{FF2B5EF4-FFF2-40B4-BE49-F238E27FC236}">
+                    <a16:creationId xmlns:a16="http://schemas.microsoft.com/office/drawing/2014/main" id="{B16244C9-E517-C9B1-DED0-ED603AF33BE5}"/>
+                  </a:ext>
+                </a:extLst>
+              </p:cNvPr>
+              <p:cNvCxnSpPr>
+                <a:cxnSpLocks/>
+              </p:cNvCxnSpPr>
+              <p:nvPr/>
+            </p:nvCxnSpPr>
+            <p:spPr>
+              <a:xfrm flipH="1" flipV="1">
+                <a:off x="4533900" y="1828800"/>
+                <a:ext cx="6747081" cy="28307"/>
+              </a:xfrm>
+              <a:prstGeom prst="line">
+                <a:avLst/>
+              </a:prstGeom>
+              <a:ln w="38100">
+                <a:solidFill>
+                  <a:schemeClr val="tx1"/>
+                </a:solidFill>
+              </a:ln>
+            </p:spPr>
+            <p:style>
+              <a:lnRef idx="1">
+                <a:schemeClr val="accent1"/>
+              </a:lnRef>
+              <a:fillRef idx="0">
+                <a:schemeClr val="accent1"/>
+              </a:fillRef>
+              <a:effectRef idx="0">
+                <a:schemeClr val="accent1"/>
+              </a:effectRef>
+              <a:fontRef idx="minor">
+                <a:schemeClr val="tx1"/>
+              </a:fontRef>
+            </p:style>
+          </p:cxnSp>
+          <p:cxnSp>
+            <p:nvCxnSpPr>
+              <p:cNvPr id="17" name="Straight Connector 16">
+                <a:extLst>
+                  <a:ext uri="{FF2B5EF4-FFF2-40B4-BE49-F238E27FC236}">
+                    <a16:creationId xmlns:a16="http://schemas.microsoft.com/office/drawing/2014/main" id="{90978311-E3EB-6B16-7F6F-269749DF9963}"/>
+                  </a:ext>
+                </a:extLst>
+              </p:cNvPr>
+              <p:cNvCxnSpPr>
+                <a:cxnSpLocks/>
+              </p:cNvCxnSpPr>
+              <p:nvPr/>
+            </p:nvCxnSpPr>
+            <p:spPr>
+              <a:xfrm>
+                <a:off x="4533900" y="1828800"/>
+                <a:ext cx="0" cy="685800"/>
+              </a:xfrm>
+              <a:prstGeom prst="line">
+                <a:avLst/>
+              </a:prstGeom>
+              <a:ln w="38100">
+                <a:solidFill>
+                  <a:schemeClr val="tx1"/>
+                </a:solidFill>
+              </a:ln>
+            </p:spPr>
+            <p:style>
+              <a:lnRef idx="1">
+                <a:schemeClr val="accent1"/>
+              </a:lnRef>
+              <a:fillRef idx="0">
+                <a:schemeClr val="accent1"/>
+              </a:fillRef>
+              <a:effectRef idx="0">
+                <a:schemeClr val="accent1"/>
+              </a:effectRef>
+              <a:fontRef idx="minor">
+                <a:schemeClr val="tx1"/>
+              </a:fontRef>
+            </p:style>
+          </p:cxnSp>
+        </p:grpSp>
+        <p:cxnSp>
+          <p:nvCxnSpPr>
+            <p:cNvPr id="32" name="Straight Arrow Connector 31">
+              <a:extLst>
+                <a:ext uri="{FF2B5EF4-FFF2-40B4-BE49-F238E27FC236}">
+                  <a16:creationId xmlns:a16="http://schemas.microsoft.com/office/drawing/2014/main" id="{DCC85456-D074-7EF6-61F2-6CF3A54E6157}"/>
+                </a:ext>
+              </a:extLst>
+            </p:cNvPr>
+            <p:cNvCxnSpPr>
+              <a:cxnSpLocks/>
+            </p:cNvCxnSpPr>
+            <p:nvPr/>
+          </p:nvCxnSpPr>
+          <p:spPr>
+            <a:xfrm flipH="1">
+              <a:off x="10744200" y="2971800"/>
+              <a:ext cx="533400" cy="0"/>
+            </a:xfrm>
+            <a:prstGeom prst="straightConnector1">
+              <a:avLst/>
+            </a:prstGeom>
+            <a:ln w="38100">
+              <a:solidFill>
+                <a:schemeClr val="tx1"/>
+              </a:solidFill>
+              <a:tailEnd type="triangle"/>
+            </a:ln>
+          </p:spPr>
+          <p:style>
+            <a:lnRef idx="1">
+              <a:schemeClr val="accent1"/>
+            </a:lnRef>
+            <a:fillRef idx="0">
+              <a:schemeClr val="accent1"/>
+            </a:fillRef>
+            <a:effectRef idx="0">
+              <a:schemeClr val="accent1"/>
+            </a:effectRef>
+            <a:fontRef idx="minor">
+              <a:schemeClr val="tx1"/>
+            </a:fontRef>
+          </p:style>
+        </p:cxnSp>
+        <p:cxnSp>
+          <p:nvCxnSpPr>
+            <p:cNvPr id="35" name="Straight Connector 34">
+              <a:extLst>
+                <a:ext uri="{FF2B5EF4-FFF2-40B4-BE49-F238E27FC236}">
+                  <a16:creationId xmlns:a16="http://schemas.microsoft.com/office/drawing/2014/main" id="{9E03FDF2-0E64-51F2-35C7-31A10CE7C6ED}"/>
+                </a:ext>
+              </a:extLst>
+            </p:cNvPr>
+            <p:cNvCxnSpPr>
+              <a:cxnSpLocks/>
+            </p:cNvCxnSpPr>
+            <p:nvPr/>
+          </p:nvCxnSpPr>
+          <p:spPr>
+            <a:xfrm flipV="1">
+              <a:off x="11266055" y="2971800"/>
+              <a:ext cx="11545" cy="2864287"/>
+            </a:xfrm>
+            <a:prstGeom prst="line">
+              <a:avLst/>
+            </a:prstGeom>
+            <a:ln w="38100">
+              <a:solidFill>
+                <a:schemeClr val="tx1"/>
+              </a:solidFill>
+            </a:ln>
+          </p:spPr>
+          <p:style>
+            <a:lnRef idx="1">
+              <a:schemeClr val="accent1"/>
+            </a:lnRef>
+            <a:fillRef idx="0">
+              <a:schemeClr val="accent1"/>
+            </a:fillRef>
+            <a:effectRef idx="0">
+              <a:schemeClr val="accent1"/>
+            </a:effectRef>
+            <a:fontRef idx="minor">
+              <a:schemeClr val="tx1"/>
+            </a:fontRef>
+          </p:style>
+        </p:cxnSp>
+      </p:grpSp>
+      <p:cxnSp>
+        <p:nvCxnSpPr>
+          <p:cNvPr id="41" name="Straight Arrow Connector 40">
+            <a:extLst>
+              <a:ext uri="{FF2B5EF4-FFF2-40B4-BE49-F238E27FC236}">
+                <a16:creationId xmlns:a16="http://schemas.microsoft.com/office/drawing/2014/main" id="{A1910F71-A7B0-3059-5304-FC3B9DBACC40}"/>
+              </a:ext>
+            </a:extLst>
+          </p:cNvPr>
+          <p:cNvCxnSpPr>
+            <a:cxnSpLocks/>
+          </p:cNvCxnSpPr>
+          <p:nvPr/>
+        </p:nvCxnSpPr>
+        <p:spPr>
+          <a:xfrm>
+            <a:off x="5562600" y="2912336"/>
+            <a:ext cx="3122762" cy="0"/>
+          </a:xfrm>
+          <a:prstGeom prst="straightConnector1">
+            <a:avLst/>
+          </a:prstGeom>
+          <a:ln w="38100">
+            <a:solidFill>
+              <a:schemeClr val="tx1"/>
+            </a:solidFill>
+            <a:tailEnd type="triangle"/>
+          </a:ln>
+        </p:spPr>
+        <p:style>
+          <a:lnRef idx="1">
+            <a:schemeClr val="accent1"/>
+          </a:lnRef>
+          <a:fillRef idx="0">
+            <a:schemeClr val="accent1"/>
+          </a:fillRef>
+          <a:effectRef idx="0">
+            <a:schemeClr val="accent1"/>
+          </a:effectRef>
+          <a:fontRef idx="minor">
+            <a:schemeClr val="tx1"/>
+          </a:fontRef>
+        </p:style>
+      </p:cxnSp>
     </p:spTree>
     <p:extLst>
       <p:ext uri="{BB962C8B-B14F-4D97-AF65-F5344CB8AC3E}">
-        <p14:creationId xmlns:p14="http://schemas.microsoft.com/office/powerpoint/2010/main" val="3724325969"/>
+        <p14:creationId xmlns:p14="http://schemas.microsoft.com/office/powerpoint/2010/main" val="4217165284"/>
       </p:ext>
     </p:extLst>
   </p:cSld>
@@ -21751,8 +23975,8 @@
 </p:sld>
 </file>
 
-<file path=ppt/slides/slide8.xml><?xml version="1.0" encoding="utf-8"?>
-<p:sld xmlns:a="http://schemas.openxmlformats.org/drawingml/2006/main" xmlns:r="http://schemas.openxmlformats.org/officeDocument/2006/relationships" xmlns:p="http://schemas.openxmlformats.org/presentationml/2006/main">
+<file path=ppt/slides/slide9.xml><?xml version="1.0" encoding="utf-8"?>
+<p:sld xmlns:a="http://schemas.openxmlformats.org/drawingml/2006/main" xmlns:r="http://schemas.openxmlformats.org/officeDocument/2006/relationships" xmlns:p="http://schemas.openxmlformats.org/presentationml/2006/main" show="0">
   <p:cSld>
     <p:spTree>
       <p:nvGrpSpPr>
@@ -21774,35 +23998,6 @@
           <a:chExt cx="0" cy="0"/>
         </a:xfrm>
       </p:grpSpPr>
-      <p:sp>
-        <p:nvSpPr>
-          <p:cNvPr id="2" name="Title 1">
-            <a:extLst>
-              <a:ext uri="{FF2B5EF4-FFF2-40B4-BE49-F238E27FC236}">
-                <a16:creationId xmlns:a16="http://schemas.microsoft.com/office/drawing/2014/main" id="{3410BBFF-BA24-2034-6517-B152967A34C1}"/>
-              </a:ext>
-            </a:extLst>
-          </p:cNvPr>
-          <p:cNvSpPr>
-            <a:spLocks noGrp="1"/>
-          </p:cNvSpPr>
-          <p:nvPr>
-            <p:ph type="title"/>
-          </p:nvPr>
-        </p:nvSpPr>
-        <p:spPr/>
-        <p:txBody>
-          <a:bodyPr/>
-          <a:lstStyle/>
-          <a:p>
-            <a:pPr algn="ctr"/>
-            <a:r>
-              <a:rPr lang="en-US" dirty="0"/>
-              <a:t>Main State Machine</a:t>
-            </a:r>
-          </a:p>
-        </p:txBody>
-      </p:sp>
       <p:graphicFrame>
         <p:nvGraphicFramePr>
           <p:cNvPr id="7" name="Content Placeholder 6">
@@ -22569,48 +24764,12 @@
           </a:prstGeom>
         </p:spPr>
       </p:pic>
-    </p:spTree>
-    <p:extLst>
-      <p:ext uri="{BB962C8B-B14F-4D97-AF65-F5344CB8AC3E}">
-        <p14:creationId xmlns:p14="http://schemas.microsoft.com/office/powerpoint/2010/main" val="2404027986"/>
-      </p:ext>
-    </p:extLst>
-  </p:cSld>
-  <p:clrMapOvr>
-    <a:masterClrMapping/>
-  </p:clrMapOvr>
-</p:sld>
-</file>
-
-<file path=ppt/slides/slide9.xml><?xml version="1.0" encoding="utf-8"?>
-<p:sld xmlns:a="http://schemas.openxmlformats.org/drawingml/2006/main" xmlns:r="http://schemas.openxmlformats.org/officeDocument/2006/relationships" xmlns:p="http://schemas.openxmlformats.org/presentationml/2006/main">
-  <p:cSld>
-    <p:spTree>
-      <p:nvGrpSpPr>
-        <p:cNvPr id="1" name="">
-          <a:extLst>
-            <a:ext uri="{FF2B5EF4-FFF2-40B4-BE49-F238E27FC236}">
-              <a16:creationId xmlns:a16="http://schemas.microsoft.com/office/drawing/2014/main" id="{B852AF45-8B4E-EADA-A7B5-B3ABAFFA86B2}"/>
-            </a:ext>
-          </a:extLst>
-        </p:cNvPr>
-        <p:cNvGrpSpPr/>
-        <p:nvPr/>
-      </p:nvGrpSpPr>
-      <p:grpSpPr>
-        <a:xfrm>
-          <a:off x="0" y="0"/>
-          <a:ext cx="0" cy="0"/>
-          <a:chOff x="0" y="0"/>
-          <a:chExt cx="0" cy="0"/>
-        </a:xfrm>
-      </p:grpSpPr>
       <p:sp>
         <p:nvSpPr>
-          <p:cNvPr id="15" name="Title 1">
+          <p:cNvPr id="6" name="Title 1">
             <a:extLst>
               <a:ext uri="{FF2B5EF4-FFF2-40B4-BE49-F238E27FC236}">
-                <a16:creationId xmlns:a16="http://schemas.microsoft.com/office/drawing/2014/main" id="{D9475BD5-5683-C3D5-F4CD-914F055105FF}"/>
+                <a16:creationId xmlns:a16="http://schemas.microsoft.com/office/drawing/2014/main" id="{C6F67B96-6CA8-9CC7-08D8-6720F98266E3}"/>
               </a:ext>
             </a:extLst>
           </p:cNvPr>
@@ -22623,86 +24782,25 @@
         </p:nvSpPr>
         <p:spPr>
           <a:xfrm>
-            <a:off x="1524000" y="457200"/>
-            <a:ext cx="9144000" cy="1143000"/>
+            <a:off x="1219200" y="457200"/>
+            <a:ext cx="9448800" cy="1143000"/>
           </a:xfrm>
         </p:spPr>
         <p:txBody>
           <a:bodyPr/>
           <a:lstStyle/>
           <a:p>
-            <a:pPr algn="ctr"/>
             <a:r>
               <a:rPr lang="en-US" dirty="0"/>
-              <a:t>Main State Machine</a:t>
+              <a:t>User interface</a:t>
             </a:r>
           </a:p>
         </p:txBody>
       </p:sp>
-      <p:pic>
-        <p:nvPicPr>
-          <p:cNvPr id="27" name="Picture 26" descr="A screen with many colors&#10;&#10;AI-generated content may be incorrect.">
-            <a:extLst>
-              <a:ext uri="{FF2B5EF4-FFF2-40B4-BE49-F238E27FC236}">
-                <a16:creationId xmlns:a16="http://schemas.microsoft.com/office/drawing/2014/main" id="{35C4AAE8-28BD-9AFA-CECF-401852188E87}"/>
-              </a:ext>
-            </a:extLst>
-          </p:cNvPr>
-          <p:cNvPicPr>
-            <a:picLocks noChangeAspect="1"/>
-          </p:cNvPicPr>
-          <p:nvPr/>
-        </p:nvPicPr>
-        <p:blipFill>
-          <a:blip r:embed="rId3"/>
-          <a:stretch>
-            <a:fillRect/>
-          </a:stretch>
-        </p:blipFill>
-        <p:spPr>
-          <a:xfrm>
-            <a:off x="1371600" y="3505200"/>
-            <a:ext cx="1791883" cy="1066800"/>
-          </a:xfrm>
-          <a:prstGeom prst="rect">
-            <a:avLst/>
-          </a:prstGeom>
-        </p:spPr>
-      </p:pic>
-      <p:pic>
-        <p:nvPicPr>
-          <p:cNvPr id="29" name="Picture 28">
-            <a:extLst>
-              <a:ext uri="{FF2B5EF4-FFF2-40B4-BE49-F238E27FC236}">
-                <a16:creationId xmlns:a16="http://schemas.microsoft.com/office/drawing/2014/main" id="{6F245036-97D1-C14E-285C-580A8C743717}"/>
-              </a:ext>
-            </a:extLst>
-          </p:cNvPr>
-          <p:cNvPicPr>
-            <a:picLocks noChangeAspect="1"/>
-          </p:cNvPicPr>
-          <p:nvPr/>
-        </p:nvPicPr>
-        <p:blipFill>
-          <a:blip r:embed="rId4"/>
-          <a:stretch>
-            <a:fillRect/>
-          </a:stretch>
-        </p:blipFill>
-        <p:spPr>
-          <a:xfrm>
-            <a:off x="0" y="2368325"/>
-            <a:ext cx="12192000" cy="1136875"/>
-          </a:xfrm>
-          <a:prstGeom prst="rect">
-            <a:avLst/>
-          </a:prstGeom>
-        </p:spPr>
-      </p:pic>
     </p:spTree>
     <p:extLst>
       <p:ext uri="{BB962C8B-B14F-4D97-AF65-F5344CB8AC3E}">
-        <p14:creationId xmlns:p14="http://schemas.microsoft.com/office/powerpoint/2010/main" val="3500706204"/>
+        <p14:creationId xmlns:p14="http://schemas.microsoft.com/office/powerpoint/2010/main" val="2404027986"/>
       </p:ext>
     </p:extLst>
   </p:cSld>

--- a/datasheets/Digital Zoom presentation.pptx
+++ b/datasheets/Digital Zoom presentation.pptx
@@ -5,10 +5,10 @@
     <p:sldMasterId id="2147483648" r:id="rId1"/>
   </p:sldMasterIdLst>
   <p:notesMasterIdLst>
-    <p:notesMasterId r:id="rId25"/>
+    <p:notesMasterId r:id="rId27"/>
   </p:notesMasterIdLst>
   <p:handoutMasterIdLst>
-    <p:handoutMasterId r:id="rId26"/>
+    <p:handoutMasterId r:id="rId28"/>
   </p:handoutMasterIdLst>
   <p:sldIdLst>
     <p:sldId id="256" r:id="rId2"/>
@@ -19,21 +19,23 @@
     <p:sldId id="289" r:id="rId7"/>
     <p:sldId id="278" r:id="rId8"/>
     <p:sldId id="290" r:id="rId9"/>
-    <p:sldId id="283" r:id="rId10"/>
-    <p:sldId id="285" r:id="rId11"/>
-    <p:sldId id="280" r:id="rId12"/>
-    <p:sldId id="281" r:id="rId13"/>
-    <p:sldId id="284" r:id="rId14"/>
-    <p:sldId id="286" r:id="rId15"/>
-    <p:sldId id="267" r:id="rId16"/>
-    <p:sldId id="288" r:id="rId17"/>
-    <p:sldId id="269" r:id="rId18"/>
-    <p:sldId id="270" r:id="rId19"/>
-    <p:sldId id="271" r:id="rId20"/>
-    <p:sldId id="272" r:id="rId21"/>
-    <p:sldId id="273" r:id="rId22"/>
-    <p:sldId id="274" r:id="rId23"/>
-    <p:sldId id="275" r:id="rId24"/>
+    <p:sldId id="285" r:id="rId10"/>
+    <p:sldId id="280" r:id="rId11"/>
+    <p:sldId id="281" r:id="rId12"/>
+    <p:sldId id="284" r:id="rId13"/>
+    <p:sldId id="286" r:id="rId14"/>
+    <p:sldId id="267" r:id="rId15"/>
+    <p:sldId id="288" r:id="rId16"/>
+    <p:sldId id="269" r:id="rId17"/>
+    <p:sldId id="291" r:id="rId18"/>
+    <p:sldId id="292" r:id="rId19"/>
+    <p:sldId id="293" r:id="rId20"/>
+    <p:sldId id="270" r:id="rId21"/>
+    <p:sldId id="271" r:id="rId22"/>
+    <p:sldId id="272" r:id="rId23"/>
+    <p:sldId id="273" r:id="rId24"/>
+    <p:sldId id="274" r:id="rId25"/>
+    <p:sldId id="275" r:id="rId26"/>
   </p:sldIdLst>
   <p:sldSz cx="12192000" cy="6858000"/>
   <p:notesSz cx="6858000" cy="9144000"/>
@@ -152,5868 +154,6 @@
     </p:ext>
   </p:extLst>
 </p:presentation>
-</file>
-
-<file path=ppt/diagrams/colors1.xml><?xml version="1.0" encoding="utf-8"?>
-<dgm:colorsDef xmlns:dgm="http://schemas.openxmlformats.org/drawingml/2006/diagram" xmlns:a="http://schemas.openxmlformats.org/drawingml/2006/main" uniqueId="urn:microsoft.com/office/officeart/2005/8/colors/accent1_2">
-  <dgm:title val=""/>
-  <dgm:desc val=""/>
-  <dgm:catLst>
-    <dgm:cat type="accent1" pri="11200"/>
-  </dgm:catLst>
-  <dgm:styleLbl name="node0">
-    <dgm:fillClrLst meth="repeat">
-      <a:schemeClr val="accent1"/>
-    </dgm:fillClrLst>
-    <dgm:linClrLst meth="repeat">
-      <a:schemeClr val="lt1"/>
-    </dgm:linClrLst>
-    <dgm:effectClrLst/>
-    <dgm:txLinClrLst/>
-    <dgm:txFillClrLst/>
-    <dgm:txEffectClrLst/>
-  </dgm:styleLbl>
-  <dgm:styleLbl name="alignNode1">
-    <dgm:fillClrLst meth="repeat">
-      <a:schemeClr val="accent1"/>
-    </dgm:fillClrLst>
-    <dgm:linClrLst meth="repeat">
-      <a:schemeClr val="accent1"/>
-    </dgm:linClrLst>
-    <dgm:effectClrLst/>
-    <dgm:txLinClrLst/>
-    <dgm:txFillClrLst/>
-    <dgm:txEffectClrLst/>
-  </dgm:styleLbl>
-  <dgm:styleLbl name="node1">
-    <dgm:fillClrLst meth="repeat">
-      <a:schemeClr val="accent1"/>
-    </dgm:fillClrLst>
-    <dgm:linClrLst meth="repeat">
-      <a:schemeClr val="lt1"/>
-    </dgm:linClrLst>
-    <dgm:effectClrLst/>
-    <dgm:txLinClrLst/>
-    <dgm:txFillClrLst/>
-    <dgm:txEffectClrLst/>
-  </dgm:styleLbl>
-  <dgm:styleLbl name="lnNode1">
-    <dgm:fillClrLst meth="repeat">
-      <a:schemeClr val="accent1"/>
-    </dgm:fillClrLst>
-    <dgm:linClrLst meth="repeat">
-      <a:schemeClr val="lt1"/>
-    </dgm:linClrLst>
-    <dgm:effectClrLst/>
-    <dgm:txLinClrLst/>
-    <dgm:txFillClrLst/>
-    <dgm:txEffectClrLst/>
-  </dgm:styleLbl>
-  <dgm:styleLbl name="vennNode1">
-    <dgm:fillClrLst meth="repeat">
-      <a:schemeClr val="accent1">
-        <a:alpha val="50000"/>
-      </a:schemeClr>
-    </dgm:fillClrLst>
-    <dgm:linClrLst meth="repeat">
-      <a:schemeClr val="lt1"/>
-    </dgm:linClrLst>
-    <dgm:effectClrLst/>
-    <dgm:txLinClrLst/>
-    <dgm:txFillClrLst/>
-    <dgm:txEffectClrLst/>
-  </dgm:styleLbl>
-  <dgm:styleLbl name="node2">
-    <dgm:fillClrLst meth="repeat">
-      <a:schemeClr val="accent1"/>
-    </dgm:fillClrLst>
-    <dgm:linClrLst meth="repeat">
-      <a:schemeClr val="lt1"/>
-    </dgm:linClrLst>
-    <dgm:effectClrLst/>
-    <dgm:txLinClrLst/>
-    <dgm:txFillClrLst/>
-    <dgm:txEffectClrLst/>
-  </dgm:styleLbl>
-  <dgm:styleLbl name="node3">
-    <dgm:fillClrLst meth="repeat">
-      <a:schemeClr val="accent1"/>
-    </dgm:fillClrLst>
-    <dgm:linClrLst meth="repeat">
-      <a:schemeClr val="lt1"/>
-    </dgm:linClrLst>
-    <dgm:effectClrLst/>
-    <dgm:txLinClrLst/>
-    <dgm:txFillClrLst/>
-    <dgm:txEffectClrLst/>
-  </dgm:styleLbl>
-  <dgm:styleLbl name="node4">
-    <dgm:fillClrLst meth="repeat">
-      <a:schemeClr val="accent1"/>
-    </dgm:fillClrLst>
-    <dgm:linClrLst meth="repeat">
-      <a:schemeClr val="lt1"/>
-    </dgm:linClrLst>
-    <dgm:effectClrLst/>
-    <dgm:txLinClrLst/>
-    <dgm:txFillClrLst/>
-    <dgm:txEffectClrLst/>
-  </dgm:styleLbl>
-  <dgm:styleLbl name="fgImgPlace1">
-    <dgm:fillClrLst meth="repeat">
-      <a:schemeClr val="accent1">
-        <a:tint val="50000"/>
-      </a:schemeClr>
-    </dgm:fillClrLst>
-    <dgm:linClrLst meth="repeat">
-      <a:schemeClr val="lt1"/>
-    </dgm:linClrLst>
-    <dgm:effectClrLst/>
-    <dgm:txLinClrLst/>
-    <dgm:txFillClrLst meth="repeat">
-      <a:schemeClr val="lt1"/>
-    </dgm:txFillClrLst>
-    <dgm:txEffectClrLst/>
-  </dgm:styleLbl>
-  <dgm:styleLbl name="alignImgPlace1">
-    <dgm:fillClrLst meth="repeat">
-      <a:schemeClr val="accent1">
-        <a:tint val="50000"/>
-      </a:schemeClr>
-    </dgm:fillClrLst>
-    <dgm:linClrLst meth="repeat">
-      <a:schemeClr val="lt1"/>
-    </dgm:linClrLst>
-    <dgm:effectClrLst/>
-    <dgm:txLinClrLst/>
-    <dgm:txFillClrLst meth="repeat">
-      <a:schemeClr val="lt1"/>
-    </dgm:txFillClrLst>
-    <dgm:txEffectClrLst/>
-  </dgm:styleLbl>
-  <dgm:styleLbl name="bgImgPlace1">
-    <dgm:fillClrLst meth="repeat">
-      <a:schemeClr val="accent1">
-        <a:tint val="50000"/>
-      </a:schemeClr>
-    </dgm:fillClrLst>
-    <dgm:linClrLst meth="repeat">
-      <a:schemeClr val="lt1"/>
-    </dgm:linClrLst>
-    <dgm:effectClrLst/>
-    <dgm:txLinClrLst/>
-    <dgm:txFillClrLst meth="repeat">
-      <a:schemeClr val="lt1"/>
-    </dgm:txFillClrLst>
-    <dgm:txEffectClrLst/>
-  </dgm:styleLbl>
-  <dgm:styleLbl name="sibTrans2D1">
-    <dgm:fillClrLst meth="repeat">
-      <a:schemeClr val="accent1">
-        <a:tint val="60000"/>
-      </a:schemeClr>
-    </dgm:fillClrLst>
-    <dgm:linClrLst meth="repeat">
-      <a:schemeClr val="accent1">
-        <a:tint val="60000"/>
-      </a:schemeClr>
-    </dgm:linClrLst>
-    <dgm:effectClrLst/>
-    <dgm:txLinClrLst/>
-    <dgm:txFillClrLst/>
-    <dgm:txEffectClrLst/>
-  </dgm:styleLbl>
-  <dgm:styleLbl name="fgSibTrans2D1">
-    <dgm:fillClrLst meth="repeat">
-      <a:schemeClr val="accent1">
-        <a:tint val="60000"/>
-      </a:schemeClr>
-    </dgm:fillClrLst>
-    <dgm:linClrLst meth="repeat">
-      <a:schemeClr val="accent1">
-        <a:tint val="60000"/>
-      </a:schemeClr>
-    </dgm:linClrLst>
-    <dgm:effectClrLst/>
-    <dgm:txLinClrLst/>
-    <dgm:txFillClrLst/>
-    <dgm:txEffectClrLst/>
-  </dgm:styleLbl>
-  <dgm:styleLbl name="bgSibTrans2D1">
-    <dgm:fillClrLst meth="repeat">
-      <a:schemeClr val="accent1">
-        <a:tint val="60000"/>
-      </a:schemeClr>
-    </dgm:fillClrLst>
-    <dgm:linClrLst meth="repeat">
-      <a:schemeClr val="accent1">
-        <a:tint val="60000"/>
-      </a:schemeClr>
-    </dgm:linClrLst>
-    <dgm:effectClrLst/>
-    <dgm:txLinClrLst/>
-    <dgm:txFillClrLst/>
-    <dgm:txEffectClrLst/>
-  </dgm:styleLbl>
-  <dgm:styleLbl name="sibTrans1D1">
-    <dgm:fillClrLst meth="repeat">
-      <a:schemeClr val="accent1"/>
-    </dgm:fillClrLst>
-    <dgm:linClrLst meth="repeat">
-      <a:schemeClr val="accent1"/>
-    </dgm:linClrLst>
-    <dgm:effectClrLst/>
-    <dgm:txLinClrLst/>
-    <dgm:txFillClrLst meth="repeat">
-      <a:schemeClr val="tx1"/>
-    </dgm:txFillClrLst>
-    <dgm:txEffectClrLst/>
-  </dgm:styleLbl>
-  <dgm:styleLbl name="callout">
-    <dgm:fillClrLst meth="repeat">
-      <a:schemeClr val="accent1"/>
-    </dgm:fillClrLst>
-    <dgm:linClrLst meth="repeat">
-      <a:schemeClr val="accent1">
-        <a:tint val="50000"/>
-      </a:schemeClr>
-    </dgm:linClrLst>
-    <dgm:effectClrLst/>
-    <dgm:txLinClrLst/>
-    <dgm:txFillClrLst meth="repeat">
-      <a:schemeClr val="tx1"/>
-    </dgm:txFillClrLst>
-    <dgm:txEffectClrLst/>
-  </dgm:styleLbl>
-  <dgm:styleLbl name="asst0">
-    <dgm:fillClrLst meth="repeat">
-      <a:schemeClr val="accent1"/>
-    </dgm:fillClrLst>
-    <dgm:linClrLst meth="repeat">
-      <a:schemeClr val="lt1"/>
-    </dgm:linClrLst>
-    <dgm:effectClrLst/>
-    <dgm:txLinClrLst/>
-    <dgm:txFillClrLst/>
-    <dgm:txEffectClrLst/>
-  </dgm:styleLbl>
-  <dgm:styleLbl name="asst1">
-    <dgm:fillClrLst meth="repeat">
-      <a:schemeClr val="accent1"/>
-    </dgm:fillClrLst>
-    <dgm:linClrLst meth="repeat">
-      <a:schemeClr val="lt1"/>
-    </dgm:linClrLst>
-    <dgm:effectClrLst/>
-    <dgm:txLinClrLst/>
-    <dgm:txFillClrLst/>
-    <dgm:txEffectClrLst/>
-  </dgm:styleLbl>
-  <dgm:styleLbl name="asst2">
-    <dgm:fillClrLst meth="repeat">
-      <a:schemeClr val="accent1"/>
-    </dgm:fillClrLst>
-    <dgm:linClrLst meth="repeat">
-      <a:schemeClr val="lt1"/>
-    </dgm:linClrLst>
-    <dgm:effectClrLst/>
-    <dgm:txLinClrLst/>
-    <dgm:txFillClrLst/>
-    <dgm:txEffectClrLst/>
-  </dgm:styleLbl>
-  <dgm:styleLbl name="asst3">
-    <dgm:fillClrLst meth="repeat">
-      <a:schemeClr val="accent1"/>
-    </dgm:fillClrLst>
-    <dgm:linClrLst meth="repeat">
-      <a:schemeClr val="lt1"/>
-    </dgm:linClrLst>
-    <dgm:effectClrLst/>
-    <dgm:txLinClrLst/>
-    <dgm:txFillClrLst/>
-    <dgm:txEffectClrLst/>
-  </dgm:styleLbl>
-  <dgm:styleLbl name="asst4">
-    <dgm:fillClrLst meth="repeat">
-      <a:schemeClr val="accent1"/>
-    </dgm:fillClrLst>
-    <dgm:linClrLst meth="repeat">
-      <a:schemeClr val="lt1"/>
-    </dgm:linClrLst>
-    <dgm:effectClrLst/>
-    <dgm:txLinClrLst/>
-    <dgm:txFillClrLst/>
-    <dgm:txEffectClrLst/>
-  </dgm:styleLbl>
-  <dgm:styleLbl name="parChTrans2D1">
-    <dgm:fillClrLst meth="repeat">
-      <a:schemeClr val="accent1">
-        <a:tint val="60000"/>
-      </a:schemeClr>
-    </dgm:fillClrLst>
-    <dgm:linClrLst meth="repeat">
-      <a:schemeClr val="accent1">
-        <a:tint val="60000"/>
-      </a:schemeClr>
-    </dgm:linClrLst>
-    <dgm:effectClrLst/>
-    <dgm:txLinClrLst/>
-    <dgm:txFillClrLst meth="repeat">
-      <a:schemeClr val="lt1"/>
-    </dgm:txFillClrLst>
-    <dgm:txEffectClrLst/>
-  </dgm:styleLbl>
-  <dgm:styleLbl name="parChTrans2D2">
-    <dgm:fillClrLst meth="repeat">
-      <a:schemeClr val="accent1"/>
-    </dgm:fillClrLst>
-    <dgm:linClrLst meth="repeat">
-      <a:schemeClr val="accent1"/>
-    </dgm:linClrLst>
-    <dgm:effectClrLst/>
-    <dgm:txLinClrLst/>
-    <dgm:txFillClrLst meth="repeat">
-      <a:schemeClr val="lt1"/>
-    </dgm:txFillClrLst>
-    <dgm:txEffectClrLst/>
-  </dgm:styleLbl>
-  <dgm:styleLbl name="parChTrans2D3">
-    <dgm:fillClrLst meth="repeat">
-      <a:schemeClr val="accent1"/>
-    </dgm:fillClrLst>
-    <dgm:linClrLst meth="repeat">
-      <a:schemeClr val="accent1"/>
-    </dgm:linClrLst>
-    <dgm:effectClrLst/>
-    <dgm:txLinClrLst/>
-    <dgm:txFillClrLst meth="repeat">
-      <a:schemeClr val="lt1"/>
-    </dgm:txFillClrLst>
-    <dgm:txEffectClrLst/>
-  </dgm:styleLbl>
-  <dgm:styleLbl name="parChTrans2D4">
-    <dgm:fillClrLst meth="repeat">
-      <a:schemeClr val="accent1"/>
-    </dgm:fillClrLst>
-    <dgm:linClrLst meth="repeat">
-      <a:schemeClr val="accent1"/>
-    </dgm:linClrLst>
-    <dgm:effectClrLst/>
-    <dgm:txLinClrLst/>
-    <dgm:txFillClrLst meth="repeat">
-      <a:schemeClr val="lt1"/>
-    </dgm:txFillClrLst>
-    <dgm:txEffectClrLst/>
-  </dgm:styleLbl>
-  <dgm:styleLbl name="parChTrans1D1">
-    <dgm:fillClrLst meth="repeat">
-      <a:schemeClr val="accent1"/>
-    </dgm:fillClrLst>
-    <dgm:linClrLst meth="repeat">
-      <a:schemeClr val="accent1">
-        <a:shade val="60000"/>
-      </a:schemeClr>
-    </dgm:linClrLst>
-    <dgm:effectClrLst/>
-    <dgm:txLinClrLst/>
-    <dgm:txFillClrLst meth="repeat">
-      <a:schemeClr val="tx1"/>
-    </dgm:txFillClrLst>
-    <dgm:txEffectClrLst/>
-  </dgm:styleLbl>
-  <dgm:styleLbl name="parChTrans1D2">
-    <dgm:fillClrLst meth="repeat">
-      <a:schemeClr val="accent1"/>
-    </dgm:fillClrLst>
-    <dgm:linClrLst meth="repeat">
-      <a:schemeClr val="accent1">
-        <a:shade val="60000"/>
-      </a:schemeClr>
-    </dgm:linClrLst>
-    <dgm:effectClrLst/>
-    <dgm:txLinClrLst/>
-    <dgm:txFillClrLst meth="repeat">
-      <a:schemeClr val="tx1"/>
-    </dgm:txFillClrLst>
-    <dgm:txEffectClrLst/>
-  </dgm:styleLbl>
-  <dgm:styleLbl name="parChTrans1D3">
-    <dgm:fillClrLst meth="repeat">
-      <a:schemeClr val="accent1"/>
-    </dgm:fillClrLst>
-    <dgm:linClrLst meth="repeat">
-      <a:schemeClr val="accent1">
-        <a:shade val="80000"/>
-      </a:schemeClr>
-    </dgm:linClrLst>
-    <dgm:effectClrLst/>
-    <dgm:txLinClrLst/>
-    <dgm:txFillClrLst meth="repeat">
-      <a:schemeClr val="tx1"/>
-    </dgm:txFillClrLst>
-    <dgm:txEffectClrLst/>
-  </dgm:styleLbl>
-  <dgm:styleLbl name="parChTrans1D4">
-    <dgm:fillClrLst meth="repeat">
-      <a:schemeClr val="accent1"/>
-    </dgm:fillClrLst>
-    <dgm:linClrLst meth="repeat">
-      <a:schemeClr val="accent1">
-        <a:shade val="80000"/>
-      </a:schemeClr>
-    </dgm:linClrLst>
-    <dgm:effectClrLst/>
-    <dgm:txLinClrLst/>
-    <dgm:txFillClrLst meth="repeat">
-      <a:schemeClr val="tx1"/>
-    </dgm:txFillClrLst>
-    <dgm:txEffectClrLst/>
-  </dgm:styleLbl>
-  <dgm:styleLbl name="fgAcc1">
-    <dgm:fillClrLst meth="repeat">
-      <a:schemeClr val="lt1">
-        <a:alpha val="90000"/>
-      </a:schemeClr>
-    </dgm:fillClrLst>
-    <dgm:linClrLst meth="repeat">
-      <a:schemeClr val="accent1"/>
-    </dgm:linClrLst>
-    <dgm:effectClrLst/>
-    <dgm:txLinClrLst/>
-    <dgm:txFillClrLst meth="repeat">
-      <a:schemeClr val="dk1"/>
-    </dgm:txFillClrLst>
-    <dgm:txEffectClrLst/>
-  </dgm:styleLbl>
-  <dgm:styleLbl name="conFgAcc1">
-    <dgm:fillClrLst meth="repeat">
-      <a:schemeClr val="lt1">
-        <a:alpha val="90000"/>
-      </a:schemeClr>
-    </dgm:fillClrLst>
-    <dgm:linClrLst meth="repeat">
-      <a:schemeClr val="accent1"/>
-    </dgm:linClrLst>
-    <dgm:effectClrLst/>
-    <dgm:txLinClrLst/>
-    <dgm:txFillClrLst meth="repeat">
-      <a:schemeClr val="dk1"/>
-    </dgm:txFillClrLst>
-    <dgm:txEffectClrLst/>
-  </dgm:styleLbl>
-  <dgm:styleLbl name="alignAcc1">
-    <dgm:fillClrLst meth="repeat">
-      <a:schemeClr val="lt1">
-        <a:alpha val="90000"/>
-      </a:schemeClr>
-    </dgm:fillClrLst>
-    <dgm:linClrLst meth="repeat">
-      <a:schemeClr val="accent1"/>
-    </dgm:linClrLst>
-    <dgm:effectClrLst/>
-    <dgm:txLinClrLst/>
-    <dgm:txFillClrLst meth="repeat">
-      <a:schemeClr val="dk1"/>
-    </dgm:txFillClrLst>
-    <dgm:txEffectClrLst/>
-  </dgm:styleLbl>
-  <dgm:styleLbl name="trAlignAcc1">
-    <dgm:fillClrLst meth="repeat">
-      <a:schemeClr val="lt1">
-        <a:alpha val="40000"/>
-      </a:schemeClr>
-    </dgm:fillClrLst>
-    <dgm:linClrLst meth="repeat">
-      <a:schemeClr val="accent1"/>
-    </dgm:linClrLst>
-    <dgm:effectClrLst/>
-    <dgm:txLinClrLst/>
-    <dgm:txFillClrLst meth="repeat">
-      <a:schemeClr val="dk1"/>
-    </dgm:txFillClrLst>
-    <dgm:txEffectClrLst/>
-  </dgm:styleLbl>
-  <dgm:styleLbl name="bgAcc1">
-    <dgm:fillClrLst meth="repeat">
-      <a:schemeClr val="lt1">
-        <a:alpha val="90000"/>
-      </a:schemeClr>
-    </dgm:fillClrLst>
-    <dgm:linClrLst meth="repeat">
-      <a:schemeClr val="accent1"/>
-    </dgm:linClrLst>
-    <dgm:effectClrLst/>
-    <dgm:txLinClrLst/>
-    <dgm:txFillClrLst meth="repeat">
-      <a:schemeClr val="dk1"/>
-    </dgm:txFillClrLst>
-    <dgm:txEffectClrLst/>
-  </dgm:styleLbl>
-  <dgm:styleLbl name="solidFgAcc1">
-    <dgm:fillClrLst meth="repeat">
-      <a:schemeClr val="lt1"/>
-    </dgm:fillClrLst>
-    <dgm:linClrLst meth="repeat">
-      <a:schemeClr val="accent1"/>
-    </dgm:linClrLst>
-    <dgm:effectClrLst/>
-    <dgm:txLinClrLst/>
-    <dgm:txFillClrLst meth="repeat">
-      <a:schemeClr val="dk1"/>
-    </dgm:txFillClrLst>
-    <dgm:txEffectClrLst/>
-  </dgm:styleLbl>
-  <dgm:styleLbl name="solidAlignAcc1">
-    <dgm:fillClrLst meth="repeat">
-      <a:schemeClr val="lt1"/>
-    </dgm:fillClrLst>
-    <dgm:linClrLst meth="repeat">
-      <a:schemeClr val="accent1"/>
-    </dgm:linClrLst>
-    <dgm:effectClrLst/>
-    <dgm:txLinClrLst/>
-    <dgm:txFillClrLst meth="repeat">
-      <a:schemeClr val="dk1"/>
-    </dgm:txFillClrLst>
-    <dgm:txEffectClrLst/>
-  </dgm:styleLbl>
-  <dgm:styleLbl name="solidBgAcc1">
-    <dgm:fillClrLst meth="repeat">
-      <a:schemeClr val="lt1"/>
-    </dgm:fillClrLst>
-    <dgm:linClrLst meth="repeat">
-      <a:schemeClr val="accent1"/>
-    </dgm:linClrLst>
-    <dgm:effectClrLst/>
-    <dgm:txLinClrLst/>
-    <dgm:txFillClrLst meth="repeat">
-      <a:schemeClr val="dk1"/>
-    </dgm:txFillClrLst>
-    <dgm:txEffectClrLst/>
-  </dgm:styleLbl>
-  <dgm:styleLbl name="fgAccFollowNode1">
-    <dgm:fillClrLst meth="repeat">
-      <a:schemeClr val="accent1">
-        <a:alpha val="90000"/>
-        <a:tint val="40000"/>
-      </a:schemeClr>
-    </dgm:fillClrLst>
-    <dgm:linClrLst meth="repeat">
-      <a:schemeClr val="accent1">
-        <a:alpha val="90000"/>
-        <a:tint val="40000"/>
-      </a:schemeClr>
-    </dgm:linClrLst>
-    <dgm:effectClrLst/>
-    <dgm:txLinClrLst/>
-    <dgm:txFillClrLst meth="repeat">
-      <a:schemeClr val="dk1"/>
-    </dgm:txFillClrLst>
-    <dgm:txEffectClrLst/>
-  </dgm:styleLbl>
-  <dgm:styleLbl name="alignAccFollowNode1">
-    <dgm:fillClrLst meth="repeat">
-      <a:schemeClr val="accent1">
-        <a:alpha val="90000"/>
-        <a:tint val="40000"/>
-      </a:schemeClr>
-    </dgm:fillClrLst>
-    <dgm:linClrLst meth="repeat">
-      <a:schemeClr val="accent1">
-        <a:alpha val="90000"/>
-        <a:tint val="40000"/>
-      </a:schemeClr>
-    </dgm:linClrLst>
-    <dgm:effectClrLst/>
-    <dgm:txLinClrLst/>
-    <dgm:txFillClrLst meth="repeat">
-      <a:schemeClr val="dk1"/>
-    </dgm:txFillClrLst>
-    <dgm:txEffectClrLst/>
-  </dgm:styleLbl>
-  <dgm:styleLbl name="bgAccFollowNode1">
-    <dgm:fillClrLst meth="repeat">
-      <a:schemeClr val="accent1">
-        <a:alpha val="90000"/>
-        <a:tint val="40000"/>
-      </a:schemeClr>
-    </dgm:fillClrLst>
-    <dgm:linClrLst meth="repeat">
-      <a:schemeClr val="accent1">
-        <a:alpha val="90000"/>
-        <a:tint val="40000"/>
-      </a:schemeClr>
-    </dgm:linClrLst>
-    <dgm:effectClrLst/>
-    <dgm:txLinClrLst/>
-    <dgm:txFillClrLst meth="repeat">
-      <a:schemeClr val="dk1"/>
-    </dgm:txFillClrLst>
-    <dgm:txEffectClrLst/>
-  </dgm:styleLbl>
-  <dgm:styleLbl name="fgAcc0">
-    <dgm:fillClrLst meth="repeat">
-      <a:schemeClr val="lt1">
-        <a:alpha val="90000"/>
-      </a:schemeClr>
-    </dgm:fillClrLst>
-    <dgm:linClrLst meth="repeat">
-      <a:schemeClr val="accent1"/>
-    </dgm:linClrLst>
-    <dgm:effectClrLst/>
-    <dgm:txLinClrLst/>
-    <dgm:txFillClrLst meth="repeat">
-      <a:schemeClr val="dk1"/>
-    </dgm:txFillClrLst>
-    <dgm:txEffectClrLst/>
-  </dgm:styleLbl>
-  <dgm:styleLbl name="fgAcc2">
-    <dgm:fillClrLst meth="repeat">
-      <a:schemeClr val="lt1">
-        <a:alpha val="90000"/>
-      </a:schemeClr>
-    </dgm:fillClrLst>
-    <dgm:linClrLst meth="repeat">
-      <a:schemeClr val="accent1"/>
-    </dgm:linClrLst>
-    <dgm:effectClrLst/>
-    <dgm:txLinClrLst/>
-    <dgm:txFillClrLst meth="repeat">
-      <a:schemeClr val="dk1"/>
-    </dgm:txFillClrLst>
-    <dgm:txEffectClrLst/>
-  </dgm:styleLbl>
-  <dgm:styleLbl name="fgAcc3">
-    <dgm:fillClrLst meth="repeat">
-      <a:schemeClr val="lt1">
-        <a:alpha val="90000"/>
-      </a:schemeClr>
-    </dgm:fillClrLst>
-    <dgm:linClrLst meth="repeat">
-      <a:schemeClr val="accent1"/>
-    </dgm:linClrLst>
-    <dgm:effectClrLst/>
-    <dgm:txLinClrLst/>
-    <dgm:txFillClrLst meth="repeat">
-      <a:schemeClr val="dk1"/>
-    </dgm:txFillClrLst>
-    <dgm:txEffectClrLst/>
-  </dgm:styleLbl>
-  <dgm:styleLbl name="fgAcc4">
-    <dgm:fillClrLst meth="repeat">
-      <a:schemeClr val="lt1">
-        <a:alpha val="90000"/>
-      </a:schemeClr>
-    </dgm:fillClrLst>
-    <dgm:linClrLst meth="repeat">
-      <a:schemeClr val="accent1"/>
-    </dgm:linClrLst>
-    <dgm:effectClrLst/>
-    <dgm:txLinClrLst/>
-    <dgm:txFillClrLst meth="repeat">
-      <a:schemeClr val="dk1"/>
-    </dgm:txFillClrLst>
-    <dgm:txEffectClrLst/>
-  </dgm:styleLbl>
-  <dgm:styleLbl name="bgShp">
-    <dgm:fillClrLst meth="repeat">
-      <a:schemeClr val="accent1">
-        <a:tint val="40000"/>
-      </a:schemeClr>
-    </dgm:fillClrLst>
-    <dgm:linClrLst meth="repeat">
-      <a:schemeClr val="accent1"/>
-    </dgm:linClrLst>
-    <dgm:effectClrLst/>
-    <dgm:txLinClrLst/>
-    <dgm:txFillClrLst meth="repeat">
-      <a:schemeClr val="dk1"/>
-    </dgm:txFillClrLst>
-    <dgm:txEffectClrLst/>
-  </dgm:styleLbl>
-  <dgm:styleLbl name="dkBgShp">
-    <dgm:fillClrLst meth="repeat">
-      <a:schemeClr val="accent1">
-        <a:shade val="80000"/>
-      </a:schemeClr>
-    </dgm:fillClrLst>
-    <dgm:linClrLst meth="repeat">
-      <a:schemeClr val="accent1"/>
-    </dgm:linClrLst>
-    <dgm:effectClrLst/>
-    <dgm:txLinClrLst/>
-    <dgm:txFillClrLst meth="repeat">
-      <a:schemeClr val="lt1"/>
-    </dgm:txFillClrLst>
-    <dgm:txEffectClrLst/>
-  </dgm:styleLbl>
-  <dgm:styleLbl name="trBgShp">
-    <dgm:fillClrLst meth="repeat">
-      <a:schemeClr val="accent1">
-        <a:tint val="50000"/>
-        <a:alpha val="40000"/>
-      </a:schemeClr>
-    </dgm:fillClrLst>
-    <dgm:linClrLst meth="repeat">
-      <a:schemeClr val="accent1"/>
-    </dgm:linClrLst>
-    <dgm:effectClrLst/>
-    <dgm:txLinClrLst/>
-    <dgm:txFillClrLst meth="repeat">
-      <a:schemeClr val="lt1"/>
-    </dgm:txFillClrLst>
-    <dgm:txEffectClrLst/>
-  </dgm:styleLbl>
-  <dgm:styleLbl name="fgShp">
-    <dgm:fillClrLst meth="repeat">
-      <a:schemeClr val="accent1">
-        <a:tint val="60000"/>
-      </a:schemeClr>
-    </dgm:fillClrLst>
-    <dgm:linClrLst meth="repeat">
-      <a:schemeClr val="lt1"/>
-    </dgm:linClrLst>
-    <dgm:effectClrLst/>
-    <dgm:txLinClrLst/>
-    <dgm:txFillClrLst meth="repeat">
-      <a:schemeClr val="dk1"/>
-    </dgm:txFillClrLst>
-    <dgm:txEffectClrLst/>
-  </dgm:styleLbl>
-  <dgm:styleLbl name="revTx">
-    <dgm:fillClrLst meth="repeat">
-      <a:schemeClr val="lt1">
-        <a:alpha val="0"/>
-      </a:schemeClr>
-    </dgm:fillClrLst>
-    <dgm:linClrLst meth="repeat">
-      <a:schemeClr val="dk1">
-        <a:alpha val="0"/>
-      </a:schemeClr>
-    </dgm:linClrLst>
-    <dgm:effectClrLst/>
-    <dgm:txLinClrLst/>
-    <dgm:txFillClrLst meth="repeat">
-      <a:schemeClr val="tx1"/>
-    </dgm:txFillClrLst>
-    <dgm:txEffectClrLst/>
-  </dgm:styleLbl>
-</dgm:colorsDef>
-</file>
-
-<file path=ppt/diagrams/data1.xml><?xml version="1.0" encoding="utf-8"?>
-<dgm:dataModel xmlns:dgm="http://schemas.openxmlformats.org/drawingml/2006/diagram" xmlns:a="http://schemas.openxmlformats.org/drawingml/2006/main">
-  <dgm:ptLst>
-    <dgm:pt modelId="{984A08E7-9856-46FC-9DEE-673AD607E254}" type="doc">
-      <dgm:prSet loTypeId="urn:microsoft.com/office/officeart/2008/layout/AscendingPictureAccentProcess" loCatId="process" qsTypeId="urn:microsoft.com/office/officeart/2005/8/quickstyle/simple1" qsCatId="simple" csTypeId="urn:microsoft.com/office/officeart/2005/8/colors/accent1_2" csCatId="accent1" phldr="1"/>
-      <dgm:spPr/>
-      <dgm:t>
-        <a:bodyPr/>
-        <a:lstStyle/>
-        <a:p>
-          <a:endParaRPr lang="en-US"/>
-        </a:p>
-      </dgm:t>
-    </dgm:pt>
-    <dgm:pt modelId="{9E8CD2E9-FC27-4202-8799-91DDCAC01F04}" type="pres">
-      <dgm:prSet presAssocID="{984A08E7-9856-46FC-9DEE-673AD607E254}" presName="Name0" presStyleCnt="0">
-        <dgm:presLayoutVars>
-          <dgm:chMax val="7"/>
-          <dgm:chPref val="7"/>
-          <dgm:dir/>
-        </dgm:presLayoutVars>
-      </dgm:prSet>
-      <dgm:spPr/>
-    </dgm:pt>
-  </dgm:ptLst>
-  <dgm:cxnLst>
-    <dgm:cxn modelId="{4FDAFE0E-4AF4-4AFB-84FD-1A79B798710B}" type="presOf" srcId="{984A08E7-9856-46FC-9DEE-673AD607E254}" destId="{9E8CD2E9-FC27-4202-8799-91DDCAC01F04}" srcOrd="0" destOrd="0" presId="urn:microsoft.com/office/officeart/2008/layout/AscendingPictureAccentProcess"/>
-  </dgm:cxnLst>
-  <dgm:bg/>
-  <dgm:whole/>
-  <dgm:extLst>
-    <a:ext uri="http://schemas.microsoft.com/office/drawing/2008/diagram">
-      <dsp:dataModelExt xmlns:dsp="http://schemas.microsoft.com/office/drawing/2008/diagram" relId="rId7" minVer="http://schemas.openxmlformats.org/drawingml/2006/diagram"/>
-    </a:ext>
-  </dgm:extLst>
-</dgm:dataModel>
-</file>
-
-<file path=ppt/diagrams/drawing1.xml><?xml version="1.0" encoding="utf-8"?>
-<dsp:drawing xmlns:dgm="http://schemas.openxmlformats.org/drawingml/2006/diagram" xmlns:dsp="http://schemas.microsoft.com/office/drawing/2008/diagram" xmlns:a="http://schemas.openxmlformats.org/drawingml/2006/main">
-  <dsp:spTree>
-    <dsp:nvGrpSpPr>
-      <dsp:cNvPr id="0" name=""/>
-      <dsp:cNvGrpSpPr/>
-    </dsp:nvGrpSpPr>
-    <dsp:grpSpPr/>
-  </dsp:spTree>
-</dsp:drawing>
-</file>
-
-<file path=ppt/diagrams/layout1.xml><?xml version="1.0" encoding="utf-8"?>
-<dgm:layoutDef xmlns:dgm="http://schemas.openxmlformats.org/drawingml/2006/diagram" xmlns:a="http://schemas.openxmlformats.org/drawingml/2006/main" uniqueId="urn:microsoft.com/office/officeart/2008/layout/AscendingPictureAccentProcess">
-  <dgm:title val=""/>
-  <dgm:desc val=""/>
-  <dgm:catLst>
-    <dgm:cat type="process" pri="22500"/>
-    <dgm:cat type="picture" pri="16000"/>
-    <dgm:cat type="pictureconvert" pri="16000"/>
-  </dgm:catLst>
-  <dgm:sampData>
-    <dgm:dataModel>
-      <dgm:ptLst>
-        <dgm:pt modelId="0" type="doc"/>
-        <dgm:pt modelId="1">
-          <dgm:prSet phldr="1"/>
-        </dgm:pt>
-        <dgm:pt modelId="2">
-          <dgm:prSet phldr="1"/>
-        </dgm:pt>
-      </dgm:ptLst>
-      <dgm:cxnLst>
-        <dgm:cxn modelId="3" srcId="0" destId="1" srcOrd="0" destOrd="0"/>
-        <dgm:cxn modelId="4" srcId="0" destId="2" srcOrd="1" destOrd="0"/>
-      </dgm:cxnLst>
-      <dgm:bg/>
-      <dgm:whole/>
-    </dgm:dataModel>
-  </dgm:sampData>
-  <dgm:styleData>
-    <dgm:dataModel>
-      <dgm:ptLst>
-        <dgm:pt modelId="0" type="doc"/>
-        <dgm:pt modelId="1">
-          <dgm:prSet phldr="1"/>
-        </dgm:pt>
-        <dgm:pt modelId="2">
-          <dgm:prSet phldr="1"/>
-        </dgm:pt>
-      </dgm:ptLst>
-      <dgm:cxnLst>
-        <dgm:cxn modelId="3" srcId="0" destId="1" srcOrd="0" destOrd="0"/>
-        <dgm:cxn modelId="4" srcId="0" destId="2" srcOrd="1" destOrd="0"/>
-      </dgm:cxnLst>
-      <dgm:bg/>
-      <dgm:whole/>
-    </dgm:dataModel>
-  </dgm:styleData>
-  <dgm:clrData>
-    <dgm:dataModel>
-      <dgm:ptLst>
-        <dgm:pt modelId="0" type="doc"/>
-        <dgm:pt modelId="1">
-          <dgm:prSet phldr="1"/>
-        </dgm:pt>
-        <dgm:pt modelId="2">
-          <dgm:prSet phldr="1"/>
-        </dgm:pt>
-        <dgm:pt modelId="3">
-          <dgm:prSet phldr="1"/>
-        </dgm:pt>
-        <dgm:pt modelId="4">
-          <dgm:prSet phldr="1"/>
-        </dgm:pt>
-      </dgm:ptLst>
-      <dgm:cxnLst>
-        <dgm:cxn modelId="5" srcId="0" destId="1" srcOrd="0" destOrd="0"/>
-        <dgm:cxn modelId="6" srcId="0" destId="2" srcOrd="1" destOrd="0"/>
-        <dgm:cxn modelId="7" srcId="0" destId="3" srcOrd="2" destOrd="0"/>
-        <dgm:cxn modelId="8" srcId="0" destId="4" srcOrd="3" destOrd="0"/>
-      </dgm:cxnLst>
-      <dgm:bg/>
-      <dgm:whole/>
-    </dgm:dataModel>
-  </dgm:clrData>
-  <dgm:layoutNode name="Name0">
-    <dgm:varLst>
-      <dgm:chMax val="7"/>
-      <dgm:chPref val="7"/>
-      <dgm:dir/>
-    </dgm:varLst>
-    <dgm:shape xmlns:r="http://schemas.openxmlformats.org/officeDocument/2006/relationships" r:blip="">
-      <dgm:adjLst/>
-    </dgm:shape>
-    <dgm:choose name="Name1">
-      <dgm:if name="Name2" axis="ch" ptType="node" func="cnt" op="equ" val="1">
-        <dgm:choose name="Name3">
-          <dgm:if name="Name4" func="var" arg="dir" op="equ" val="norm">
-            <dgm:choose name="Name5">
-              <dgm:if name="Name6" axis="des" func="maxDepth" op="gt" val="1">
-                <dgm:alg type="composite">
-                  <dgm:param type="ar" val="2.7"/>
-                </dgm:alg>
-                <dgm:constrLst>
-                  <dgm:constr type="primFontSz" for="ch" forName="parTx1" op="equ" val="65"/>
-                  <dgm:constr type="primFontSz" for="ch" forName="desTx1" op="equ" val="65"/>
-                  <dgm:constr type="userD" refType="w" fact="0.0247"/>
-                  <dgm:constr type="l" for="ch" forName="parTx1" refType="w" fact="0.2711"/>
-                  <dgm:constr type="t" for="ch" forName="parTx1" refType="h" fact="0.9603"/>
-                  <dgm:constr type="w" for="ch" forName="parTx1" refType="w" fact="0.5325"/>
-                  <dgm:constr type="h" for="ch" forName="parTx1" refType="h" fact="0.3856"/>
-                  <dgm:constr type="ctrX" for="ch" forName="picture1" refType="w" fact="0.2469"/>
-                  <dgm:constr type="ctrY" for="ch" forName="picture1" refType="h" fact="0.9"/>
-                  <dgm:constr type="w" for="ch" forName="picture1" refType="w" fact="0.2469"/>
-                  <dgm:constr type="h" for="ch" forName="picture1" refType="h" fact="0.6667"/>
-                  <dgm:constr type="l" for="ch" forName="desTx1" refType="r" refFor="ch" refForName="parTx1"/>
-                  <dgm:constr type="r" for="ch" forName="desTx1" refType="w"/>
-                  <dgm:constr type="t" for="ch" forName="desTx1" refType="t" refFor="ch" refForName="parTx1"/>
-                  <dgm:constr type="h" for="ch" forName="desTx1" refType="h" refFor="ch" refForName="parTx1"/>
-                </dgm:constrLst>
-              </dgm:if>
-              <dgm:else name="Name7">
-                <dgm:alg type="composite">
-                  <dgm:param type="ar" val="2"/>
-                </dgm:alg>
-                <dgm:constrLst>
-                  <dgm:constr type="primFontSz" for="ch" forName="parTx1" op="equ" val="65"/>
-                  <dgm:constr type="userD" refType="w" fact="0.0333"/>
-                  <dgm:constr type="l" for="ch" forName="parTx1" refType="w" fact="0.366"/>
-                  <dgm:constr type="t" for="ch" forName="parTx1" refType="h" fact="0.7113"/>
-                  <dgm:constr type="w" for="ch" forName="parTx1" refType="w" fact="0.7189"/>
-                  <dgm:constr type="h" for="ch" forName="parTx1" refType="h" fact="0.3856"/>
-                  <dgm:constr type="ctrX" for="ch" forName="picture1" refType="w" fact="0.3333"/>
-                  <dgm:constr type="ctrY" for="ch" forName="picture1" refType="h" fact="0.6667"/>
-                  <dgm:constr type="w" for="ch" forName="picture1" refType="w" fact="0.3333"/>
-                  <dgm:constr type="h" for="ch" forName="picture1" refType="h" fact="0.6667"/>
-                </dgm:constrLst>
-              </dgm:else>
-            </dgm:choose>
-          </dgm:if>
-          <dgm:else name="Name8">
-            <dgm:choose name="Name9">
-              <dgm:if name="Name10" axis="des" func="maxDepth" op="gt" val="1">
-                <dgm:alg type="composite">
-                  <dgm:param type="ar" val="2.7"/>
-                </dgm:alg>
-                <dgm:constrLst>
-                  <dgm:constr type="primFontSz" for="ch" forName="parTx1" op="equ" val="65"/>
-                  <dgm:constr type="primFontSz" for="ch" forName="desTx1" op="equ" val="65"/>
-                  <dgm:constr type="userD" refType="w" fact="0.0247"/>
-                  <dgm:constr type="r" for="ch" forName="parTx1" refType="w" fact="0.7289"/>
-                  <dgm:constr type="t" for="ch" forName="parTx1" refType="h" fact="0.9603"/>
-                  <dgm:constr type="w" for="ch" forName="parTx1" refType="w" fact="0.5325"/>
-                  <dgm:constr type="h" for="ch" forName="parTx1" refType="h" fact="0.3856"/>
-                  <dgm:constr type="ctrX" for="ch" forName="picture1" refType="w" fact="0.7531"/>
-                  <dgm:constr type="ctrY" for="ch" forName="picture1" refType="h" fact="0.9"/>
-                  <dgm:constr type="w" for="ch" forName="picture1" refType="w" fact="0.2469"/>
-                  <dgm:constr type="h" for="ch" forName="picture1" refType="h" fact="0.6667"/>
-                  <dgm:constr type="r" for="ch" forName="desTx1" refType="l" refFor="ch" refForName="parTx1"/>
-                  <dgm:constr type="l" for="ch" forName="desTx1"/>
-                  <dgm:constr type="t" for="ch" forName="desTx1" refType="t" refFor="ch" refForName="parTx1"/>
-                  <dgm:constr type="h" for="ch" forName="desTx1" refType="h" refFor="ch" refForName="parTx1"/>
-                </dgm:constrLst>
-              </dgm:if>
-              <dgm:else name="Name11">
-                <dgm:alg type="composite">
-                  <dgm:param type="ar" val="2"/>
-                </dgm:alg>
-                <dgm:constrLst>
-                  <dgm:constr type="primFontSz" for="ch" forName="parTx1" op="equ" val="65"/>
-                  <dgm:constr type="userD" refType="w" fact="0.0333"/>
-                  <dgm:constr type="r" for="ch" forName="parTx1" refType="w" fact="0.634"/>
-                  <dgm:constr type="t" for="ch" forName="parTx1" refType="h" fact="0.7113"/>
-                  <dgm:constr type="w" for="ch" forName="parTx1" refType="w" fact="0.7189"/>
-                  <dgm:constr type="h" for="ch" forName="parTx1" refType="h" fact="0.3856"/>
-                  <dgm:constr type="ctrX" for="ch" forName="picture1" refType="w" fact="0.6667"/>
-                  <dgm:constr type="ctrY" for="ch" forName="picture1" refType="h" fact="0.6667"/>
-                  <dgm:constr type="w" for="ch" forName="picture1" refType="w" fact="0.3333"/>
-                  <dgm:constr type="h" for="ch" forName="picture1" refType="h" fact="0.6667"/>
-                </dgm:constrLst>
-              </dgm:else>
-            </dgm:choose>
-          </dgm:else>
-        </dgm:choose>
-      </dgm:if>
-      <dgm:if name="Name12" axis="ch" ptType="node" func="cnt" op="equ" val="2">
-        <dgm:choose name="Name13">
-          <dgm:if name="Name14" func="var" arg="dir" op="equ" val="norm">
-            <dgm:choose name="Name15">
-              <dgm:if name="Name16" axis="des" func="maxDepth" op="gt" val="1">
-                <dgm:alg type="composite">
-                  <dgm:param type="ar" val="2"/>
-                </dgm:alg>
-                <dgm:constrLst>
-                  <dgm:constr type="primFontSz" for="ch" forName="parTx1" op="equ" val="65"/>
-                  <dgm:constr type="primFontSz" for="ch" forName="parTx2" refType="primFontSz" refFor="ch" refForName="parTx1" op="equ"/>
-                  <dgm:constr type="primFontSz" for="ch" forName="desTx1" op="equ" val="65"/>
-                  <dgm:constr type="primFontSz" for="ch" forName="desTx2" refType="primFontSz" refFor="ch" refForName="desTx1" op="equ"/>
-                  <dgm:constr type="userD" refType="w" fact="0.0188"/>
-                  <dgm:constr type="ctrX" for="ch" forName="dot1" refType="w" fact="0.3221"/>
-                  <dgm:constr type="ctrY" for="ch" forName="dot1" refType="h" fact="0.5911"/>
-                  <dgm:constr type="w" for="ch" forName="dot1" refType="userD"/>
-                  <dgm:constr type="h" for="ch" forName="dot1" refType="userD"/>
-                  <dgm:constr type="ctrX" for="ch" forName="dot2" refType="w" fact="0.3056"/>
-                  <dgm:constr type="ctrY" for="ch" forName="dot2" refType="h" fact="0.644"/>
-                  <dgm:constr type="w" for="ch" forName="dot2" refType="userD"/>
-                  <dgm:constr type="h" for="ch" forName="dot2" refType="userD"/>
-                  <dgm:constr type="ctrX" for="ch" forName="dot3" refType="w" fact="0.2859"/>
-                  <dgm:constr type="ctrY" for="ch" forName="dot3" refType="h" fact="0.6898"/>
-                  <dgm:constr type="w" for="ch" forName="dot3" refType="userD"/>
-                  <dgm:constr type="h" for="ch" forName="dot3" refType="userD"/>
-                  <dgm:constr type="ctrX" for="ch" forName="dotArrow1" refType="w" fact="0.3095"/>
-                  <dgm:constr type="ctrY" for="ch" forName="dotArrow1" refType="h" fact="0.0587"/>
-                  <dgm:constr type="w" for="ch" forName="dotArrow1" refType="userD"/>
-                  <dgm:constr type="h" for="ch" forName="dotArrow1" refType="userD"/>
-                  <dgm:constr type="ctrX" for="ch" forName="dotArrow2" refType="w" fact="0.3346"/>
-                  <dgm:constr type="ctrY" for="ch" forName="dotArrow2" refType="h" fact="0.0287"/>
-                  <dgm:constr type="w" for="ch" forName="dotArrow2" refType="userD"/>
-                  <dgm:constr type="h" for="ch" forName="dotArrow2" refType="userD"/>
-                  <dgm:constr type="ctrX" for="ch" forName="dotArrow3" refType="w" fact="0.3597"/>
-                  <dgm:constr type="ctrY" for="ch" forName="dotArrow3" refType="h" fact="-0.0013"/>
-                  <dgm:constr type="w" for="ch" forName="dotArrow3" refType="userD"/>
-                  <dgm:constr type="h" for="ch" forName="dotArrow3" refType="userD"/>
-                  <dgm:constr type="ctrX" for="ch" forName="dotArrow4" refType="w" fact="0.3848"/>
-                  <dgm:constr type="ctrY" for="ch" forName="dotArrow4" refType="h" fact="0.0287"/>
-                  <dgm:constr type="w" for="ch" forName="dotArrow4" refType="userD"/>
-                  <dgm:constr type="h" for="ch" forName="dotArrow4" refType="userD"/>
-                  <dgm:constr type="ctrX" for="ch" forName="dotArrow5" refType="w" fact="0.41"/>
-                  <dgm:constr type="ctrY" for="ch" forName="dotArrow5" refType="h" fact="0.0587"/>
-                  <dgm:constr type="w" for="ch" forName="dotArrow5" refType="userD"/>
-                  <dgm:constr type="h" for="ch" forName="dotArrow5" refType="userD"/>
-                  <dgm:constr type="ctrX" for="ch" forName="dotArrow6" refType="w" fact="0.3597"/>
-                  <dgm:constr type="ctrY" for="ch" forName="dotArrow6" refType="h" fact="0.062"/>
-                  <dgm:constr type="w" for="ch" forName="dotArrow6" refType="userD"/>
-                  <dgm:constr type="h" for="ch" forName="dotArrow6" refType="userD"/>
-                  <dgm:constr type="ctrX" for="ch" forName="dotArrow7" refType="w" fact="0.3597"/>
-                  <dgm:constr type="ctrY" for="ch" forName="dotArrow7" refType="h" fact="0.1253"/>
-                  <dgm:constr type="w" for="ch" forName="dotArrow7" refType="userD"/>
-                  <dgm:constr type="h" for="ch" forName="dotArrow7" refType="userD"/>
-                  <dgm:constr type="l" for="ch" forName="parTx1" refType="w" fact="0.197"/>
-                  <dgm:constr type="t" for="ch" forName="parTx1" refType="h" fact="0.8169"/>
-                  <dgm:constr type="w" for="ch" forName="parTx1" refType="w" fact="0.4064"/>
-                  <dgm:constr type="h" for="ch" forName="parTx1" refType="h" fact="0.218"/>
-                  <dgm:constr type="ctrX" for="ch" forName="picture1" refType="w" fact="0.1785"/>
-                  <dgm:constr type="ctrY" for="ch" forName="picture1" refType="h" fact="0.7834"/>
-                  <dgm:constr type="w" for="ch" forName="picture1" refType="w" fact="0.1884"/>
-                  <dgm:constr type="h" for="ch" forName="picture1" refType="h" fact="0.3768"/>
-                  <dgm:constr type="l" for="ch" forName="desTx1" refType="r" refFor="ch" refForName="parTx1"/>
-                  <dgm:constr type="r" for="ch" forName="desTx1" refType="w"/>
-                  <dgm:constr type="t" for="ch" forName="desTx1" refType="t" refFor="ch" refForName="parTx1"/>
-                  <dgm:constr type="h" for="ch" forName="desTx1" refType="h" refFor="ch" refForName="parTx1"/>
-                  <dgm:constr type="l" for="ch" forName="parTx2" refType="w" fact="0.3688"/>
-                  <dgm:constr type="t" for="ch" forName="parTx2" refType="h" fact="0.3905"/>
-                  <dgm:constr type="w" for="ch" forName="parTx2" refType="w" fact="0.4064"/>
-                  <dgm:constr type="h" for="ch" forName="parTx2" refType="h" fact="0.218"/>
-                  <dgm:constr type="ctrX" for="ch" forName="picture2" refType="w" fact="0.3503"/>
-                  <dgm:constr type="ctrY" for="ch" forName="picture2" refType="h" fact="0.357"/>
-                  <dgm:constr type="w" for="ch" forName="picture2" refType="w" fact="0.1884"/>
-                  <dgm:constr type="h" for="ch" forName="picture2" refType="h" fact="0.3768"/>
-                  <dgm:constr type="l" for="ch" forName="desTx2" refType="r" refFor="ch" refForName="parTx2"/>
-                  <dgm:constr type="r" for="ch" forName="desTx2" refType="w"/>
-                  <dgm:constr type="t" for="ch" forName="desTx2" refType="t" refFor="ch" refForName="parTx2"/>
-                  <dgm:constr type="h" for="ch" forName="desTx2" refType="h" refFor="ch" refForName="parTx2"/>
-                </dgm:constrLst>
-              </dgm:if>
-              <dgm:else name="Name17">
-                <dgm:alg type="composite">
-                  <dgm:param type="ar" val="1.5073"/>
-                </dgm:alg>
-                <dgm:constrLst>
-                  <dgm:constr type="primFontSz" for="ch" forName="parTx1" op="equ" val="65"/>
-                  <dgm:constr type="primFontSz" for="ch" forName="parTx2" refType="primFontSz" refFor="ch" refForName="parTx1" op="equ"/>
-                  <dgm:constr type="userD" refType="w" fact="0.025"/>
-                  <dgm:constr type="ctrX" for="ch" forName="dot1" refType="w" fact="0.4274"/>
-                  <dgm:constr type="ctrY" for="ch" forName="dot1" refType="h" fact="0.5911"/>
-                  <dgm:constr type="w" for="ch" forName="dot1" refType="userD"/>
-                  <dgm:constr type="h" for="ch" forName="dot1" refType="userD"/>
-                  <dgm:constr type="ctrX" for="ch" forName="dot2" refType="w" fact="0.4055"/>
-                  <dgm:constr type="ctrY" for="ch" forName="dot2" refType="h" fact="0.644"/>
-                  <dgm:constr type="w" for="ch" forName="dot2" refType="userD"/>
-                  <dgm:constr type="h" for="ch" forName="dot2" refType="userD"/>
-                  <dgm:constr type="ctrX" for="ch" forName="dot3" refType="w" fact="0.3794"/>
-                  <dgm:constr type="ctrY" for="ch" forName="dot3" refType="h" fact="0.6898"/>
-                  <dgm:constr type="w" for="ch" forName="dot3" refType="userD"/>
-                  <dgm:constr type="h" for="ch" forName="dot3" refType="userD"/>
-                  <dgm:constr type="ctrX" for="ch" forName="dotArrow1" refType="w" fact="0.4106"/>
-                  <dgm:constr type="ctrY" for="ch" forName="dotArrow1" refType="h" fact="0.0587"/>
-                  <dgm:constr type="w" for="ch" forName="dotArrow1" refType="userD"/>
-                  <dgm:constr type="h" for="ch" forName="dotArrow1" refType="userD"/>
-                  <dgm:constr type="ctrX" for="ch" forName="dotArrow2" refType="w" fact="0.444"/>
-                  <dgm:constr type="ctrY" for="ch" forName="dotArrow2" refType="h" fact="0.0287"/>
-                  <dgm:constr type="w" for="ch" forName="dotArrow2" refType="userD"/>
-                  <dgm:constr type="h" for="ch" forName="dotArrow2" refType="userD"/>
-                  <dgm:constr type="ctrX" for="ch" forName="dotArrow3" refType="w" fact="0.4773"/>
-                  <dgm:constr type="ctrY" for="ch" forName="dotArrow3" refType="h" fact="-0.0013"/>
-                  <dgm:constr type="w" for="ch" forName="dotArrow3" refType="userD"/>
-                  <dgm:constr type="h" for="ch" forName="dotArrow3" refType="userD"/>
-                  <dgm:constr type="ctrX" for="ch" forName="dotArrow4" refType="w" fact="0.5106"/>
-                  <dgm:constr type="ctrY" for="ch" forName="dotArrow4" refType="h" fact="0.0287"/>
-                  <dgm:constr type="w" for="ch" forName="dotArrow4" refType="userD"/>
-                  <dgm:constr type="h" for="ch" forName="dotArrow4" refType="userD"/>
-                  <dgm:constr type="ctrX" for="ch" forName="dotArrow5" refType="w" fact="0.544"/>
-                  <dgm:constr type="ctrY" for="ch" forName="dotArrow5" refType="h" fact="0.0587"/>
-                  <dgm:constr type="w" for="ch" forName="dotArrow5" refType="userD"/>
-                  <dgm:constr type="h" for="ch" forName="dotArrow5" refType="userD"/>
-                  <dgm:constr type="ctrX" for="ch" forName="dotArrow6" refType="w" fact="0.4773"/>
-                  <dgm:constr type="ctrY" for="ch" forName="dotArrow6" refType="h" fact="0.062"/>
-                  <dgm:constr type="w" for="ch" forName="dotArrow6" refType="userD"/>
-                  <dgm:constr type="h" for="ch" forName="dotArrow6" refType="userD"/>
-                  <dgm:constr type="ctrX" for="ch" forName="dotArrow7" refType="w" fact="0.4773"/>
-                  <dgm:constr type="ctrY" for="ch" forName="dotArrow7" refType="h" fact="0.1253"/>
-                  <dgm:constr type="w" for="ch" forName="dotArrow7" refType="userD"/>
-                  <dgm:constr type="h" for="ch" forName="dotArrow7" refType="userD"/>
-                  <dgm:constr type="l" for="ch" forName="parTx1" refType="w" fact="0.2614"/>
-                  <dgm:constr type="t" for="ch" forName="parTx1" refType="h" fact="0.8086"/>
-                  <dgm:constr type="w" for="ch" forName="parTx1" refType="w" fact="0.5392"/>
-                  <dgm:constr type="h" for="ch" forName="parTx1" refType="h" fact="0.218"/>
-                  <dgm:constr type="ctrX" for="ch" forName="picture1" refType="w" fact="0.2369"/>
-                  <dgm:constr type="ctrY" for="ch" forName="picture1" refType="h" fact="0.7834"/>
-                  <dgm:constr type="w" for="ch" forName="picture1" refType="w" fact="0.25"/>
-                  <dgm:constr type="h" for="ch" forName="picture1" refType="h" fact="0.3768"/>
-                  <dgm:constr type="l" for="ch" forName="parTx2" refType="w" fact="0.4893"/>
-                  <dgm:constr type="t" for="ch" forName="parTx2" refType="h" fact="0.3822"/>
-                  <dgm:constr type="w" for="ch" forName="parTx2" refType="w" fact="0.5392"/>
-                  <dgm:constr type="h" for="ch" forName="parTx2" refType="h" fact="0.218"/>
-                  <dgm:constr type="ctrX" for="ch" forName="picture2" refType="w" fact="0.4648"/>
-                  <dgm:constr type="ctrY" for="ch" forName="picture2" refType="h" fact="0.357"/>
-                  <dgm:constr type="w" for="ch" forName="picture2" refType="w" fact="0.25"/>
-                  <dgm:constr type="h" for="ch" forName="picture2" refType="h" fact="0.3768"/>
-                </dgm:constrLst>
-              </dgm:else>
-            </dgm:choose>
-          </dgm:if>
-          <dgm:else name="Name18">
-            <dgm:choose name="Name19">
-              <dgm:if name="Name20" axis="des" func="maxDepth" op="gt" val="1">
-                <dgm:alg type="composite">
-                  <dgm:param type="ar" val="2"/>
-                </dgm:alg>
-                <dgm:constrLst>
-                  <dgm:constr type="primFontSz" for="ch" forName="parTx1" op="equ" val="65"/>
-                  <dgm:constr type="primFontSz" for="ch" forName="parTx2" refType="primFontSz" refFor="ch" refForName="parTx1" op="equ"/>
-                  <dgm:constr type="primFontSz" for="ch" forName="desTx1" op="equ" val="65"/>
-                  <dgm:constr type="primFontSz" for="ch" forName="desTx2" refType="primFontSz" refFor="ch" refForName="desTx1" op="equ"/>
-                  <dgm:constr type="userD" refType="w" fact="0.0188"/>
-                  <dgm:constr type="ctrX" for="ch" forName="dot1" refType="w" fact="0.6779"/>
-                  <dgm:constr type="ctrY" for="ch" forName="dot1" refType="h" fact="0.5911"/>
-                  <dgm:constr type="w" for="ch" forName="dot1" refType="userD"/>
-                  <dgm:constr type="h" for="ch" forName="dot1" refType="userD"/>
-                  <dgm:constr type="ctrX" for="ch" forName="dot2" refType="w" fact="0.6944"/>
-                  <dgm:constr type="ctrY" for="ch" forName="dot2" refType="h" fact="0.644"/>
-                  <dgm:constr type="w" for="ch" forName="dot2" refType="userD"/>
-                  <dgm:constr type="h" for="ch" forName="dot2" refType="userD"/>
-                  <dgm:constr type="ctrX" for="ch" forName="dot3" refType="w" fact="0.7141"/>
-                  <dgm:constr type="ctrY" for="ch" forName="dot3" refType="h" fact="0.6898"/>
-                  <dgm:constr type="w" for="ch" forName="dot3" refType="userD"/>
-                  <dgm:constr type="h" for="ch" forName="dot3" refType="userD"/>
-                  <dgm:constr type="ctrX" for="ch" forName="dotArrow1" refType="w" fact="0.6905"/>
-                  <dgm:constr type="ctrY" for="ch" forName="dotArrow1" refType="h" fact="0.0587"/>
-                  <dgm:constr type="w" for="ch" forName="dotArrow1" refType="userD"/>
-                  <dgm:constr type="h" for="ch" forName="dotArrow1" refType="userD"/>
-                  <dgm:constr type="ctrX" for="ch" forName="dotArrow2" refType="w" fact="0.6654"/>
-                  <dgm:constr type="ctrY" for="ch" forName="dotArrow2" refType="h" fact="0.0287"/>
-                  <dgm:constr type="w" for="ch" forName="dotArrow2" refType="userD"/>
-                  <dgm:constr type="h" for="ch" forName="dotArrow2" refType="userD"/>
-                  <dgm:constr type="ctrX" for="ch" forName="dotArrow3" refType="w" fact="0.6403"/>
-                  <dgm:constr type="ctrY" for="ch" forName="dotArrow3" refType="h" fact="-0.0013"/>
-                  <dgm:constr type="w" for="ch" forName="dotArrow3" refType="userD"/>
-                  <dgm:constr type="h" for="ch" forName="dotArrow3" refType="userD"/>
-                  <dgm:constr type="ctrX" for="ch" forName="dotArrow4" refType="w" fact="0.6152"/>
-                  <dgm:constr type="ctrY" for="ch" forName="dotArrow4" refType="h" fact="0.0287"/>
-                  <dgm:constr type="w" for="ch" forName="dotArrow4" refType="userD"/>
-                  <dgm:constr type="h" for="ch" forName="dotArrow4" refType="userD"/>
-                  <dgm:constr type="ctrX" for="ch" forName="dotArrow5" refType="w" fact="0.59"/>
-                  <dgm:constr type="ctrY" for="ch" forName="dotArrow5" refType="h" fact="0.0587"/>
-                  <dgm:constr type="w" for="ch" forName="dotArrow5" refType="userD"/>
-                  <dgm:constr type="h" for="ch" forName="dotArrow5" refType="userD"/>
-                  <dgm:constr type="ctrX" for="ch" forName="dotArrow6" refType="w" fact="0.6403"/>
-                  <dgm:constr type="ctrY" for="ch" forName="dotArrow6" refType="h" fact="0.062"/>
-                  <dgm:constr type="w" for="ch" forName="dotArrow6" refType="userD"/>
-                  <dgm:constr type="h" for="ch" forName="dotArrow6" refType="userD"/>
-                  <dgm:constr type="ctrX" for="ch" forName="dotArrow7" refType="w" fact="0.6403"/>
-                  <dgm:constr type="ctrY" for="ch" forName="dotArrow7" refType="h" fact="0.1253"/>
-                  <dgm:constr type="w" for="ch" forName="dotArrow7" refType="userD"/>
-                  <dgm:constr type="h" for="ch" forName="dotArrow7" refType="userD"/>
-                  <dgm:constr type="r" for="ch" forName="parTx1" refType="w" fact="0.803"/>
-                  <dgm:constr type="t" for="ch" forName="parTx1" refType="h" fact="0.8169"/>
-                  <dgm:constr type="w" for="ch" forName="parTx1" refType="w" fact="0.4064"/>
-                  <dgm:constr type="h" for="ch" forName="parTx1" refType="h" fact="0.218"/>
-                  <dgm:constr type="ctrX" for="ch" forName="picture1" refType="w" fact="0.8215"/>
-                  <dgm:constr type="ctrY" for="ch" forName="picture1" refType="h" fact="0.7834"/>
-                  <dgm:constr type="w" for="ch" forName="picture1" refType="w" fact="0.1884"/>
-                  <dgm:constr type="h" for="ch" forName="picture1" refType="h" fact="0.3768"/>
-                  <dgm:constr type="r" for="ch" forName="desTx1" refType="l" refFor="ch" refForName="parTx1"/>
-                  <dgm:constr type="l" for="ch" forName="desTx1"/>
-                  <dgm:constr type="t" for="ch" forName="desTx1" refType="t" refFor="ch" refForName="parTx1"/>
-                  <dgm:constr type="h" for="ch" forName="desTx1" refType="h" refFor="ch" refForName="parTx1"/>
-                  <dgm:constr type="r" for="ch" forName="parTx2" refType="w" fact="0.6312"/>
-                  <dgm:constr type="t" for="ch" forName="parTx2" refType="h" fact="0.3905"/>
-                  <dgm:constr type="w" for="ch" forName="parTx2" refType="w" fact="0.4064"/>
-                  <dgm:constr type="h" for="ch" forName="parTx2" refType="h" fact="0.218"/>
-                  <dgm:constr type="ctrX" for="ch" forName="picture2" refType="w" fact="0.6497"/>
-                  <dgm:constr type="ctrY" for="ch" forName="picture2" refType="h" fact="0.357"/>
-                  <dgm:constr type="w" for="ch" forName="picture2" refType="w" fact="0.1884"/>
-                  <dgm:constr type="h" for="ch" forName="picture2" refType="h" fact="0.3768"/>
-                  <dgm:constr type="r" for="ch" forName="desTx2" refType="l" refFor="ch" refForName="parTx2"/>
-                  <dgm:constr type="l" for="ch" forName="desTx2"/>
-                  <dgm:constr type="t" for="ch" forName="desTx2" refType="t" refFor="ch" refForName="parTx2"/>
-                  <dgm:constr type="h" for="ch" forName="desTx2" refType="h" refFor="ch" refForName="parTx2"/>
-                </dgm:constrLst>
-              </dgm:if>
-              <dgm:else name="Name21">
-                <dgm:alg type="composite">
-                  <dgm:param type="ar" val="1.5073"/>
-                </dgm:alg>
-                <dgm:constrLst>
-                  <dgm:constr type="primFontSz" for="ch" forName="parTx1" op="equ" val="65"/>
-                  <dgm:constr type="primFontSz" for="ch" forName="parTx2" refType="primFontSz" refFor="ch" refForName="parTx1" op="equ"/>
-                  <dgm:constr type="userD" refType="w" fact="0.025"/>
-                  <dgm:constr type="ctrX" for="ch" forName="dot1" refType="w" fact="0.5726"/>
-                  <dgm:constr type="ctrY" for="ch" forName="dot1" refType="h" fact="0.5911"/>
-                  <dgm:constr type="w" for="ch" forName="dot1" refType="userD"/>
-                  <dgm:constr type="h" for="ch" forName="dot1" refType="userD"/>
-                  <dgm:constr type="ctrX" for="ch" forName="dot2" refType="w" fact="0.5945"/>
-                  <dgm:constr type="ctrY" for="ch" forName="dot2" refType="h" fact="0.644"/>
-                  <dgm:constr type="w" for="ch" forName="dot2" refType="userD"/>
-                  <dgm:constr type="h" for="ch" forName="dot2" refType="userD"/>
-                  <dgm:constr type="ctrX" for="ch" forName="dot3" refType="w" fact="0.6206"/>
-                  <dgm:constr type="ctrY" for="ch" forName="dot3" refType="h" fact="0.6898"/>
-                  <dgm:constr type="w" for="ch" forName="dot3" refType="userD"/>
-                  <dgm:constr type="h" for="ch" forName="dot3" refType="userD"/>
-                  <dgm:constr type="ctrX" for="ch" forName="dotArrow1" refType="w" fact="0.5894"/>
-                  <dgm:constr type="ctrY" for="ch" forName="dotArrow1" refType="h" fact="0.0587"/>
-                  <dgm:constr type="w" for="ch" forName="dotArrow1" refType="userD"/>
-                  <dgm:constr type="h" for="ch" forName="dotArrow1" refType="userD"/>
-                  <dgm:constr type="ctrX" for="ch" forName="dotArrow2" refType="w" fact="0.556"/>
-                  <dgm:constr type="ctrY" for="ch" forName="dotArrow2" refType="h" fact="0.0287"/>
-                  <dgm:constr type="w" for="ch" forName="dotArrow2" refType="userD"/>
-                  <dgm:constr type="h" for="ch" forName="dotArrow2" refType="userD"/>
-                  <dgm:constr type="ctrX" for="ch" forName="dotArrow3" refType="w" fact="0.5227"/>
-                  <dgm:constr type="ctrY" for="ch" forName="dotArrow3" refType="h" fact="-0.0013"/>
-                  <dgm:constr type="w" for="ch" forName="dotArrow3" refType="userD"/>
-                  <dgm:constr type="h" for="ch" forName="dotArrow3" refType="userD"/>
-                  <dgm:constr type="ctrX" for="ch" forName="dotArrow4" refType="w" fact="0.4894"/>
-                  <dgm:constr type="ctrY" for="ch" forName="dotArrow4" refType="h" fact="0.0287"/>
-                  <dgm:constr type="w" for="ch" forName="dotArrow4" refType="userD"/>
-                  <dgm:constr type="h" for="ch" forName="dotArrow4" refType="userD"/>
-                  <dgm:constr type="ctrX" for="ch" forName="dotArrow5" refType="w" fact="0.456"/>
-                  <dgm:constr type="ctrY" for="ch" forName="dotArrow5" refType="h" fact="0.0587"/>
-                  <dgm:constr type="w" for="ch" forName="dotArrow5" refType="userD"/>
-                  <dgm:constr type="h" for="ch" forName="dotArrow5" refType="userD"/>
-                  <dgm:constr type="ctrX" for="ch" forName="dotArrow6" refType="w" fact="0.5227"/>
-                  <dgm:constr type="ctrY" for="ch" forName="dotArrow6" refType="h" fact="0.062"/>
-                  <dgm:constr type="w" for="ch" forName="dotArrow6" refType="userD"/>
-                  <dgm:constr type="h" for="ch" forName="dotArrow6" refType="userD"/>
-                  <dgm:constr type="ctrX" for="ch" forName="dotArrow7" refType="w" fact="0.5227"/>
-                  <dgm:constr type="ctrY" for="ch" forName="dotArrow7" refType="h" fact="0.1253"/>
-                  <dgm:constr type="w" for="ch" forName="dotArrow7" refType="userD"/>
-                  <dgm:constr type="h" for="ch" forName="dotArrow7" refType="userD"/>
-                  <dgm:constr type="r" for="ch" forName="parTx1" refType="w" fact="0.7386"/>
-                  <dgm:constr type="t" for="ch" forName="parTx1" refType="h" fact="0.8086"/>
-                  <dgm:constr type="w" for="ch" forName="parTx1" refType="w" fact="0.5392"/>
-                  <dgm:constr type="h" for="ch" forName="parTx1" refType="h" fact="0.218"/>
-                  <dgm:constr type="ctrX" for="ch" forName="picture1" refType="w" fact="0.7631"/>
-                  <dgm:constr type="ctrY" for="ch" forName="picture1" refType="h" fact="0.7834"/>
-                  <dgm:constr type="w" for="ch" forName="picture1" refType="w" fact="0.25"/>
-                  <dgm:constr type="h" for="ch" forName="picture1" refType="h" fact="0.3768"/>
-                  <dgm:constr type="r" for="ch" forName="parTx2" refType="w" fact="0.5107"/>
-                  <dgm:constr type="t" for="ch" forName="parTx2" refType="h" fact="0.3822"/>
-                  <dgm:constr type="w" for="ch" forName="parTx2" refType="w" fact="0.5392"/>
-                  <dgm:constr type="h" for="ch" forName="parTx2" refType="h" fact="0.218"/>
-                  <dgm:constr type="ctrX" for="ch" forName="picture2" refType="w" fact="0.5352"/>
-                  <dgm:constr type="ctrY" for="ch" forName="picture2" refType="h" fact="0.357"/>
-                  <dgm:constr type="w" for="ch" forName="picture2" refType="w" fact="0.25"/>
-                  <dgm:constr type="h" for="ch" forName="picture2" refType="h" fact="0.3768"/>
-                </dgm:constrLst>
-              </dgm:else>
-            </dgm:choose>
-          </dgm:else>
-        </dgm:choose>
-      </dgm:if>
-      <dgm:if name="Name22" axis="ch" ptType="node" func="cnt" op="equ" val="3">
-        <dgm:choose name="Name23">
-          <dgm:if name="Name24" func="var" arg="dir" op="equ" val="norm">
-            <dgm:choose name="Name25">
-              <dgm:if name="Name26" axis="des" func="maxDepth" op="gt" val="1">
-                <dgm:alg type="composite">
-                  <dgm:param type="ar" val="1.75"/>
-                </dgm:alg>
-                <dgm:constrLst>
-                  <dgm:constr type="primFontSz" for="ch" forName="parTx1" op="equ" val="65"/>
-                  <dgm:constr type="primFontSz" for="ch" forName="parTx2" refType="primFontSz" refFor="ch" refForName="parTx1" op="equ"/>
-                  <dgm:constr type="primFontSz" for="ch" forName="parTx3" refType="primFontSz" refFor="ch" refForName="parTx1" op="equ"/>
-                  <dgm:constr type="primFontSz" for="ch" forName="desTx1" op="equ" val="65"/>
-                  <dgm:constr type="primFontSz" for="ch" forName="desTx2" refType="primFontSz" refFor="ch" refForName="desTx1" op="equ"/>
-                  <dgm:constr type="primFontSz" for="ch" forName="desTx3" refType="primFontSz" refFor="ch" refForName="desTx1" op="equ"/>
-                  <dgm:constr type="userD" refType="w" fact="0.0162"/>
-                  <dgm:constr type="ctrX" for="ch" forName="dot1" refType="w" fact="0.2981"/>
-                  <dgm:constr type="ctrY" for="ch" forName="dot1" refType="h" fact="0.763"/>
-                  <dgm:constr type="w" for="ch" forName="dot1" refType="userD"/>
-                  <dgm:constr type="h" for="ch" forName="dot1" refType="userD"/>
-                  <dgm:constr type="ctrX" for="ch" forName="dot2" refType="w" fact="0.2676"/>
-                  <dgm:constr type="ctrY" for="ch" forName="dot2" refType="h" fact="0.7887"/>
-                  <dgm:constr type="w" for="ch" forName="dot2" refType="userD"/>
-                  <dgm:constr type="h" for="ch" forName="dot2" refType="userD"/>
-                  <dgm:constr type="ctrX" for="ch" forName="dot3" refType="w" fact="0.2357"/>
-                  <dgm:constr type="ctrY" for="ch" forName="dot3" refType="h" fact="0.809"/>
-                  <dgm:constr type="w" for="ch" forName="dot3" refType="userD"/>
-                  <dgm:constr type="h" for="ch" forName="dot3" refType="userD"/>
-                  <dgm:constr type="ctrX" for="ch" forName="dot4" refType="w" fact="0.4445"/>
-                  <dgm:constr type="ctrY" for="ch" forName="dot4" refType="h" fact="0.4655"/>
-                  <dgm:constr type="w" for="ch" forName="dot4" refType="userD"/>
-                  <dgm:constr type="h" for="ch" forName="dot4" refType="userD"/>
-                  <dgm:constr type="ctrX" for="ch" forName="dot5" refType="w" fact="0.4323"/>
-                  <dgm:constr type="ctrY" for="ch" forName="dot5" refType="h" fact="0.5178"/>
-                  <dgm:constr type="w" for="ch" forName="dot5" refType="userD"/>
-                  <dgm:constr type="h" for="ch" forName="dot5" refType="userD"/>
-                  <dgm:constr type="ctrX" for="ch" forName="dotArrow1" refType="w" fact="0.4236"/>
-                  <dgm:constr type="ctrY" for="ch" forName="dotArrow1" refType="h" fact="0.0718"/>
-                  <dgm:constr type="w" for="ch" forName="dotArrow1" refType="userD"/>
-                  <dgm:constr type="h" for="ch" forName="dotArrow1" refType="userD"/>
-                  <dgm:constr type="ctrX" for="ch" forName="dotArrow2" refType="w" fact="0.446"/>
-                  <dgm:constr type="ctrY" for="ch" forName="dotArrow2" refType="h" fact="0.0468"/>
-                  <dgm:constr type="w" for="ch" forName="dotArrow2" refType="userD"/>
-                  <dgm:constr type="h" for="ch" forName="dotArrow2" refType="userD"/>
-                  <dgm:constr type="ctrX" for="ch" forName="dotArrow3" refType="w" fact="0.4685"/>
-                  <dgm:constr type="ctrY" for="ch" forName="dotArrow3" refType="h" fact="0.0218"/>
-                  <dgm:constr type="w" for="ch" forName="dotArrow3" refType="userD"/>
-                  <dgm:constr type="h" for="ch" forName="dotArrow3" refType="userD"/>
-                  <dgm:constr type="ctrX" for="ch" forName="dotArrow4" refType="w" fact="0.491"/>
-                  <dgm:constr type="ctrY" for="ch" forName="dotArrow4" refType="h" fact="0.0468"/>
-                  <dgm:constr type="w" for="ch" forName="dotArrow4" refType="userD"/>
-                  <dgm:constr type="h" for="ch" forName="dotArrow4" refType="userD"/>
-                  <dgm:constr type="ctrX" for="ch" forName="dotArrow5" refType="w" fact="0.5135"/>
-                  <dgm:constr type="ctrY" for="ch" forName="dotArrow5" refType="h" fact="0.0718"/>
-                  <dgm:constr type="w" for="ch" forName="dotArrow5" refType="userD"/>
-                  <dgm:constr type="h" for="ch" forName="dotArrow5" refType="userD"/>
-                  <dgm:constr type="ctrX" for="ch" forName="dotArrow6" refType="w" fact="0.4685"/>
-                  <dgm:constr type="ctrY" for="ch" forName="dotArrow6" refType="h" fact="0.0745"/>
-                  <dgm:constr type="w" for="ch" forName="dotArrow6" refType="userD"/>
-                  <dgm:constr type="h" for="ch" forName="dotArrow6" refType="userD"/>
-                  <dgm:constr type="ctrX" for="ch" forName="dotArrow7" refType="w" fact="0.4685"/>
-                  <dgm:constr type="ctrY" for="ch" forName="dotArrow7" refType="h" fact="0.1273"/>
-                  <dgm:constr type="w" for="ch" forName="dotArrow7" refType="userD"/>
-                  <dgm:constr type="h" for="ch" forName="dotArrow7" refType="userD"/>
-                  <dgm:constr type="l" for="ch" forName="parTx1" refType="w" fact="0.1487"/>
-                  <dgm:constr type="t" for="ch" forName="parTx1" refType="h" fact="0.8596"/>
-                  <dgm:constr type="w" for="ch" forName="parTx1" refType="w" fact="0.3491"/>
-                  <dgm:constr type="h" for="ch" forName="parTx1" refType="h" fact="0.1638"/>
-                  <dgm:constr type="ctrX" for="ch" forName="picture1" refType="w" fact="0.1328"/>
-                  <dgm:constr type="ctrY" for="ch" forName="picture1" refType="h" fact="0.8361"/>
-                  <dgm:constr type="w" for="ch" forName="picture1" refType="w" fact="0.1618"/>
-                  <dgm:constr type="h" for="ch" forName="picture1" refType="h" fact="0.2832"/>
-                  <dgm:constr type="l" for="ch" forName="desTx1" refType="r" refFor="ch" refForName="parTx1"/>
-                  <dgm:constr type="r" for="ch" forName="desTx1" refType="w"/>
-                  <dgm:constr type="t" for="ch" forName="desTx1" refType="t" refFor="ch" refForName="parTx1"/>
-                  <dgm:constr type="h" for="ch" forName="desTx1" refType="h" refFor="ch" refForName="parTx1"/>
-                  <dgm:constr type="l" for="ch" forName="parTx2" refType="w" fact="0.3732"/>
-                  <dgm:constr type="t" for="ch" forName="parTx2" refType="h" fact="0.6469"/>
-                  <dgm:constr type="w" for="ch" forName="parTx2" refType="w" fact="0.3491"/>
-                  <dgm:constr type="h" for="ch" forName="parTx2" refType="h" fact="0.1638"/>
-                  <dgm:constr type="ctrX" for="ch" forName="picture2" refType="w" fact="0.3573"/>
-                  <dgm:constr type="ctrY" for="ch" forName="picture2" refType="h" fact="0.6234"/>
-                  <dgm:constr type="w" for="ch" forName="picture2" refType="w" fact="0.1618"/>
-                  <dgm:constr type="h" for="ch" forName="picture2" refType="h" fact="0.2832"/>
-                  <dgm:constr type="l" for="ch" forName="desTx2" refType="r" refFor="ch" refForName="parTx2"/>
-                  <dgm:constr type="r" for="ch" forName="desTx2" refType="w"/>
-                  <dgm:constr type="t" for="ch" forName="desTx2" refType="t" refFor="ch" refForName="parTx2"/>
-                  <dgm:constr type="h" for="ch" forName="desTx2" refType="h" refFor="ch" refForName="parTx2"/>
-                  <dgm:constr type="l" for="ch" forName="parTx3" refType="w" fact="0.4763"/>
-                  <dgm:constr type="t" for="ch" forName="parTx3" refType="h" fact="0.3243"/>
-                  <dgm:constr type="w" for="ch" forName="parTx3" refType="w" fact="0.3491"/>
-                  <dgm:constr type="h" for="ch" forName="parTx3" refType="h" fact="0.1638"/>
-                  <dgm:constr type="ctrX" for="ch" forName="picture3" refType="w" fact="0.4604"/>
-                  <dgm:constr type="ctrY" for="ch" forName="picture3" refType="h" fact="0.3008"/>
-                  <dgm:constr type="w" for="ch" forName="picture3" refType="w" fact="0.1618"/>
-                  <dgm:constr type="h" for="ch" forName="picture3" refType="h" fact="0.2832"/>
-                  <dgm:constr type="l" for="ch" forName="desTx3" refType="r" refFor="ch" refForName="parTx3"/>
-                  <dgm:constr type="r" for="ch" forName="desTx3" refType="w"/>
-                  <dgm:constr type="t" for="ch" forName="desTx3" refType="t" refFor="ch" refForName="parTx3"/>
-                  <dgm:constr type="h" for="ch" forName="desTx3" refType="h" refFor="ch" refForName="parTx3"/>
-                </dgm:constrLst>
-              </dgm:if>
-              <dgm:else name="Name27">
-                <dgm:alg type="composite">
-                  <dgm:param type="ar" val="1.4161"/>
-                </dgm:alg>
-                <dgm:constrLst>
-                  <dgm:constr type="primFontSz" for="ch" forName="parTx1" op="equ" val="65"/>
-                  <dgm:constr type="primFontSz" for="ch" forName="parTx2" refType="primFontSz" refFor="ch" refForName="parTx1" op="equ"/>
-                  <dgm:constr type="primFontSz" for="ch" forName="parTx3" refType="primFontSz" refFor="ch" refForName="parTx1" op="equ"/>
-                  <dgm:constr type="userD" refType="w" fact="0.02"/>
-                  <dgm:constr type="ctrX" for="ch" forName="dot1" refType="w" fact="0.3684"/>
-                  <dgm:constr type="ctrY" for="ch" forName="dot1" refType="h" fact="0.763"/>
-                  <dgm:constr type="w" for="ch" forName="dot1" refType="userD"/>
-                  <dgm:constr type="h" for="ch" forName="dot1" refType="userD"/>
-                  <dgm:constr type="ctrX" for="ch" forName="dot2" refType="w" fact="0.3307"/>
-                  <dgm:constr type="ctrY" for="ch" forName="dot2" refType="h" fact="0.7887"/>
-                  <dgm:constr type="w" for="ch" forName="dot2" refType="userD"/>
-                  <dgm:constr type="h" for="ch" forName="dot2" refType="userD"/>
-                  <dgm:constr type="ctrX" for="ch" forName="dot3" refType="w" fact="0.2912"/>
-                  <dgm:constr type="ctrY" for="ch" forName="dot3" refType="h" fact="0.809"/>
-                  <dgm:constr type="w" for="ch" forName="dot3" refType="userD"/>
-                  <dgm:constr type="h" for="ch" forName="dot3" refType="userD"/>
-                  <dgm:constr type="ctrX" for="ch" forName="dot4" refType="w" fact="0.5494"/>
-                  <dgm:constr type="ctrY" for="ch" forName="dot4" refType="h" fact="0.4655"/>
-                  <dgm:constr type="w" for="ch" forName="dot4" refType="userD"/>
-                  <dgm:constr type="h" for="ch" forName="dot4" refType="userD"/>
-                  <dgm:constr type="ctrX" for="ch" forName="dot5" refType="w" fact="0.5342"/>
-                  <dgm:constr type="ctrY" for="ch" forName="dot5" refType="h" fact="0.5178"/>
-                  <dgm:constr type="w" for="ch" forName="dot5" refType="userD"/>
-                  <dgm:constr type="h" for="ch" forName="dot5" refType="userD"/>
-                  <dgm:constr type="ctrX" for="ch" forName="dotArrow1" refType="w" fact="0.5234"/>
-                  <dgm:constr type="ctrY" for="ch" forName="dotArrow1" refType="h" fact="0.0718"/>
-                  <dgm:constr type="w" for="ch" forName="dotArrow1" refType="userD"/>
-                  <dgm:constr type="h" for="ch" forName="dotArrow1" refType="userD"/>
-                  <dgm:constr type="ctrX" for="ch" forName="dotArrow2" refType="w" fact="0.5512"/>
-                  <dgm:constr type="ctrY" for="ch" forName="dotArrow2" refType="h" fact="0.0468"/>
-                  <dgm:constr type="w" for="ch" forName="dotArrow2" refType="userD"/>
-                  <dgm:constr type="h" for="ch" forName="dotArrow2" refType="userD"/>
-                  <dgm:constr type="ctrX" for="ch" forName="dotArrow3" refType="w" fact="0.579"/>
-                  <dgm:constr type="ctrY" for="ch" forName="dotArrow3" refType="h" fact="0.0218"/>
-                  <dgm:constr type="w" for="ch" forName="dotArrow3" refType="userD"/>
-                  <dgm:constr type="h" for="ch" forName="dotArrow3" refType="userD"/>
-                  <dgm:constr type="ctrX" for="ch" forName="dotArrow4" refType="w" fact="0.6068"/>
-                  <dgm:constr type="ctrY" for="ch" forName="dotArrow4" refType="h" fact="0.0468"/>
-                  <dgm:constr type="w" for="ch" forName="dotArrow4" refType="userD"/>
-                  <dgm:constr type="h" for="ch" forName="dotArrow4" refType="userD"/>
-                  <dgm:constr type="ctrX" for="ch" forName="dotArrow5" refType="w" fact="0.6346"/>
-                  <dgm:constr type="ctrY" for="ch" forName="dotArrow5" refType="h" fact="0.0718"/>
-                  <dgm:constr type="w" for="ch" forName="dotArrow5" refType="userD"/>
-                  <dgm:constr type="h" for="ch" forName="dotArrow5" refType="userD"/>
-                  <dgm:constr type="ctrX" for="ch" forName="dotArrow6" refType="w" fact="0.579"/>
-                  <dgm:constr type="ctrY" for="ch" forName="dotArrow6" refType="h" fact="0.0745"/>
-                  <dgm:constr type="w" for="ch" forName="dotArrow6" refType="userD"/>
-                  <dgm:constr type="h" for="ch" forName="dotArrow6" refType="userD"/>
-                  <dgm:constr type="ctrX" for="ch" forName="dotArrow7" refType="w" fact="0.579"/>
-                  <dgm:constr type="ctrY" for="ch" forName="dotArrow7" refType="h" fact="0.1273"/>
-                  <dgm:constr type="w" for="ch" forName="dotArrow7" refType="userD"/>
-                  <dgm:constr type="h" for="ch" forName="dotArrow7" refType="userD"/>
-                  <dgm:constr type="l" for="ch" forName="parTx1" refType="w" fact="0.1837"/>
-                  <dgm:constr type="t" for="ch" forName="parTx1" refType="h" fact="0.8551"/>
-                  <dgm:constr type="w" for="ch" forName="parTx1" refType="w" fact="0.4314"/>
-                  <dgm:constr type="h" for="ch" forName="parTx1" refType="h" fact="0.1638"/>
-                  <dgm:constr type="ctrX" for="ch" forName="picture1" refType="w" fact="0.1641"/>
-                  <dgm:constr type="ctrY" for="ch" forName="picture1" refType="h" fact="0.8361"/>
-                  <dgm:constr type="w" for="ch" forName="picture1" refType="w" fact="0.2"/>
-                  <dgm:constr type="h" for="ch" forName="picture1" refType="h" fact="0.2832"/>
-                  <dgm:constr type="l" for="ch" forName="parTx2" refType="w" fact="0.4612"/>
-                  <dgm:constr type="t" for="ch" forName="parTx2" refType="h" fact="0.6424"/>
-                  <dgm:constr type="w" for="ch" forName="parTx2" refType="w" fact="0.4314"/>
-                  <dgm:constr type="h" for="ch" forName="parTx2" refType="h" fact="0.1638"/>
-                  <dgm:constr type="ctrX" for="ch" forName="picture2" refType="w" fact="0.4416"/>
-                  <dgm:constr type="ctrY" for="ch" forName="picture2" refType="h" fact="0.6234"/>
-                  <dgm:constr type="w" for="ch" forName="picture2" refType="w" fact="0.2"/>
-                  <dgm:constr type="h" for="ch" forName="picture2" refType="h" fact="0.2832"/>
-                  <dgm:constr type="l" for="ch" forName="parTx3" refType="w" fact="0.5886"/>
-                  <dgm:constr type="t" for="ch" forName="parTx3" refType="h" fact="0.3198"/>
-                  <dgm:constr type="w" for="ch" forName="parTx3" refType="w" fact="0.4314"/>
-                  <dgm:constr type="h" for="ch" forName="parTx3" refType="h" fact="0.1638"/>
-                  <dgm:constr type="ctrX" for="ch" forName="picture3" refType="w" fact="0.569"/>
-                  <dgm:constr type="ctrY" for="ch" forName="picture3" refType="h" fact="0.3008"/>
-                  <dgm:constr type="w" for="ch" forName="picture3" refType="w" fact="0.2"/>
-                  <dgm:constr type="h" for="ch" forName="picture3" refType="h" fact="0.2832"/>
-                </dgm:constrLst>
-              </dgm:else>
-            </dgm:choose>
-          </dgm:if>
-          <dgm:else name="Name28">
-            <dgm:choose name="Name29">
-              <dgm:if name="Name30" axis="des" func="maxDepth" op="gt" val="1">
-                <dgm:alg type="composite">
-                  <dgm:param type="ar" val="1.75"/>
-                </dgm:alg>
-                <dgm:constrLst>
-                  <dgm:constr type="primFontSz" for="ch" forName="parTx1" op="equ" val="65"/>
-                  <dgm:constr type="primFontSz" for="ch" forName="parTx2" refType="primFontSz" refFor="ch" refForName="parTx1" op="equ"/>
-                  <dgm:constr type="primFontSz" for="ch" forName="parTx3" refType="primFontSz" refFor="ch" refForName="parTx1" op="equ"/>
-                  <dgm:constr type="primFontSz" for="ch" forName="desTx1" op="equ" val="65"/>
-                  <dgm:constr type="primFontSz" for="ch" forName="desTx2" refType="primFontSz" refFor="ch" refForName="desTx1" op="equ"/>
-                  <dgm:constr type="primFontSz" for="ch" forName="desTx3" refType="primFontSz" refFor="ch" refForName="desTx1" op="equ"/>
-                  <dgm:constr type="userD" refType="w" fact="0.0162"/>
-                  <dgm:constr type="ctrX" for="ch" forName="dot1" refType="w" fact="0.7019"/>
-                  <dgm:constr type="ctrY" for="ch" forName="dot1" refType="h" fact="0.763"/>
-                  <dgm:constr type="w" for="ch" forName="dot1" refType="userD"/>
-                  <dgm:constr type="h" for="ch" forName="dot1" refType="userD"/>
-                  <dgm:constr type="ctrX" for="ch" forName="dot2" refType="w" fact="0.7324"/>
-                  <dgm:constr type="ctrY" for="ch" forName="dot2" refType="h" fact="0.7887"/>
-                  <dgm:constr type="w" for="ch" forName="dot2" refType="userD"/>
-                  <dgm:constr type="h" for="ch" forName="dot2" refType="userD"/>
-                  <dgm:constr type="ctrX" for="ch" forName="dot3" refType="w" fact="0.7643"/>
-                  <dgm:constr type="ctrY" for="ch" forName="dot3" refType="h" fact="0.809"/>
-                  <dgm:constr type="w" for="ch" forName="dot3" refType="userD"/>
-                  <dgm:constr type="h" for="ch" forName="dot3" refType="userD"/>
-                  <dgm:constr type="ctrX" for="ch" forName="dot4" refType="w" fact="0.5555"/>
-                  <dgm:constr type="ctrY" for="ch" forName="dot4" refType="h" fact="0.4655"/>
-                  <dgm:constr type="w" for="ch" forName="dot4" refType="userD"/>
-                  <dgm:constr type="h" for="ch" forName="dot4" refType="userD"/>
-                  <dgm:constr type="ctrX" for="ch" forName="dot5" refType="w" fact="0.5677"/>
-                  <dgm:constr type="ctrY" for="ch" forName="dot5" refType="h" fact="0.5178"/>
-                  <dgm:constr type="w" for="ch" forName="dot5" refType="userD"/>
-                  <dgm:constr type="h" for="ch" forName="dot5" refType="userD"/>
-                  <dgm:constr type="ctrX" for="ch" forName="dotArrow1" refType="w" fact="0.5764"/>
-                  <dgm:constr type="ctrY" for="ch" forName="dotArrow1" refType="h" fact="0.0718"/>
-                  <dgm:constr type="w" for="ch" forName="dotArrow1" refType="userD"/>
-                  <dgm:constr type="h" for="ch" forName="dotArrow1" refType="userD"/>
-                  <dgm:constr type="ctrX" for="ch" forName="dotArrow2" refType="w" fact="0.554"/>
-                  <dgm:constr type="ctrY" for="ch" forName="dotArrow2" refType="h" fact="0.0468"/>
-                  <dgm:constr type="w" for="ch" forName="dotArrow2" refType="userD"/>
-                  <dgm:constr type="h" for="ch" forName="dotArrow2" refType="userD"/>
-                  <dgm:constr type="ctrX" for="ch" forName="dotArrow3" refType="w" fact="0.5315"/>
-                  <dgm:constr type="ctrY" for="ch" forName="dotArrow3" refType="h" fact="0.0218"/>
-                  <dgm:constr type="w" for="ch" forName="dotArrow3" refType="userD"/>
-                  <dgm:constr type="h" for="ch" forName="dotArrow3" refType="userD"/>
-                  <dgm:constr type="ctrX" for="ch" forName="dotArrow4" refType="w" fact="0.509"/>
-                  <dgm:constr type="ctrY" for="ch" forName="dotArrow4" refType="h" fact="0.0468"/>
-                  <dgm:constr type="w" for="ch" forName="dotArrow4" refType="userD"/>
-                  <dgm:constr type="h" for="ch" forName="dotArrow4" refType="userD"/>
-                  <dgm:constr type="ctrX" for="ch" forName="dotArrow5" refType="w" fact="0.4865"/>
-                  <dgm:constr type="ctrY" for="ch" forName="dotArrow5" refType="h" fact="0.0718"/>
-                  <dgm:constr type="w" for="ch" forName="dotArrow5" refType="userD"/>
-                  <dgm:constr type="h" for="ch" forName="dotArrow5" refType="userD"/>
-                  <dgm:constr type="ctrX" for="ch" forName="dotArrow6" refType="w" fact="0.5315"/>
-                  <dgm:constr type="ctrY" for="ch" forName="dotArrow6" refType="h" fact="0.0745"/>
-                  <dgm:constr type="w" for="ch" forName="dotArrow6" refType="userD"/>
-                  <dgm:constr type="h" for="ch" forName="dotArrow6" refType="userD"/>
-                  <dgm:constr type="ctrX" for="ch" forName="dotArrow7" refType="w" fact="0.5315"/>
-                  <dgm:constr type="ctrY" for="ch" forName="dotArrow7" refType="h" fact="0.1273"/>
-                  <dgm:constr type="w" for="ch" forName="dotArrow7" refType="userD"/>
-                  <dgm:constr type="h" for="ch" forName="dotArrow7" refType="userD"/>
-                  <dgm:constr type="r" for="ch" forName="parTx1" refType="w" fact="0.8513"/>
-                  <dgm:constr type="t" for="ch" forName="parTx1" refType="h" fact="0.8596"/>
-                  <dgm:constr type="w" for="ch" forName="parTx1" refType="w" fact="0.3491"/>
-                  <dgm:constr type="h" for="ch" forName="parTx1" refType="h" fact="0.1638"/>
-                  <dgm:constr type="ctrX" for="ch" forName="picture1" refType="w" fact="0.8672"/>
-                  <dgm:constr type="ctrY" for="ch" forName="picture1" refType="h" fact="0.8361"/>
-                  <dgm:constr type="w" for="ch" forName="picture1" refType="w" fact="0.1618"/>
-                  <dgm:constr type="h" for="ch" forName="picture1" refType="h" fact="0.2832"/>
-                  <dgm:constr type="r" for="ch" forName="desTx1" refType="l" refFor="ch" refForName="parTx1"/>
-                  <dgm:constr type="l" for="ch" forName="desTx1"/>
-                  <dgm:constr type="t" for="ch" forName="desTx1" refType="t" refFor="ch" refForName="parTx1"/>
-                  <dgm:constr type="h" for="ch" forName="desTx1" refType="h" refFor="ch" refForName="parTx1"/>
-                  <dgm:constr type="r" for="ch" forName="parTx2" refType="w" fact="0.6268"/>
-                  <dgm:constr type="t" for="ch" forName="parTx2" refType="h" fact="0.6469"/>
-                  <dgm:constr type="w" for="ch" forName="parTx2" refType="w" fact="0.3491"/>
-                  <dgm:constr type="h" for="ch" forName="parTx2" refType="h" fact="0.1638"/>
-                  <dgm:constr type="ctrX" for="ch" forName="picture2" refType="w" fact="0.6427"/>
-                  <dgm:constr type="ctrY" for="ch" forName="picture2" refType="h" fact="0.6234"/>
-                  <dgm:constr type="w" for="ch" forName="picture2" refType="w" fact="0.1618"/>
-                  <dgm:constr type="h" for="ch" forName="picture2" refType="h" fact="0.2832"/>
-                  <dgm:constr type="r" for="ch" forName="desTx2" refType="l" refFor="ch" refForName="parTx2"/>
-                  <dgm:constr type="l" for="ch" forName="desTx2"/>
-                  <dgm:constr type="t" for="ch" forName="desTx2" refType="t" refFor="ch" refForName="parTx2"/>
-                  <dgm:constr type="h" for="ch" forName="desTx2" refType="h" refFor="ch" refForName="parTx2"/>
-                  <dgm:constr type="r" for="ch" forName="parTx3" refType="w" fact="0.5237"/>
-                  <dgm:constr type="t" for="ch" forName="parTx3" refType="h" fact="0.3243"/>
-                  <dgm:constr type="w" for="ch" forName="parTx3" refType="w" fact="0.3491"/>
-                  <dgm:constr type="h" for="ch" forName="parTx3" refType="h" fact="0.1638"/>
-                  <dgm:constr type="ctrX" for="ch" forName="picture3" refType="w" fact="0.5396"/>
-                  <dgm:constr type="ctrY" for="ch" forName="picture3" refType="h" fact="0.3008"/>
-                  <dgm:constr type="w" for="ch" forName="picture3" refType="w" fact="0.1618"/>
-                  <dgm:constr type="h" for="ch" forName="picture3" refType="h" fact="0.2832"/>
-                  <dgm:constr type="r" for="ch" forName="desTx3" refType="l" refFor="ch" refForName="parTx3"/>
-                  <dgm:constr type="l" for="ch" forName="desTx3"/>
-                  <dgm:constr type="t" for="ch" forName="desTx3" refType="t" refFor="ch" refForName="parTx3"/>
-                  <dgm:constr type="h" for="ch" forName="desTx3" refType="h" refFor="ch" refForName="parTx3"/>
-                </dgm:constrLst>
-              </dgm:if>
-              <dgm:else name="Name31">
-                <dgm:alg type="composite">
-                  <dgm:param type="ar" val="1.4161"/>
-                </dgm:alg>
-                <dgm:constrLst>
-                  <dgm:constr type="primFontSz" for="ch" forName="parTx1" op="equ" val="65"/>
-                  <dgm:constr type="primFontSz" for="ch" forName="parTx2" refType="primFontSz" refFor="ch" refForName="parTx1" op="equ"/>
-                  <dgm:constr type="primFontSz" for="ch" forName="parTx3" refType="primFontSz" refFor="ch" refForName="parTx1" op="equ"/>
-                  <dgm:constr type="userD" refType="w" fact="0.02"/>
-                  <dgm:constr type="ctrX" for="ch" forName="dot1" refType="w" fact="0.6316"/>
-                  <dgm:constr type="ctrY" for="ch" forName="dot1" refType="h" fact="0.763"/>
-                  <dgm:constr type="w" for="ch" forName="dot1" refType="userD"/>
-                  <dgm:constr type="h" for="ch" forName="dot1" refType="userD"/>
-                  <dgm:constr type="ctrX" for="ch" forName="dot2" refType="w" fact="0.6693"/>
-                  <dgm:constr type="ctrY" for="ch" forName="dot2" refType="h" fact="0.7887"/>
-                  <dgm:constr type="w" for="ch" forName="dot2" refType="userD"/>
-                  <dgm:constr type="h" for="ch" forName="dot2" refType="userD"/>
-                  <dgm:constr type="ctrX" for="ch" forName="dot3" refType="w" fact="0.7088"/>
-                  <dgm:constr type="ctrY" for="ch" forName="dot3" refType="h" fact="0.809"/>
-                  <dgm:constr type="w" for="ch" forName="dot3" refType="userD"/>
-                  <dgm:constr type="h" for="ch" forName="dot3" refType="userD"/>
-                  <dgm:constr type="ctrX" for="ch" forName="dot4" refType="w" fact="0.4506"/>
-                  <dgm:constr type="ctrY" for="ch" forName="dot4" refType="h" fact="0.4655"/>
-                  <dgm:constr type="w" for="ch" forName="dot4" refType="userD"/>
-                  <dgm:constr type="h" for="ch" forName="dot4" refType="userD"/>
-                  <dgm:constr type="ctrX" for="ch" forName="dot5" refType="w" fact="0.4658"/>
-                  <dgm:constr type="ctrY" for="ch" forName="dot5" refType="h" fact="0.5178"/>
-                  <dgm:constr type="w" for="ch" forName="dot5" refType="userD"/>
-                  <dgm:constr type="h" for="ch" forName="dot5" refType="userD"/>
-                  <dgm:constr type="ctrX" for="ch" forName="dotArrow1" refType="w" fact="0.4766"/>
-                  <dgm:constr type="ctrY" for="ch" forName="dotArrow1" refType="h" fact="0.0718"/>
-                  <dgm:constr type="w" for="ch" forName="dotArrow1" refType="userD"/>
-                  <dgm:constr type="h" for="ch" forName="dotArrow1" refType="userD"/>
-                  <dgm:constr type="ctrX" for="ch" forName="dotArrow2" refType="w" fact="0.4488"/>
-                  <dgm:constr type="ctrY" for="ch" forName="dotArrow2" refType="h" fact="0.0468"/>
-                  <dgm:constr type="w" for="ch" forName="dotArrow2" refType="userD"/>
-                  <dgm:constr type="h" for="ch" forName="dotArrow2" refType="userD"/>
-                  <dgm:constr type="ctrX" for="ch" forName="dotArrow3" refType="w" fact="0.421"/>
-                  <dgm:constr type="ctrY" for="ch" forName="dotArrow3" refType="h" fact="0.0218"/>
-                  <dgm:constr type="w" for="ch" forName="dotArrow3" refType="userD"/>
-                  <dgm:constr type="h" for="ch" forName="dotArrow3" refType="userD"/>
-                  <dgm:constr type="ctrX" for="ch" forName="dotArrow4" refType="w" fact="0.3932"/>
-                  <dgm:constr type="ctrY" for="ch" forName="dotArrow4" refType="h" fact="0.0468"/>
-                  <dgm:constr type="w" for="ch" forName="dotArrow4" refType="userD"/>
-                  <dgm:constr type="h" for="ch" forName="dotArrow4" refType="userD"/>
-                  <dgm:constr type="ctrX" for="ch" forName="dotArrow5" refType="w" fact="0.3654"/>
-                  <dgm:constr type="ctrY" for="ch" forName="dotArrow5" refType="h" fact="0.0718"/>
-                  <dgm:constr type="w" for="ch" forName="dotArrow5" refType="userD"/>
-                  <dgm:constr type="h" for="ch" forName="dotArrow5" refType="userD"/>
-                  <dgm:constr type="ctrX" for="ch" forName="dotArrow6" refType="w" fact="0.421"/>
-                  <dgm:constr type="ctrY" for="ch" forName="dotArrow6" refType="h" fact="0.0745"/>
-                  <dgm:constr type="w" for="ch" forName="dotArrow6" refType="userD"/>
-                  <dgm:constr type="h" for="ch" forName="dotArrow6" refType="userD"/>
-                  <dgm:constr type="ctrX" for="ch" forName="dotArrow7" refType="w" fact="0.421"/>
-                  <dgm:constr type="ctrY" for="ch" forName="dotArrow7" refType="h" fact="0.1273"/>
-                  <dgm:constr type="w" for="ch" forName="dotArrow7" refType="userD"/>
-                  <dgm:constr type="h" for="ch" forName="dotArrow7" refType="userD"/>
-                  <dgm:constr type="r" for="ch" forName="parTx1" refType="w" fact="0.8163"/>
-                  <dgm:constr type="t" for="ch" forName="parTx1" refType="h" fact="0.8551"/>
-                  <dgm:constr type="w" for="ch" forName="parTx1" refType="w" fact="0.4314"/>
-                  <dgm:constr type="h" for="ch" forName="parTx1" refType="h" fact="0.1638"/>
-                  <dgm:constr type="ctrX" for="ch" forName="picture1" refType="w" fact="0.8359"/>
-                  <dgm:constr type="ctrY" for="ch" forName="picture1" refType="h" fact="0.8361"/>
-                  <dgm:constr type="w" for="ch" forName="picture1" refType="w" fact="0.2"/>
-                  <dgm:constr type="h" for="ch" forName="picture1" refType="h" fact="0.2832"/>
-                  <dgm:constr type="r" for="ch" forName="parTx2" refType="w" fact="0.5388"/>
-                  <dgm:constr type="t" for="ch" forName="parTx2" refType="h" fact="0.6424"/>
-                  <dgm:constr type="w" for="ch" forName="parTx2" refType="w" fact="0.4314"/>
-                  <dgm:constr type="h" for="ch" forName="parTx2" refType="h" fact="0.1638"/>
-                  <dgm:constr type="ctrX" for="ch" forName="picture2" refType="w" fact="0.5584"/>
-                  <dgm:constr type="ctrY" for="ch" forName="picture2" refType="h" fact="0.6234"/>
-                  <dgm:constr type="w" for="ch" forName="picture2" refType="w" fact="0.2"/>
-                  <dgm:constr type="h" for="ch" forName="picture2" refType="h" fact="0.2832"/>
-                  <dgm:constr type="r" for="ch" forName="parTx3" refType="w" fact="0.4114"/>
-                  <dgm:constr type="t" for="ch" forName="parTx3" refType="h" fact="0.3198"/>
-                  <dgm:constr type="w" for="ch" forName="parTx3" refType="w" fact="0.4314"/>
-                  <dgm:constr type="h" for="ch" forName="parTx3" refType="h" fact="0.1638"/>
-                  <dgm:constr type="ctrX" for="ch" forName="picture3" refType="w" fact="0.431"/>
-                  <dgm:constr type="ctrY" for="ch" forName="picture3" refType="h" fact="0.3008"/>
-                  <dgm:constr type="w" for="ch" forName="picture3" refType="w" fact="0.2"/>
-                  <dgm:constr type="h" for="ch" forName="picture3" refType="h" fact="0.2832"/>
-                </dgm:constrLst>
-              </dgm:else>
-            </dgm:choose>
-          </dgm:else>
-        </dgm:choose>
-      </dgm:if>
-      <dgm:if name="Name32" axis="ch" ptType="node" func="cnt" op="equ" val="4">
-        <dgm:choose name="Name33">
-          <dgm:if name="Name34" func="var" arg="dir" op="equ" val="norm">
-            <dgm:choose name="Name35">
-              <dgm:if name="Name36" axis="des" func="maxDepth" op="gt" val="1">
-                <dgm:alg type="composite">
-                  <dgm:param type="ar" val="1.55"/>
-                </dgm:alg>
-                <dgm:constrLst>
-                  <dgm:constr type="primFontSz" for="ch" forName="parTx1" op="equ" val="65"/>
-                  <dgm:constr type="primFontSz" for="ch" forName="parTx2" refType="primFontSz" refFor="ch" refForName="parTx1" op="equ"/>
-                  <dgm:constr type="primFontSz" for="ch" forName="parTx3" refType="primFontSz" refFor="ch" refForName="parTx1" op="equ"/>
-                  <dgm:constr type="primFontSz" for="ch" forName="parTx4" refType="primFontSz" refFor="ch" refForName="parTx1" op="equ"/>
-                  <dgm:constr type="primFontSz" for="ch" forName="desTx1" op="equ" val="65"/>
-                  <dgm:constr type="primFontSz" for="ch" forName="desTx2" refType="primFontSz" refFor="ch" refForName="desTx1" op="equ"/>
-                  <dgm:constr type="primFontSz" for="ch" forName="desTx3" refType="primFontSz" refFor="ch" refForName="desTx1" op="equ"/>
-                  <dgm:constr type="primFontSz" for="ch" forName="desTx4" refType="primFontSz" refFor="ch" refForName="desTx1" op="equ"/>
-                  <dgm:constr type="userD" refType="w" fact="0.0136"/>
-                  <dgm:constr type="ctrX" for="ch" forName="dot1" refType="w" fact="0.3253"/>
-                  <dgm:constr type="ctrY" for="ch" forName="dot1" refType="h" fact="0.8215"/>
-                  <dgm:constr type="w" for="ch" forName="dot1" refType="userD"/>
-                  <dgm:constr type="h" for="ch" forName="dot1" refType="userD"/>
-                  <dgm:constr type="ctrX" for="ch" forName="dot2" refType="w" fact="0.2949"/>
-                  <dgm:constr type="ctrY" for="ch" forName="dot2" refType="h" fact="0.843"/>
-                  <dgm:constr type="w" for="ch" forName="dot2" refType="userD"/>
-                  <dgm:constr type="h" for="ch" forName="dot2" refType="userD"/>
-                  <dgm:constr type="ctrX" for="ch" forName="dot3" refType="w" fact="0.2635"/>
-                  <dgm:constr type="ctrY" for="ch" forName="dot3" refType="h" fact="0.8607"/>
-                  <dgm:constr type="w" for="ch" forName="dot3" refType="userD"/>
-                  <dgm:constr type="h" for="ch" forName="dot3" refType="userD"/>
-                  <dgm:constr type="ctrX" for="ch" forName="dot4" refType="w" fact="0.2313"/>
-                  <dgm:constr type="ctrY" for="ch" forName="dot4" refType="h" fact="0.8745"/>
-                  <dgm:constr type="w" for="ch" forName="dot4" refType="userD"/>
-                  <dgm:constr type="h" for="ch" forName="dot4" refType="userD"/>
-                  <dgm:constr type="ctrX" for="ch" forName="dot5" refType="w" fact="0.4675"/>
-                  <dgm:constr type="ctrY" for="ch" forName="dot5" refType="h" fact="0.6419"/>
-                  <dgm:constr type="w" for="ch" forName="dot5" refType="userD"/>
-                  <dgm:constr type="h" for="ch" forName="dot5" refType="userD"/>
-                  <dgm:constr type="ctrX" for="ch" forName="dot6" refType="w" fact="0.5486"/>
-                  <dgm:constr type="ctrY" for="ch" forName="dot6" refType="h" fact="0.3784"/>
-                  <dgm:constr type="w" for="ch" forName="dot6" refType="userD"/>
-                  <dgm:constr type="h" for="ch" forName="dot6" refType="userD"/>
-                  <dgm:constr type="ctrX" for="ch" forName="dotArrow1" refType="w" fact="0.5267"/>
-                  <dgm:constr type="ctrY" for="ch" forName="dotArrow1" refType="h" fact="0.0496"/>
-                  <dgm:constr type="w" for="ch" forName="dotArrow1" refType="userD"/>
-                  <dgm:constr type="h" for="ch" forName="dotArrow1" refType="userD"/>
-                  <dgm:constr type="ctrX" for="ch" forName="dotArrow2" refType="w" fact="0.5462"/>
-                  <dgm:constr type="ctrY" for="ch" forName="dotArrow2" refType="h" fact="0.0282"/>
-                  <dgm:constr type="w" for="ch" forName="dotArrow2" refType="userD"/>
-                  <dgm:constr type="h" for="ch" forName="dotArrow2" refType="userD"/>
-                  <dgm:constr type="ctrX" for="ch" forName="dotArrow3" refType="w" fact="0.5657"/>
-                  <dgm:constr type="ctrY" for="ch" forName="dotArrow3" refType="h" fact="0.0068"/>
-                  <dgm:constr type="w" for="ch" forName="dotArrow3" refType="userD"/>
-                  <dgm:constr type="h" for="ch" forName="dotArrow3" refType="userD"/>
-                  <dgm:constr type="ctrX" for="ch" forName="dotArrow4" refType="w" fact="0.5851"/>
-                  <dgm:constr type="ctrY" for="ch" forName="dotArrow4" refType="h" fact="0.0282"/>
-                  <dgm:constr type="w" for="ch" forName="dotArrow4" refType="userD"/>
-                  <dgm:constr type="h" for="ch" forName="dotArrow4" refType="userD"/>
-                  <dgm:constr type="ctrX" for="ch" forName="dotArrow5" refType="w" fact="0.6046"/>
-                  <dgm:constr type="ctrY" for="ch" forName="dotArrow5" refType="h" fact="0.0496"/>
-                  <dgm:constr type="w" for="ch" forName="dotArrow5" refType="userD"/>
-                  <dgm:constr type="h" for="ch" forName="dotArrow5" refType="userD"/>
-                  <dgm:constr type="ctrX" for="ch" forName="dotArrow6" refType="w" fact="0.5657"/>
-                  <dgm:constr type="ctrY" for="ch" forName="dotArrow6" refType="h" fact="0.052"/>
-                  <dgm:constr type="w" for="ch" forName="dotArrow6" refType="userD"/>
-                  <dgm:constr type="h" for="ch" forName="dotArrow6" refType="userD"/>
-                  <dgm:constr type="ctrX" for="ch" forName="dotArrow7" refType="w" fact="0.5657"/>
-                  <dgm:constr type="ctrY" for="ch" forName="dotArrow7" refType="h" fact="0.0972"/>
-                  <dgm:constr type="w" for="ch" forName="dotArrow7" refType="userD"/>
-                  <dgm:constr type="h" for="ch" forName="dotArrow7" refType="userD"/>
-                  <dgm:constr type="l" for="ch" forName="parTx1" refType="w" fact="0.1466"/>
-                  <dgm:constr type="t" for="ch" forName="parTx1" refType="h" fact="0.9095"/>
-                  <dgm:constr type="w" for="ch" forName="parTx1" refType="w" fact="0.294"/>
-                  <dgm:constr type="h" for="ch" forName="parTx1" refType="h" fact="0.1222"/>
-                  <dgm:constr type="ctrX" for="ch" forName="picture1" refType="w" fact="0.1333"/>
-                  <dgm:constr type="ctrY" for="ch" forName="picture1" refType="h" fact="0.8922"/>
-                  <dgm:constr type="w" for="ch" forName="picture1" refType="w" fact="0.1363"/>
-                  <dgm:constr type="h" for="ch" forName="picture1" refType="h" fact="0.2113"/>
-                  <dgm:constr type="l" for="ch" forName="desTx1" refType="r" refFor="ch" refForName="parTx1"/>
-                  <dgm:constr type="r" for="ch" forName="desTx1" refType="w"/>
-                  <dgm:constr type="t" for="ch" forName="desTx1" refType="t" refFor="ch" refForName="parTx1"/>
-                  <dgm:constr type="h" for="ch" forName="desTx1" refType="h" refFor="ch" refForName="parTx1"/>
-                  <dgm:constr type="l" for="ch" forName="parTx2" refType="w" fact="0.4105"/>
-                  <dgm:constr type="t" for="ch" forName="parTx2" refType="h" fact="0.762"/>
-                  <dgm:constr type="w" for="ch" forName="parTx2" refType="w" fact="0.294"/>
-                  <dgm:constr type="h" for="ch" forName="parTx2" refType="h" fact="0.1222"/>
-                  <dgm:constr type="ctrX" for="ch" forName="picture2" refType="w" fact="0.3972"/>
-                  <dgm:constr type="ctrY" for="ch" forName="picture2" refType="h" fact="0.7447"/>
-                  <dgm:constr type="w" for="ch" forName="picture2" refType="w" fact="0.1363"/>
-                  <dgm:constr type="h" for="ch" forName="picture2" refType="h" fact="0.2113"/>
-                  <dgm:constr type="l" for="ch" forName="desTx2" refType="r" refFor="ch" refForName="parTx2"/>
-                  <dgm:constr type="r" for="ch" forName="desTx2" refType="w"/>
-                  <dgm:constr type="t" for="ch" forName="desTx2" refType="t" refFor="ch" refForName="parTx2"/>
-                  <dgm:constr type="h" for="ch" forName="desTx2" refType="h" refFor="ch" refForName="parTx2"/>
-                  <dgm:constr type="l" for="ch" forName="parTx3" refType="w" fact="0.5229"/>
-                  <dgm:constr type="t" for="ch" forName="parTx3" refType="h" fact="0.5294"/>
-                  <dgm:constr type="w" for="ch" forName="parTx3" refType="w" fact="0.294"/>
-                  <dgm:constr type="h" for="ch" forName="parTx3" refType="h" fact="0.1222"/>
-                  <dgm:constr type="ctrX" for="ch" forName="picture3" refType="w" fact="0.5095"/>
-                  <dgm:constr type="ctrY" for="ch" forName="picture3" refType="h" fact="0.5121"/>
-                  <dgm:constr type="w" for="ch" forName="picture3" refType="w" fact="0.1363"/>
-                  <dgm:constr type="h" for="ch" forName="picture3" refType="h" fact="0.2113"/>
-                  <dgm:constr type="l" for="ch" forName="desTx3" refType="r" refFor="ch" refForName="parTx3"/>
-                  <dgm:constr type="r" for="ch" forName="desTx3" refType="w"/>
-                  <dgm:constr type="t" for="ch" forName="desTx3" refType="t" refFor="ch" refForName="parTx3"/>
-                  <dgm:constr type="h" for="ch" forName="desTx3" refType="h" refFor="ch" refForName="parTx3"/>
-                  <dgm:constr type="l" for="ch" forName="parTx4" refType="w" fact="0.5722"/>
-                  <dgm:constr type="t" for="ch" forName="parTx4" refType="h" fact="0.2523"/>
-                  <dgm:constr type="w" for="ch" forName="parTx4" refType="w" fact="0.294"/>
-                  <dgm:constr type="h" for="ch" forName="parTx4" refType="h" fact="0.1222"/>
-                  <dgm:constr type="ctrX" for="ch" forName="picture4" refType="w" fact="0.5588"/>
-                  <dgm:constr type="ctrY" for="ch" forName="picture4" refType="h" fact="0.235"/>
-                  <dgm:constr type="w" for="ch" forName="picture4" refType="w" fact="0.1363"/>
-                  <dgm:constr type="h" for="ch" forName="picture4" refType="h" fact="0.2113"/>
-                  <dgm:constr type="l" for="ch" forName="desTx4" refType="r" refFor="ch" refForName="parTx4"/>
-                  <dgm:constr type="r" for="ch" forName="desTx4" refType="w"/>
-                  <dgm:constr type="t" for="ch" forName="desTx4" refType="t" refFor="ch" refForName="parTx4"/>
-                  <dgm:constr type="h" for="ch" forName="desTx4" refType="h" refFor="ch" refForName="parTx4"/>
-                </dgm:constrLst>
-              </dgm:if>
-              <dgm:else name="Name37">
-                <dgm:alg type="composite">
-                  <dgm:param type="ar" val="1.2675"/>
-                </dgm:alg>
-                <dgm:constrLst>
-                  <dgm:constr type="primFontSz" for="ch" forName="parTx1" op="equ" val="65"/>
-                  <dgm:constr type="primFontSz" for="ch" forName="parTx2" refType="primFontSz" refFor="ch" refForName="parTx1" op="equ"/>
-                  <dgm:constr type="primFontSz" for="ch" forName="parTx3" refType="primFontSz" refFor="ch" refForName="parTx1" op="equ"/>
-                  <dgm:constr type="primFontSz" for="ch" forName="parTx4" refType="primFontSz" refFor="ch" refForName="parTx1" op="equ"/>
-                  <dgm:constr type="userD" refType="w" fact="0.0167"/>
-                  <dgm:constr type="ctrX" for="ch" forName="dot1" refType="w" fact="0.3978"/>
-                  <dgm:constr type="ctrY" for="ch" forName="dot1" refType="h" fact="0.8215"/>
-                  <dgm:constr type="w" for="ch" forName="dot1" refType="userD"/>
-                  <dgm:constr type="h" for="ch" forName="dot1" refType="userD"/>
-                  <dgm:constr type="ctrX" for="ch" forName="dot2" refType="w" fact="0.3606"/>
-                  <dgm:constr type="ctrY" for="ch" forName="dot2" refType="h" fact="0.843"/>
-                  <dgm:constr type="w" for="ch" forName="dot2" refType="userD"/>
-                  <dgm:constr type="h" for="ch" forName="dot2" refType="userD"/>
-                  <dgm:constr type="ctrX" for="ch" forName="dot3" refType="w" fact="0.3223"/>
-                  <dgm:constr type="ctrY" for="ch" forName="dot3" refType="h" fact="0.8607"/>
-                  <dgm:constr type="w" for="ch" forName="dot3" refType="userD"/>
-                  <dgm:constr type="h" for="ch" forName="dot3" refType="userD"/>
-                  <dgm:constr type="ctrX" for="ch" forName="dot4" refType="w" fact="0.2829"/>
-                  <dgm:constr type="ctrY" for="ch" forName="dot4" refType="h" fact="0.8745"/>
-                  <dgm:constr type="w" for="ch" forName="dot4" refType="userD"/>
-                  <dgm:constr type="h" for="ch" forName="dot4" refType="userD"/>
-                  <dgm:constr type="ctrX" for="ch" forName="dot5" refType="w" fact="0.5717"/>
-                  <dgm:constr type="ctrY" for="ch" forName="dot5" refType="h" fact="0.6419"/>
-                  <dgm:constr type="w" for="ch" forName="dot5" refType="userD"/>
-                  <dgm:constr type="h" for="ch" forName="dot5" refType="userD"/>
-                  <dgm:constr type="ctrX" for="ch" forName="dot6" refType="w" fact="0.6709"/>
-                  <dgm:constr type="ctrY" for="ch" forName="dot6" refType="h" fact="0.3784"/>
-                  <dgm:constr type="w" for="ch" forName="dot6" refType="userD"/>
-                  <dgm:constr type="h" for="ch" forName="dot6" refType="userD"/>
-                  <dgm:constr type="ctrX" for="ch" forName="dotArrow1" refType="w" fact="0.6441"/>
-                  <dgm:constr type="ctrY" for="ch" forName="dotArrow1" refType="h" fact="0.0496"/>
-                  <dgm:constr type="w" for="ch" forName="dotArrow1" refType="userD"/>
-                  <dgm:constr type="h" for="ch" forName="dotArrow1" refType="userD"/>
-                  <dgm:constr type="ctrX" for="ch" forName="dotArrow2" refType="w" fact="0.6679"/>
-                  <dgm:constr type="ctrY" for="ch" forName="dotArrow2" refType="h" fact="0.0282"/>
-                  <dgm:constr type="w" for="ch" forName="dotArrow2" refType="userD"/>
-                  <dgm:constr type="h" for="ch" forName="dotArrow2" refType="userD"/>
-                  <dgm:constr type="ctrX" for="ch" forName="dotArrow3" refType="w" fact="0.6917"/>
-                  <dgm:constr type="ctrY" for="ch" forName="dotArrow3" refType="h" fact="0.0068"/>
-                  <dgm:constr type="w" for="ch" forName="dotArrow3" refType="userD"/>
-                  <dgm:constr type="h" for="ch" forName="dotArrow3" refType="userD"/>
-                  <dgm:constr type="ctrX" for="ch" forName="dotArrow4" refType="w" fact="0.7155"/>
-                  <dgm:constr type="ctrY" for="ch" forName="dotArrow4" refType="h" fact="0.0282"/>
-                  <dgm:constr type="w" for="ch" forName="dotArrow4" refType="userD"/>
-                  <dgm:constr type="h" for="ch" forName="dotArrow4" refType="userD"/>
-                  <dgm:constr type="ctrX" for="ch" forName="dotArrow5" refType="w" fact="0.7394"/>
-                  <dgm:constr type="ctrY" for="ch" forName="dotArrow5" refType="h" fact="0.0496"/>
-                  <dgm:constr type="w" for="ch" forName="dotArrow5" refType="userD"/>
-                  <dgm:constr type="h" for="ch" forName="dotArrow5" refType="userD"/>
-                  <dgm:constr type="ctrX" for="ch" forName="dotArrow6" refType="w" fact="0.6917"/>
-                  <dgm:constr type="ctrY" for="ch" forName="dotArrow6" refType="h" fact="0.052"/>
-                  <dgm:constr type="w" for="ch" forName="dotArrow6" refType="userD"/>
-                  <dgm:constr type="h" for="ch" forName="dotArrow6" refType="userD"/>
-                  <dgm:constr type="ctrX" for="ch" forName="dotArrow7" refType="w" fact="0.6917"/>
-                  <dgm:constr type="ctrY" for="ch" forName="dotArrow7" refType="h" fact="0.0972"/>
-                  <dgm:constr type="w" for="ch" forName="dotArrow7" refType="userD"/>
-                  <dgm:constr type="h" for="ch" forName="dotArrow7" refType="userD"/>
-                  <dgm:constr type="l" for="ch" forName="parTx1" refType="w" fact="0.1793"/>
-                  <dgm:constr type="t" for="ch" forName="parTx1" refType="h" fact="0.9064"/>
-                  <dgm:constr type="w" for="ch" forName="parTx1" refType="w" fact="0.3595"/>
-                  <dgm:constr type="h" for="ch" forName="parTx1" refType="h" fact="0.1222"/>
-                  <dgm:constr type="ctrX" for="ch" forName="picture1" refType="w" fact="0.163"/>
-                  <dgm:constr type="ctrY" for="ch" forName="picture1" refType="h" fact="0.8922"/>
-                  <dgm:constr type="w" for="ch" forName="picture1" refType="w" fact="0.1667"/>
-                  <dgm:constr type="h" for="ch" forName="picture1" refType="h" fact="0.2113"/>
-                  <dgm:constr type="l" for="ch" forName="parTx2" refType="w" fact="0.502"/>
-                  <dgm:constr type="t" for="ch" forName="parTx2" refType="h" fact="0.7589"/>
-                  <dgm:constr type="w" for="ch" forName="parTx2" refType="w" fact="0.3595"/>
-                  <dgm:constr type="h" for="ch" forName="parTx2" refType="h" fact="0.1222"/>
-                  <dgm:constr type="ctrX" for="ch" forName="picture2" refType="w" fact="0.4857"/>
-                  <dgm:constr type="ctrY" for="ch" forName="picture2" refType="h" fact="0.7447"/>
-                  <dgm:constr type="w" for="ch" forName="picture2" refType="w" fact="0.1667"/>
-                  <dgm:constr type="h" for="ch" forName="picture2" refType="h" fact="0.2113"/>
-                  <dgm:constr type="l" for="ch" forName="parTx3" refType="w" fact="0.6394"/>
-                  <dgm:constr type="t" for="ch" forName="parTx3" refType="h" fact="0.5263"/>
-                  <dgm:constr type="w" for="ch" forName="parTx3" refType="w" fact="0.3595"/>
-                  <dgm:constr type="h" for="ch" forName="parTx3" refType="h" fact="0.1222"/>
-                  <dgm:constr type="ctrX" for="ch" forName="picture3" refType="w" fact="0.6231"/>
-                  <dgm:constr type="ctrY" for="ch" forName="picture3" refType="h" fact="0.5121"/>
-                  <dgm:constr type="w" for="ch" forName="picture3" refType="w" fact="0.1667"/>
-                  <dgm:constr type="h" for="ch" forName="picture3" refType="h" fact="0.2113"/>
-                  <dgm:constr type="l" for="ch" forName="parTx4" refType="w" fact="0.6997"/>
-                  <dgm:constr type="t" for="ch" forName="parTx4" refType="h" fact="0.2492"/>
-                  <dgm:constr type="w" for="ch" forName="parTx4" refType="w" fact="0.3595"/>
-                  <dgm:constr type="h" for="ch" forName="parTx4" refType="h" fact="0.1222"/>
-                  <dgm:constr type="ctrX" for="ch" forName="picture4" refType="w" fact="0.6834"/>
-                  <dgm:constr type="ctrY" for="ch" forName="picture4" refType="h" fact="0.235"/>
-                  <dgm:constr type="w" for="ch" forName="picture4" refType="w" fact="0.1667"/>
-                  <dgm:constr type="h" for="ch" forName="picture4" refType="h" fact="0.2113"/>
-                </dgm:constrLst>
-              </dgm:else>
-            </dgm:choose>
-          </dgm:if>
-          <dgm:else name="Name38">
-            <dgm:choose name="Name39">
-              <dgm:if name="Name40" axis="des" func="maxDepth" op="gt" val="1">
-                <dgm:alg type="composite">
-                  <dgm:param type="ar" val="1.55"/>
-                </dgm:alg>
-                <dgm:constrLst>
-                  <dgm:constr type="primFontSz" for="ch" forName="parTx1" op="equ" val="65"/>
-                  <dgm:constr type="primFontSz" for="ch" forName="parTx2" refType="primFontSz" refFor="ch" refForName="parTx1" op="equ"/>
-                  <dgm:constr type="primFontSz" for="ch" forName="parTx3" refType="primFontSz" refFor="ch" refForName="parTx1" op="equ"/>
-                  <dgm:constr type="primFontSz" for="ch" forName="parTx4" refType="primFontSz" refFor="ch" refForName="parTx1" op="equ"/>
-                  <dgm:constr type="primFontSz" for="ch" forName="desTx1" op="equ" val="65"/>
-                  <dgm:constr type="primFontSz" for="ch" forName="desTx2" refType="primFontSz" refFor="ch" refForName="desTx1" op="equ"/>
-                  <dgm:constr type="primFontSz" for="ch" forName="desTx3" refType="primFontSz" refFor="ch" refForName="desTx1" op="equ"/>
-                  <dgm:constr type="primFontSz" for="ch" forName="desTx4" refType="primFontSz" refFor="ch" refForName="desTx1" op="equ"/>
-                  <dgm:constr type="userD" refType="w" fact="0.0136"/>
-                  <dgm:constr type="ctrX" for="ch" forName="dot1" refType="w" fact="0.6747"/>
-                  <dgm:constr type="ctrY" for="ch" forName="dot1" refType="h" fact="0.8215"/>
-                  <dgm:constr type="w" for="ch" forName="dot1" refType="userD"/>
-                  <dgm:constr type="h" for="ch" forName="dot1" refType="userD"/>
-                  <dgm:constr type="ctrX" for="ch" forName="dot2" refType="w" fact="0.7051"/>
-                  <dgm:constr type="ctrY" for="ch" forName="dot2" refType="h" fact="0.843"/>
-                  <dgm:constr type="w" for="ch" forName="dot2" refType="userD"/>
-                  <dgm:constr type="h" for="ch" forName="dot2" refType="userD"/>
-                  <dgm:constr type="ctrX" for="ch" forName="dot3" refType="w" fact="0.7365"/>
-                  <dgm:constr type="ctrY" for="ch" forName="dot3" refType="h" fact="0.8607"/>
-                  <dgm:constr type="w" for="ch" forName="dot3" refType="userD"/>
-                  <dgm:constr type="h" for="ch" forName="dot3" refType="userD"/>
-                  <dgm:constr type="ctrX" for="ch" forName="dot4" refType="w" fact="0.7687"/>
-                  <dgm:constr type="ctrY" for="ch" forName="dot4" refType="h" fact="0.8745"/>
-                  <dgm:constr type="w" for="ch" forName="dot4" refType="userD"/>
-                  <dgm:constr type="h" for="ch" forName="dot4" refType="userD"/>
-                  <dgm:constr type="ctrX" for="ch" forName="dot5" refType="w" fact="0.5325"/>
-                  <dgm:constr type="ctrY" for="ch" forName="dot5" refType="h" fact="0.6419"/>
-                  <dgm:constr type="w" for="ch" forName="dot5" refType="userD"/>
-                  <dgm:constr type="h" for="ch" forName="dot5" refType="userD"/>
-                  <dgm:constr type="ctrX" for="ch" forName="dot6" refType="w" fact="0.4514"/>
-                  <dgm:constr type="ctrY" for="ch" forName="dot6" refType="h" fact="0.3784"/>
-                  <dgm:constr type="w" for="ch" forName="dot6" refType="userD"/>
-                  <dgm:constr type="h" for="ch" forName="dot6" refType="userD"/>
-                  <dgm:constr type="ctrX" for="ch" forName="dotArrow1" refType="w" fact="0.4733"/>
-                  <dgm:constr type="ctrY" for="ch" forName="dotArrow1" refType="h" fact="0.0496"/>
-                  <dgm:constr type="w" for="ch" forName="dotArrow1" refType="userD"/>
-                  <dgm:constr type="h" for="ch" forName="dotArrow1" refType="userD"/>
-                  <dgm:constr type="ctrX" for="ch" forName="dotArrow2" refType="w" fact="0.4538"/>
-                  <dgm:constr type="ctrY" for="ch" forName="dotArrow2" refType="h" fact="0.0282"/>
-                  <dgm:constr type="w" for="ch" forName="dotArrow2" refType="userD"/>
-                  <dgm:constr type="h" for="ch" forName="dotArrow2" refType="userD"/>
-                  <dgm:constr type="ctrX" for="ch" forName="dotArrow3" refType="w" fact="0.4343"/>
-                  <dgm:constr type="ctrY" for="ch" forName="dotArrow3" refType="h" fact="0.0068"/>
-                  <dgm:constr type="w" for="ch" forName="dotArrow3" refType="userD"/>
-                  <dgm:constr type="h" for="ch" forName="dotArrow3" refType="userD"/>
-                  <dgm:constr type="ctrX" for="ch" forName="dotArrow4" refType="w" fact="0.4149"/>
-                  <dgm:constr type="ctrY" for="ch" forName="dotArrow4" refType="h" fact="0.0282"/>
-                  <dgm:constr type="w" for="ch" forName="dotArrow4" refType="userD"/>
-                  <dgm:constr type="h" for="ch" forName="dotArrow4" refType="userD"/>
-                  <dgm:constr type="ctrX" for="ch" forName="dotArrow5" refType="w" fact="0.3954"/>
-                  <dgm:constr type="ctrY" for="ch" forName="dotArrow5" refType="h" fact="0.0496"/>
-                  <dgm:constr type="w" for="ch" forName="dotArrow5" refType="userD"/>
-                  <dgm:constr type="h" for="ch" forName="dotArrow5" refType="userD"/>
-                  <dgm:constr type="ctrX" for="ch" forName="dotArrow6" refType="w" fact="0.4343"/>
-                  <dgm:constr type="ctrY" for="ch" forName="dotArrow6" refType="h" fact="0.052"/>
-                  <dgm:constr type="w" for="ch" forName="dotArrow6" refType="userD"/>
-                  <dgm:constr type="h" for="ch" forName="dotArrow6" refType="userD"/>
-                  <dgm:constr type="ctrX" for="ch" forName="dotArrow7" refType="w" fact="0.4343"/>
-                  <dgm:constr type="ctrY" for="ch" forName="dotArrow7" refType="h" fact="0.0972"/>
-                  <dgm:constr type="w" for="ch" forName="dotArrow7" refType="userD"/>
-                  <dgm:constr type="h" for="ch" forName="dotArrow7" refType="userD"/>
-                  <dgm:constr type="r" for="ch" forName="parTx1" refType="w" fact="0.8534"/>
-                  <dgm:constr type="t" for="ch" forName="parTx1" refType="h" fact="0.9095"/>
-                  <dgm:constr type="w" for="ch" forName="parTx1" refType="w" fact="0.294"/>
-                  <dgm:constr type="h" for="ch" forName="parTx1" refType="h" fact="0.1222"/>
-                  <dgm:constr type="ctrX" for="ch" forName="picture1" refType="w" fact="0.8667"/>
-                  <dgm:constr type="ctrY" for="ch" forName="picture1" refType="h" fact="0.8922"/>
-                  <dgm:constr type="w" for="ch" forName="picture1" refType="w" fact="0.1363"/>
-                  <dgm:constr type="h" for="ch" forName="picture1" refType="h" fact="0.2113"/>
-                  <dgm:constr type="r" for="ch" forName="desTx1" refType="l" refFor="ch" refForName="parTx1"/>
-                  <dgm:constr type="l" for="ch" forName="desTx1"/>
-                  <dgm:constr type="t" for="ch" forName="desTx1" refType="t" refFor="ch" refForName="parTx1"/>
-                  <dgm:constr type="h" for="ch" forName="desTx1" refType="h" refFor="ch" refForName="parTx1"/>
-                  <dgm:constr type="r" for="ch" forName="parTx2" refType="w" fact="0.5895"/>
-                  <dgm:constr type="t" for="ch" forName="parTx2" refType="h" fact="0.762"/>
-                  <dgm:constr type="w" for="ch" forName="parTx2" refType="w" fact="0.294"/>
-                  <dgm:constr type="h" for="ch" forName="parTx2" refType="h" fact="0.1222"/>
-                  <dgm:constr type="ctrX" for="ch" forName="picture2" refType="w" fact="0.6028"/>
-                  <dgm:constr type="ctrY" for="ch" forName="picture2" refType="h" fact="0.7447"/>
-                  <dgm:constr type="w" for="ch" forName="picture2" refType="w" fact="0.1363"/>
-                  <dgm:constr type="h" for="ch" forName="picture2" refType="h" fact="0.2113"/>
-                  <dgm:constr type="r" for="ch" forName="desTx2" refType="l" refFor="ch" refForName="parTx2"/>
-                  <dgm:constr type="l" for="ch" forName="desTx2"/>
-                  <dgm:constr type="t" for="ch" forName="desTx2" refType="t" refFor="ch" refForName="parTx2"/>
-                  <dgm:constr type="h" for="ch" forName="desTx2" refType="h" refFor="ch" refForName="parTx2"/>
-                  <dgm:constr type="r" for="ch" forName="parTx3" refType="w" fact="0.4771"/>
-                  <dgm:constr type="t" for="ch" forName="parTx3" refType="h" fact="0.5294"/>
-                  <dgm:constr type="w" for="ch" forName="parTx3" refType="w" fact="0.294"/>
-                  <dgm:constr type="h" for="ch" forName="parTx3" refType="h" fact="0.1222"/>
-                  <dgm:constr type="ctrX" for="ch" forName="picture3" refType="w" fact="0.4905"/>
-                  <dgm:constr type="ctrY" for="ch" forName="picture3" refType="h" fact="0.5121"/>
-                  <dgm:constr type="w" for="ch" forName="picture3" refType="w" fact="0.1363"/>
-                  <dgm:constr type="h" for="ch" forName="picture3" refType="h" fact="0.2113"/>
-                  <dgm:constr type="r" for="ch" forName="desTx3" refType="l" refFor="ch" refForName="parTx3"/>
-                  <dgm:constr type="l" for="ch" forName="desTx3"/>
-                  <dgm:constr type="t" for="ch" forName="desTx3" refType="t" refFor="ch" refForName="parTx3"/>
-                  <dgm:constr type="h" for="ch" forName="desTx3" refType="h" refFor="ch" refForName="parTx3"/>
-                  <dgm:constr type="r" for="ch" forName="parTx4" refType="w" fact="0.4278"/>
-                  <dgm:constr type="t" for="ch" forName="parTx4" refType="h" fact="0.2523"/>
-                  <dgm:constr type="w" for="ch" forName="parTx4" refType="w" fact="0.294"/>
-                  <dgm:constr type="h" for="ch" forName="parTx4" refType="h" fact="0.1222"/>
-                  <dgm:constr type="ctrX" for="ch" forName="picture4" refType="w" fact="0.4412"/>
-                  <dgm:constr type="ctrY" for="ch" forName="picture4" refType="h" fact="0.235"/>
-                  <dgm:constr type="w" for="ch" forName="picture4" refType="w" fact="0.1363"/>
-                  <dgm:constr type="h" for="ch" forName="picture4" refType="h" fact="0.2113"/>
-                  <dgm:constr type="r" for="ch" forName="desTx4" refType="l" refFor="ch" refForName="parTx4"/>
-                  <dgm:constr type="l" for="ch" forName="desTx4"/>
-                  <dgm:constr type="t" for="ch" forName="desTx4" refType="t" refFor="ch" refForName="parTx4"/>
-                  <dgm:constr type="h" for="ch" forName="desTx4" refType="h" refFor="ch" refForName="parTx4"/>
-                </dgm:constrLst>
-              </dgm:if>
-              <dgm:else name="Name41">
-                <dgm:alg type="composite">
-                  <dgm:param type="ar" val="1.2675"/>
-                </dgm:alg>
-                <dgm:constrLst>
-                  <dgm:constr type="primFontSz" for="ch" forName="parTx1" op="equ" val="65"/>
-                  <dgm:constr type="primFontSz" for="ch" forName="parTx2" refType="primFontSz" refFor="ch" refForName="parTx1" op="equ"/>
-                  <dgm:constr type="primFontSz" for="ch" forName="parTx3" refType="primFontSz" refFor="ch" refForName="parTx1" op="equ"/>
-                  <dgm:constr type="primFontSz" for="ch" forName="parTx4" refType="primFontSz" refFor="ch" refForName="parTx1" op="equ"/>
-                  <dgm:constr type="userD" refType="w" fact="0.0167"/>
-                  <dgm:constr type="ctrX" for="ch" forName="dot1" refType="w" fact="0.6022"/>
-                  <dgm:constr type="ctrY" for="ch" forName="dot1" refType="h" fact="0.8215"/>
-                  <dgm:constr type="w" for="ch" forName="dot1" refType="userD"/>
-                  <dgm:constr type="h" for="ch" forName="dot1" refType="userD"/>
-                  <dgm:constr type="ctrX" for="ch" forName="dot2" refType="w" fact="0.6394"/>
-                  <dgm:constr type="ctrY" for="ch" forName="dot2" refType="h" fact="0.843"/>
-                  <dgm:constr type="w" for="ch" forName="dot2" refType="userD"/>
-                  <dgm:constr type="h" for="ch" forName="dot2" refType="userD"/>
-                  <dgm:constr type="ctrX" for="ch" forName="dot3" refType="w" fact="0.6777"/>
-                  <dgm:constr type="ctrY" for="ch" forName="dot3" refType="h" fact="0.8607"/>
-                  <dgm:constr type="w" for="ch" forName="dot3" refType="userD"/>
-                  <dgm:constr type="h" for="ch" forName="dot3" refType="userD"/>
-                  <dgm:constr type="ctrX" for="ch" forName="dot4" refType="w" fact="0.7171"/>
-                  <dgm:constr type="ctrY" for="ch" forName="dot4" refType="h" fact="0.8745"/>
-                  <dgm:constr type="w" for="ch" forName="dot4" refType="userD"/>
-                  <dgm:constr type="h" for="ch" forName="dot4" refType="userD"/>
-                  <dgm:constr type="ctrX" for="ch" forName="dot5" refType="w" fact="0.4283"/>
-                  <dgm:constr type="ctrY" for="ch" forName="dot5" refType="h" fact="0.6419"/>
-                  <dgm:constr type="w" for="ch" forName="dot5" refType="userD"/>
-                  <dgm:constr type="h" for="ch" forName="dot5" refType="userD"/>
-                  <dgm:constr type="ctrX" for="ch" forName="dot6" refType="w" fact="0.3291"/>
-                  <dgm:constr type="ctrY" for="ch" forName="dot6" refType="h" fact="0.3784"/>
-                  <dgm:constr type="w" for="ch" forName="dot6" refType="userD"/>
-                  <dgm:constr type="h" for="ch" forName="dot6" refType="userD"/>
-                  <dgm:constr type="ctrX" for="ch" forName="dotArrow1" refType="w" fact="0.3559"/>
-                  <dgm:constr type="ctrY" for="ch" forName="dotArrow1" refType="h" fact="0.0496"/>
-                  <dgm:constr type="w" for="ch" forName="dotArrow1" refType="userD"/>
-                  <dgm:constr type="h" for="ch" forName="dotArrow1" refType="userD"/>
-                  <dgm:constr type="ctrX" for="ch" forName="dotArrow2" refType="w" fact="0.3321"/>
-                  <dgm:constr type="ctrY" for="ch" forName="dotArrow2" refType="h" fact="0.0282"/>
-                  <dgm:constr type="w" for="ch" forName="dotArrow2" refType="userD"/>
-                  <dgm:constr type="h" for="ch" forName="dotArrow2" refType="userD"/>
-                  <dgm:constr type="ctrX" for="ch" forName="dotArrow3" refType="w" fact="0.3083"/>
-                  <dgm:constr type="ctrY" for="ch" forName="dotArrow3" refType="h" fact="0.0068"/>
-                  <dgm:constr type="w" for="ch" forName="dotArrow3" refType="userD"/>
-                  <dgm:constr type="h" for="ch" forName="dotArrow3" refType="userD"/>
-                  <dgm:constr type="ctrX" for="ch" forName="dotArrow4" refType="w" fact="0.2845"/>
-                  <dgm:constr type="ctrY" for="ch" forName="dotArrow4" refType="h" fact="0.0282"/>
-                  <dgm:constr type="w" for="ch" forName="dotArrow4" refType="userD"/>
-                  <dgm:constr type="h" for="ch" forName="dotArrow4" refType="userD"/>
-                  <dgm:constr type="ctrX" for="ch" forName="dotArrow5" refType="w" fact="0.2606"/>
-                  <dgm:constr type="ctrY" for="ch" forName="dotArrow5" refType="h" fact="0.0496"/>
-                  <dgm:constr type="w" for="ch" forName="dotArrow5" refType="userD"/>
-                  <dgm:constr type="h" for="ch" forName="dotArrow5" refType="userD"/>
-                  <dgm:constr type="ctrX" for="ch" forName="dotArrow6" refType="w" fact="0.3083"/>
-                  <dgm:constr type="ctrY" for="ch" forName="dotArrow6" refType="h" fact="0.052"/>
-                  <dgm:constr type="w" for="ch" forName="dotArrow6" refType="userD"/>
-                  <dgm:constr type="h" for="ch" forName="dotArrow6" refType="userD"/>
-                  <dgm:constr type="ctrX" for="ch" forName="dotArrow7" refType="w" fact="0.3083"/>
-                  <dgm:constr type="ctrY" for="ch" forName="dotArrow7" refType="h" fact="0.0972"/>
-                  <dgm:constr type="w" for="ch" forName="dotArrow7" refType="userD"/>
-                  <dgm:constr type="h" for="ch" forName="dotArrow7" refType="userD"/>
-                  <dgm:constr type="r" for="ch" forName="parTx1" refType="w" fact="0.8207"/>
-                  <dgm:constr type="t" for="ch" forName="parTx1" refType="h" fact="0.9064"/>
-                  <dgm:constr type="w" for="ch" forName="parTx1" refType="w" fact="0.3595"/>
-                  <dgm:constr type="h" for="ch" forName="parTx1" refType="h" fact="0.1222"/>
-                  <dgm:constr type="ctrX" for="ch" forName="picture1" refType="w" fact="0.837"/>
-                  <dgm:constr type="ctrY" for="ch" forName="picture1" refType="h" fact="0.8922"/>
-                  <dgm:constr type="w" for="ch" forName="picture1" refType="w" fact="0.1667"/>
-                  <dgm:constr type="h" for="ch" forName="picture1" refType="h" fact="0.2113"/>
-                  <dgm:constr type="r" for="ch" forName="parTx2" refType="w" fact="0.498"/>
-                  <dgm:constr type="t" for="ch" forName="parTx2" refType="h" fact="0.7589"/>
-                  <dgm:constr type="w" for="ch" forName="parTx2" refType="w" fact="0.3595"/>
-                  <dgm:constr type="h" for="ch" forName="parTx2" refType="h" fact="0.1222"/>
-                  <dgm:constr type="ctrX" for="ch" forName="picture2" refType="w" fact="0.5143"/>
-                  <dgm:constr type="ctrY" for="ch" forName="picture2" refType="h" fact="0.7447"/>
-                  <dgm:constr type="w" for="ch" forName="picture2" refType="w" fact="0.1667"/>
-                  <dgm:constr type="h" for="ch" forName="picture2" refType="h" fact="0.2113"/>
-                  <dgm:constr type="r" for="ch" forName="parTx3" refType="w" fact="0.3606"/>
-                  <dgm:constr type="t" for="ch" forName="parTx3" refType="h" fact="0.5263"/>
-                  <dgm:constr type="w" for="ch" forName="parTx3" refType="w" fact="0.3595"/>
-                  <dgm:constr type="h" for="ch" forName="parTx3" refType="h" fact="0.1222"/>
-                  <dgm:constr type="ctrX" for="ch" forName="picture3" refType="w" fact="0.3769"/>
-                  <dgm:constr type="ctrY" for="ch" forName="picture3" refType="h" fact="0.5121"/>
-                  <dgm:constr type="w" for="ch" forName="picture3" refType="w" fact="0.1667"/>
-                  <dgm:constr type="h" for="ch" forName="picture3" refType="h" fact="0.2113"/>
-                  <dgm:constr type="r" for="ch" forName="parTx4" refType="w" fact="0.3003"/>
-                  <dgm:constr type="t" for="ch" forName="parTx4" refType="h" fact="0.2492"/>
-                  <dgm:constr type="w" for="ch" forName="parTx4" refType="w" fact="0.3595"/>
-                  <dgm:constr type="h" for="ch" forName="parTx4" refType="h" fact="0.1222"/>
-                  <dgm:constr type="ctrX" for="ch" forName="picture4" refType="w" fact="0.3166"/>
-                  <dgm:constr type="ctrY" for="ch" forName="picture4" refType="h" fact="0.235"/>
-                  <dgm:constr type="w" for="ch" forName="picture4" refType="w" fact="0.1667"/>
-                  <dgm:constr type="h" for="ch" forName="picture4" refType="h" fact="0.2113"/>
-                </dgm:constrLst>
-              </dgm:else>
-            </dgm:choose>
-          </dgm:else>
-        </dgm:choose>
-      </dgm:if>
-      <dgm:if name="Name42" axis="ch" ptType="node" func="cnt" op="equ" val="5">
-        <dgm:choose name="Name43">
-          <dgm:if name="Name44" func="var" arg="dir" op="equ" val="norm">
-            <dgm:choose name="Name45">
-              <dgm:if name="Name46" axis="des" func="maxDepth" op="gt" val="1">
-                <dgm:alg type="composite">
-                  <dgm:param type="ar" val="1.41"/>
-                </dgm:alg>
-                <dgm:constrLst>
-                  <dgm:constr type="primFontSz" for="ch" forName="parTx1" op="equ" val="65"/>
-                  <dgm:constr type="primFontSz" for="ch" forName="parTx2" refType="primFontSz" refFor="ch" refForName="parTx1" op="equ"/>
-                  <dgm:constr type="primFontSz" for="ch" forName="parTx3" refType="primFontSz" refFor="ch" refForName="parTx1" op="equ"/>
-                  <dgm:constr type="primFontSz" for="ch" forName="parTx4" refType="primFontSz" refFor="ch" refForName="parTx1" op="equ"/>
-                  <dgm:constr type="primFontSz" for="ch" forName="parTx5" refType="primFontSz" refFor="ch" refForName="parTx1" op="equ"/>
-                  <dgm:constr type="primFontSz" for="ch" forName="desTx1" op="equ" val="65"/>
-                  <dgm:constr type="primFontSz" for="ch" forName="desTx2" refType="primFontSz" refFor="ch" refForName="desTx1" op="equ"/>
-                  <dgm:constr type="primFontSz" for="ch" forName="desTx3" refType="primFontSz" refFor="ch" refForName="desTx1" op="equ"/>
-                  <dgm:constr type="primFontSz" for="ch" forName="desTx4" refType="primFontSz" refFor="ch" refForName="desTx1" op="equ"/>
-                  <dgm:constr type="primFontSz" for="ch" forName="desTx5" refType="primFontSz" refFor="ch" refForName="desTx1" op="equ"/>
-                  <dgm:constr type="userD" refType="w" fact="0.0118"/>
-                  <dgm:constr type="ctrX" for="ch" forName="dot1" refType="w" fact="0.3263"/>
-                  <dgm:constr type="ctrY" for="ch" forName="dot1" refType="h" fact="0.8674"/>
-                  <dgm:constr type="w" for="ch" forName="dot1" refType="userD"/>
-                  <dgm:constr type="h" for="ch" forName="dot1" refType="userD"/>
-                  <dgm:constr type="ctrX" for="ch" forName="dot2" refType="w" fact="0.3001"/>
-                  <dgm:constr type="ctrY" for="ch" forName="dot2" refType="h" fact="0.8824"/>
-                  <dgm:constr type="w" for="ch" forName="dot2" refType="userD"/>
-                  <dgm:constr type="h" for="ch" forName="dot2" refType="userD"/>
-                  <dgm:constr type="ctrX" for="ch" forName="dot3" refType="w" fact="0.2733"/>
-                  <dgm:constr type="ctrY" for="ch" forName="dot3" refType="h" fact="0.8948"/>
-                  <dgm:constr type="w" for="ch" forName="dot3" refType="userD"/>
-                  <dgm:constr type="h" for="ch" forName="dot3" refType="userD"/>
-                  <dgm:constr type="ctrX" for="ch" forName="dot4" refType="w" fact="0.2462"/>
-                  <dgm:constr type="ctrY" for="ch" forName="dot4" refType="h" fact="0.9044"/>
-                  <dgm:constr type="w" for="ch" forName="dot4" refType="userD"/>
-                  <dgm:constr type="h" for="ch" forName="dot4" refType="userD"/>
-                  <dgm:constr type="ctrX" for="ch" forName="dot5" refType="w" fact="0.4691"/>
-                  <dgm:constr type="ctrY" for="ch" forName="dot5" refType="h" fact="0.7222"/>
-                  <dgm:constr type="w" for="ch" forName="dot5" refType="userD"/>
-                  <dgm:constr type="h" for="ch" forName="dot5" refType="userD"/>
-                  <dgm:constr type="ctrX" for="ch" forName="dot6" refType="w" fact="0.4484"/>
-                  <dgm:constr type="ctrY" for="ch" forName="dot6" refType="h" fact="0.7518"/>
-                  <dgm:constr type="w" for="ch" forName="dot6" refType="userD"/>
-                  <dgm:constr type="h" for="ch" forName="dot6" refType="userD"/>
-                  <dgm:constr type="ctrX" for="ch" forName="dot7" refType="w" fact="0.5549"/>
-                  <dgm:constr type="ctrY" for="ch" forName="dot7" refType="h" fact="0.5422"/>
-                  <dgm:constr type="w" for="ch" forName="dot7" refType="userD"/>
-                  <dgm:constr type="h" for="ch" forName="dot7" refType="userD"/>
-                  <dgm:constr type="ctrX" for="ch" forName="dot8" refType="w" fact="0.601"/>
-                  <dgm:constr type="ctrY" for="ch" forName="dot8" refType="h" fact="0.3229"/>
-                  <dgm:constr type="w" for="ch" forName="dot8" refType="userD"/>
-                  <dgm:constr type="h" for="ch" forName="dot8" refType="userD"/>
-                  <dgm:constr type="ctrX" for="ch" forName="dotArrow1" refType="w" fact="0.5779"/>
-                  <dgm:constr type="ctrY" for="ch" forName="dotArrow1" refType="h" fact="0.0635"/>
-                  <dgm:constr type="w" for="ch" forName="dotArrow1" refType="userD"/>
-                  <dgm:constr type="h" for="ch" forName="dotArrow1" refType="userD"/>
-                  <dgm:constr type="ctrX" for="ch" forName="dotArrow2" refType="w" fact="0.5951"/>
-                  <dgm:constr type="ctrY" for="ch" forName="dotArrow2" refType="h" fact="0.0448"/>
-                  <dgm:constr type="w" for="ch" forName="dotArrow2" refType="userD"/>
-                  <dgm:constr type="h" for="ch" forName="dotArrow2" refType="userD"/>
-                  <dgm:constr type="ctrX" for="ch" forName="dotArrow3" refType="w" fact="0.6123"/>
-                  <dgm:constr type="ctrY" for="ch" forName="dotArrow3" refType="h" fact="0.026"/>
-                  <dgm:constr type="w" for="ch" forName="dotArrow3" refType="userD"/>
-                  <dgm:constr type="h" for="ch" forName="dotArrow3" refType="userD"/>
-                  <dgm:constr type="ctrX" for="ch" forName="dotArrow4" refType="w" fact="0.6295"/>
-                  <dgm:constr type="ctrY" for="ch" forName="dotArrow4" refType="h" fact="0.0448"/>
-                  <dgm:constr type="w" for="ch" forName="dotArrow4" refType="userD"/>
-                  <dgm:constr type="h" for="ch" forName="dotArrow4" refType="userD"/>
-                  <dgm:constr type="ctrX" for="ch" forName="dotArrow5" refType="w" fact="0.6467"/>
-                  <dgm:constr type="ctrY" for="ch" forName="dotArrow5" refType="h" fact="0.0635"/>
-                  <dgm:constr type="w" for="ch" forName="dotArrow5" refType="userD"/>
-                  <dgm:constr type="h" for="ch" forName="dotArrow5" refType="userD"/>
-                  <dgm:constr type="ctrX" for="ch" forName="dotArrow6" refType="w" fact="0.6123"/>
-                  <dgm:constr type="ctrY" for="ch" forName="dotArrow6" refType="h" fact="0.0656"/>
-                  <dgm:constr type="w" for="ch" forName="dotArrow6" refType="userD"/>
-                  <dgm:constr type="h" for="ch" forName="dotArrow6" refType="userD"/>
-                  <dgm:constr type="ctrX" for="ch" forName="dotArrow7" refType="w" fact="0.6123"/>
-                  <dgm:constr type="ctrY" for="ch" forName="dotArrow7" refType="h" fact="0.1052"/>
-                  <dgm:constr type="w" for="ch" forName="dotArrow7" refType="userD"/>
-                  <dgm:constr type="h" for="ch" forName="dotArrow7" refType="userD"/>
-                  <dgm:constr type="l" for="ch" forName="parTx1" refType="w" fact="0.1746"/>
-                  <dgm:constr type="t" for="ch" forName="parTx1" refType="h" fact="0.9304"/>
-                  <dgm:constr type="w" for="ch" forName="parTx1" refType="w" fact="0.2544"/>
-                  <dgm:constr type="h" for="ch" forName="parTx1" refType="h" fact="0.0962"/>
-                  <dgm:constr type="ctrX" for="ch" forName="picture1" refType="w" fact="0.1631"/>
-                  <dgm:constr type="ctrY" for="ch" forName="picture1" refType="h" fact="0.9169"/>
-                  <dgm:constr type="w" for="ch" forName="picture1" refType="w" fact="0.118"/>
-                  <dgm:constr type="h" for="ch" forName="picture1" refType="h" fact="0.1663"/>
-                  <dgm:constr type="l" for="ch" forName="desTx1" refType="r" refFor="ch" refForName="parTx1"/>
-                  <dgm:constr type="r" for="ch" forName="desTx1" refType="w"/>
-                  <dgm:constr type="t" for="ch" forName="desTx1" refType="t" refFor="ch" refForName="parTx1"/>
-                  <dgm:constr type="h" for="ch" forName="desTx1" refType="h" refFor="ch" refForName="parTx1"/>
-                  <dgm:constr type="l" for="ch" forName="parTx2" refType="w" fact="0.3982"/>
-                  <dgm:constr type="t" for="ch" forName="parTx2" refType="h" fact="0.8167"/>
-                  <dgm:constr type="w" for="ch" forName="parTx2" refType="w" fact="0.2544"/>
-                  <dgm:constr type="h" for="ch" forName="parTx2" refType="h" fact="0.0962"/>
-                  <dgm:constr type="ctrX" for="ch" forName="picture2" refType="w" fact="0.3866"/>
-                  <dgm:constr type="ctrY" for="ch" forName="picture2" refType="h" fact="0.8032"/>
-                  <dgm:constr type="w" for="ch" forName="picture2" refType="w" fact="0.118"/>
-                  <dgm:constr type="h" for="ch" forName="picture2" refType="h" fact="0.1663"/>
-                  <dgm:constr type="l" for="ch" forName="desTx2" refType="r" refFor="ch" refForName="parTx2"/>
-                  <dgm:constr type="r" for="ch" forName="desTx2" refType="w"/>
-                  <dgm:constr type="t" for="ch" forName="desTx2" refType="t" refFor="ch" refForName="parTx2"/>
-                  <dgm:constr type="h" for="ch" forName="desTx2" refType="h" refFor="ch" refForName="parTx2"/>
-                  <dgm:constr type="l" for="ch" forName="parTx3" refType="w" fact="0.5194"/>
-                  <dgm:constr type="t" for="ch" forName="parTx3" refType="h" fact="0.6524"/>
-                  <dgm:constr type="w" for="ch" forName="parTx3" refType="w" fact="0.2544"/>
-                  <dgm:constr type="h" for="ch" forName="parTx3" refType="h" fact="0.0962"/>
-                  <dgm:constr type="ctrX" for="ch" forName="picture3" refType="w" fact="0.5078"/>
-                  <dgm:constr type="ctrY" for="ch" forName="picture3" refType="h" fact="0.6389"/>
-                  <dgm:constr type="w" for="ch" forName="picture3" refType="w" fact="0.118"/>
-                  <dgm:constr type="h" for="ch" forName="picture3" refType="h" fact="0.1663"/>
-                  <dgm:constr type="l" for="ch" forName="desTx3" refType="r" refFor="ch" refForName="parTx3"/>
-                  <dgm:constr type="r" for="ch" forName="desTx3" refType="w"/>
-                  <dgm:constr type="t" for="ch" forName="desTx3" refType="t" refFor="ch" refForName="parTx3"/>
-                  <dgm:constr type="h" for="ch" forName="desTx3" refType="h" refFor="ch" refForName="parTx3"/>
-                  <dgm:constr type="l" for="ch" forName="parTx4" refType="w" fact="0.5827"/>
-                  <dgm:constr type="t" for="ch" forName="parTx4" refType="h" fact="0.4412"/>
-                  <dgm:constr type="w" for="ch" forName="parTx4" refType="w" fact="0.2544"/>
-                  <dgm:constr type="h" for="ch" forName="parTx4" refType="h" fact="0.0962"/>
-                  <dgm:constr type="ctrX" for="ch" forName="picture4" refType="w" fact="0.5712"/>
-                  <dgm:constr type="ctrY" for="ch" forName="picture4" refType="h" fact="0.4277"/>
-                  <dgm:constr type="w" for="ch" forName="picture4" refType="w" fact="0.118"/>
-                  <dgm:constr type="h" for="ch" forName="picture4" refType="h" fact="0.1663"/>
-                  <dgm:constr type="l" for="ch" forName="desTx4" refType="r" refFor="ch" refForName="parTx4"/>
-                  <dgm:constr type="r" for="ch" forName="desTx4" refType="w"/>
-                  <dgm:constr type="t" for="ch" forName="desTx4" refType="t" refFor="ch" refForName="parTx4"/>
-                  <dgm:constr type="h" for="ch" forName="desTx4" refType="h" refFor="ch" refForName="parTx4"/>
-                  <dgm:constr type="l" for="ch" forName="parTx5" refType="w" fact="0.618"/>
-                  <dgm:constr type="t" for="ch" forName="parTx5" refType="h" fact="0.2262"/>
-                  <dgm:constr type="w" for="ch" forName="parTx5" refType="w" fact="0.2544"/>
-                  <dgm:constr type="h" for="ch" forName="parTx5" refType="h" fact="0.0962"/>
-                  <dgm:constr type="ctrX" for="ch" forName="picture5" refType="w" fact="0.6064"/>
-                  <dgm:constr type="ctrY" for="ch" forName="picture5" refType="h" fact="0.2127"/>
-                  <dgm:constr type="w" for="ch" forName="picture5" refType="w" fact="0.118"/>
-                  <dgm:constr type="h" for="ch" forName="picture5" refType="h" fact="0.1663"/>
-                  <dgm:constr type="l" for="ch" forName="desTx5" refType="r" refFor="ch" refForName="parTx5"/>
-                  <dgm:constr type="r" for="ch" forName="desTx5" refType="w"/>
-                  <dgm:constr type="t" for="ch" forName="desTx5" refType="t" refFor="ch" refForName="parTx5"/>
-                  <dgm:constr type="h" for="ch" forName="desTx5" refType="h" refFor="ch" refForName="parTx5"/>
-                </dgm:constrLst>
-              </dgm:if>
-              <dgm:else name="Name47">
-                <dgm:alg type="composite">
-                  <dgm:param type="ar" val="1.1643"/>
-                </dgm:alg>
-                <dgm:constrLst>
-                  <dgm:constr type="primFontSz" for="ch" forName="parTx1" op="equ" val="65"/>
-                  <dgm:constr type="primFontSz" for="ch" forName="parTx2" refType="primFontSz" refFor="ch" refForName="parTx1" op="equ"/>
-                  <dgm:constr type="primFontSz" for="ch" forName="parTx3" refType="primFontSz" refFor="ch" refForName="parTx1" op="equ"/>
-                  <dgm:constr type="primFontSz" for="ch" forName="parTx4" refType="primFontSz" refFor="ch" refForName="parTx1" op="equ"/>
-                  <dgm:constr type="primFontSz" for="ch" forName="parTx5" refType="primFontSz" refFor="ch" refForName="parTx1" op="equ"/>
-                  <dgm:constr type="userD" refType="w" fact="0.0143"/>
-                  <dgm:constr type="ctrX" for="ch" forName="dot1" refType="w" fact="0.3951"/>
-                  <dgm:constr type="ctrY" for="ch" forName="dot1" refType="h" fact="0.8674"/>
-                  <dgm:constr type="w" for="ch" forName="dot1" refType="userD"/>
-                  <dgm:constr type="h" for="ch" forName="dot1" refType="userD"/>
-                  <dgm:constr type="ctrX" for="ch" forName="dot2" refType="w" fact="0.3634"/>
-                  <dgm:constr type="ctrY" for="ch" forName="dot2" refType="h" fact="0.8824"/>
-                  <dgm:constr type="w" for="ch" forName="dot2" refType="userD"/>
-                  <dgm:constr type="h" for="ch" forName="dot2" refType="userD"/>
-                  <dgm:constr type="ctrX" for="ch" forName="dot3" refType="w" fact="0.331"/>
-                  <dgm:constr type="ctrY" for="ch" forName="dot3" refType="h" fact="0.8948"/>
-                  <dgm:constr type="w" for="ch" forName="dot3" refType="userD"/>
-                  <dgm:constr type="h" for="ch" forName="dot3" refType="userD"/>
-                  <dgm:constr type="ctrX" for="ch" forName="dot4" refType="w" fact="0.2981"/>
-                  <dgm:constr type="ctrY" for="ch" forName="dot4" refType="h" fact="0.9044"/>
-                  <dgm:constr type="w" for="ch" forName="dot4" refType="userD"/>
-                  <dgm:constr type="h" for="ch" forName="dot4" refType="userD"/>
-                  <dgm:constr type="ctrX" for="ch" forName="dot5" refType="w" fact="0.5681"/>
-                  <dgm:constr type="ctrY" for="ch" forName="dot5" refType="h" fact="0.7222"/>
-                  <dgm:constr type="w" for="ch" forName="dot5" refType="userD"/>
-                  <dgm:constr type="h" for="ch" forName="dot5" refType="userD"/>
-                  <dgm:constr type="ctrX" for="ch" forName="dot6" refType="w" fact="0.543"/>
-                  <dgm:constr type="ctrY" for="ch" forName="dot6" refType="h" fact="0.7518"/>
-                  <dgm:constr type="w" for="ch" forName="dot6" refType="userD"/>
-                  <dgm:constr type="h" for="ch" forName="dot6" refType="userD"/>
-                  <dgm:constr type="ctrX" for="ch" forName="dot7" refType="w" fact="0.672"/>
-                  <dgm:constr type="ctrY" for="ch" forName="dot7" refType="h" fact="0.5422"/>
-                  <dgm:constr type="w" for="ch" forName="dot7" refType="userD"/>
-                  <dgm:constr type="h" for="ch" forName="dot7" refType="userD"/>
-                  <dgm:constr type="ctrX" for="ch" forName="dot8" refType="w" fact="0.7278"/>
-                  <dgm:constr type="ctrY" for="ch" forName="dot8" refType="h" fact="0.3229"/>
-                  <dgm:constr type="w" for="ch" forName="dot8" refType="userD"/>
-                  <dgm:constr type="h" for="ch" forName="dot8" refType="userD"/>
-                  <dgm:constr type="ctrX" for="ch" forName="dotArrow1" refType="w" fact="0.6999"/>
-                  <dgm:constr type="ctrY" for="ch" forName="dotArrow1" refType="h" fact="0.0635"/>
-                  <dgm:constr type="w" for="ch" forName="dotArrow1" refType="userD"/>
-                  <dgm:constr type="h" for="ch" forName="dotArrow1" refType="userD"/>
-                  <dgm:constr type="ctrX" for="ch" forName="dotArrow2" refType="w" fact="0.7207"/>
-                  <dgm:constr type="ctrY" for="ch" forName="dotArrow2" refType="h" fact="0.0448"/>
-                  <dgm:constr type="w" for="ch" forName="dotArrow2" refType="userD"/>
-                  <dgm:constr type="h" for="ch" forName="dotArrow2" refType="userD"/>
-                  <dgm:constr type="ctrX" for="ch" forName="dotArrow3" refType="w" fact="0.7415"/>
-                  <dgm:constr type="ctrY" for="ch" forName="dotArrow3" refType="h" fact="0.026"/>
-                  <dgm:constr type="w" for="ch" forName="dotArrow3" refType="userD"/>
-                  <dgm:constr type="h" for="ch" forName="dotArrow3" refType="userD"/>
-                  <dgm:constr type="ctrX" for="ch" forName="dotArrow4" refType="w" fact="0.7624"/>
-                  <dgm:constr type="ctrY" for="ch" forName="dotArrow4" refType="h" fact="0.0448"/>
-                  <dgm:constr type="w" for="ch" forName="dotArrow4" refType="userD"/>
-                  <dgm:constr type="h" for="ch" forName="dotArrow4" refType="userD"/>
-                  <dgm:constr type="ctrX" for="ch" forName="dotArrow5" refType="w" fact="0.7832"/>
-                  <dgm:constr type="ctrY" for="ch" forName="dotArrow5" refType="h" fact="0.0635"/>
-                  <dgm:constr type="w" for="ch" forName="dotArrow5" refType="userD"/>
-                  <dgm:constr type="h" for="ch" forName="dotArrow5" refType="userD"/>
-                  <dgm:constr type="ctrX" for="ch" forName="dotArrow6" refType="w" fact="0.7415"/>
-                  <dgm:constr type="ctrY" for="ch" forName="dotArrow6" refType="h" fact="0.0656"/>
-                  <dgm:constr type="w" for="ch" forName="dotArrow6" refType="userD"/>
-                  <dgm:constr type="h" for="ch" forName="dotArrow6" refType="userD"/>
-                  <dgm:constr type="ctrX" for="ch" forName="dotArrow7" refType="w" fact="0.7415"/>
-                  <dgm:constr type="ctrY" for="ch" forName="dotArrow7" refType="h" fact="0.1052"/>
-                  <dgm:constr type="w" for="ch" forName="dotArrow7" refType="userD"/>
-                  <dgm:constr type="h" for="ch" forName="dotArrow7" refType="userD"/>
-                  <dgm:constr type="l" for="ch" forName="parTx1" refType="w" fact="0.2115"/>
-                  <dgm:constr type="t" for="ch" forName="parTx1" refType="h" fact="0.928"/>
-                  <dgm:constr type="w" for="ch" forName="parTx1" refType="w" fact="0.3081"/>
-                  <dgm:constr type="h" for="ch" forName="parTx1" refType="h" fact="0.0962"/>
-                  <dgm:constr type="ctrX" for="ch" forName="picture1" refType="w" fact="0.1975"/>
-                  <dgm:constr type="ctrY" for="ch" forName="picture1" refType="h" fact="0.9169"/>
-                  <dgm:constr type="w" for="ch" forName="picture1" refType="w" fact="0.1429"/>
-                  <dgm:constr type="h" for="ch" forName="picture1" refType="h" fact="0.1663"/>
-                  <dgm:constr type="l" for="ch" forName="parTx2" refType="w" fact="0.4822"/>
-                  <dgm:constr type="t" for="ch" forName="parTx2" refType="h" fact="0.8143"/>
-                  <dgm:constr type="w" for="ch" forName="parTx2" refType="w" fact="0.3081"/>
-                  <dgm:constr type="h" for="ch" forName="parTx2" refType="h" fact="0.0962"/>
-                  <dgm:constr type="ctrX" for="ch" forName="picture2" refType="w" fact="0.4682"/>
-                  <dgm:constr type="ctrY" for="ch" forName="picture2" refType="h" fact="0.8032"/>
-                  <dgm:constr type="w" for="ch" forName="picture2" refType="w" fact="0.1429"/>
-                  <dgm:constr type="h" for="ch" forName="picture2" refType="h" fact="0.1663"/>
-                  <dgm:constr type="l" for="ch" forName="parTx3" refType="w" fact="0.629"/>
-                  <dgm:constr type="t" for="ch" forName="parTx3" refType="h" fact="0.65"/>
-                  <dgm:constr type="w" for="ch" forName="parTx3" refType="w" fact="0.3081"/>
-                  <dgm:constr type="h" for="ch" forName="parTx3" refType="h" fact="0.0962"/>
-                  <dgm:constr type="ctrX" for="ch" forName="picture3" refType="w" fact="0.615"/>
-                  <dgm:constr type="ctrY" for="ch" forName="picture3" refType="h" fact="0.6389"/>
-                  <dgm:constr type="w" for="ch" forName="picture3" refType="w" fact="0.1429"/>
-                  <dgm:constr type="h" for="ch" forName="picture3" refType="h" fact="0.1663"/>
-                  <dgm:constr type="l" for="ch" forName="parTx4" refType="w" fact="0.7057"/>
-                  <dgm:constr type="t" for="ch" forName="parTx4" refType="h" fact="0.4388"/>
-                  <dgm:constr type="w" for="ch" forName="parTx4" refType="w" fact="0.3081"/>
-                  <dgm:constr type="h" for="ch" forName="parTx4" refType="h" fact="0.0962"/>
-                  <dgm:constr type="ctrX" for="ch" forName="picture4" refType="w" fact="0.6917"/>
-                  <dgm:constr type="ctrY" for="ch" forName="picture4" refType="h" fact="0.4277"/>
-                  <dgm:constr type="w" for="ch" forName="picture4" refType="w" fact="0.1429"/>
-                  <dgm:constr type="h" for="ch" forName="picture4" refType="h" fact="0.1663"/>
-                  <dgm:constr type="l" for="ch" forName="parTx5" refType="w" fact="0.7484"/>
-                  <dgm:constr type="t" for="ch" forName="parTx5" refType="h" fact="0.2238"/>
-                  <dgm:constr type="w" for="ch" forName="parTx5" refType="w" fact="0.3081"/>
-                  <dgm:constr type="h" for="ch" forName="parTx5" refType="h" fact="0.0962"/>
-                  <dgm:constr type="ctrX" for="ch" forName="picture5" refType="w" fact="0.7344"/>
-                  <dgm:constr type="ctrY" for="ch" forName="picture5" refType="h" fact="0.2127"/>
-                  <dgm:constr type="w" for="ch" forName="picture5" refType="w" fact="0.1429"/>
-                  <dgm:constr type="h" for="ch" forName="picture5" refType="h" fact="0.1663"/>
-                </dgm:constrLst>
-              </dgm:else>
-            </dgm:choose>
-          </dgm:if>
-          <dgm:else name="Name48">
-            <dgm:choose name="Name49">
-              <dgm:if name="Name50" axis="des" func="maxDepth" op="gt" val="1">
-                <dgm:alg type="composite">
-                  <dgm:param type="ar" val="1.41"/>
-                </dgm:alg>
-                <dgm:constrLst>
-                  <dgm:constr type="primFontSz" for="ch" forName="parTx1" op="equ" val="65"/>
-                  <dgm:constr type="primFontSz" for="ch" forName="parTx2" refType="primFontSz" refFor="ch" refForName="parTx1" op="equ"/>
-                  <dgm:constr type="primFontSz" for="ch" forName="parTx3" refType="primFontSz" refFor="ch" refForName="parTx1" op="equ"/>
-                  <dgm:constr type="primFontSz" for="ch" forName="parTx4" refType="primFontSz" refFor="ch" refForName="parTx1" op="equ"/>
-                  <dgm:constr type="primFontSz" for="ch" forName="parTx5" refType="primFontSz" refFor="ch" refForName="parTx1" op="equ"/>
-                  <dgm:constr type="primFontSz" for="ch" forName="desTx1" op="equ" val="65"/>
-                  <dgm:constr type="primFontSz" for="ch" forName="desTx2" refType="primFontSz" refFor="ch" refForName="desTx1" op="equ"/>
-                  <dgm:constr type="primFontSz" for="ch" forName="desTx3" refType="primFontSz" refFor="ch" refForName="desTx1" op="equ"/>
-                  <dgm:constr type="primFontSz" for="ch" forName="desTx4" refType="primFontSz" refFor="ch" refForName="desTx1" op="equ"/>
-                  <dgm:constr type="primFontSz" for="ch" forName="desTx5" refType="primFontSz" refFor="ch" refForName="desTx1" op="equ"/>
-                  <dgm:constr type="userD" refType="w" fact="0.0118"/>
-                  <dgm:constr type="ctrX" for="ch" forName="dot1" refType="w" fact="0.6737"/>
-                  <dgm:constr type="ctrY" for="ch" forName="dot1" refType="h" fact="0.8674"/>
-                  <dgm:constr type="w" for="ch" forName="dot1" refType="userD"/>
-                  <dgm:constr type="h" for="ch" forName="dot1" refType="userD"/>
-                  <dgm:constr type="ctrX" for="ch" forName="dot2" refType="w" fact="0.6999"/>
-                  <dgm:constr type="ctrY" for="ch" forName="dot2" refType="h" fact="0.8824"/>
-                  <dgm:constr type="w" for="ch" forName="dot2" refType="userD"/>
-                  <dgm:constr type="h" for="ch" forName="dot2" refType="userD"/>
-                  <dgm:constr type="ctrX" for="ch" forName="dot3" refType="w" fact="0.7267"/>
-                  <dgm:constr type="ctrY" for="ch" forName="dot3" refType="h" fact="0.8948"/>
-                  <dgm:constr type="w" for="ch" forName="dot3" refType="userD"/>
-                  <dgm:constr type="h" for="ch" forName="dot3" refType="userD"/>
-                  <dgm:constr type="ctrX" for="ch" forName="dot4" refType="w" fact="0.7538"/>
-                  <dgm:constr type="ctrY" for="ch" forName="dot4" refType="h" fact="0.9044"/>
-                  <dgm:constr type="w" for="ch" forName="dot4" refType="userD"/>
-                  <dgm:constr type="h" for="ch" forName="dot4" refType="userD"/>
-                  <dgm:constr type="ctrX" for="ch" forName="dot5" refType="w" fact="0.5309"/>
-                  <dgm:constr type="ctrY" for="ch" forName="dot5" refType="h" fact="0.7222"/>
-                  <dgm:constr type="w" for="ch" forName="dot5" refType="userD"/>
-                  <dgm:constr type="h" for="ch" forName="dot5" refType="userD"/>
-                  <dgm:constr type="ctrX" for="ch" forName="dot6" refType="w" fact="0.5516"/>
-                  <dgm:constr type="ctrY" for="ch" forName="dot6" refType="h" fact="0.7518"/>
-                  <dgm:constr type="w" for="ch" forName="dot6" refType="userD"/>
-                  <dgm:constr type="h" for="ch" forName="dot6" refType="userD"/>
-                  <dgm:constr type="ctrX" for="ch" forName="dot7" refType="w" fact="0.4451"/>
-                  <dgm:constr type="ctrY" for="ch" forName="dot7" refType="h" fact="0.5422"/>
-                  <dgm:constr type="w" for="ch" forName="dot7" refType="userD"/>
-                  <dgm:constr type="h" for="ch" forName="dot7" refType="userD"/>
-                  <dgm:constr type="ctrX" for="ch" forName="dot8" refType="w" fact="0.399"/>
-                  <dgm:constr type="ctrY" for="ch" forName="dot8" refType="h" fact="0.3229"/>
-                  <dgm:constr type="w" for="ch" forName="dot8" refType="userD"/>
-                  <dgm:constr type="h" for="ch" forName="dot8" refType="userD"/>
-                  <dgm:constr type="ctrX" for="ch" forName="dotArrow1" refType="w" fact="0.4221"/>
-                  <dgm:constr type="ctrY" for="ch" forName="dotArrow1" refType="h" fact="0.0635"/>
-                  <dgm:constr type="w" for="ch" forName="dotArrow1" refType="userD"/>
-                  <dgm:constr type="h" for="ch" forName="dotArrow1" refType="userD"/>
-                  <dgm:constr type="ctrX" for="ch" forName="dotArrow2" refType="w" fact="0.4049"/>
-                  <dgm:constr type="ctrY" for="ch" forName="dotArrow2" refType="h" fact="0.0448"/>
-                  <dgm:constr type="w" for="ch" forName="dotArrow2" refType="userD"/>
-                  <dgm:constr type="h" for="ch" forName="dotArrow2" refType="userD"/>
-                  <dgm:constr type="ctrX" for="ch" forName="dotArrow3" refType="w" fact="0.3877"/>
-                  <dgm:constr type="ctrY" for="ch" forName="dotArrow3" refType="h" fact="0.026"/>
-                  <dgm:constr type="w" for="ch" forName="dotArrow3" refType="userD"/>
-                  <dgm:constr type="h" for="ch" forName="dotArrow3" refType="userD"/>
-                  <dgm:constr type="ctrX" for="ch" forName="dotArrow4" refType="w" fact="0.3705"/>
-                  <dgm:constr type="ctrY" for="ch" forName="dotArrow4" refType="h" fact="0.0448"/>
-                  <dgm:constr type="w" for="ch" forName="dotArrow4" refType="userD"/>
-                  <dgm:constr type="h" for="ch" forName="dotArrow4" refType="userD"/>
-                  <dgm:constr type="ctrX" for="ch" forName="dotArrow5" refType="w" fact="0.3533"/>
-                  <dgm:constr type="ctrY" for="ch" forName="dotArrow5" refType="h" fact="0.0635"/>
-                  <dgm:constr type="w" for="ch" forName="dotArrow5" refType="userD"/>
-                  <dgm:constr type="h" for="ch" forName="dotArrow5" refType="userD"/>
-                  <dgm:constr type="ctrX" for="ch" forName="dotArrow6" refType="w" fact="0.3877"/>
-                  <dgm:constr type="ctrY" for="ch" forName="dotArrow6" refType="h" fact="0.0656"/>
-                  <dgm:constr type="w" for="ch" forName="dotArrow6" refType="userD"/>
-                  <dgm:constr type="h" for="ch" forName="dotArrow6" refType="userD"/>
-                  <dgm:constr type="ctrX" for="ch" forName="dotArrow7" refType="w" fact="0.3877"/>
-                  <dgm:constr type="ctrY" for="ch" forName="dotArrow7" refType="h" fact="0.1052"/>
-                  <dgm:constr type="w" for="ch" forName="dotArrow7" refType="userD"/>
-                  <dgm:constr type="h" for="ch" forName="dotArrow7" refType="userD"/>
-                  <dgm:constr type="r" for="ch" forName="parTx1" refType="w" fact="0.8254"/>
-                  <dgm:constr type="t" for="ch" forName="parTx1" refType="h" fact="0.9304"/>
-                  <dgm:constr type="w" for="ch" forName="parTx1" refType="w" fact="0.2544"/>
-                  <dgm:constr type="h" for="ch" forName="parTx1" refType="h" fact="0.0962"/>
-                  <dgm:constr type="ctrX" for="ch" forName="picture1" refType="w" fact="0.8369"/>
-                  <dgm:constr type="ctrY" for="ch" forName="picture1" refType="h" fact="0.9169"/>
-                  <dgm:constr type="w" for="ch" forName="picture1" refType="w" fact="0.118"/>
-                  <dgm:constr type="h" for="ch" forName="picture1" refType="h" fact="0.1663"/>
-                  <dgm:constr type="r" for="ch" forName="desTx1" refType="l" refFor="ch" refForName="parTx1"/>
-                  <dgm:constr type="l" for="ch" forName="desTx1"/>
-                  <dgm:constr type="t" for="ch" forName="desTx1" refType="t" refFor="ch" refForName="parTx1"/>
-                  <dgm:constr type="h" for="ch" forName="desTx1" refType="h" refFor="ch" refForName="parTx1"/>
-                  <dgm:constr type="r" for="ch" forName="parTx2" refType="w" fact="0.6018"/>
-                  <dgm:constr type="t" for="ch" forName="parTx2" refType="h" fact="0.8167"/>
-                  <dgm:constr type="w" for="ch" forName="parTx2" refType="w" fact="0.2544"/>
-                  <dgm:constr type="h" for="ch" forName="parTx2" refType="h" fact="0.0962"/>
-                  <dgm:constr type="ctrX" for="ch" forName="picture2" refType="w" fact="0.6134"/>
-                  <dgm:constr type="ctrY" for="ch" forName="picture2" refType="h" fact="0.8032"/>
-                  <dgm:constr type="w" for="ch" forName="picture2" refType="w" fact="0.118"/>
-                  <dgm:constr type="h" for="ch" forName="picture2" refType="h" fact="0.1663"/>
-                  <dgm:constr type="r" for="ch" forName="desTx2" refType="l" refFor="ch" refForName="parTx2"/>
-                  <dgm:constr type="l" for="ch" forName="desTx2"/>
-                  <dgm:constr type="t" for="ch" forName="desTx2" refType="t" refFor="ch" refForName="parTx2"/>
-                  <dgm:constr type="h" for="ch" forName="desTx2" refType="h" refFor="ch" refForName="parTx2"/>
-                  <dgm:constr type="r" for="ch" forName="parTx3" refType="w" fact="0.4806"/>
-                  <dgm:constr type="t" for="ch" forName="parTx3" refType="h" fact="0.6524"/>
-                  <dgm:constr type="w" for="ch" forName="parTx3" refType="w" fact="0.2544"/>
-                  <dgm:constr type="h" for="ch" forName="parTx3" refType="h" fact="0.0962"/>
-                  <dgm:constr type="ctrX" for="ch" forName="picture3" refType="w" fact="0.4922"/>
-                  <dgm:constr type="ctrY" for="ch" forName="picture3" refType="h" fact="0.6389"/>
-                  <dgm:constr type="w" for="ch" forName="picture3" refType="w" fact="0.118"/>
-                  <dgm:constr type="h" for="ch" forName="picture3" refType="h" fact="0.1663"/>
-                  <dgm:constr type="r" for="ch" forName="desTx3" refType="l" refFor="ch" refForName="parTx3"/>
-                  <dgm:constr type="l" for="ch" forName="desTx3"/>
-                  <dgm:constr type="t" for="ch" forName="desTx3" refType="t" refFor="ch" refForName="parTx3"/>
-                  <dgm:constr type="h" for="ch" forName="desTx3" refType="h" refFor="ch" refForName="parTx3"/>
-                  <dgm:constr type="r" for="ch" forName="parTx4" refType="w" fact="0.4173"/>
-                  <dgm:constr type="t" for="ch" forName="parTx4" refType="h" fact="0.4412"/>
-                  <dgm:constr type="w" for="ch" forName="parTx4" refType="w" fact="0.2544"/>
-                  <dgm:constr type="h" for="ch" forName="parTx4" refType="h" fact="0.0962"/>
-                  <dgm:constr type="ctrX" for="ch" forName="picture4" refType="w" fact="0.4288"/>
-                  <dgm:constr type="ctrY" for="ch" forName="picture4" refType="h" fact="0.4277"/>
-                  <dgm:constr type="w" for="ch" forName="picture4" refType="w" fact="0.118"/>
-                  <dgm:constr type="h" for="ch" forName="picture4" refType="h" fact="0.1663"/>
-                  <dgm:constr type="r" for="ch" forName="desTx4" refType="l" refFor="ch" refForName="parTx4"/>
-                  <dgm:constr type="l" for="ch" forName="desTx4"/>
-                  <dgm:constr type="t" for="ch" forName="desTx4" refType="t" refFor="ch" refForName="parTx4"/>
-                  <dgm:constr type="h" for="ch" forName="desTx4" refType="h" refFor="ch" refForName="parTx4"/>
-                  <dgm:constr type="r" for="ch" forName="parTx5" refType="w" fact="0.382"/>
-                  <dgm:constr type="t" for="ch" forName="parTx5" refType="h" fact="0.2262"/>
-                  <dgm:constr type="w" for="ch" forName="parTx5" refType="w" fact="0.2544"/>
-                  <dgm:constr type="h" for="ch" forName="parTx5" refType="h" fact="0.0962"/>
-                  <dgm:constr type="ctrX" for="ch" forName="picture5" refType="w" fact="0.3936"/>
-                  <dgm:constr type="ctrY" for="ch" forName="picture5" refType="h" fact="0.2127"/>
-                  <dgm:constr type="w" for="ch" forName="picture5" refType="w" fact="0.118"/>
-                  <dgm:constr type="h" for="ch" forName="picture5" refType="h" fact="0.1663"/>
-                  <dgm:constr type="r" for="ch" forName="desTx5" refType="l" refFor="ch" refForName="parTx5"/>
-                  <dgm:constr type="l" for="ch" forName="desTx5"/>
-                  <dgm:constr type="t" for="ch" forName="desTx5" refType="t" refFor="ch" refForName="parTx5"/>
-                  <dgm:constr type="h" for="ch" forName="desTx5" refType="h" refFor="ch" refForName="parTx5"/>
-                </dgm:constrLst>
-              </dgm:if>
-              <dgm:else name="Name51">
-                <dgm:alg type="composite">
-                  <dgm:param type="ar" val="1.1643"/>
-                </dgm:alg>
-                <dgm:constrLst>
-                  <dgm:constr type="primFontSz" for="ch" forName="parTx1" op="equ" val="65"/>
-                  <dgm:constr type="primFontSz" for="ch" forName="parTx2" refType="primFontSz" refFor="ch" refForName="parTx1" op="equ"/>
-                  <dgm:constr type="primFontSz" for="ch" forName="parTx3" refType="primFontSz" refFor="ch" refForName="parTx1" op="equ"/>
-                  <dgm:constr type="primFontSz" for="ch" forName="parTx4" refType="primFontSz" refFor="ch" refForName="parTx1" op="equ"/>
-                  <dgm:constr type="primFontSz" for="ch" forName="parTx5" refType="primFontSz" refFor="ch" refForName="parTx1" op="equ"/>
-                  <dgm:constr type="userD" refType="w" fact="0.0143"/>
-                  <dgm:constr type="ctrX" for="ch" forName="dot1" refType="w" fact="0.6049"/>
-                  <dgm:constr type="ctrY" for="ch" forName="dot1" refType="h" fact="0.8674"/>
-                  <dgm:constr type="w" for="ch" forName="dot1" refType="userD"/>
-                  <dgm:constr type="h" for="ch" forName="dot1" refType="userD"/>
-                  <dgm:constr type="ctrX" for="ch" forName="dot2" refType="w" fact="0.6366"/>
-                  <dgm:constr type="ctrY" for="ch" forName="dot2" refType="h" fact="0.8824"/>
-                  <dgm:constr type="w" for="ch" forName="dot2" refType="userD"/>
-                  <dgm:constr type="h" for="ch" forName="dot2" refType="userD"/>
-                  <dgm:constr type="ctrX" for="ch" forName="dot3" refType="w" fact="0.669"/>
-                  <dgm:constr type="ctrY" for="ch" forName="dot3" refType="h" fact="0.8948"/>
-                  <dgm:constr type="w" for="ch" forName="dot3" refType="userD"/>
-                  <dgm:constr type="h" for="ch" forName="dot3" refType="userD"/>
-                  <dgm:constr type="ctrX" for="ch" forName="dot4" refType="w" fact="0.7019"/>
-                  <dgm:constr type="ctrY" for="ch" forName="dot4" refType="h" fact="0.9044"/>
-                  <dgm:constr type="w" for="ch" forName="dot4" refType="userD"/>
-                  <dgm:constr type="h" for="ch" forName="dot4" refType="userD"/>
-                  <dgm:constr type="ctrX" for="ch" forName="dot5" refType="w" fact="0.4319"/>
-                  <dgm:constr type="ctrY" for="ch" forName="dot5" refType="h" fact="0.7222"/>
-                  <dgm:constr type="w" for="ch" forName="dot5" refType="userD"/>
-                  <dgm:constr type="h" for="ch" forName="dot5" refType="userD"/>
-                  <dgm:constr type="ctrX" for="ch" forName="dot6" refType="w" fact="0.457"/>
-                  <dgm:constr type="ctrY" for="ch" forName="dot6" refType="h" fact="0.7518"/>
-                  <dgm:constr type="w" for="ch" forName="dot6" refType="userD"/>
-                  <dgm:constr type="h" for="ch" forName="dot6" refType="userD"/>
-                  <dgm:constr type="ctrX" for="ch" forName="dot7" refType="w" fact="0.328"/>
-                  <dgm:constr type="ctrY" for="ch" forName="dot7" refType="h" fact="0.5422"/>
-                  <dgm:constr type="w" for="ch" forName="dot7" refType="userD"/>
-                  <dgm:constr type="h" for="ch" forName="dot7" refType="userD"/>
-                  <dgm:constr type="ctrX" for="ch" forName="dot8" refType="w" fact="0.2722"/>
-                  <dgm:constr type="ctrY" for="ch" forName="dot8" refType="h" fact="0.3229"/>
-                  <dgm:constr type="w" for="ch" forName="dot8" refType="userD"/>
-                  <dgm:constr type="h" for="ch" forName="dot8" refType="userD"/>
-                  <dgm:constr type="ctrX" for="ch" forName="dotArrow1" refType="w" fact="0.3001"/>
-                  <dgm:constr type="ctrY" for="ch" forName="dotArrow1" refType="h" fact="0.0635"/>
-                  <dgm:constr type="w" for="ch" forName="dotArrow1" refType="userD"/>
-                  <dgm:constr type="h" for="ch" forName="dotArrow1" refType="userD"/>
-                  <dgm:constr type="ctrX" for="ch" forName="dotArrow2" refType="w" fact="0.2793"/>
-                  <dgm:constr type="ctrY" for="ch" forName="dotArrow2" refType="h" fact="0.0448"/>
-                  <dgm:constr type="w" for="ch" forName="dotArrow2" refType="userD"/>
-                  <dgm:constr type="h" for="ch" forName="dotArrow2" refType="userD"/>
-                  <dgm:constr type="ctrX" for="ch" forName="dotArrow3" refType="w" fact="0.2585"/>
-                  <dgm:constr type="ctrY" for="ch" forName="dotArrow3" refType="h" fact="0.026"/>
-                  <dgm:constr type="w" for="ch" forName="dotArrow3" refType="userD"/>
-                  <dgm:constr type="h" for="ch" forName="dotArrow3" refType="userD"/>
-                  <dgm:constr type="ctrX" for="ch" forName="dotArrow4" refType="w" fact="0.2376"/>
-                  <dgm:constr type="ctrY" for="ch" forName="dotArrow4" refType="h" fact="0.0448"/>
-                  <dgm:constr type="w" for="ch" forName="dotArrow4" refType="userD"/>
-                  <dgm:constr type="h" for="ch" forName="dotArrow4" refType="userD"/>
-                  <dgm:constr type="ctrX" for="ch" forName="dotArrow5" refType="w" fact="0.2168"/>
-                  <dgm:constr type="ctrY" for="ch" forName="dotArrow5" refType="h" fact="0.0635"/>
-                  <dgm:constr type="w" for="ch" forName="dotArrow5" refType="userD"/>
-                  <dgm:constr type="h" for="ch" forName="dotArrow5" refType="userD"/>
-                  <dgm:constr type="ctrX" for="ch" forName="dotArrow6" refType="w" fact="0.2585"/>
-                  <dgm:constr type="ctrY" for="ch" forName="dotArrow6" refType="h" fact="0.0656"/>
-                  <dgm:constr type="w" for="ch" forName="dotArrow6" refType="userD"/>
-                  <dgm:constr type="h" for="ch" forName="dotArrow6" refType="userD"/>
-                  <dgm:constr type="ctrX" for="ch" forName="dotArrow7" refType="w" fact="0.2585"/>
-                  <dgm:constr type="ctrY" for="ch" forName="dotArrow7" refType="h" fact="0.1052"/>
-                  <dgm:constr type="w" for="ch" forName="dotArrow7" refType="userD"/>
-                  <dgm:constr type="h" for="ch" forName="dotArrow7" refType="userD"/>
-                  <dgm:constr type="r" for="ch" forName="parTx1" refType="w" fact="0.7885"/>
-                  <dgm:constr type="t" for="ch" forName="parTx1" refType="h" fact="0.928"/>
-                  <dgm:constr type="w" for="ch" forName="parTx1" refType="w" fact="0.3081"/>
-                  <dgm:constr type="h" for="ch" forName="parTx1" refType="h" fact="0.0962"/>
-                  <dgm:constr type="ctrX" for="ch" forName="picture1" refType="w" fact="0.8025"/>
-                  <dgm:constr type="ctrY" for="ch" forName="picture1" refType="h" fact="0.9169"/>
-                  <dgm:constr type="w" for="ch" forName="picture1" refType="w" fact="0.1429"/>
-                  <dgm:constr type="h" for="ch" forName="picture1" refType="h" fact="0.1663"/>
-                  <dgm:constr type="r" for="ch" forName="parTx2" refType="w" fact="0.5178"/>
-                  <dgm:constr type="t" for="ch" forName="parTx2" refType="h" fact="0.8143"/>
-                  <dgm:constr type="w" for="ch" forName="parTx2" refType="w" fact="0.3081"/>
-                  <dgm:constr type="h" for="ch" forName="parTx2" refType="h" fact="0.0962"/>
-                  <dgm:constr type="ctrX" for="ch" forName="picture2" refType="w" fact="0.5318"/>
-                  <dgm:constr type="ctrY" for="ch" forName="picture2" refType="h" fact="0.8032"/>
-                  <dgm:constr type="w" for="ch" forName="picture2" refType="w" fact="0.1429"/>
-                  <dgm:constr type="h" for="ch" forName="picture2" refType="h" fact="0.1663"/>
-                  <dgm:constr type="r" for="ch" forName="parTx3" refType="w" fact="0.371"/>
-                  <dgm:constr type="t" for="ch" forName="parTx3" refType="h" fact="0.65"/>
-                  <dgm:constr type="w" for="ch" forName="parTx3" refType="w" fact="0.3081"/>
-                  <dgm:constr type="h" for="ch" forName="parTx3" refType="h" fact="0.0962"/>
-                  <dgm:constr type="ctrX" for="ch" forName="picture3" refType="w" fact="0.385"/>
-                  <dgm:constr type="ctrY" for="ch" forName="picture3" refType="h" fact="0.6389"/>
-                  <dgm:constr type="w" for="ch" forName="picture3" refType="w" fact="0.1429"/>
-                  <dgm:constr type="h" for="ch" forName="picture3" refType="h" fact="0.1663"/>
-                  <dgm:constr type="r" for="ch" forName="parTx4" refType="w" fact="0.2943"/>
-                  <dgm:constr type="t" for="ch" forName="parTx4" refType="h" fact="0.4388"/>
-                  <dgm:constr type="w" for="ch" forName="parTx4" refType="w" fact="0.3081"/>
-                  <dgm:constr type="h" for="ch" forName="parTx4" refType="h" fact="0.0962"/>
-                  <dgm:constr type="ctrX" for="ch" forName="picture4" refType="w" fact="0.3083"/>
-                  <dgm:constr type="ctrY" for="ch" forName="picture4" refType="h" fact="0.4277"/>
-                  <dgm:constr type="w" for="ch" forName="picture4" refType="w" fact="0.1429"/>
-                  <dgm:constr type="h" for="ch" forName="picture4" refType="h" fact="0.1663"/>
-                  <dgm:constr type="r" for="ch" forName="parTx5" refType="w" fact="0.2516"/>
-                  <dgm:constr type="t" for="ch" forName="parTx5" refType="h" fact="0.2238"/>
-                  <dgm:constr type="w" for="ch" forName="parTx5" refType="w" fact="0.3081"/>
-                  <dgm:constr type="h" for="ch" forName="parTx5" refType="h" fact="0.0962"/>
-                  <dgm:constr type="ctrX" for="ch" forName="picture5" refType="w" fact="0.2656"/>
-                  <dgm:constr type="ctrY" for="ch" forName="picture5" refType="h" fact="0.2127"/>
-                  <dgm:constr type="w" for="ch" forName="picture5" refType="w" fact="0.1429"/>
-                  <dgm:constr type="h" for="ch" forName="picture5" refType="h" fact="0.1663"/>
-                </dgm:constrLst>
-              </dgm:else>
-            </dgm:choose>
-          </dgm:else>
-        </dgm:choose>
-      </dgm:if>
-      <dgm:if name="Name52" axis="ch" ptType="node" func="cnt" op="equ" val="6">
-        <dgm:choose name="Name53">
-          <dgm:if name="Name54" func="var" arg="dir" op="equ" val="norm">
-            <dgm:choose name="Name55">
-              <dgm:if name="Name56" axis="des" func="maxDepth" op="gt" val="1">
-                <dgm:alg type="composite">
-                  <dgm:param type="ar" val="1.33"/>
-                </dgm:alg>
-                <dgm:constrLst>
-                  <dgm:constr type="primFontSz" for="ch" forName="parTx1" op="equ" val="65"/>
-                  <dgm:constr type="primFontSz" for="ch" forName="parTx2" refType="primFontSz" refFor="ch" refForName="parTx1" op="equ"/>
-                  <dgm:constr type="primFontSz" for="ch" forName="parTx3" refType="primFontSz" refFor="ch" refForName="parTx1" op="equ"/>
-                  <dgm:constr type="primFontSz" for="ch" forName="parTx4" refType="primFontSz" refFor="ch" refForName="parTx1" op="equ"/>
-                  <dgm:constr type="primFontSz" for="ch" forName="parTx5" refType="primFontSz" refFor="ch" refForName="parTx1" op="equ"/>
-                  <dgm:constr type="primFontSz" for="ch" forName="parTx6" refType="primFontSz" refFor="ch" refForName="parTx1" op="equ"/>
-                  <dgm:constr type="primFontSz" for="ch" forName="desTx1" op="equ" val="65"/>
-                  <dgm:constr type="primFontSz" for="ch" forName="desTx2" refType="primFontSz" refFor="ch" refForName="desTx1" op="equ"/>
-                  <dgm:constr type="primFontSz" for="ch" forName="desTx3" refType="primFontSz" refFor="ch" refForName="desTx1" op="equ"/>
-                  <dgm:constr type="primFontSz" for="ch" forName="desTx4" refType="primFontSz" refFor="ch" refForName="desTx1" op="equ"/>
-                  <dgm:constr type="primFontSz" for="ch" forName="desTx5" refType="primFontSz" refFor="ch" refForName="desTx1" op="equ"/>
-                  <dgm:constr type="primFontSz" for="ch" forName="desTx6" refType="primFontSz" refFor="ch" refForName="desTx1" op="equ"/>
-                  <dgm:constr type="userD" refType="w" fact="0.0105"/>
-                  <dgm:constr type="ctrX" for="ch" forName="dot1" refType="w" fact="0.3608"/>
-                  <dgm:constr type="ctrY" for="ch" forName="dot1" refType="h" fact="0.8839"/>
-                  <dgm:constr type="w" for="ch" forName="dot1" refType="userD"/>
-                  <dgm:constr type="h" for="ch" forName="dot1" refType="userD"/>
-                  <dgm:constr type="ctrX" for="ch" forName="dot2" refType="w" fact="0.3384"/>
-                  <dgm:constr type="ctrY" for="ch" forName="dot2" refType="h" fact="0.8967"/>
-                  <dgm:constr type="w" for="ch" forName="dot2" refType="userD"/>
-                  <dgm:constr type="h" for="ch" forName="dot2" refType="userD"/>
-                  <dgm:constr type="ctrX" for="ch" forName="dot3" refType="w" fact="0.3155"/>
-                  <dgm:constr type="ctrY" for="ch" forName="dot3" refType="h" fact="0.9076"/>
-                  <dgm:constr type="w" for="ch" forName="dot3" refType="userD"/>
-                  <dgm:constr type="h" for="ch" forName="dot3" refType="userD"/>
-                  <dgm:constr type="ctrX" for="ch" forName="dot4" refType="w" fact="0.2923"/>
-                  <dgm:constr type="ctrY" for="ch" forName="dot4" refType="h" fact="0.9165"/>
-                  <dgm:constr type="w" for="ch" forName="dot4" refType="userD"/>
-                  <dgm:constr type="h" for="ch" forName="dot4" refType="userD"/>
-                  <dgm:constr type="ctrX" for="ch" forName="dot5" refType="w" fact="0.2688"/>
-                  <dgm:constr type="ctrY" for="ch" forName="dot5" refType="h" fact="0.9234"/>
-                  <dgm:constr type="w" for="ch" forName="dot5" refType="userD"/>
-                  <dgm:constr type="h" for="ch" forName="dot5" refType="userD"/>
-                  <dgm:constr type="ctrX" for="ch" forName="dot6" refType="w" fact="0.4883"/>
-                  <dgm:constr type="ctrY" for="ch" forName="dot6" refType="h" fact="0.764"/>
-                  <dgm:constr type="w" for="ch" forName="dot6" refType="userD"/>
-                  <dgm:constr type="h" for="ch" forName="dot6" refType="userD"/>
-                  <dgm:constr type="ctrX" for="ch" forName="dot7" refType="w" fact="0.4695"/>
-                  <dgm:constr type="ctrY" for="ch" forName="dot7" refType="h" fact="0.7878"/>
-                  <dgm:constr type="w" for="ch" forName="dot7" refType="userD"/>
-                  <dgm:constr type="h" for="ch" forName="dot7" refType="userD"/>
-                  <dgm:constr type="ctrX" for="ch" forName="dot8" refType="w" fact="0.5696"/>
-                  <dgm:constr type="ctrY" for="ch" forName="dot8" refType="h" fact="0.6227"/>
-                  <dgm:constr type="w" for="ch" forName="dot8" refType="userD"/>
-                  <dgm:constr type="h" for="ch" forName="dot8" refType="userD"/>
-                  <dgm:constr type="ctrX" for="ch" forName="dot9" refType="w" fact="0.6247"/>
-                  <dgm:constr type="ctrY" for="ch" forName="dot9" refType="h" fact="0.4556"/>
-                  <dgm:constr type="w" for="ch" forName="dot9" refType="userD"/>
-                  <dgm:constr type="h" for="ch" forName="dot9" refType="userD"/>
-                  <dgm:constr type="ctrX" for="ch" forName="dot10" refType="w" fact="0.6509"/>
-                  <dgm:constr type="ctrY" for="ch" forName="dot10" refType="h" fact="0.2816"/>
-                  <dgm:constr type="w" for="ch" forName="dot10" refType="userD"/>
-                  <dgm:constr type="h" for="ch" forName="dot10" refType="userD"/>
-                  <dgm:constr type="ctrX" for="ch" forName="dotArrow1" refType="w" fact="0.6281"/>
-                  <dgm:constr type="ctrY" for="ch" forName="dotArrow1" refType="h" fact="0.0748"/>
-                  <dgm:constr type="w" for="ch" forName="dotArrow1" refType="userD"/>
-                  <dgm:constr type="h" for="ch" forName="dotArrow1" refType="userD"/>
-                  <dgm:constr type="ctrX" for="ch" forName="dotArrow2" refType="w" fact="0.6437"/>
-                  <dgm:constr type="ctrY" for="ch" forName="dotArrow2" refType="h" fact="0.0581"/>
-                  <dgm:constr type="w" for="ch" forName="dotArrow2" refType="userD"/>
-                  <dgm:constr type="h" for="ch" forName="dotArrow2" refType="userD"/>
-                  <dgm:constr type="ctrX" for="ch" forName="dotArrow3" refType="w" fact="0.6593"/>
-                  <dgm:constr type="ctrY" for="ch" forName="dotArrow3" refType="h" fact="0.0414"/>
-                  <dgm:constr type="w" for="ch" forName="dotArrow3" refType="userD"/>
-                  <dgm:constr type="h" for="ch" forName="dotArrow3" refType="userD"/>
-                  <dgm:constr type="ctrX" for="ch" forName="dotArrow4" refType="w" fact="0.675"/>
-                  <dgm:constr type="ctrY" for="ch" forName="dotArrow4" refType="h" fact="0.0581"/>
-                  <dgm:constr type="w" for="ch" forName="dotArrow4" refType="userD"/>
-                  <dgm:constr type="h" for="ch" forName="dotArrow4" refType="userD"/>
-                  <dgm:constr type="ctrX" for="ch" forName="dotArrow5" refType="w" fact="0.6906"/>
-                  <dgm:constr type="ctrY" for="ch" forName="dotArrow5" refType="h" fact="0.0748"/>
-                  <dgm:constr type="w" for="ch" forName="dotArrow5" refType="userD"/>
-                  <dgm:constr type="h" for="ch" forName="dotArrow5" refType="userD"/>
-                  <dgm:constr type="ctrX" for="ch" forName="dotArrow6" refType="w" fact="0.6593"/>
-                  <dgm:constr type="ctrY" for="ch" forName="dotArrow6" refType="h" fact="0.0766"/>
-                  <dgm:constr type="w" for="ch" forName="dotArrow6" refType="userD"/>
-                  <dgm:constr type="h" for="ch" forName="dotArrow6" refType="userD"/>
-                  <dgm:constr type="ctrX" for="ch" forName="dotArrow7" refType="w" fact="0.6593"/>
-                  <dgm:constr type="ctrY" for="ch" forName="dotArrow7" refType="h" fact="0.1118"/>
-                  <dgm:constr type="w" for="ch" forName="dotArrow7" refType="userD"/>
-                  <dgm:constr type="h" for="ch" forName="dotArrow7" refType="userD"/>
-                  <dgm:constr type="l" for="ch" forName="parTx1" refType="w" fact="0.2091"/>
-                  <dgm:constr type="t" for="ch" forName="parTx1" refType="h" fact="0.9433"/>
-                  <dgm:constr type="w" for="ch" forName="parTx1" refType="w" fact="0.2275"/>
-                  <dgm:constr type="h" for="ch" forName="parTx1" refType="h" fact="0.0811"/>
-                  <dgm:constr type="ctrX" for="ch" forName="picture1" refType="w" fact="0.1988"/>
-                  <dgm:constr type="ctrY" for="ch" forName="picture1" refType="h" fact="0.9322"/>
-                  <dgm:constr type="w" for="ch" forName="picture1" refType="w" fact="0.1055"/>
-                  <dgm:constr type="h" for="ch" forName="picture1" refType="h" fact="0.1403"/>
-                  <dgm:constr type="l" for="ch" forName="desTx1" refType="r" refFor="ch" refForName="parTx1"/>
-                  <dgm:constr type="r" for="ch" forName="desTx1" refType="w"/>
-                  <dgm:constr type="t" for="ch" forName="desTx1" refType="t" refFor="ch" refForName="parTx1"/>
-                  <dgm:constr type="h" for="ch" forName="desTx1" refType="h" refFor="ch" refForName="parTx1"/>
-                  <dgm:constr type="l" for="ch" forName="parTx2" refType="w" fact="0.4273"/>
-                  <dgm:constr type="t" for="ch" forName="parTx2" refType="h" fact="0.8468"/>
-                  <dgm:constr type="w" for="ch" forName="parTx2" refType="w" fact="0.2275"/>
-                  <dgm:constr type="h" for="ch" forName="parTx2" refType="h" fact="0.0811"/>
-                  <dgm:constr type="ctrX" for="ch" forName="picture2" refType="w" fact="0.4169"/>
-                  <dgm:constr type="ctrY" for="ch" forName="picture2" refType="h" fact="0.8357"/>
-                  <dgm:constr type="w" for="ch" forName="picture2" refType="w" fact="0.1055"/>
-                  <dgm:constr type="h" for="ch" forName="picture2" refType="h" fact="0.1403"/>
-                  <dgm:constr type="l" for="ch" forName="desTx2" refType="r" refFor="ch" refForName="parTx2"/>
-                  <dgm:constr type="r" for="ch" forName="desTx2" refType="w"/>
-                  <dgm:constr type="t" for="ch" forName="desTx2" refType="t" refFor="ch" refForName="parTx2"/>
-                  <dgm:constr type="h" for="ch" forName="desTx2" refType="h" refFor="ch" refForName="parTx2"/>
-                  <dgm:constr type="l" for="ch" forName="parTx3" refType="w" fact="0.5349"/>
-                  <dgm:constr type="t" for="ch" forName="parTx3" refType="h" fact="0.7023"/>
-                  <dgm:constr type="w" for="ch" forName="parTx3" refType="w" fact="0.2275"/>
-                  <dgm:constr type="h" for="ch" forName="parTx3" refType="h" fact="0.0811"/>
-                  <dgm:constr type="ctrX" for="ch" forName="picture3" refType="w" fact="0.5245"/>
-                  <dgm:constr type="ctrY" for="ch" forName="picture3" refType="h" fact="0.6912"/>
-                  <dgm:constr type="w" for="ch" forName="picture3" refType="w" fact="0.1055"/>
-                  <dgm:constr type="h" for="ch" forName="picture3" refType="h" fact="0.1403"/>
-                  <dgm:constr type="l" for="ch" forName="desTx3" refType="r" refFor="ch" refForName="parTx3"/>
-                  <dgm:constr type="r" for="ch" forName="desTx3" refType="w"/>
-                  <dgm:constr type="t" for="ch" forName="desTx3" refType="t" refFor="ch" refForName="parTx3"/>
-                  <dgm:constr type="h" for="ch" forName="desTx3" refType="h" refFor="ch" refForName="parTx3"/>
-                  <dgm:constr type="l" for="ch" forName="parTx4" refType="w" fact="0.5998"/>
-                  <dgm:constr type="t" for="ch" forName="parTx4" refType="h" fact="0.5441"/>
-                  <dgm:constr type="w" for="ch" forName="parTx4" refType="w" fact="0.2275"/>
-                  <dgm:constr type="h" for="ch" forName="parTx4" refType="h" fact="0.0811"/>
-                  <dgm:constr type="ctrX" for="ch" forName="picture4" refType="w" fact="0.5894"/>
-                  <dgm:constr type="ctrY" for="ch" forName="picture4" refType="h" fact="0.533"/>
-                  <dgm:constr type="w" for="ch" forName="picture4" refType="w" fact="0.1055"/>
-                  <dgm:constr type="h" for="ch" forName="picture4" refType="h" fact="0.1403"/>
-                  <dgm:constr type="l" for="ch" forName="desTx4" refType="r" refFor="ch" refForName="parTx4"/>
-                  <dgm:constr type="r" for="ch" forName="desTx4" refType="w"/>
-                  <dgm:constr type="t" for="ch" forName="desTx4" refType="t" refFor="ch" refForName="parTx4"/>
-                  <dgm:constr type="h" for="ch" forName="desTx4" refType="h" refFor="ch" refForName="parTx4"/>
-                  <dgm:constr type="l" for="ch" forName="parTx5" refType="w" fact="0.6416"/>
-                  <dgm:constr type="t" for="ch" forName="parTx5" refType="h" fact="0.3737"/>
-                  <dgm:constr type="w" for="ch" forName="parTx5" refType="w" fact="0.2275"/>
-                  <dgm:constr type="h" for="ch" forName="parTx5" refType="h" fact="0.0811"/>
-                  <dgm:constr type="ctrX" for="ch" forName="picture5" refType="w" fact="0.6313"/>
-                  <dgm:constr type="ctrY" for="ch" forName="picture5" refType="h" fact="0.3626"/>
-                  <dgm:constr type="w" for="ch" forName="picture5" refType="w" fact="0.1055"/>
-                  <dgm:constr type="h" for="ch" forName="picture5" refType="h" fact="0.1403"/>
-                  <dgm:constr type="l" for="ch" forName="desTx5" refType="r" refFor="ch" refForName="parTx5"/>
-                  <dgm:constr type="r" for="ch" forName="desTx5" refType="w"/>
-                  <dgm:constr type="t" for="ch" forName="desTx5" refType="t" refFor="ch" refForName="parTx5"/>
-                  <dgm:constr type="h" for="ch" forName="desTx5" refType="h" refFor="ch" refForName="parTx5"/>
-                  <dgm:constr type="l" for="ch" forName="parTx6" refType="w" fact="0.6644"/>
-                  <dgm:constr type="t" for="ch" forName="parTx6" refType="h" fact="0.2061"/>
-                  <dgm:constr type="w" for="ch" forName="parTx6" refType="w" fact="0.2275"/>
-                  <dgm:constr type="h" for="ch" forName="parTx6" refType="h" fact="0.0811"/>
-                  <dgm:constr type="ctrX" for="ch" forName="picture6" refType="w" fact="0.6541"/>
-                  <dgm:constr type="ctrY" for="ch" forName="picture6" refType="h" fact="0.195"/>
-                  <dgm:constr type="w" for="ch" forName="picture6" refType="w" fact="0.1055"/>
-                  <dgm:constr type="h" for="ch" forName="picture6" refType="h" fact="0.1403"/>
-                  <dgm:constr type="l" for="ch" forName="desTx6" refType="r" refFor="ch" refForName="parTx6"/>
-                  <dgm:constr type="r" for="ch" forName="desTx6" refType="w"/>
-                  <dgm:constr type="t" for="ch" forName="desTx6" refType="t" refFor="ch" refForName="parTx6"/>
-                  <dgm:constr type="h" for="ch" forName="desTx6" refType="h" refFor="ch" refForName="parTx6"/>
-                </dgm:constrLst>
-              </dgm:if>
-              <dgm:else name="Name57">
-                <dgm:alg type="composite">
-                  <dgm:param type="ar" val="1.1223"/>
-                </dgm:alg>
-                <dgm:constrLst>
-                  <dgm:constr type="primFontSz" for="ch" forName="parTx1" op="equ" val="65"/>
-                  <dgm:constr type="primFontSz" for="ch" forName="parTx2" refType="primFontSz" refFor="ch" refForName="parTx1" op="equ"/>
-                  <dgm:constr type="primFontSz" for="ch" forName="parTx3" refType="primFontSz" refFor="ch" refForName="parTx1" op="equ"/>
-                  <dgm:constr type="primFontSz" for="ch" forName="parTx4" refType="primFontSz" refFor="ch" refForName="parTx1" op="equ"/>
-                  <dgm:constr type="primFontSz" for="ch" forName="parTx5" refType="primFontSz" refFor="ch" refForName="parTx1" op="equ"/>
-                  <dgm:constr type="primFontSz" for="ch" forName="parTx6" refType="primFontSz" refFor="ch" refForName="parTx1" op="equ"/>
-                  <dgm:constr type="userD" refType="w" fact="0.0125"/>
-                  <dgm:constr type="ctrX" for="ch" forName="dot1" refType="w" fact="0.4276"/>
-                  <dgm:constr type="ctrY" for="ch" forName="dot1" refType="h" fact="0.8839"/>
-                  <dgm:constr type="w" for="ch" forName="dot1" refType="userD"/>
-                  <dgm:constr type="h" for="ch" forName="dot1" refType="userD"/>
-                  <dgm:constr type="ctrX" for="ch" forName="dot2" refType="w" fact="0.401"/>
-                  <dgm:constr type="ctrY" for="ch" forName="dot2" refType="h" fact="0.8967"/>
-                  <dgm:constr type="w" for="ch" forName="dot2" refType="userD"/>
-                  <dgm:constr type="h" for="ch" forName="dot2" refType="userD"/>
-                  <dgm:constr type="ctrX" for="ch" forName="dot3" refType="w" fact="0.3739"/>
-                  <dgm:constr type="ctrY" for="ch" forName="dot3" refType="h" fact="0.9076"/>
-                  <dgm:constr type="w" for="ch" forName="dot3" refType="userD"/>
-                  <dgm:constr type="h" for="ch" forName="dot3" refType="userD"/>
-                  <dgm:constr type="ctrX" for="ch" forName="dot4" refType="w" fact="0.3464"/>
-                  <dgm:constr type="ctrY" for="ch" forName="dot4" refType="h" fact="0.9165"/>
-                  <dgm:constr type="w" for="ch" forName="dot4" refType="userD"/>
-                  <dgm:constr type="h" for="ch" forName="dot4" refType="userD"/>
-                  <dgm:constr type="ctrX" for="ch" forName="dot5" refType="w" fact="0.3186"/>
-                  <dgm:constr type="ctrY" for="ch" forName="dot5" refType="h" fact="0.9234"/>
-                  <dgm:constr type="w" for="ch" forName="dot5" refType="userD"/>
-                  <dgm:constr type="h" for="ch" forName="dot5" refType="userD"/>
-                  <dgm:constr type="ctrX" for="ch" forName="dot6" refType="w" fact="0.5786"/>
-                  <dgm:constr type="ctrY" for="ch" forName="dot6" refType="h" fact="0.764"/>
-                  <dgm:constr type="w" for="ch" forName="dot6" refType="userD"/>
-                  <dgm:constr type="h" for="ch" forName="dot6" refType="userD"/>
-                  <dgm:constr type="ctrX" for="ch" forName="dot7" refType="w" fact="0.5564"/>
-                  <dgm:constr type="ctrY" for="ch" forName="dot7" refType="h" fact="0.7878"/>
-                  <dgm:constr type="w" for="ch" forName="dot7" refType="userD"/>
-                  <dgm:constr type="h" for="ch" forName="dot7" refType="userD"/>
-                  <dgm:constr type="ctrX" for="ch" forName="dot8" refType="w" fact="0.675"/>
-                  <dgm:constr type="ctrY" for="ch" forName="dot8" refType="h" fact="0.6227"/>
-                  <dgm:constr type="w" for="ch" forName="dot8" refType="userD"/>
-                  <dgm:constr type="h" for="ch" forName="dot8" refType="userD"/>
-                  <dgm:constr type="ctrX" for="ch" forName="dot9" refType="w" fact="0.7403"/>
-                  <dgm:constr type="ctrY" for="ch" forName="dot9" refType="h" fact="0.4556"/>
-                  <dgm:constr type="w" for="ch" forName="dot9" refType="userD"/>
-                  <dgm:constr type="h" for="ch" forName="dot9" refType="userD"/>
-                  <dgm:constr type="ctrX" for="ch" forName="dot10" refType="w" fact="0.7714"/>
-                  <dgm:constr type="ctrY" for="ch" forName="dot10" refType="h" fact="0.2816"/>
-                  <dgm:constr type="w" for="ch" forName="dot10" refType="userD"/>
-                  <dgm:constr type="h" for="ch" forName="dot10" refType="userD"/>
-                  <dgm:constr type="ctrX" for="ch" forName="dotArrow1" refType="w" fact="0.7443"/>
-                  <dgm:constr type="ctrY" for="ch" forName="dotArrow1" refType="h" fact="0.0748"/>
-                  <dgm:constr type="w" for="ch" forName="dotArrow1" refType="userD"/>
-                  <dgm:constr type="h" for="ch" forName="dotArrow1" refType="userD"/>
-                  <dgm:constr type="ctrX" for="ch" forName="dotArrow2" refType="w" fact="0.7628"/>
-                  <dgm:constr type="ctrY" for="ch" forName="dotArrow2" refType="h" fact="0.0581"/>
-                  <dgm:constr type="w" for="ch" forName="dotArrow2" refType="userD"/>
-                  <dgm:constr type="h" for="ch" forName="dotArrow2" refType="userD"/>
-                  <dgm:constr type="ctrX" for="ch" forName="dotArrow3" refType="w" fact="0.7814"/>
-                  <dgm:constr type="ctrY" for="ch" forName="dotArrow3" refType="h" fact="0.0414"/>
-                  <dgm:constr type="w" for="ch" forName="dotArrow3" refType="userD"/>
-                  <dgm:constr type="h" for="ch" forName="dotArrow3" refType="userD"/>
-                  <dgm:constr type="ctrX" for="ch" forName="dotArrow4" refType="w" fact="0.7999"/>
-                  <dgm:constr type="ctrY" for="ch" forName="dotArrow4" refType="h" fact="0.0581"/>
-                  <dgm:constr type="w" for="ch" forName="dotArrow4" refType="userD"/>
-                  <dgm:constr type="h" for="ch" forName="dotArrow4" refType="userD"/>
-                  <dgm:constr type="ctrX" for="ch" forName="dotArrow5" refType="w" fact="0.8184"/>
-                  <dgm:constr type="ctrY" for="ch" forName="dotArrow5" refType="h" fact="0.0748"/>
-                  <dgm:constr type="w" for="ch" forName="dotArrow5" refType="userD"/>
-                  <dgm:constr type="h" for="ch" forName="dotArrow5" refType="userD"/>
-                  <dgm:constr type="ctrX" for="ch" forName="dotArrow6" refType="w" fact="0.7814"/>
-                  <dgm:constr type="ctrY" for="ch" forName="dotArrow6" refType="h" fact="0.0766"/>
-                  <dgm:constr type="w" for="ch" forName="dotArrow6" refType="userD"/>
-                  <dgm:constr type="h" for="ch" forName="dotArrow6" refType="userD"/>
-                  <dgm:constr type="ctrX" for="ch" forName="dotArrow7" refType="w" fact="0.7814"/>
-                  <dgm:constr type="ctrY" for="ch" forName="dotArrow7" refType="h" fact="0.1118"/>
-                  <dgm:constr type="w" for="ch" forName="dotArrow7" refType="userD"/>
-                  <dgm:constr type="h" for="ch" forName="dotArrow7" refType="userD"/>
-                  <dgm:constr type="l" for="ch" forName="parTx1" refType="w" fact="0.2479"/>
-                  <dgm:constr type="t" for="ch" forName="parTx1" refType="h" fact="0.9416"/>
-                  <dgm:constr type="w" for="ch" forName="parTx1" refType="w" fact="0.2696"/>
-                  <dgm:constr type="h" for="ch" forName="parTx1" refType="h" fact="0.0811"/>
-                  <dgm:constr type="ctrX" for="ch" forName="picture1" refType="w" fact="0.2356"/>
-                  <dgm:constr type="ctrY" for="ch" forName="picture1" refType="h" fact="0.9322"/>
-                  <dgm:constr type="w" for="ch" forName="picture1" refType="w" fact="0.125"/>
-                  <dgm:constr type="h" for="ch" forName="picture1" refType="h" fact="0.1403"/>
-                  <dgm:constr type="l" for="ch" forName="parTx2" refType="w" fact="0.5064"/>
-                  <dgm:constr type="t" for="ch" forName="parTx2" refType="h" fact="0.8451"/>
-                  <dgm:constr type="w" for="ch" forName="parTx2" refType="w" fact="0.2696"/>
-                  <dgm:constr type="h" for="ch" forName="parTx2" refType="h" fact="0.0811"/>
-                  <dgm:constr type="ctrX" for="ch" forName="picture2" refType="w" fact="0.4941"/>
-                  <dgm:constr type="ctrY" for="ch" forName="picture2" refType="h" fact="0.8357"/>
-                  <dgm:constr type="w" for="ch" forName="picture2" refType="w" fact="0.125"/>
-                  <dgm:constr type="h" for="ch" forName="picture2" refType="h" fact="0.1403"/>
-                  <dgm:constr type="l" for="ch" forName="parTx3" refType="w" fact="0.6339"/>
-                  <dgm:constr type="t" for="ch" forName="parTx3" refType="h" fact="0.7006"/>
-                  <dgm:constr type="w" for="ch" forName="parTx3" refType="w" fact="0.2696"/>
-                  <dgm:constr type="h" for="ch" forName="parTx3" refType="h" fact="0.0811"/>
-                  <dgm:constr type="ctrX" for="ch" forName="picture3" refType="w" fact="0.6216"/>
-                  <dgm:constr type="ctrY" for="ch" forName="picture3" refType="h" fact="0.6912"/>
-                  <dgm:constr type="w" for="ch" forName="picture3" refType="w" fact="0.125"/>
-                  <dgm:constr type="h" for="ch" forName="picture3" refType="h" fact="0.1403"/>
-                  <dgm:constr type="l" for="ch" forName="parTx4" refType="w" fact="0.7108"/>
-                  <dgm:constr type="t" for="ch" forName="parTx4" refType="h" fact="0.5424"/>
-                  <dgm:constr type="w" for="ch" forName="parTx4" refType="w" fact="0.2696"/>
-                  <dgm:constr type="h" for="ch" forName="parTx4" refType="h" fact="0.0811"/>
-                  <dgm:constr type="ctrX" for="ch" forName="picture4" refType="w" fact="0.6985"/>
-                  <dgm:constr type="ctrY" for="ch" forName="picture4" refType="h" fact="0.533"/>
-                  <dgm:constr type="w" for="ch" forName="picture4" refType="w" fact="0.125"/>
-                  <dgm:constr type="h" for="ch" forName="picture4" refType="h" fact="0.1403"/>
-                  <dgm:constr type="l" for="ch" forName="parTx5" refType="w" fact="0.7604"/>
-                  <dgm:constr type="t" for="ch" forName="parTx5" refType="h" fact="0.372"/>
-                  <dgm:constr type="w" for="ch" forName="parTx5" refType="w" fact="0.2696"/>
-                  <dgm:constr type="h" for="ch" forName="parTx5" refType="h" fact="0.0811"/>
-                  <dgm:constr type="ctrX" for="ch" forName="picture5" refType="w" fact="0.7481"/>
-                  <dgm:constr type="ctrY" for="ch" forName="picture5" refType="h" fact="0.3626"/>
-                  <dgm:constr type="w" for="ch" forName="picture5" refType="w" fact="0.125"/>
-                  <dgm:constr type="h" for="ch" forName="picture5" refType="h" fact="0.1403"/>
-                  <dgm:constr type="l" for="ch" forName="parTx6" refType="w" fact="0.7874"/>
-                  <dgm:constr type="t" for="ch" forName="parTx6" refType="h" fact="0.2044"/>
-                  <dgm:constr type="w" for="ch" forName="parTx6" refType="w" fact="0.2696"/>
-                  <dgm:constr type="h" for="ch" forName="parTx6" refType="h" fact="0.0811"/>
-                  <dgm:constr type="ctrX" for="ch" forName="picture6" refType="w" fact="0.7751"/>
-                  <dgm:constr type="ctrY" for="ch" forName="picture6" refType="h" fact="0.195"/>
-                  <dgm:constr type="w" for="ch" forName="picture6" refType="w" fact="0.125"/>
-                  <dgm:constr type="h" for="ch" forName="picture6" refType="h" fact="0.1403"/>
-                </dgm:constrLst>
-              </dgm:else>
-            </dgm:choose>
-          </dgm:if>
-          <dgm:else name="Name58">
-            <dgm:choose name="Name59">
-              <dgm:if name="Name60" axis="des" func="maxDepth" op="gt" val="1">
-                <dgm:alg type="composite">
-                  <dgm:param type="ar" val="1.33"/>
-                </dgm:alg>
-                <dgm:constrLst>
-                  <dgm:constr type="primFontSz" for="ch" forName="parTx1" op="equ" val="65"/>
-                  <dgm:constr type="primFontSz" for="ch" forName="parTx2" refType="primFontSz" refFor="ch" refForName="parTx1" op="equ"/>
-                  <dgm:constr type="primFontSz" for="ch" forName="parTx3" refType="primFontSz" refFor="ch" refForName="parTx1" op="equ"/>
-                  <dgm:constr type="primFontSz" for="ch" forName="parTx4" refType="primFontSz" refFor="ch" refForName="parTx1" op="equ"/>
-                  <dgm:constr type="primFontSz" for="ch" forName="parTx5" refType="primFontSz" refFor="ch" refForName="parTx1" op="equ"/>
-                  <dgm:constr type="primFontSz" for="ch" forName="parTx6" refType="primFontSz" refFor="ch" refForName="parTx1" op="equ"/>
-                  <dgm:constr type="primFontSz" for="ch" forName="desTx1" op="equ" val="65"/>
-                  <dgm:constr type="primFontSz" for="ch" forName="desTx2" refType="primFontSz" refFor="ch" refForName="desTx1" op="equ"/>
-                  <dgm:constr type="primFontSz" for="ch" forName="desTx3" refType="primFontSz" refFor="ch" refForName="desTx1" op="equ"/>
-                  <dgm:constr type="primFontSz" for="ch" forName="desTx4" refType="primFontSz" refFor="ch" refForName="desTx1" op="equ"/>
-                  <dgm:constr type="primFontSz" for="ch" forName="desTx5" refType="primFontSz" refFor="ch" refForName="desTx1" op="equ"/>
-                  <dgm:constr type="primFontSz" for="ch" forName="desTx6" refType="primFontSz" refFor="ch" refForName="desTx1" op="equ"/>
-                  <dgm:constr type="userD" refType="w" fact="0.0105"/>
-                  <dgm:constr type="ctrX" for="ch" forName="dot1" refType="w" fact="0.6392"/>
-                  <dgm:constr type="ctrY" for="ch" forName="dot1" refType="h" fact="0.8839"/>
-                  <dgm:constr type="w" for="ch" forName="dot1" refType="userD"/>
-                  <dgm:constr type="h" for="ch" forName="dot1" refType="userD"/>
-                  <dgm:constr type="ctrX" for="ch" forName="dot2" refType="w" fact="0.6616"/>
-                  <dgm:constr type="ctrY" for="ch" forName="dot2" refType="h" fact="0.8967"/>
-                  <dgm:constr type="w" for="ch" forName="dot2" refType="userD"/>
-                  <dgm:constr type="h" for="ch" forName="dot2" refType="userD"/>
-                  <dgm:constr type="ctrX" for="ch" forName="dot3" refType="w" fact="0.6845"/>
-                  <dgm:constr type="ctrY" for="ch" forName="dot3" refType="h" fact="0.9076"/>
-                  <dgm:constr type="w" for="ch" forName="dot3" refType="userD"/>
-                  <dgm:constr type="h" for="ch" forName="dot3" refType="userD"/>
-                  <dgm:constr type="ctrX" for="ch" forName="dot4" refType="w" fact="0.7077"/>
-                  <dgm:constr type="ctrY" for="ch" forName="dot4" refType="h" fact="0.9165"/>
-                  <dgm:constr type="w" for="ch" forName="dot4" refType="userD"/>
-                  <dgm:constr type="h" for="ch" forName="dot4" refType="userD"/>
-                  <dgm:constr type="ctrX" for="ch" forName="dot5" refType="w" fact="0.7312"/>
-                  <dgm:constr type="ctrY" for="ch" forName="dot5" refType="h" fact="0.9234"/>
-                  <dgm:constr type="w" for="ch" forName="dot5" refType="userD"/>
-                  <dgm:constr type="h" for="ch" forName="dot5" refType="userD"/>
-                  <dgm:constr type="ctrX" for="ch" forName="dot6" refType="w" fact="0.5117"/>
-                  <dgm:constr type="ctrY" for="ch" forName="dot6" refType="h" fact="0.764"/>
-                  <dgm:constr type="w" for="ch" forName="dot6" refType="userD"/>
-                  <dgm:constr type="h" for="ch" forName="dot6" refType="userD"/>
-                  <dgm:constr type="ctrX" for="ch" forName="dot7" refType="w" fact="0.5305"/>
-                  <dgm:constr type="ctrY" for="ch" forName="dot7" refType="h" fact="0.7878"/>
-                  <dgm:constr type="w" for="ch" forName="dot7" refType="userD"/>
-                  <dgm:constr type="h" for="ch" forName="dot7" refType="userD"/>
-                  <dgm:constr type="ctrX" for="ch" forName="dot8" refType="w" fact="0.4304"/>
-                  <dgm:constr type="ctrY" for="ch" forName="dot8" refType="h" fact="0.6227"/>
-                  <dgm:constr type="w" for="ch" forName="dot8" refType="userD"/>
-                  <dgm:constr type="h" for="ch" forName="dot8" refType="userD"/>
-                  <dgm:constr type="ctrX" for="ch" forName="dot9" refType="w" fact="0.3753"/>
-                  <dgm:constr type="ctrY" for="ch" forName="dot9" refType="h" fact="0.4556"/>
-                  <dgm:constr type="w" for="ch" forName="dot9" refType="userD"/>
-                  <dgm:constr type="h" for="ch" forName="dot9" refType="userD"/>
-                  <dgm:constr type="ctrX" for="ch" forName="dot10" refType="w" fact="0.3491"/>
-                  <dgm:constr type="ctrY" for="ch" forName="dot10" refType="h" fact="0.2816"/>
-                  <dgm:constr type="w" for="ch" forName="dot10" refType="userD"/>
-                  <dgm:constr type="h" for="ch" forName="dot10" refType="userD"/>
-                  <dgm:constr type="ctrX" for="ch" forName="dotArrow1" refType="w" fact="0.3719"/>
-                  <dgm:constr type="ctrY" for="ch" forName="dotArrow1" refType="h" fact="0.0748"/>
-                  <dgm:constr type="w" for="ch" forName="dotArrow1" refType="userD"/>
-                  <dgm:constr type="h" for="ch" forName="dotArrow1" refType="userD"/>
-                  <dgm:constr type="ctrX" for="ch" forName="dotArrow2" refType="w" fact="0.3563"/>
-                  <dgm:constr type="ctrY" for="ch" forName="dotArrow2" refType="h" fact="0.0581"/>
-                  <dgm:constr type="w" for="ch" forName="dotArrow2" refType="userD"/>
-                  <dgm:constr type="h" for="ch" forName="dotArrow2" refType="userD"/>
-                  <dgm:constr type="ctrX" for="ch" forName="dotArrow3" refType="w" fact="0.3407"/>
-                  <dgm:constr type="ctrY" for="ch" forName="dotArrow3" refType="h" fact="0.0414"/>
-                  <dgm:constr type="w" for="ch" forName="dotArrow3" refType="userD"/>
-                  <dgm:constr type="h" for="ch" forName="dotArrow3" refType="userD"/>
-                  <dgm:constr type="ctrX" for="ch" forName="dotArrow4" refType="w" fact="0.325"/>
-                  <dgm:constr type="ctrY" for="ch" forName="dotArrow4" refType="h" fact="0.0581"/>
-                  <dgm:constr type="w" for="ch" forName="dotArrow4" refType="userD"/>
-                  <dgm:constr type="h" for="ch" forName="dotArrow4" refType="userD"/>
-                  <dgm:constr type="ctrX" for="ch" forName="dotArrow5" refType="w" fact="0.3094"/>
-                  <dgm:constr type="ctrY" for="ch" forName="dotArrow5" refType="h" fact="0.0748"/>
-                  <dgm:constr type="w" for="ch" forName="dotArrow5" refType="userD"/>
-                  <dgm:constr type="h" for="ch" forName="dotArrow5" refType="userD"/>
-                  <dgm:constr type="ctrX" for="ch" forName="dotArrow6" refType="w" fact="0.3407"/>
-                  <dgm:constr type="ctrY" for="ch" forName="dotArrow6" refType="h" fact="0.0766"/>
-                  <dgm:constr type="w" for="ch" forName="dotArrow6" refType="userD"/>
-                  <dgm:constr type="h" for="ch" forName="dotArrow6" refType="userD"/>
-                  <dgm:constr type="ctrX" for="ch" forName="dotArrow7" refType="w" fact="0.3407"/>
-                  <dgm:constr type="ctrY" for="ch" forName="dotArrow7" refType="h" fact="0.1118"/>
-                  <dgm:constr type="w" for="ch" forName="dotArrow7" refType="userD"/>
-                  <dgm:constr type="h" for="ch" forName="dotArrow7" refType="userD"/>
-                  <dgm:constr type="r" for="ch" forName="parTx1" refType="w" fact="0.7909"/>
-                  <dgm:constr type="t" for="ch" forName="parTx1" refType="h" fact="0.9433"/>
-                  <dgm:constr type="w" for="ch" forName="parTx1" refType="w" fact="0.2275"/>
-                  <dgm:constr type="h" for="ch" forName="parTx1" refType="h" fact="0.0811"/>
-                  <dgm:constr type="ctrX" for="ch" forName="picture1" refType="w" fact="0.8012"/>
-                  <dgm:constr type="ctrY" for="ch" forName="picture1" refType="h" fact="0.9322"/>
-                  <dgm:constr type="w" for="ch" forName="picture1" refType="w" fact="0.1055"/>
-                  <dgm:constr type="h" for="ch" forName="picture1" refType="h" fact="0.1403"/>
-                  <dgm:constr type="r" for="ch" forName="desTx1" refType="l" refFor="ch" refForName="parTx1"/>
-                  <dgm:constr type="l" for="ch" forName="desTx1"/>
-                  <dgm:constr type="t" for="ch" forName="desTx1" refType="t" refFor="ch" refForName="parTx1"/>
-                  <dgm:constr type="h" for="ch" forName="desTx1" refType="h" refFor="ch" refForName="parTx1"/>
-                  <dgm:constr type="r" for="ch" forName="parTx2" refType="w" fact="0.5727"/>
-                  <dgm:constr type="t" for="ch" forName="parTx2" refType="h" fact="0.8468"/>
-                  <dgm:constr type="w" for="ch" forName="parTx2" refType="w" fact="0.2275"/>
-                  <dgm:constr type="h" for="ch" forName="parTx2" refType="h" fact="0.0811"/>
-                  <dgm:constr type="ctrX" for="ch" forName="picture2" refType="w" fact="0.5831"/>
-                  <dgm:constr type="ctrY" for="ch" forName="picture2" refType="h" fact="0.8357"/>
-                  <dgm:constr type="w" for="ch" forName="picture2" refType="w" fact="0.1055"/>
-                  <dgm:constr type="h" for="ch" forName="picture2" refType="h" fact="0.1403"/>
-                  <dgm:constr type="r" for="ch" forName="desTx2" refType="l" refFor="ch" refForName="parTx2"/>
-                  <dgm:constr type="l" for="ch" forName="desTx2"/>
-                  <dgm:constr type="t" for="ch" forName="desTx2" refType="t" refFor="ch" refForName="parTx2"/>
-                  <dgm:constr type="h" for="ch" forName="desTx2" refType="h" refFor="ch" refForName="parTx2"/>
-                  <dgm:constr type="r" for="ch" forName="parTx3" refType="w" fact="0.4651"/>
-                  <dgm:constr type="t" for="ch" forName="parTx3" refType="h" fact="0.7023"/>
-                  <dgm:constr type="w" for="ch" forName="parTx3" refType="w" fact="0.2275"/>
-                  <dgm:constr type="h" for="ch" forName="parTx3" refType="h" fact="0.0811"/>
-                  <dgm:constr type="ctrX" for="ch" forName="picture3" refType="w" fact="0.4755"/>
-                  <dgm:constr type="ctrY" for="ch" forName="picture3" refType="h" fact="0.6912"/>
-                  <dgm:constr type="w" for="ch" forName="picture3" refType="w" fact="0.1055"/>
-                  <dgm:constr type="h" for="ch" forName="picture3" refType="h" fact="0.1403"/>
-                  <dgm:constr type="r" for="ch" forName="desTx3" refType="l" refFor="ch" refForName="parTx3"/>
-                  <dgm:constr type="l" for="ch" forName="desTx3"/>
-                  <dgm:constr type="t" for="ch" forName="desTx3" refType="t" refFor="ch" refForName="parTx3"/>
-                  <dgm:constr type="h" for="ch" forName="desTx3" refType="h" refFor="ch" refForName="parTx3"/>
-                  <dgm:constr type="r" for="ch" forName="parTx4" refType="w" fact="0.4002"/>
-                  <dgm:constr type="t" for="ch" forName="parTx4" refType="h" fact="0.5441"/>
-                  <dgm:constr type="w" for="ch" forName="parTx4" refType="w" fact="0.2275"/>
-                  <dgm:constr type="h" for="ch" forName="parTx4" refType="h" fact="0.0811"/>
-                  <dgm:constr type="ctrX" for="ch" forName="picture4" refType="w" fact="0.4106"/>
-                  <dgm:constr type="ctrY" for="ch" forName="picture4" refType="h" fact="0.533"/>
-                  <dgm:constr type="w" for="ch" forName="picture4" refType="w" fact="0.1055"/>
-                  <dgm:constr type="h" for="ch" forName="picture4" refType="h" fact="0.1403"/>
-                  <dgm:constr type="r" for="ch" forName="desTx4" refType="l" refFor="ch" refForName="parTx4"/>
-                  <dgm:constr type="l" for="ch" forName="desTx4"/>
-                  <dgm:constr type="t" for="ch" forName="desTx4" refType="t" refFor="ch" refForName="parTx4"/>
-                  <dgm:constr type="h" for="ch" forName="desTx4" refType="h" refFor="ch" refForName="parTx4"/>
-                  <dgm:constr type="r" for="ch" forName="parTx5" refType="w" fact="0.3584"/>
-                  <dgm:constr type="t" for="ch" forName="parTx5" refType="h" fact="0.3737"/>
-                  <dgm:constr type="w" for="ch" forName="parTx5" refType="w" fact="0.2275"/>
-                  <dgm:constr type="h" for="ch" forName="parTx5" refType="h" fact="0.0811"/>
-                  <dgm:constr type="ctrX" for="ch" forName="picture5" refType="w" fact="0.3687"/>
-                  <dgm:constr type="ctrY" for="ch" forName="picture5" refType="h" fact="0.3626"/>
-                  <dgm:constr type="w" for="ch" forName="picture5" refType="w" fact="0.1055"/>
-                  <dgm:constr type="h" for="ch" forName="picture5" refType="h" fact="0.1403"/>
-                  <dgm:constr type="r" for="ch" forName="desTx5" refType="l" refFor="ch" refForName="parTx5"/>
-                  <dgm:constr type="l" for="ch" forName="desTx5"/>
-                  <dgm:constr type="t" for="ch" forName="desTx5" refType="t" refFor="ch" refForName="parTx5"/>
-                  <dgm:constr type="h" for="ch" forName="desTx5" refType="h" refFor="ch" refForName="parTx5"/>
-                  <dgm:constr type="r" for="ch" forName="parTx6" refType="w" fact="0.3356"/>
-                  <dgm:constr type="t" for="ch" forName="parTx6" refType="h" fact="0.2061"/>
-                  <dgm:constr type="w" for="ch" forName="parTx6" refType="w" fact="0.2275"/>
-                  <dgm:constr type="h" for="ch" forName="parTx6" refType="h" fact="0.0811"/>
-                  <dgm:constr type="ctrX" for="ch" forName="picture6" refType="w" fact="0.3459"/>
-                  <dgm:constr type="ctrY" for="ch" forName="picture6" refType="h" fact="0.195"/>
-                  <dgm:constr type="w" for="ch" forName="picture6" refType="w" fact="0.1055"/>
-                  <dgm:constr type="h" for="ch" forName="picture6" refType="h" fact="0.1403"/>
-                  <dgm:constr type="r" for="ch" forName="desTx6" refType="l" refFor="ch" refForName="parTx6"/>
-                  <dgm:constr type="l" for="ch" forName="desTx6"/>
-                  <dgm:constr type="t" for="ch" forName="desTx6" refType="t" refFor="ch" refForName="parTx6"/>
-                  <dgm:constr type="h" for="ch" forName="desTx6" refType="h" refFor="ch" refForName="parTx6"/>
-                </dgm:constrLst>
-              </dgm:if>
-              <dgm:else name="Name61">
-                <dgm:alg type="composite">
-                  <dgm:param type="ar" val="1.1223"/>
-                </dgm:alg>
-                <dgm:constrLst>
-                  <dgm:constr type="primFontSz" for="ch" forName="parTx1" op="equ" val="65"/>
-                  <dgm:constr type="primFontSz" for="ch" forName="parTx2" refType="primFontSz" refFor="ch" refForName="parTx1" op="equ"/>
-                  <dgm:constr type="primFontSz" for="ch" forName="parTx3" refType="primFontSz" refFor="ch" refForName="parTx1" op="equ"/>
-                  <dgm:constr type="primFontSz" for="ch" forName="parTx4" refType="primFontSz" refFor="ch" refForName="parTx1" op="equ"/>
-                  <dgm:constr type="primFontSz" for="ch" forName="parTx5" refType="primFontSz" refFor="ch" refForName="parTx1" op="equ"/>
-                  <dgm:constr type="primFontSz" for="ch" forName="parTx6" refType="primFontSz" refFor="ch" refForName="parTx1" op="equ"/>
-                  <dgm:constr type="userD" refType="w" fact="0.0125"/>
-                  <dgm:constr type="ctrX" for="ch" forName="dot1" refType="w" fact="0.5724"/>
-                  <dgm:constr type="ctrY" for="ch" forName="dot1" refType="h" fact="0.8839"/>
-                  <dgm:constr type="w" for="ch" forName="dot1" refType="userD"/>
-                  <dgm:constr type="h" for="ch" forName="dot1" refType="userD"/>
-                  <dgm:constr type="ctrX" for="ch" forName="dot2" refType="w" fact="0.599"/>
-                  <dgm:constr type="ctrY" for="ch" forName="dot2" refType="h" fact="0.8967"/>
-                  <dgm:constr type="w" for="ch" forName="dot2" refType="userD"/>
-                  <dgm:constr type="h" for="ch" forName="dot2" refType="userD"/>
-                  <dgm:constr type="ctrX" for="ch" forName="dot3" refType="w" fact="0.6261"/>
-                  <dgm:constr type="ctrY" for="ch" forName="dot3" refType="h" fact="0.9076"/>
-                  <dgm:constr type="w" for="ch" forName="dot3" refType="userD"/>
-                  <dgm:constr type="h" for="ch" forName="dot3" refType="userD"/>
-                  <dgm:constr type="ctrX" for="ch" forName="dot4" refType="w" fact="0.6536"/>
-                  <dgm:constr type="ctrY" for="ch" forName="dot4" refType="h" fact="0.9165"/>
-                  <dgm:constr type="w" for="ch" forName="dot4" refType="userD"/>
-                  <dgm:constr type="h" for="ch" forName="dot4" refType="userD"/>
-                  <dgm:constr type="ctrX" for="ch" forName="dot5" refType="w" fact="0.6814"/>
-                  <dgm:constr type="ctrY" for="ch" forName="dot5" refType="h" fact="0.9234"/>
-                  <dgm:constr type="w" for="ch" forName="dot5" refType="userD"/>
-                  <dgm:constr type="h" for="ch" forName="dot5" refType="userD"/>
-                  <dgm:constr type="ctrX" for="ch" forName="dot6" refType="w" fact="0.4214"/>
-                  <dgm:constr type="ctrY" for="ch" forName="dot6" refType="h" fact="0.764"/>
-                  <dgm:constr type="w" for="ch" forName="dot6" refType="userD"/>
-                  <dgm:constr type="h" for="ch" forName="dot6" refType="userD"/>
-                  <dgm:constr type="ctrX" for="ch" forName="dot7" refType="w" fact="0.4436"/>
-                  <dgm:constr type="ctrY" for="ch" forName="dot7" refType="h" fact="0.7878"/>
-                  <dgm:constr type="w" for="ch" forName="dot7" refType="userD"/>
-                  <dgm:constr type="h" for="ch" forName="dot7" refType="userD"/>
-                  <dgm:constr type="ctrX" for="ch" forName="dot8" refType="w" fact="0.325"/>
-                  <dgm:constr type="ctrY" for="ch" forName="dot8" refType="h" fact="0.6227"/>
-                  <dgm:constr type="w" for="ch" forName="dot8" refType="userD"/>
-                  <dgm:constr type="h" for="ch" forName="dot8" refType="userD"/>
-                  <dgm:constr type="ctrX" for="ch" forName="dot9" refType="w" fact="0.2597"/>
-                  <dgm:constr type="ctrY" for="ch" forName="dot9" refType="h" fact="0.4556"/>
-                  <dgm:constr type="w" for="ch" forName="dot9" refType="userD"/>
-                  <dgm:constr type="h" for="ch" forName="dot9" refType="userD"/>
-                  <dgm:constr type="ctrX" for="ch" forName="dot10" refType="w" fact="0.2286"/>
-                  <dgm:constr type="ctrY" for="ch" forName="dot10" refType="h" fact="0.2816"/>
-                  <dgm:constr type="w" for="ch" forName="dot10" refType="userD"/>
-                  <dgm:constr type="h" for="ch" forName="dot10" refType="userD"/>
-                  <dgm:constr type="ctrX" for="ch" forName="dotArrow1" refType="w" fact="0.2557"/>
-                  <dgm:constr type="ctrY" for="ch" forName="dotArrow1" refType="h" fact="0.0748"/>
-                  <dgm:constr type="w" for="ch" forName="dotArrow1" refType="userD"/>
-                  <dgm:constr type="h" for="ch" forName="dotArrow1" refType="userD"/>
-                  <dgm:constr type="ctrX" for="ch" forName="dotArrow2" refType="w" fact="0.2372"/>
-                  <dgm:constr type="ctrY" for="ch" forName="dotArrow2" refType="h" fact="0.0581"/>
-                  <dgm:constr type="w" for="ch" forName="dotArrow2" refType="userD"/>
-                  <dgm:constr type="h" for="ch" forName="dotArrow2" refType="userD"/>
-                  <dgm:constr type="ctrX" for="ch" forName="dotArrow3" refType="w" fact="0.2187"/>
-                  <dgm:constr type="ctrY" for="ch" forName="dotArrow3" refType="h" fact="0.0414"/>
-                  <dgm:constr type="w" for="ch" forName="dotArrow3" refType="userD"/>
-                  <dgm:constr type="h" for="ch" forName="dotArrow3" refType="userD"/>
-                  <dgm:constr type="ctrX" for="ch" forName="dotArrow4" refType="w" fact="0.2001"/>
-                  <dgm:constr type="ctrY" for="ch" forName="dotArrow4" refType="h" fact="0.0581"/>
-                  <dgm:constr type="w" for="ch" forName="dotArrow4" refType="userD"/>
-                  <dgm:constr type="h" for="ch" forName="dotArrow4" refType="userD"/>
-                  <dgm:constr type="ctrX" for="ch" forName="dotArrow5" refType="w" fact="0.1816"/>
-                  <dgm:constr type="ctrY" for="ch" forName="dotArrow5" refType="h" fact="0.0748"/>
-                  <dgm:constr type="w" for="ch" forName="dotArrow5" refType="userD"/>
-                  <dgm:constr type="h" for="ch" forName="dotArrow5" refType="userD"/>
-                  <dgm:constr type="ctrX" for="ch" forName="dotArrow6" refType="w" fact="0.2187"/>
-                  <dgm:constr type="ctrY" for="ch" forName="dotArrow6" refType="h" fact="0.0766"/>
-                  <dgm:constr type="w" for="ch" forName="dotArrow6" refType="userD"/>
-                  <dgm:constr type="h" for="ch" forName="dotArrow6" refType="userD"/>
-                  <dgm:constr type="ctrX" for="ch" forName="dotArrow7" refType="w" fact="0.2187"/>
-                  <dgm:constr type="ctrY" for="ch" forName="dotArrow7" refType="h" fact="0.1118"/>
-                  <dgm:constr type="w" for="ch" forName="dotArrow7" refType="userD"/>
-                  <dgm:constr type="h" for="ch" forName="dotArrow7" refType="userD"/>
-                  <dgm:constr type="r" for="ch" forName="parTx1" refType="w" fact="0.7522"/>
-                  <dgm:constr type="t" for="ch" forName="parTx1" refType="h" fact="0.9416"/>
-                  <dgm:constr type="w" for="ch" forName="parTx1" refType="w" fact="0.2696"/>
-                  <dgm:constr type="h" for="ch" forName="parTx1" refType="h" fact="0.0811"/>
-                  <dgm:constr type="ctrX" for="ch" forName="picture1" refType="w" fact="0.7644"/>
-                  <dgm:constr type="ctrY" for="ch" forName="picture1" refType="h" fact="0.9322"/>
-                  <dgm:constr type="w" for="ch" forName="picture1" refType="w" fact="0.125"/>
-                  <dgm:constr type="h" for="ch" forName="picture1" refType="h" fact="0.1403"/>
-                  <dgm:constr type="r" for="ch" forName="parTx2" refType="w" fact="0.4937"/>
-                  <dgm:constr type="t" for="ch" forName="parTx2" refType="h" fact="0.8451"/>
-                  <dgm:constr type="w" for="ch" forName="parTx2" refType="w" fact="0.2696"/>
-                  <dgm:constr type="h" for="ch" forName="parTx2" refType="h" fact="0.0811"/>
-                  <dgm:constr type="ctrX" for="ch" forName="picture2" refType="w" fact="0.5059"/>
-                  <dgm:constr type="ctrY" for="ch" forName="picture2" refType="h" fact="0.8357"/>
-                  <dgm:constr type="w" for="ch" forName="picture2" refType="w" fact="0.125"/>
-                  <dgm:constr type="h" for="ch" forName="picture2" refType="h" fact="0.1403"/>
-                  <dgm:constr type="r" for="ch" forName="parTx3" refType="w" fact="0.3662"/>
-                  <dgm:constr type="t" for="ch" forName="parTx3" refType="h" fact="0.7006"/>
-                  <dgm:constr type="w" for="ch" forName="parTx3" refType="w" fact="0.2696"/>
-                  <dgm:constr type="h" for="ch" forName="parTx3" refType="h" fact="0.0811"/>
-                  <dgm:constr type="ctrX" for="ch" forName="picture3" refType="w" fact="0.3784"/>
-                  <dgm:constr type="ctrY" for="ch" forName="picture3" refType="h" fact="0.6912"/>
-                  <dgm:constr type="w" for="ch" forName="picture3" refType="w" fact="0.125"/>
-                  <dgm:constr type="h" for="ch" forName="picture3" refType="h" fact="0.1403"/>
-                  <dgm:constr type="r" for="ch" forName="parTx4" refType="w" fact="0.2893"/>
-                  <dgm:constr type="t" for="ch" forName="parTx4" refType="h" fact="0.5424"/>
-                  <dgm:constr type="w" for="ch" forName="parTx4" refType="w" fact="0.2696"/>
-                  <dgm:constr type="h" for="ch" forName="parTx4" refType="h" fact="0.0811"/>
-                  <dgm:constr type="ctrX" for="ch" forName="picture4" refType="w" fact="0.3015"/>
-                  <dgm:constr type="ctrY" for="ch" forName="picture4" refType="h" fact="0.533"/>
-                  <dgm:constr type="w" for="ch" forName="picture4" refType="w" fact="0.125"/>
-                  <dgm:constr type="h" for="ch" forName="picture4" refType="h" fact="0.1403"/>
-                  <dgm:constr type="r" for="ch" forName="parTx5" refType="w" fact="0.2397"/>
-                  <dgm:constr type="t" for="ch" forName="parTx5" refType="h" fact="0.372"/>
-                  <dgm:constr type="w" for="ch" forName="parTx5" refType="w" fact="0.2696"/>
-                  <dgm:constr type="h" for="ch" forName="parTx5" refType="h" fact="0.0811"/>
-                  <dgm:constr type="ctrX" for="ch" forName="picture5" refType="w" fact="0.2519"/>
-                  <dgm:constr type="ctrY" for="ch" forName="picture5" refType="h" fact="0.3626"/>
-                  <dgm:constr type="w" for="ch" forName="picture5" refType="w" fact="0.125"/>
-                  <dgm:constr type="h" for="ch" forName="picture5" refType="h" fact="0.1403"/>
-                  <dgm:constr type="r" for="ch" forName="parTx6" refType="w" fact="0.2127"/>
-                  <dgm:constr type="t" for="ch" forName="parTx6" refType="h" fact="0.2044"/>
-                  <dgm:constr type="w" for="ch" forName="parTx6" refType="w" fact="0.2696"/>
-                  <dgm:constr type="h" for="ch" forName="parTx6" refType="h" fact="0.0811"/>
-                  <dgm:constr type="ctrX" for="ch" forName="picture6" refType="w" fact="0.2249"/>
-                  <dgm:constr type="ctrY" for="ch" forName="picture6" refType="h" fact="0.195"/>
-                  <dgm:constr type="w" for="ch" forName="picture6" refType="w" fact="0.125"/>
-                  <dgm:constr type="h" for="ch" forName="picture6" refType="h" fact="0.1403"/>
-                </dgm:constrLst>
-              </dgm:else>
-            </dgm:choose>
-          </dgm:else>
-        </dgm:choose>
-      </dgm:if>
-      <dgm:else name="Name62">
-        <dgm:choose name="Name63">
-          <dgm:if name="Name64" func="var" arg="dir" op="equ" val="norm">
-            <dgm:choose name="Name65">
-              <dgm:if name="Name66" axis="des" func="maxDepth" op="gt" val="1">
-                <dgm:alg type="composite">
-                  <dgm:param type="ar" val="1.25"/>
-                </dgm:alg>
-                <dgm:constrLst>
-                  <dgm:constr type="primFontSz" for="ch" forName="parTx1" op="equ" val="65"/>
-                  <dgm:constr type="primFontSz" for="ch" forName="parTx2" refType="primFontSz" refFor="ch" refForName="parTx1" op="equ"/>
-                  <dgm:constr type="primFontSz" for="ch" forName="parTx3" refType="primFontSz" refFor="ch" refForName="parTx1" op="equ"/>
-                  <dgm:constr type="primFontSz" for="ch" forName="parTx4" refType="primFontSz" refFor="ch" refForName="parTx1" op="equ"/>
-                  <dgm:constr type="primFontSz" for="ch" forName="parTx5" refType="primFontSz" refFor="ch" refForName="parTx1" op="equ"/>
-                  <dgm:constr type="primFontSz" for="ch" forName="parTx6" refType="primFontSz" refFor="ch" refForName="parTx1" op="equ"/>
-                  <dgm:constr type="primFontSz" for="ch" forName="parTx7" refType="primFontSz" refFor="ch" refForName="parTx1" op="equ"/>
-                  <dgm:constr type="primFontSz" for="ch" forName="desTx1" op="equ" val="65"/>
-                  <dgm:constr type="primFontSz" for="ch" forName="desTx2" refType="primFontSz" refFor="ch" refForName="desTx1" op="equ"/>
-                  <dgm:constr type="primFontSz" for="ch" forName="desTx3" refType="primFontSz" refFor="ch" refForName="desTx1" op="equ"/>
-                  <dgm:constr type="primFontSz" for="ch" forName="desTx4" refType="primFontSz" refFor="ch" refForName="desTx1" op="equ"/>
-                  <dgm:constr type="primFontSz" for="ch" forName="desTx5" refType="primFontSz" refFor="ch" refForName="desTx1" op="equ"/>
-                  <dgm:constr type="primFontSz" for="ch" forName="desTx6" refType="primFontSz" refFor="ch" refForName="desTx1" op="equ"/>
-                  <dgm:constr type="primFontSz" for="ch" forName="desTx7" refType="primFontSz" refFor="ch" refForName="desTx1" op="equ"/>
-                  <dgm:constr type="userD" refType="w" fact="0.0097"/>
-                  <dgm:constr type="ctrX" for="ch" forName="dot1" refType="w" fact="0.3909"/>
-                  <dgm:constr type="ctrY" for="ch" forName="dot1" refType="h" fact="0.8342"/>
-                  <dgm:constr type="w" for="ch" forName="dot1" refType="userD"/>
-                  <dgm:constr type="h" for="ch" forName="dot1" refType="userD"/>
-                  <dgm:constr type="ctrX" for="ch" forName="dot2" refType="w" fact="0.3721"/>
-                  <dgm:constr type="ctrY" for="ch" forName="dot2" refType="h" fact="0.8448"/>
-                  <dgm:constr type="w" for="ch" forName="dot2" refType="userD"/>
-                  <dgm:constr type="h" for="ch" forName="dot2" refType="userD"/>
-                  <dgm:constr type="ctrX" for="ch" forName="dot3" refType="w" fact="0.353"/>
-                  <dgm:constr type="ctrY" for="ch" forName="dot3" refType="h" fact="0.8539"/>
-                  <dgm:constr type="w" for="ch" forName="dot3" refType="userD"/>
-                  <dgm:constr type="h" for="ch" forName="dot3" refType="userD"/>
-                  <dgm:constr type="ctrX" for="ch" forName="dot4" refType="w" fact="0.3337"/>
-                  <dgm:constr type="ctrY" for="ch" forName="dot4" refType="h" fact="0.8615"/>
-                  <dgm:constr type="w" for="ch" forName="dot4" refType="userD"/>
-                  <dgm:constr type="h" for="ch" forName="dot4" refType="userD"/>
-                  <dgm:constr type="ctrX" for="ch" forName="dot5" refType="w" fact="0.3142"/>
-                  <dgm:constr type="ctrY" for="ch" forName="dot5" refType="h" fact="0.8676"/>
-                  <dgm:constr type="w" for="ch" forName="dot5" refType="userD"/>
-                  <dgm:constr type="h" for="ch" forName="dot5" refType="userD"/>
-                  <dgm:constr type="ctrX" for="ch" forName="dot6" refType="w" fact="0.5088"/>
-                  <dgm:constr type="ctrY" for="ch" forName="dot6" refType="h" fact="0.7255"/>
-                  <dgm:constr type="w" for="ch" forName="dot6" refType="userD"/>
-                  <dgm:constr type="h" for="ch" forName="dot6" refType="userD"/>
-                  <dgm:constr type="ctrX" for="ch" forName="dot7" refType="w" fact="0.4926"/>
-                  <dgm:constr type="ctrY" for="ch" forName="dot7" refType="h" fact="0.7454"/>
-                  <dgm:constr type="w" for="ch" forName="dot7" refType="userD"/>
-                  <dgm:constr type="h" for="ch" forName="dot7" refType="userD"/>
-                  <dgm:constr type="ctrX" for="ch" forName="dot8" refType="w" fact="0.5836"/>
-                  <dgm:constr type="ctrY" for="ch" forName="dot8" refType="h" fact="0.6026"/>
-                  <dgm:constr type="w" for="ch" forName="dot8" refType="userD"/>
-                  <dgm:constr type="h" for="ch" forName="dot8" refType="userD"/>
-                  <dgm:constr type="ctrX" for="ch" forName="dot9" refType="w" fact="0.6371"/>
-                  <dgm:constr type="ctrY" for="ch" forName="dot9" refType="h" fact="0.4632"/>
-                  <dgm:constr type="w" for="ch" forName="dot9" refType="userD"/>
-                  <dgm:constr type="h" for="ch" forName="dot9" refType="userD"/>
-                  <dgm:constr type="ctrX" for="ch" forName="dot10" refType="w" fact="0.6701"/>
-                  <dgm:constr type="ctrY" for="ch" forName="dot10" refType="h" fact="0.3187"/>
-                  <dgm:constr type="w" for="ch" forName="dot10" refType="userD"/>
-                  <dgm:constr type="h" for="ch" forName="dot10" refType="userD"/>
-                  <dgm:constr type="ctrX" for="ch" forName="dot11" refType="w" fact="0.6853"/>
-                  <dgm:constr type="ctrY" for="ch" forName="dot11" refType="h" fact="0.1763"/>
-                  <dgm:constr type="w" for="ch" forName="dot11" refType="userD"/>
-                  <dgm:constr type="h" for="ch" forName="dot11" refType="userD"/>
-                  <dgm:constr type="ctrX" for="ch" forName="dotArrow1" refType="w" fact="0.6627"/>
-                  <dgm:constr type="ctrY" for="ch" forName="dotArrow1" refType="h" fact="-0.0099"/>
-                  <dgm:constr type="w" for="ch" forName="dotArrow1" refType="userD"/>
-                  <dgm:constr type="h" for="ch" forName="dotArrow1" refType="userD"/>
-                  <dgm:constr type="ctrX" for="ch" forName="dotArrow2" refType="w" fact="0.6773"/>
-                  <dgm:constr type="ctrY" for="ch" forName="dotArrow2" refType="h" fact="-0.0239"/>
-                  <dgm:constr type="w" for="ch" forName="dotArrow2" refType="userD"/>
-                  <dgm:constr type="h" for="ch" forName="dotArrow2" refType="userD"/>
-                  <dgm:constr type="ctrX" for="ch" forName="dotArrow3" refType="w" fact="0.6919"/>
-                  <dgm:constr type="ctrY" for="ch" forName="dotArrow3" refType="h" fact="-0.0378"/>
-                  <dgm:constr type="w" for="ch" forName="dotArrow3" refType="userD"/>
-                  <dgm:constr type="h" for="ch" forName="dotArrow3" refType="userD"/>
-                  <dgm:constr type="ctrX" for="ch" forName="dotArrow4" refType="w" fact="0.7065"/>
-                  <dgm:constr type="ctrY" for="ch" forName="dotArrow4" refType="h" fact="-0.0239"/>
-                  <dgm:constr type="w" for="ch" forName="dotArrow4" refType="userD"/>
-                  <dgm:constr type="h" for="ch" forName="dotArrow4" refType="userD"/>
-                  <dgm:constr type="ctrX" for="ch" forName="dotArrow5" refType="w" fact="0.7212"/>
-                  <dgm:constr type="ctrY" for="ch" forName="dotArrow5" refType="h" fact="-0.0099"/>
-                  <dgm:constr type="w" for="ch" forName="dotArrow5" refType="userD"/>
-                  <dgm:constr type="h" for="ch" forName="dotArrow5" refType="userD"/>
-                  <dgm:constr type="ctrX" for="ch" forName="dotArrow6" refType="w" fact="0.6919"/>
-                  <dgm:constr type="ctrY" for="ch" forName="dotArrow6" refType="h" fact="-0.0084"/>
-                  <dgm:constr type="w" for="ch" forName="dotArrow6" refType="userD"/>
-                  <dgm:constr type="h" for="ch" forName="dotArrow6" refType="userD"/>
-                  <dgm:constr type="ctrX" for="ch" forName="dotArrow7" refType="w" fact="0.6919"/>
-                  <dgm:constr type="ctrY" for="ch" forName="dotArrow7" refType="h" fact="0.0211"/>
-                  <dgm:constr type="w" for="ch" forName="dotArrow7" refType="userD"/>
-                  <dgm:constr type="h" for="ch" forName="dotArrow7" refType="userD"/>
-                  <dgm:constr type="l" for="ch" forName="parTx1" refType="w" fact="0.2556"/>
-                  <dgm:constr type="t" for="ch" forName="parTx1" refType="h" fact="0.8856"/>
-                  <dgm:constr type="w" for="ch" forName="parTx1" refType="w" fact="0.2101"/>
-                  <dgm:constr type="h" for="ch" forName="parTx1" refType="h" fact="0.0704"/>
-                  <dgm:constr type="ctrX" for="ch" forName="picture1" refType="w" fact="0.246"/>
-                  <dgm:constr type="ctrY" for="ch" forName="picture1" refType="h" fact="0.8769"/>
-                  <dgm:constr type="w" for="ch" forName="picture1" refType="w" fact="0.0974"/>
-                  <dgm:constr type="h" for="ch" forName="picture1" refType="h" fact="0.1218"/>
-                  <dgm:constr type="l" for="ch" forName="desTx1" refType="r" refFor="ch" refForName="parTx1"/>
-                  <dgm:constr type="r" for="ch" forName="desTx1" refType="w"/>
-                  <dgm:constr type="t" for="ch" forName="desTx1" refType="t" refFor="ch" refForName="parTx1"/>
-                  <dgm:constr type="h" for="ch" forName="desTx1" refType="h" refFor="ch" refForName="parTx1"/>
-                  <dgm:constr type="l" for="ch" forName="parTx2" refType="w" fact="0.4535"/>
-                  <dgm:constr type="t" for="ch" forName="parTx2" refType="h" fact="0.7956"/>
-                  <dgm:constr type="w" for="ch" forName="parTx2" refType="w" fact="0.2101"/>
-                  <dgm:constr type="h" for="ch" forName="parTx2" refType="h" fact="0.0704"/>
-                  <dgm:constr type="ctrX" for="ch" forName="picture2" refType="w" fact="0.4439"/>
-                  <dgm:constr type="ctrY" for="ch" forName="picture2" refType="h" fact="0.787"/>
-                  <dgm:constr type="w" for="ch" forName="picture2" refType="w" fact="0.0974"/>
-                  <dgm:constr type="h" for="ch" forName="picture2" refType="h" fact="0.1218"/>
-                  <dgm:constr type="l" for="ch" forName="desTx2" refType="r" refFor="ch" refForName="parTx2"/>
-                  <dgm:constr type="r" for="ch" forName="desTx2" refType="w"/>
-                  <dgm:constr type="t" for="ch" forName="desTx2" refType="t" refFor="ch" refForName="parTx2"/>
-                  <dgm:constr type="h" for="ch" forName="desTx2" refType="h" refFor="ch" refForName="parTx2"/>
-                  <dgm:constr type="l" for="ch" forName="parTx3" refType="w" fact="0.5511"/>
-                  <dgm:constr type="t" for="ch" forName="parTx3" refType="h" fact="0.673"/>
-                  <dgm:constr type="w" for="ch" forName="parTx3" refType="w" fact="0.2101"/>
-                  <dgm:constr type="h" for="ch" forName="parTx3" refType="h" fact="0.0704"/>
-                  <dgm:constr type="ctrX" for="ch" forName="picture3" refType="w" fact="0.5415"/>
-                  <dgm:constr type="ctrY" for="ch" forName="picture3" refType="h" fact="0.6644"/>
-                  <dgm:constr type="w" for="ch" forName="picture3" refType="w" fact="0.0974"/>
-                  <dgm:constr type="h" for="ch" forName="picture3" refType="h" fact="0.1218"/>
-                  <dgm:constr type="l" for="ch" forName="desTx3" refType="r" refFor="ch" refForName="parTx3"/>
-                  <dgm:constr type="r" for="ch" forName="desTx3" refType="w"/>
-                  <dgm:constr type="t" for="ch" forName="desTx3" refType="t" refFor="ch" refForName="parTx3"/>
-                  <dgm:constr type="h" for="ch" forName="desTx3" refType="h" refFor="ch" refForName="parTx3"/>
-                  <dgm:constr type="l" for="ch" forName="parTx4" refType="w" fact="0.6132"/>
-                  <dgm:constr type="t" for="ch" forName="parTx4" refType="h" fact="0.538"/>
-                  <dgm:constr type="w" for="ch" forName="parTx4" refType="w" fact="0.2101"/>
-                  <dgm:constr type="h" for="ch" forName="parTx4" refType="h" fact="0.0704"/>
-                  <dgm:constr type="ctrX" for="ch" forName="picture4" refType="w" fact="0.6037"/>
-                  <dgm:constr type="ctrY" for="ch" forName="picture4" refType="h" fact="0.5294"/>
-                  <dgm:constr type="w" for="ch" forName="picture4" refType="w" fact="0.0974"/>
-                  <dgm:constr type="h" for="ch" forName="picture4" refType="h" fact="0.1218"/>
-                  <dgm:constr type="l" for="ch" forName="desTx4" refType="r" refFor="ch" refForName="parTx4"/>
-                  <dgm:constr type="r" for="ch" forName="desTx4" refType="w"/>
-                  <dgm:constr type="t" for="ch" forName="desTx4" refType="t" refFor="ch" refForName="parTx4"/>
-                  <dgm:constr type="h" for="ch" forName="desTx4" refType="h" refFor="ch" refForName="parTx4"/>
-                  <dgm:constr type="l" for="ch" forName="parTx5" refType="w" fact="0.6576"/>
-                  <dgm:constr type="t" for="ch" forName="parTx5" refType="h" fact="0.3951"/>
-                  <dgm:constr type="w" for="ch" forName="parTx5" refType="w" fact="0.2101"/>
-                  <dgm:constr type="h" for="ch" forName="parTx5" refType="h" fact="0.0704"/>
-                  <dgm:constr type="ctrX" for="ch" forName="picture5" refType="w" fact="0.648"/>
-                  <dgm:constr type="ctrY" for="ch" forName="picture5" refType="h" fact="0.3864"/>
-                  <dgm:constr type="w" for="ch" forName="picture5" refType="w" fact="0.0974"/>
-                  <dgm:constr type="h" for="ch" forName="picture5" refType="h" fact="0.1218"/>
-                  <dgm:constr type="l" for="ch" forName="desTx5" refType="r" refFor="ch" refForName="parTx5"/>
-                  <dgm:constr type="r" for="ch" forName="desTx5" refType="w"/>
-                  <dgm:constr type="t" for="ch" forName="desTx5" refType="t" refFor="ch" refForName="parTx5"/>
-                  <dgm:constr type="h" for="ch" forName="desTx5" refType="h" refFor="ch" refForName="parTx5"/>
-                  <dgm:constr type="l" for="ch" forName="parTx6" refType="w" fact="0.6828"/>
-                  <dgm:constr type="t" for="ch" forName="parTx6" refType="h" fact="0.2531"/>
-                  <dgm:constr type="w" for="ch" forName="parTx6" refType="w" fact="0.2101"/>
-                  <dgm:constr type="h" for="ch" forName="parTx6" refType="h" fact="0.0704"/>
-                  <dgm:constr type="ctrX" for="ch" forName="picture6" refType="w" fact="0.6733"/>
-                  <dgm:constr type="ctrY" for="ch" forName="picture6" refType="h" fact="0.2444"/>
-                  <dgm:constr type="w" for="ch" forName="picture6" refType="w" fact="0.0974"/>
-                  <dgm:constr type="h" for="ch" forName="picture6" refType="h" fact="0.1218"/>
-                  <dgm:constr type="l" for="ch" forName="desTx6" refType="r" refFor="ch" refForName="parTx6"/>
-                  <dgm:constr type="r" for="ch" forName="desTx6" refType="w"/>
-                  <dgm:constr type="t" for="ch" forName="desTx6" refType="t" refFor="ch" refForName="parTx6"/>
-                  <dgm:constr type="h" for="ch" forName="desTx6" refType="h" refFor="ch" refForName="parTx6"/>
-                  <dgm:constr type="l" for="ch" forName="parTx7" refType="w" fact="0.6966"/>
-                  <dgm:constr type="t" for="ch" forName="parTx7" refType="h" fact="0.1162"/>
-                  <dgm:constr type="w" for="ch" forName="parTx7" refType="w" fact="0.2101"/>
-                  <dgm:constr type="h" for="ch" forName="parTx7" refType="h" fact="0.0704"/>
-                  <dgm:constr type="ctrX" for="ch" forName="picture7" refType="w" fact="0.6871"/>
-                  <dgm:constr type="ctrY" for="ch" forName="picture7" refType="h" fact="0.1075"/>
-                  <dgm:constr type="w" for="ch" forName="picture7" refType="w" fact="0.0974"/>
-                  <dgm:constr type="h" for="ch" forName="picture7" refType="h" fact="0.1218"/>
-                  <dgm:constr type="l" for="ch" forName="desTx7" refType="r" refFor="ch" refForName="parTx7"/>
-                  <dgm:constr type="r" for="ch" forName="desTx7" refType="w"/>
-                  <dgm:constr type="t" for="ch" forName="desTx7" refType="t" refFor="ch" refForName="parTx7"/>
-                  <dgm:constr type="h" for="ch" forName="desTx7" refType="h" refFor="ch" refForName="parTx7"/>
-                </dgm:constrLst>
-              </dgm:if>
-              <dgm:else name="Name67">
-                <dgm:alg type="composite">
-                  <dgm:param type="ar" val="1.096"/>
-                </dgm:alg>
-                <dgm:constrLst>
-                  <dgm:constr type="primFontSz" for="ch" forName="parTx1" op="equ" val="65"/>
-                  <dgm:constr type="primFontSz" for="ch" forName="parTx2" refType="primFontSz" refFor="ch" refForName="parTx1" op="equ"/>
-                  <dgm:constr type="primFontSz" for="ch" forName="parTx3" refType="primFontSz" refFor="ch" refForName="parTx1" op="equ"/>
-                  <dgm:constr type="primFontSz" for="ch" forName="parTx4" refType="primFontSz" refFor="ch" refForName="parTx1" op="equ"/>
-                  <dgm:constr type="primFontSz" for="ch" forName="parTx5" refType="primFontSz" refFor="ch" refForName="parTx1" op="equ"/>
-                  <dgm:constr type="primFontSz" for="ch" forName="parTx6" refType="primFontSz" refFor="ch" refForName="parTx1" op="equ"/>
-                  <dgm:constr type="primFontSz" for="ch" forName="parTx7" refType="primFontSz" refFor="ch" refForName="parTx1" op="equ"/>
-                  <dgm:constr type="userD" refType="w" fact="0.0111"/>
-                  <dgm:constr type="ctrX" for="ch" forName="dot1" refType="w" fact="0.4459"/>
-                  <dgm:constr type="ctrY" for="ch" forName="dot1" refType="h" fact="0.8342"/>
-                  <dgm:constr type="w" for="ch" forName="dot1" refType="userD"/>
-                  <dgm:constr type="h" for="ch" forName="dot1" refType="userD"/>
-                  <dgm:constr type="ctrX" for="ch" forName="dot2" refType="w" fact="0.4244"/>
-                  <dgm:constr type="ctrY" for="ch" forName="dot2" refType="h" fact="0.8448"/>
-                  <dgm:constr type="w" for="ch" forName="dot2" refType="userD"/>
-                  <dgm:constr type="h" for="ch" forName="dot2" refType="userD"/>
-                  <dgm:constr type="ctrX" for="ch" forName="dot3" refType="w" fact="0.4026"/>
-                  <dgm:constr type="ctrY" for="ch" forName="dot3" refType="h" fact="0.8539"/>
-                  <dgm:constr type="w" for="ch" forName="dot3" refType="userD"/>
-                  <dgm:constr type="h" for="ch" forName="dot3" refType="userD"/>
-                  <dgm:constr type="ctrX" for="ch" forName="dot4" refType="w" fact="0.3806"/>
-                  <dgm:constr type="ctrY" for="ch" forName="dot4" refType="h" fact="0.8615"/>
-                  <dgm:constr type="w" for="ch" forName="dot4" refType="userD"/>
-                  <dgm:constr type="h" for="ch" forName="dot4" refType="userD"/>
-                  <dgm:constr type="ctrX" for="ch" forName="dot5" refType="w" fact="0.3584"/>
-                  <dgm:constr type="ctrY" for="ch" forName="dot5" refType="h" fact="0.8676"/>
-                  <dgm:constr type="w" for="ch" forName="dot5" refType="userD"/>
-                  <dgm:constr type="h" for="ch" forName="dot5" refType="userD"/>
-                  <dgm:constr type="ctrX" for="ch" forName="dot6" refType="w" fact="0.5803"/>
-                  <dgm:constr type="ctrY" for="ch" forName="dot6" refType="h" fact="0.7255"/>
-                  <dgm:constr type="w" for="ch" forName="dot6" refType="userD"/>
-                  <dgm:constr type="h" for="ch" forName="dot6" refType="userD"/>
-                  <dgm:constr type="ctrX" for="ch" forName="dot7" refType="w" fact="0.5618"/>
-                  <dgm:constr type="ctrY" for="ch" forName="dot7" refType="h" fact="0.7454"/>
-                  <dgm:constr type="w" for="ch" forName="dot7" refType="userD"/>
-                  <dgm:constr type="h" for="ch" forName="dot7" refType="userD"/>
-                  <dgm:constr type="ctrX" for="ch" forName="dot8" refType="w" fact="0.6656"/>
-                  <dgm:constr type="ctrY" for="ch" forName="dot8" refType="h" fact="0.6026"/>
-                  <dgm:constr type="w" for="ch" forName="dot8" refType="userD"/>
-                  <dgm:constr type="h" for="ch" forName="dot8" refType="userD"/>
-                  <dgm:constr type="ctrX" for="ch" forName="dot9" refType="w" fact="0.7266"/>
-                  <dgm:constr type="ctrY" for="ch" forName="dot9" refType="h" fact="0.4632"/>
-                  <dgm:constr type="w" for="ch" forName="dot9" refType="userD"/>
-                  <dgm:constr type="h" for="ch" forName="dot9" refType="userD"/>
-                  <dgm:constr type="ctrX" for="ch" forName="dot10" refType="w" fact="0.7643"/>
-                  <dgm:constr type="ctrY" for="ch" forName="dot10" refType="h" fact="0.3187"/>
-                  <dgm:constr type="w" for="ch" forName="dot10" refType="userD"/>
-                  <dgm:constr type="h" for="ch" forName="dot10" refType="userD"/>
-                  <dgm:constr type="ctrX" for="ch" forName="dot11" refType="w" fact="0.7816"/>
-                  <dgm:constr type="ctrY" for="ch" forName="dot11" refType="h" fact="0.1763"/>
-                  <dgm:constr type="w" for="ch" forName="dot11" refType="userD"/>
-                  <dgm:constr type="h" for="ch" forName="dot11" refType="userD"/>
-                  <dgm:constr type="ctrX" for="ch" forName="dotArrow1" refType="w" fact="0.7558"/>
-                  <dgm:constr type="ctrY" for="ch" forName="dotArrow1" refType="h" fact="-0.0099"/>
-                  <dgm:constr type="w" for="ch" forName="dotArrow1" refType="userD"/>
-                  <dgm:constr type="h" for="ch" forName="dotArrow1" refType="userD"/>
-                  <dgm:constr type="ctrX" for="ch" forName="dotArrow2" refType="w" fact="0.7725"/>
-                  <dgm:constr type="ctrY" for="ch" forName="dotArrow2" refType="h" fact="-0.0239"/>
-                  <dgm:constr type="w" for="ch" forName="dotArrow2" refType="userD"/>
-                  <dgm:constr type="h" for="ch" forName="dotArrow2" refType="userD"/>
-                  <dgm:constr type="ctrX" for="ch" forName="dotArrow3" refType="w" fact="0.7892"/>
-                  <dgm:constr type="ctrY" for="ch" forName="dotArrow3" refType="h" fact="-0.0378"/>
-                  <dgm:constr type="w" for="ch" forName="dotArrow3" refType="userD"/>
-                  <dgm:constr type="h" for="ch" forName="dotArrow3" refType="userD"/>
-                  <dgm:constr type="ctrX" for="ch" forName="dotArrow4" refType="w" fact="0.8058"/>
-                  <dgm:constr type="ctrY" for="ch" forName="dotArrow4" refType="h" fact="-0.0239"/>
-                  <dgm:constr type="w" for="ch" forName="dotArrow4" refType="userD"/>
-                  <dgm:constr type="h" for="ch" forName="dotArrow4" refType="userD"/>
-                  <dgm:constr type="ctrX" for="ch" forName="dotArrow5" refType="w" fact="0.8225"/>
-                  <dgm:constr type="ctrY" for="ch" forName="dotArrow5" refType="h" fact="-0.0099"/>
-                  <dgm:constr type="w" for="ch" forName="dotArrow5" refType="userD"/>
-                  <dgm:constr type="h" for="ch" forName="dotArrow5" refType="userD"/>
-                  <dgm:constr type="ctrX" for="ch" forName="dotArrow6" refType="w" fact="0.7892"/>
-                  <dgm:constr type="ctrY" for="ch" forName="dotArrow6" refType="h" fact="-0.0084"/>
-                  <dgm:constr type="w" for="ch" forName="dotArrow6" refType="userD"/>
-                  <dgm:constr type="h" for="ch" forName="dotArrow6" refType="userD"/>
-                  <dgm:constr type="ctrX" for="ch" forName="dotArrow7" refType="w" fact="0.7892"/>
-                  <dgm:constr type="ctrY" for="ch" forName="dotArrow7" refType="h" fact="0.0211"/>
-                  <dgm:constr type="w" for="ch" forName="dotArrow7" refType="userD"/>
-                  <dgm:constr type="h" for="ch" forName="dotArrow7" refType="userD"/>
-                  <dgm:constr type="l" for="ch" forName="parTx1" refType="w" fact="0.2915"/>
-                  <dgm:constr type="t" for="ch" forName="parTx1" refType="h" fact="0.8845"/>
-                  <dgm:constr type="w" for="ch" forName="parTx1" refType="w" fact="0.2396"/>
-                  <dgm:constr type="h" for="ch" forName="parTx1" refType="h" fact="0.0704"/>
-                  <dgm:constr type="ctrX" for="ch" forName="picture1" refType="w" fact="0.2806"/>
-                  <dgm:constr type="ctrY" for="ch" forName="picture1" refType="h" fact="0.8769"/>
-                  <dgm:constr type="w" for="ch" forName="picture1" refType="w" fact="0.1111"/>
-                  <dgm:constr type="h" for="ch" forName="picture1" refType="h" fact="0.1218"/>
-                  <dgm:constr type="l" for="ch" forName="parTx2" refType="w" fact="0.5172"/>
-                  <dgm:constr type="t" for="ch" forName="parTx2" refType="h" fact="0.7946"/>
-                  <dgm:constr type="w" for="ch" forName="parTx2" refType="w" fact="0.2396"/>
-                  <dgm:constr type="h" for="ch" forName="parTx2" refType="h" fact="0.0704"/>
-                  <dgm:constr type="ctrX" for="ch" forName="picture2" refType="w" fact="0.5063"/>
-                  <dgm:constr type="ctrY" for="ch" forName="picture2" refType="h" fact="0.787"/>
-                  <dgm:constr type="w" for="ch" forName="picture2" refType="w" fact="0.1111"/>
-                  <dgm:constr type="h" for="ch" forName="picture2" refType="h" fact="0.1218"/>
-                  <dgm:constr type="l" for="ch" forName="parTx3" refType="w" fact="0.6285"/>
-                  <dgm:constr type="t" for="ch" forName="parTx3" refType="h" fact="0.672"/>
-                  <dgm:constr type="w" for="ch" forName="parTx3" refType="w" fact="0.2396"/>
-                  <dgm:constr type="h" for="ch" forName="parTx3" refType="h" fact="0.0704"/>
-                  <dgm:constr type="ctrX" for="ch" forName="picture3" refType="w" fact="0.6176"/>
-                  <dgm:constr type="ctrY" for="ch" forName="picture3" refType="h" fact="0.6644"/>
-                  <dgm:constr type="w" for="ch" forName="picture3" refType="w" fact="0.1111"/>
-                  <dgm:constr type="h" for="ch" forName="picture3" refType="h" fact="0.1218"/>
-                  <dgm:constr type="l" for="ch" forName="parTx4" refType="w" fact="0.6994"/>
-                  <dgm:constr type="t" for="ch" forName="parTx4" refType="h" fact="0.5369"/>
-                  <dgm:constr type="w" for="ch" forName="parTx4" refType="w" fact="0.2396"/>
-                  <dgm:constr type="h" for="ch" forName="parTx4" refType="h" fact="0.0704"/>
-                  <dgm:constr type="ctrX" for="ch" forName="picture4" refType="w" fact="0.6885"/>
-                  <dgm:constr type="ctrY" for="ch" forName="picture4" refType="h" fact="0.5294"/>
-                  <dgm:constr type="w" for="ch" forName="picture4" refType="w" fact="0.1111"/>
-                  <dgm:constr type="h" for="ch" forName="picture4" refType="h" fact="0.1218"/>
-                  <dgm:constr type="l" for="ch" forName="parTx5" refType="w" fact="0.75"/>
-                  <dgm:constr type="t" for="ch" forName="parTx5" refType="h" fact="0.394"/>
-                  <dgm:constr type="w" for="ch" forName="parTx5" refType="w" fact="0.2396"/>
-                  <dgm:constr type="h" for="ch" forName="parTx5" refType="h" fact="0.0704"/>
-                  <dgm:constr type="ctrX" for="ch" forName="picture5" refType="w" fact="0.7391"/>
-                  <dgm:constr type="ctrY" for="ch" forName="picture5" refType="h" fact="0.3864"/>
-                  <dgm:constr type="w" for="ch" forName="picture5" refType="w" fact="0.1111"/>
-                  <dgm:constr type="h" for="ch" forName="picture5" refType="h" fact="0.1218"/>
-                  <dgm:constr type="l" for="ch" forName="parTx6" refType="w" fact="0.7788"/>
-                  <dgm:constr type="t" for="ch" forName="parTx6" refType="h" fact="0.252"/>
-                  <dgm:constr type="w" for="ch" forName="parTx6" refType="w" fact="0.2396"/>
-                  <dgm:constr type="h" for="ch" forName="parTx6" refType="h" fact="0.0704"/>
-                  <dgm:constr type="ctrX" for="ch" forName="picture6" refType="w" fact="0.7679"/>
-                  <dgm:constr type="ctrY" for="ch" forName="picture6" refType="h" fact="0.2444"/>
-                  <dgm:constr type="w" for="ch" forName="picture6" refType="w" fact="0.1111"/>
-                  <dgm:constr type="h" for="ch" forName="picture6" refType="h" fact="0.1218"/>
-                  <dgm:constr type="l" for="ch" forName="parTx7" refType="w" fact="0.7945"/>
-                  <dgm:constr type="t" for="ch" forName="parTx7" refType="h" fact="0.1151"/>
-                  <dgm:constr type="w" for="ch" forName="parTx7" refType="w" fact="0.2396"/>
-                  <dgm:constr type="h" for="ch" forName="parTx7" refType="h" fact="0.0704"/>
-                  <dgm:constr type="ctrX" for="ch" forName="picture7" refType="w" fact="0.7836"/>
-                  <dgm:constr type="ctrY" for="ch" forName="picture7" refType="h" fact="0.1075"/>
-                  <dgm:constr type="w" for="ch" forName="picture7" refType="w" fact="0.1111"/>
-                  <dgm:constr type="h" for="ch" forName="picture7" refType="h" fact="0.1218"/>
-                </dgm:constrLst>
-              </dgm:else>
-            </dgm:choose>
-          </dgm:if>
-          <dgm:else name="Name68">
-            <dgm:choose name="Name69">
-              <dgm:if name="Name70" axis="des" func="maxDepth" op="gt" val="1">
-                <dgm:alg type="composite">
-                  <dgm:param type="ar" val="1.25"/>
-                </dgm:alg>
-                <dgm:constrLst>
-                  <dgm:constr type="primFontSz" for="ch" forName="parTx1" op="equ" val="65"/>
-                  <dgm:constr type="primFontSz" for="ch" forName="parTx2" refType="primFontSz" refFor="ch" refForName="parTx1" op="equ"/>
-                  <dgm:constr type="primFontSz" for="ch" forName="parTx3" refType="primFontSz" refFor="ch" refForName="parTx1" op="equ"/>
-                  <dgm:constr type="primFontSz" for="ch" forName="parTx4" refType="primFontSz" refFor="ch" refForName="parTx1" op="equ"/>
-                  <dgm:constr type="primFontSz" for="ch" forName="parTx5" refType="primFontSz" refFor="ch" refForName="parTx1" op="equ"/>
-                  <dgm:constr type="primFontSz" for="ch" forName="parTx6" refType="primFontSz" refFor="ch" refForName="parTx1" op="equ"/>
-                  <dgm:constr type="primFontSz" for="ch" forName="parTx7" refType="primFontSz" refFor="ch" refForName="parTx1" op="equ"/>
-                  <dgm:constr type="primFontSz" for="ch" forName="desTx1" op="equ" val="65"/>
-                  <dgm:constr type="primFontSz" for="ch" forName="desTx2" refType="primFontSz" refFor="ch" refForName="desTx1" op="equ"/>
-                  <dgm:constr type="primFontSz" for="ch" forName="desTx3" refType="primFontSz" refFor="ch" refForName="desTx1" op="equ"/>
-                  <dgm:constr type="primFontSz" for="ch" forName="desTx4" refType="primFontSz" refFor="ch" refForName="desTx1" op="equ"/>
-                  <dgm:constr type="primFontSz" for="ch" forName="desTx5" refType="primFontSz" refFor="ch" refForName="desTx1" op="equ"/>
-                  <dgm:constr type="primFontSz" for="ch" forName="desTx6" refType="primFontSz" refFor="ch" refForName="desTx1" op="equ"/>
-                  <dgm:constr type="primFontSz" for="ch" forName="desTx7" refType="primFontSz" refFor="ch" refForName="desTx1" op="equ"/>
-                  <dgm:constr type="userD" refType="w" fact="0.0097"/>
-                  <dgm:constr type="ctrX" for="ch" forName="dot1" refType="w" fact="0.6091"/>
-                  <dgm:constr type="ctrY" for="ch" forName="dot1" refType="h" fact="0.8342"/>
-                  <dgm:constr type="w" for="ch" forName="dot1" refType="userD"/>
-                  <dgm:constr type="h" for="ch" forName="dot1" refType="userD"/>
-                  <dgm:constr type="ctrX" for="ch" forName="dot2" refType="w" fact="0.6279"/>
-                  <dgm:constr type="ctrY" for="ch" forName="dot2" refType="h" fact="0.8448"/>
-                  <dgm:constr type="w" for="ch" forName="dot2" refType="userD"/>
-                  <dgm:constr type="h" for="ch" forName="dot2" refType="userD"/>
-                  <dgm:constr type="ctrX" for="ch" forName="dot3" refType="w" fact="0.647"/>
-                  <dgm:constr type="ctrY" for="ch" forName="dot3" refType="h" fact="0.8539"/>
-                  <dgm:constr type="w" for="ch" forName="dot3" refType="userD"/>
-                  <dgm:constr type="h" for="ch" forName="dot3" refType="userD"/>
-                  <dgm:constr type="ctrX" for="ch" forName="dot4" refType="w" fact="0.6663"/>
-                  <dgm:constr type="ctrY" for="ch" forName="dot4" refType="h" fact="0.8615"/>
-                  <dgm:constr type="w" for="ch" forName="dot4" refType="userD"/>
-                  <dgm:constr type="h" for="ch" forName="dot4" refType="userD"/>
-                  <dgm:constr type="ctrX" for="ch" forName="dot5" refType="w" fact="0.6858"/>
-                  <dgm:constr type="ctrY" for="ch" forName="dot5" refType="h" fact="0.8676"/>
-                  <dgm:constr type="w" for="ch" forName="dot5" refType="userD"/>
-                  <dgm:constr type="h" for="ch" forName="dot5" refType="userD"/>
-                  <dgm:constr type="ctrX" for="ch" forName="dot6" refType="w" fact="0.4912"/>
-                  <dgm:constr type="ctrY" for="ch" forName="dot6" refType="h" fact="0.7255"/>
-                  <dgm:constr type="w" for="ch" forName="dot6" refType="userD"/>
-                  <dgm:constr type="h" for="ch" forName="dot6" refType="userD"/>
-                  <dgm:constr type="ctrX" for="ch" forName="dot7" refType="w" fact="0.5074"/>
-                  <dgm:constr type="ctrY" for="ch" forName="dot7" refType="h" fact="0.7454"/>
-                  <dgm:constr type="w" for="ch" forName="dot7" refType="userD"/>
-                  <dgm:constr type="h" for="ch" forName="dot7" refType="userD"/>
-                  <dgm:constr type="ctrX" for="ch" forName="dot8" refType="w" fact="0.4164"/>
-                  <dgm:constr type="ctrY" for="ch" forName="dot8" refType="h" fact="0.6026"/>
-                  <dgm:constr type="w" for="ch" forName="dot8" refType="userD"/>
-                  <dgm:constr type="h" for="ch" forName="dot8" refType="userD"/>
-                  <dgm:constr type="ctrX" for="ch" forName="dot9" refType="w" fact="0.3629"/>
-                  <dgm:constr type="ctrY" for="ch" forName="dot9" refType="h" fact="0.4632"/>
-                  <dgm:constr type="w" for="ch" forName="dot9" refType="userD"/>
-                  <dgm:constr type="h" for="ch" forName="dot9" refType="userD"/>
-                  <dgm:constr type="ctrX" for="ch" forName="dot10" refType="w" fact="0.3299"/>
-                  <dgm:constr type="ctrY" for="ch" forName="dot10" refType="h" fact="0.3187"/>
-                  <dgm:constr type="w" for="ch" forName="dot10" refType="userD"/>
-                  <dgm:constr type="h" for="ch" forName="dot10" refType="userD"/>
-                  <dgm:constr type="ctrX" for="ch" forName="dot11" refType="w" fact="0.3147"/>
-                  <dgm:constr type="ctrY" for="ch" forName="dot11" refType="h" fact="0.1763"/>
-                  <dgm:constr type="w" for="ch" forName="dot11" refType="userD"/>
-                  <dgm:constr type="h" for="ch" forName="dot11" refType="userD"/>
-                  <dgm:constr type="ctrX" for="ch" forName="dotArrow1" refType="w" fact="0.3373"/>
-                  <dgm:constr type="ctrY" for="ch" forName="dotArrow1" refType="h" fact="-0.0099"/>
-                  <dgm:constr type="w" for="ch" forName="dotArrow1" refType="userD"/>
-                  <dgm:constr type="h" for="ch" forName="dotArrow1" refType="userD"/>
-                  <dgm:constr type="ctrX" for="ch" forName="dotArrow2" refType="w" fact="0.3227"/>
-                  <dgm:constr type="ctrY" for="ch" forName="dotArrow2" refType="h" fact="-0.0239"/>
-                  <dgm:constr type="w" for="ch" forName="dotArrow2" refType="userD"/>
-                  <dgm:constr type="h" for="ch" forName="dotArrow2" refType="userD"/>
-                  <dgm:constr type="ctrX" for="ch" forName="dotArrow3" refType="w" fact="0.3081"/>
-                  <dgm:constr type="ctrY" for="ch" forName="dotArrow3" refType="h" fact="-0.0378"/>
-                  <dgm:constr type="w" for="ch" forName="dotArrow3" refType="userD"/>
-                  <dgm:constr type="h" for="ch" forName="dotArrow3" refType="userD"/>
-                  <dgm:constr type="ctrX" for="ch" forName="dotArrow4" refType="w" fact="0.2935"/>
-                  <dgm:constr type="ctrY" for="ch" forName="dotArrow4" refType="h" fact="-0.0239"/>
-                  <dgm:constr type="w" for="ch" forName="dotArrow4" refType="userD"/>
-                  <dgm:constr type="h" for="ch" forName="dotArrow4" refType="userD"/>
-                  <dgm:constr type="ctrX" for="ch" forName="dotArrow5" refType="w" fact="0.2788"/>
-                  <dgm:constr type="ctrY" for="ch" forName="dotArrow5" refType="h" fact="-0.0099"/>
-                  <dgm:constr type="w" for="ch" forName="dotArrow5" refType="userD"/>
-                  <dgm:constr type="h" for="ch" forName="dotArrow5" refType="userD"/>
-                  <dgm:constr type="ctrX" for="ch" forName="dotArrow6" refType="w" fact="0.3081"/>
-                  <dgm:constr type="ctrY" for="ch" forName="dotArrow6" refType="h" fact="-0.0084"/>
-                  <dgm:constr type="w" for="ch" forName="dotArrow6" refType="userD"/>
-                  <dgm:constr type="h" for="ch" forName="dotArrow6" refType="userD"/>
-                  <dgm:constr type="ctrX" for="ch" forName="dotArrow7" refType="w" fact="0.3081"/>
-                  <dgm:constr type="ctrY" for="ch" forName="dotArrow7" refType="h" fact="0.0211"/>
-                  <dgm:constr type="w" for="ch" forName="dotArrow7" refType="userD"/>
-                  <dgm:constr type="h" for="ch" forName="dotArrow7" refType="userD"/>
-                  <dgm:constr type="r" for="ch" forName="parTx1" refType="w" fact="0.7444"/>
-                  <dgm:constr type="t" for="ch" forName="parTx1" refType="h" fact="0.8856"/>
-                  <dgm:constr type="w" for="ch" forName="parTx1" refType="w" fact="0.2101"/>
-                  <dgm:constr type="h" for="ch" forName="parTx1" refType="h" fact="0.0704"/>
-                  <dgm:constr type="ctrX" for="ch" forName="picture1" refType="w" fact="0.754"/>
-                  <dgm:constr type="ctrY" for="ch" forName="picture1" refType="h" fact="0.8769"/>
-                  <dgm:constr type="w" for="ch" forName="picture1" refType="w" fact="0.0974"/>
-                  <dgm:constr type="h" for="ch" forName="picture1" refType="h" fact="0.1218"/>
-                  <dgm:constr type="r" for="ch" forName="desTx1" refType="l" refFor="ch" refForName="parTx1"/>
-                  <dgm:constr type="l" for="ch" forName="desTx1"/>
-                  <dgm:constr type="t" for="ch" forName="desTx1" refType="t" refFor="ch" refForName="parTx1"/>
-                  <dgm:constr type="h" for="ch" forName="desTx1" refType="h" refFor="ch" refForName="parTx1"/>
-                  <dgm:constr type="r" for="ch" forName="parTx2" refType="w" fact="0.5465"/>
-                  <dgm:constr type="t" for="ch" forName="parTx2" refType="h" fact="0.7956"/>
-                  <dgm:constr type="w" for="ch" forName="parTx2" refType="w" fact="0.2101"/>
-                  <dgm:constr type="h" for="ch" forName="parTx2" refType="h" fact="0.0704"/>
-                  <dgm:constr type="ctrX" for="ch" forName="picture2" refType="w" fact="0.5561"/>
-                  <dgm:constr type="ctrY" for="ch" forName="picture2" refType="h" fact="0.787"/>
-                  <dgm:constr type="w" for="ch" forName="picture2" refType="w" fact="0.0974"/>
-                  <dgm:constr type="h" for="ch" forName="picture2" refType="h" fact="0.1218"/>
-                  <dgm:constr type="r" for="ch" forName="desTx2" refType="l" refFor="ch" refForName="parTx2"/>
-                  <dgm:constr type="l" for="ch" forName="desTx2"/>
-                  <dgm:constr type="t" for="ch" forName="desTx2" refType="t" refFor="ch" refForName="parTx2"/>
-                  <dgm:constr type="h" for="ch" forName="desTx2" refType="h" refFor="ch" refForName="parTx2"/>
-                  <dgm:constr type="r" for="ch" forName="parTx3" refType="w" fact="0.4489"/>
-                  <dgm:constr type="t" for="ch" forName="parTx3" refType="h" fact="0.673"/>
-                  <dgm:constr type="w" for="ch" forName="parTx3" refType="w" fact="0.2101"/>
-                  <dgm:constr type="h" for="ch" forName="parTx3" refType="h" fact="0.0704"/>
-                  <dgm:constr type="ctrX" for="ch" forName="picture3" refType="w" fact="0.4585"/>
-                  <dgm:constr type="ctrY" for="ch" forName="picture3" refType="h" fact="0.6644"/>
-                  <dgm:constr type="w" for="ch" forName="picture3" refType="w" fact="0.0974"/>
-                  <dgm:constr type="h" for="ch" forName="picture3" refType="h" fact="0.1218"/>
-                  <dgm:constr type="r" for="ch" forName="desTx3" refType="l" refFor="ch" refForName="parTx3"/>
-                  <dgm:constr type="l" for="ch" forName="desTx3"/>
-                  <dgm:constr type="t" for="ch" forName="desTx3" refType="t" refFor="ch" refForName="parTx3"/>
-                  <dgm:constr type="h" for="ch" forName="desTx3" refType="h" refFor="ch" refForName="parTx3"/>
-                  <dgm:constr type="r" for="ch" forName="parTx4" refType="w" fact="0.3868"/>
-                  <dgm:constr type="t" for="ch" forName="parTx4" refType="h" fact="0.538"/>
-                  <dgm:constr type="w" for="ch" forName="parTx4" refType="w" fact="0.2101"/>
-                  <dgm:constr type="h" for="ch" forName="parTx4" refType="h" fact="0.0704"/>
-                  <dgm:constr type="ctrX" for="ch" forName="picture4" refType="w" fact="0.3963"/>
-                  <dgm:constr type="ctrY" for="ch" forName="picture4" refType="h" fact="0.5294"/>
-                  <dgm:constr type="w" for="ch" forName="picture4" refType="w" fact="0.0974"/>
-                  <dgm:constr type="h" for="ch" forName="picture4" refType="h" fact="0.1218"/>
-                  <dgm:constr type="r" for="ch" forName="desTx4" refType="l" refFor="ch" refForName="parTx4"/>
-                  <dgm:constr type="l" for="ch" forName="desTx4"/>
-                  <dgm:constr type="t" for="ch" forName="desTx4" refType="t" refFor="ch" refForName="parTx4"/>
-                  <dgm:constr type="h" for="ch" forName="desTx4" refType="h" refFor="ch" refForName="parTx4"/>
-                  <dgm:constr type="r" for="ch" forName="parTx5" refType="w" fact="0.3424"/>
-                  <dgm:constr type="t" for="ch" forName="parTx5" refType="h" fact="0.3951"/>
-                  <dgm:constr type="w" for="ch" forName="parTx5" refType="w" fact="0.2101"/>
-                  <dgm:constr type="h" for="ch" forName="parTx5" refType="h" fact="0.0704"/>
-                  <dgm:constr type="ctrX" for="ch" forName="picture5" refType="w" fact="0.352"/>
-                  <dgm:constr type="ctrY" for="ch" forName="picture5" refType="h" fact="0.3864"/>
-                  <dgm:constr type="w" for="ch" forName="picture5" refType="w" fact="0.0974"/>
-                  <dgm:constr type="h" for="ch" forName="picture5" refType="h" fact="0.1218"/>
-                  <dgm:constr type="r" for="ch" forName="desTx5" refType="l" refFor="ch" refForName="parTx5"/>
-                  <dgm:constr type="l" for="ch" forName="desTx5"/>
-                  <dgm:constr type="t" for="ch" forName="desTx5" refType="t" refFor="ch" refForName="parTx5"/>
-                  <dgm:constr type="h" for="ch" forName="desTx5" refType="h" refFor="ch" refForName="parTx5"/>
-                  <dgm:constr type="r" for="ch" forName="parTx6" refType="w" fact="0.3172"/>
-                  <dgm:constr type="t" for="ch" forName="parTx6" refType="h" fact="0.2531"/>
-                  <dgm:constr type="w" for="ch" forName="parTx6" refType="w" fact="0.2101"/>
-                  <dgm:constr type="h" for="ch" forName="parTx6" refType="h" fact="0.0704"/>
-                  <dgm:constr type="ctrX" for="ch" forName="picture6" refType="w" fact="0.3267"/>
-                  <dgm:constr type="ctrY" for="ch" forName="picture6" refType="h" fact="0.2444"/>
-                  <dgm:constr type="w" for="ch" forName="picture6" refType="w" fact="0.0974"/>
-                  <dgm:constr type="h" for="ch" forName="picture6" refType="h" fact="0.1218"/>
-                  <dgm:constr type="r" for="ch" forName="desTx6" refType="l" refFor="ch" refForName="parTx6"/>
-                  <dgm:constr type="l" for="ch" forName="desTx6"/>
-                  <dgm:constr type="t" for="ch" forName="desTx6" refType="t" refFor="ch" refForName="parTx6"/>
-                  <dgm:constr type="h" for="ch" forName="desTx6" refType="h" refFor="ch" refForName="parTx6"/>
-                  <dgm:constr type="r" for="ch" forName="parTx7" refType="w" fact="0.3034"/>
-                  <dgm:constr type="t" for="ch" forName="parTx7" refType="h" fact="0.1162"/>
-                  <dgm:constr type="w" for="ch" forName="parTx7" refType="w" fact="0.2101"/>
-                  <dgm:constr type="h" for="ch" forName="parTx7" refType="h" fact="0.0704"/>
-                  <dgm:constr type="ctrX" for="ch" forName="picture7" refType="w" fact="0.3129"/>
-                  <dgm:constr type="ctrY" for="ch" forName="picture7" refType="h" fact="0.1075"/>
-                  <dgm:constr type="w" for="ch" forName="picture7" refType="w" fact="0.0974"/>
-                  <dgm:constr type="h" for="ch" forName="picture7" refType="h" fact="0.1218"/>
-                  <dgm:constr type="r" for="ch" forName="desTx7" refType="l" refFor="ch" refForName="parTx7"/>
-                  <dgm:constr type="l" for="ch" forName="desTx7"/>
-                  <dgm:constr type="t" for="ch" forName="desTx7" refType="t" refFor="ch" refForName="parTx7"/>
-                  <dgm:constr type="h" for="ch" forName="desTx7" refType="h" refFor="ch" refForName="parTx7"/>
-                </dgm:constrLst>
-              </dgm:if>
-              <dgm:else name="Name71">
-                <dgm:alg type="composite">
-                  <dgm:param type="ar" val="1.096"/>
-                </dgm:alg>
-                <dgm:constrLst>
-                  <dgm:constr type="primFontSz" for="ch" forName="parTx1" op="equ" val="65"/>
-                  <dgm:constr type="primFontSz" for="ch" forName="parTx2" refType="primFontSz" refFor="ch" refForName="parTx1" op="equ"/>
-                  <dgm:constr type="primFontSz" for="ch" forName="parTx3" refType="primFontSz" refFor="ch" refForName="parTx1" op="equ"/>
-                  <dgm:constr type="primFontSz" for="ch" forName="parTx4" refType="primFontSz" refFor="ch" refForName="parTx1" op="equ"/>
-                  <dgm:constr type="primFontSz" for="ch" forName="parTx5" refType="primFontSz" refFor="ch" refForName="parTx1" op="equ"/>
-                  <dgm:constr type="primFontSz" for="ch" forName="parTx6" refType="primFontSz" refFor="ch" refForName="parTx1" op="equ"/>
-                  <dgm:constr type="primFontSz" for="ch" forName="parTx7" refType="primFontSz" refFor="ch" refForName="parTx1" op="equ"/>
-                  <dgm:constr type="userD" refType="w" fact="0.0111"/>
-                  <dgm:constr type="ctrX" for="ch" forName="dot1" refType="w" fact="0.5541"/>
-                  <dgm:constr type="ctrY" for="ch" forName="dot1" refType="h" fact="0.8342"/>
-                  <dgm:constr type="w" for="ch" forName="dot1" refType="userD"/>
-                  <dgm:constr type="h" for="ch" forName="dot1" refType="userD"/>
-                  <dgm:constr type="ctrX" for="ch" forName="dot2" refType="w" fact="0.5756"/>
-                  <dgm:constr type="ctrY" for="ch" forName="dot2" refType="h" fact="0.8448"/>
-                  <dgm:constr type="w" for="ch" forName="dot2" refType="userD"/>
-                  <dgm:constr type="h" for="ch" forName="dot2" refType="userD"/>
-                  <dgm:constr type="ctrX" for="ch" forName="dot3" refType="w" fact="0.5974"/>
-                  <dgm:constr type="ctrY" for="ch" forName="dot3" refType="h" fact="0.8539"/>
-                  <dgm:constr type="w" for="ch" forName="dot3" refType="userD"/>
-                  <dgm:constr type="h" for="ch" forName="dot3" refType="userD"/>
-                  <dgm:constr type="ctrX" for="ch" forName="dot4" refType="w" fact="0.6194"/>
-                  <dgm:constr type="ctrY" for="ch" forName="dot4" refType="h" fact="0.8615"/>
-                  <dgm:constr type="w" for="ch" forName="dot4" refType="userD"/>
-                  <dgm:constr type="h" for="ch" forName="dot4" refType="userD"/>
-                  <dgm:constr type="ctrX" for="ch" forName="dot5" refType="w" fact="0.6416"/>
-                  <dgm:constr type="ctrY" for="ch" forName="dot5" refType="h" fact="0.8676"/>
-                  <dgm:constr type="w" for="ch" forName="dot5" refType="userD"/>
-                  <dgm:constr type="h" for="ch" forName="dot5" refType="userD"/>
-                  <dgm:constr type="ctrX" for="ch" forName="dot6" refType="w" fact="0.4197"/>
-                  <dgm:constr type="ctrY" for="ch" forName="dot6" refType="h" fact="0.7255"/>
-                  <dgm:constr type="w" for="ch" forName="dot6" refType="userD"/>
-                  <dgm:constr type="h" for="ch" forName="dot6" refType="userD"/>
-                  <dgm:constr type="ctrX" for="ch" forName="dot7" refType="w" fact="0.4382"/>
-                  <dgm:constr type="ctrY" for="ch" forName="dot7" refType="h" fact="0.7454"/>
-                  <dgm:constr type="w" for="ch" forName="dot7" refType="userD"/>
-                  <dgm:constr type="h" for="ch" forName="dot7" refType="userD"/>
-                  <dgm:constr type="ctrX" for="ch" forName="dot8" refType="w" fact="0.3344"/>
-                  <dgm:constr type="ctrY" for="ch" forName="dot8" refType="h" fact="0.6026"/>
-                  <dgm:constr type="w" for="ch" forName="dot8" refType="userD"/>
-                  <dgm:constr type="h" for="ch" forName="dot8" refType="userD"/>
-                  <dgm:constr type="ctrX" for="ch" forName="dot9" refType="w" fact="0.2734"/>
-                  <dgm:constr type="ctrY" for="ch" forName="dot9" refType="h" fact="0.4632"/>
-                  <dgm:constr type="w" for="ch" forName="dot9" refType="userD"/>
-                  <dgm:constr type="h" for="ch" forName="dot9" refType="userD"/>
-                  <dgm:constr type="ctrX" for="ch" forName="dot10" refType="w" fact="0.2357"/>
-                  <dgm:constr type="ctrY" for="ch" forName="dot10" refType="h" fact="0.3187"/>
-                  <dgm:constr type="w" for="ch" forName="dot10" refType="userD"/>
-                  <dgm:constr type="h" for="ch" forName="dot10" refType="userD"/>
-                  <dgm:constr type="ctrX" for="ch" forName="dot11" refType="w" fact="0.2184"/>
-                  <dgm:constr type="ctrY" for="ch" forName="dot11" refType="h" fact="0.1763"/>
-                  <dgm:constr type="w" for="ch" forName="dot11" refType="userD"/>
-                  <dgm:constr type="h" for="ch" forName="dot11" refType="userD"/>
-                  <dgm:constr type="ctrX" for="ch" forName="dotArrow1" refType="w" fact="0.2442"/>
-                  <dgm:constr type="ctrY" for="ch" forName="dotArrow1" refType="h" fact="-0.0099"/>
-                  <dgm:constr type="w" for="ch" forName="dotArrow1" refType="userD"/>
-                  <dgm:constr type="h" for="ch" forName="dotArrow1" refType="userD"/>
-                  <dgm:constr type="ctrX" for="ch" forName="dotArrow2" refType="w" fact="0.2275"/>
-                  <dgm:constr type="ctrY" for="ch" forName="dotArrow2" refType="h" fact="-0.0239"/>
-                  <dgm:constr type="w" for="ch" forName="dotArrow2" refType="userD"/>
-                  <dgm:constr type="h" for="ch" forName="dotArrow2" refType="userD"/>
-                  <dgm:constr type="ctrX" for="ch" forName="dotArrow3" refType="w" fact="0.2108"/>
-                  <dgm:constr type="ctrY" for="ch" forName="dotArrow3" refType="h" fact="-0.0378"/>
-                  <dgm:constr type="w" for="ch" forName="dotArrow3" refType="userD"/>
-                  <dgm:constr type="h" for="ch" forName="dotArrow3" refType="userD"/>
-                  <dgm:constr type="ctrX" for="ch" forName="dotArrow4" refType="w" fact="0.1942"/>
-                  <dgm:constr type="ctrY" for="ch" forName="dotArrow4" refType="h" fact="-0.0239"/>
-                  <dgm:constr type="w" for="ch" forName="dotArrow4" refType="userD"/>
-                  <dgm:constr type="h" for="ch" forName="dotArrow4" refType="userD"/>
-                  <dgm:constr type="ctrX" for="ch" forName="dotArrow5" refType="w" fact="0.1775"/>
-                  <dgm:constr type="ctrY" for="ch" forName="dotArrow5" refType="h" fact="-0.0099"/>
-                  <dgm:constr type="w" for="ch" forName="dotArrow5" refType="userD"/>
-                  <dgm:constr type="h" for="ch" forName="dotArrow5" refType="userD"/>
-                  <dgm:constr type="ctrX" for="ch" forName="dotArrow6" refType="w" fact="0.2108"/>
-                  <dgm:constr type="ctrY" for="ch" forName="dotArrow6" refType="h" fact="-0.0084"/>
-                  <dgm:constr type="w" for="ch" forName="dotArrow6" refType="userD"/>
-                  <dgm:constr type="h" for="ch" forName="dotArrow6" refType="userD"/>
-                  <dgm:constr type="ctrX" for="ch" forName="dotArrow7" refType="w" fact="0.2108"/>
-                  <dgm:constr type="ctrY" for="ch" forName="dotArrow7" refType="h" fact="0.0211"/>
-                  <dgm:constr type="w" for="ch" forName="dotArrow7" refType="userD"/>
-                  <dgm:constr type="h" for="ch" forName="dotArrow7" refType="userD"/>
-                  <dgm:constr type="r" for="ch" forName="parTx1" refType="w" fact="0.7085"/>
-                  <dgm:constr type="t" for="ch" forName="parTx1" refType="h" fact="0.8845"/>
-                  <dgm:constr type="w" for="ch" forName="parTx1" refType="w" fact="0.2396"/>
-                  <dgm:constr type="h" for="ch" forName="parTx1" refType="h" fact="0.0704"/>
-                  <dgm:constr type="ctrX" for="ch" forName="picture1" refType="w" fact="0.7194"/>
-                  <dgm:constr type="ctrY" for="ch" forName="picture1" refType="h" fact="0.8769"/>
-                  <dgm:constr type="w" for="ch" forName="picture1" refType="w" fact="0.1111"/>
-                  <dgm:constr type="h" for="ch" forName="picture1" refType="h" fact="0.1218"/>
-                  <dgm:constr type="r" for="ch" forName="parTx2" refType="w" fact="0.4828"/>
-                  <dgm:constr type="t" for="ch" forName="parTx2" refType="h" fact="0.7946"/>
-                  <dgm:constr type="w" for="ch" forName="parTx2" refType="w" fact="0.2396"/>
-                  <dgm:constr type="h" for="ch" forName="parTx2" refType="h" fact="0.0704"/>
-                  <dgm:constr type="ctrX" for="ch" forName="picture2" refType="w" fact="0.4937"/>
-                  <dgm:constr type="ctrY" for="ch" forName="picture2" refType="h" fact="0.787"/>
-                  <dgm:constr type="w" for="ch" forName="picture2" refType="w" fact="0.1111"/>
-                  <dgm:constr type="h" for="ch" forName="picture2" refType="h" fact="0.1218"/>
-                  <dgm:constr type="r" for="ch" forName="parTx3" refType="w" fact="0.3715"/>
-                  <dgm:constr type="t" for="ch" forName="parTx3" refType="h" fact="0.672"/>
-                  <dgm:constr type="w" for="ch" forName="parTx3" refType="w" fact="0.2396"/>
-                  <dgm:constr type="h" for="ch" forName="parTx3" refType="h" fact="0.0704"/>
-                  <dgm:constr type="ctrX" for="ch" forName="picture3" refType="w" fact="0.3824"/>
-                  <dgm:constr type="ctrY" for="ch" forName="picture3" refType="h" fact="0.6644"/>
-                  <dgm:constr type="w" for="ch" forName="picture3" refType="w" fact="0.1111"/>
-                  <dgm:constr type="h" for="ch" forName="picture3" refType="h" fact="0.1218"/>
-                  <dgm:constr type="r" for="ch" forName="parTx4" refType="w" fact="0.3006"/>
-                  <dgm:constr type="t" for="ch" forName="parTx4" refType="h" fact="0.5369"/>
-                  <dgm:constr type="w" for="ch" forName="parTx4" refType="w" fact="0.2396"/>
-                  <dgm:constr type="h" for="ch" forName="parTx4" refType="h" fact="0.0704"/>
-                  <dgm:constr type="ctrX" for="ch" forName="picture4" refType="w" fact="0.3115"/>
-                  <dgm:constr type="ctrY" for="ch" forName="picture4" refType="h" fact="0.5294"/>
-                  <dgm:constr type="w" for="ch" forName="picture4" refType="w" fact="0.1111"/>
-                  <dgm:constr type="h" for="ch" forName="picture4" refType="h" fact="0.1218"/>
-                  <dgm:constr type="r" for="ch" forName="parTx5" refType="w" fact="0.25"/>
-                  <dgm:constr type="t" for="ch" forName="parTx5" refType="h" fact="0.394"/>
-                  <dgm:constr type="w" for="ch" forName="parTx5" refType="w" fact="0.2396"/>
-                  <dgm:constr type="h" for="ch" forName="parTx5" refType="h" fact="0.0704"/>
-                  <dgm:constr type="ctrX" for="ch" forName="picture5" refType="w" fact="0.2609"/>
-                  <dgm:constr type="ctrY" for="ch" forName="picture5" refType="h" fact="0.3864"/>
-                  <dgm:constr type="w" for="ch" forName="picture5" refType="w" fact="0.1111"/>
-                  <dgm:constr type="h" for="ch" forName="picture5" refType="h" fact="0.1218"/>
-                  <dgm:constr type="r" for="ch" forName="parTx6" refType="w" fact="0.2212"/>
-                  <dgm:constr type="t" for="ch" forName="parTx6" refType="h" fact="0.252"/>
-                  <dgm:constr type="w" for="ch" forName="parTx6" refType="w" fact="0.2396"/>
-                  <dgm:constr type="h" for="ch" forName="parTx6" refType="h" fact="0.0704"/>
-                  <dgm:constr type="ctrX" for="ch" forName="picture6" refType="w" fact="0.2321"/>
-                  <dgm:constr type="ctrY" for="ch" forName="picture6" refType="h" fact="0.2444"/>
-                  <dgm:constr type="w" for="ch" forName="picture6" refType="w" fact="0.1111"/>
-                  <dgm:constr type="h" for="ch" forName="picture6" refType="h" fact="0.1218"/>
-                  <dgm:constr type="r" for="ch" forName="parTx7" refType="w" fact="0.2055"/>
-                  <dgm:constr type="t" for="ch" forName="parTx7" refType="h" fact="0.1151"/>
-                  <dgm:constr type="w" for="ch" forName="parTx7" refType="w" fact="0.2396"/>
-                  <dgm:constr type="h" for="ch" forName="parTx7" refType="h" fact="0.0704"/>
-                  <dgm:constr type="ctrX" for="ch" forName="picture7" refType="w" fact="0.2164"/>
-                  <dgm:constr type="ctrY" for="ch" forName="picture7" refType="h" fact="0.1075"/>
-                  <dgm:constr type="w" for="ch" forName="picture7" refType="w" fact="0.1111"/>
-                  <dgm:constr type="h" for="ch" forName="picture7" refType="h" fact="0.1218"/>
-                </dgm:constrLst>
-              </dgm:else>
-            </dgm:choose>
-          </dgm:else>
-        </dgm:choose>
-      </dgm:else>
-    </dgm:choose>
-    <dgm:forEach name="wrapper" axis="self" ptType="parTrans">
-      <dgm:forEach name="wrapper2" axis="self" ptType="sibTrans" st="2">
-        <dgm:forEach name="imageRepeat" axis="self">
-          <dgm:layoutNode name="imageRepeatNode" styleLbl="fgImgPlace1">
-            <dgm:alg type="sp"/>
-            <dgm:shape xmlns:r="http://schemas.openxmlformats.org/officeDocument/2006/relationships" type="ellipse" r:blip="" blipPhldr="1">
-              <dgm:adjLst/>
-            </dgm:shape>
-            <dgm:presOf axis="self"/>
-          </dgm:layoutNode>
-        </dgm:forEach>
-      </dgm:forEach>
-    </dgm:forEach>
-    <dgm:choose name="Name72">
-      <dgm:if name="Name73" axis="ch" ptType="node" func="cnt" op="gte" val="2">
-        <dgm:layoutNode name="dot1" styleLbl="alignNode1">
-          <dgm:alg type="sp"/>
-          <dgm:shape xmlns:r="http://schemas.openxmlformats.org/officeDocument/2006/relationships" type="ellipse" r:blip="">
-            <dgm:adjLst/>
-          </dgm:shape>
-          <dgm:presOf/>
-        </dgm:layoutNode>
-        <dgm:layoutNode name="dot2" styleLbl="alignNode1">
-          <dgm:alg type="sp"/>
-          <dgm:shape xmlns:r="http://schemas.openxmlformats.org/officeDocument/2006/relationships" type="ellipse" r:blip="">
-            <dgm:adjLst/>
-          </dgm:shape>
-          <dgm:presOf/>
-        </dgm:layoutNode>
-        <dgm:layoutNode name="dot3" styleLbl="alignNode1">
-          <dgm:alg type="sp"/>
-          <dgm:shape xmlns:r="http://schemas.openxmlformats.org/officeDocument/2006/relationships" type="ellipse" r:blip="">
-            <dgm:adjLst/>
-          </dgm:shape>
-          <dgm:presOf/>
-        </dgm:layoutNode>
-      </dgm:if>
-      <dgm:else name="Name74"/>
-    </dgm:choose>
-    <dgm:choose name="Name75">
-      <dgm:if name="Name76" axis="ch" ptType="node" func="cnt" op="gte" val="3">
-        <dgm:layoutNode name="dot4" styleLbl="alignNode1">
-          <dgm:alg type="sp"/>
-          <dgm:shape xmlns:r="http://schemas.openxmlformats.org/officeDocument/2006/relationships" type="ellipse" r:blip="">
-            <dgm:adjLst/>
-          </dgm:shape>
-          <dgm:presOf/>
-        </dgm:layoutNode>
-        <dgm:layoutNode name="dot5" styleLbl="alignNode1">
-          <dgm:alg type="sp"/>
-          <dgm:shape xmlns:r="http://schemas.openxmlformats.org/officeDocument/2006/relationships" type="ellipse" r:blip="">
-            <dgm:adjLst/>
-          </dgm:shape>
-          <dgm:presOf/>
-        </dgm:layoutNode>
-      </dgm:if>
-      <dgm:else name="Name77"/>
-    </dgm:choose>
-    <dgm:choose name="Name78">
-      <dgm:if name="Name79" axis="ch" ptType="node" func="cnt" op="gte" val="4">
-        <dgm:layoutNode name="dot6" styleLbl="alignNode1">
-          <dgm:alg type="sp"/>
-          <dgm:shape xmlns:r="http://schemas.openxmlformats.org/officeDocument/2006/relationships" type="ellipse" r:blip="">
-            <dgm:adjLst/>
-          </dgm:shape>
-          <dgm:presOf/>
-        </dgm:layoutNode>
-      </dgm:if>
-      <dgm:else name="Name80"/>
-    </dgm:choose>
-    <dgm:choose name="Name81">
-      <dgm:if name="Name82" axis="ch" ptType="node" func="cnt" op="gte" val="5">
-        <dgm:layoutNode name="dot7" styleLbl="alignNode1">
-          <dgm:alg type="sp"/>
-          <dgm:shape xmlns:r="http://schemas.openxmlformats.org/officeDocument/2006/relationships" type="ellipse" r:blip="">
-            <dgm:adjLst/>
-          </dgm:shape>
-          <dgm:presOf/>
-        </dgm:layoutNode>
-        <dgm:layoutNode name="dot8" styleLbl="alignNode1">
-          <dgm:alg type="sp"/>
-          <dgm:shape xmlns:r="http://schemas.openxmlformats.org/officeDocument/2006/relationships" type="ellipse" r:blip="">
-            <dgm:adjLst/>
-          </dgm:shape>
-          <dgm:presOf/>
-        </dgm:layoutNode>
-      </dgm:if>
-      <dgm:else name="Name83"/>
-    </dgm:choose>
-    <dgm:choose name="Name84">
-      <dgm:if name="Name85" axis="ch" ptType="node" func="cnt" op="gte" val="6">
-        <dgm:layoutNode name="dot9" styleLbl="alignNode1">
-          <dgm:alg type="sp"/>
-          <dgm:shape xmlns:r="http://schemas.openxmlformats.org/officeDocument/2006/relationships" type="ellipse" r:blip="">
-            <dgm:adjLst/>
-          </dgm:shape>
-          <dgm:presOf/>
-        </dgm:layoutNode>
-        <dgm:layoutNode name="dot10" styleLbl="alignNode1">
-          <dgm:alg type="sp"/>
-          <dgm:shape xmlns:r="http://schemas.openxmlformats.org/officeDocument/2006/relationships" type="ellipse" r:blip="">
-            <dgm:adjLst/>
-          </dgm:shape>
-          <dgm:presOf/>
-        </dgm:layoutNode>
-      </dgm:if>
-      <dgm:else name="Name86"/>
-    </dgm:choose>
-    <dgm:choose name="Name87">
-      <dgm:if name="Name88" axis="ch" ptType="node" func="cnt" op="gte" val="7">
-        <dgm:layoutNode name="dot11" styleLbl="alignNode1">
-          <dgm:alg type="sp"/>
-          <dgm:shape xmlns:r="http://schemas.openxmlformats.org/officeDocument/2006/relationships" type="ellipse" r:blip="">
-            <dgm:adjLst/>
-          </dgm:shape>
-          <dgm:presOf/>
-        </dgm:layoutNode>
-      </dgm:if>
-      <dgm:else name="Name89"/>
-    </dgm:choose>
-    <dgm:choose name="Name90">
-      <dgm:if name="Name91" axis="ch" ptType="node" func="cnt" op="gte" val="2">
-        <dgm:layoutNode name="dotArrow1" styleLbl="alignNode1">
-          <dgm:alg type="sp"/>
-          <dgm:shape xmlns:r="http://schemas.openxmlformats.org/officeDocument/2006/relationships" type="ellipse" r:blip="">
-            <dgm:adjLst/>
-          </dgm:shape>
-          <dgm:presOf/>
-        </dgm:layoutNode>
-        <dgm:layoutNode name="dotArrow2" styleLbl="alignNode1">
-          <dgm:alg type="sp"/>
-          <dgm:shape xmlns:r="http://schemas.openxmlformats.org/officeDocument/2006/relationships" type="ellipse" r:blip="">
-            <dgm:adjLst/>
-          </dgm:shape>
-          <dgm:presOf/>
-        </dgm:layoutNode>
-        <dgm:layoutNode name="dotArrow3" styleLbl="alignNode1">
-          <dgm:alg type="sp"/>
-          <dgm:shape xmlns:r="http://schemas.openxmlformats.org/officeDocument/2006/relationships" type="ellipse" r:blip="">
-            <dgm:adjLst/>
-          </dgm:shape>
-          <dgm:presOf/>
-        </dgm:layoutNode>
-        <dgm:layoutNode name="dotArrow4" styleLbl="alignNode1">
-          <dgm:alg type="sp"/>
-          <dgm:shape xmlns:r="http://schemas.openxmlformats.org/officeDocument/2006/relationships" type="ellipse" r:blip="">
-            <dgm:adjLst/>
-          </dgm:shape>
-          <dgm:presOf/>
-        </dgm:layoutNode>
-        <dgm:layoutNode name="dotArrow5" styleLbl="alignNode1">
-          <dgm:alg type="sp"/>
-          <dgm:shape xmlns:r="http://schemas.openxmlformats.org/officeDocument/2006/relationships" type="ellipse" r:blip="">
-            <dgm:adjLst/>
-          </dgm:shape>
-          <dgm:presOf/>
-        </dgm:layoutNode>
-        <dgm:layoutNode name="dotArrow6" styleLbl="alignNode1">
-          <dgm:alg type="sp"/>
-          <dgm:shape xmlns:r="http://schemas.openxmlformats.org/officeDocument/2006/relationships" type="ellipse" r:blip="">
-            <dgm:adjLst/>
-          </dgm:shape>
-          <dgm:presOf/>
-        </dgm:layoutNode>
-        <dgm:layoutNode name="dotArrow7" styleLbl="alignNode1">
-          <dgm:alg type="sp"/>
-          <dgm:shape xmlns:r="http://schemas.openxmlformats.org/officeDocument/2006/relationships" type="ellipse" r:blip="">
-            <dgm:adjLst/>
-          </dgm:shape>
-          <dgm:presOf/>
-        </dgm:layoutNode>
-      </dgm:if>
-      <dgm:else name="Name92"/>
-    </dgm:choose>
-    <dgm:forEach name="Name93" axis="ch" ptType="node" cnt="1">
-      <dgm:layoutNode name="parTx1">
-        <dgm:choose name="Name94">
-          <dgm:if name="Name95" func="var" arg="dir" op="equ" val="norm">
-            <dgm:alg type="tx">
-              <dgm:param type="parTxLTRAlign" val="l"/>
-              <dgm:param type="parTxRTLAlign" val="r"/>
-            </dgm:alg>
-          </dgm:if>
-          <dgm:else name="Name96">
-            <dgm:alg type="tx">
-              <dgm:param type="parTxLTRAlign" val="r"/>
-              <dgm:param type="parTxRTLAlign" val="l"/>
-            </dgm:alg>
-          </dgm:else>
-        </dgm:choose>
-        <dgm:shape xmlns:r="http://schemas.openxmlformats.org/officeDocument/2006/relationships" type="roundRect" r:blip="">
-          <dgm:adjLst/>
-        </dgm:shape>
-        <dgm:presOf axis="self" ptType="node"/>
-        <dgm:choose name="Name97">
-          <dgm:if name="Name98" func="var" arg="dir" op="equ" val="norm">
-            <dgm:constrLst>
-              <dgm:constr type="lMarg" refType="w" fact="0.6"/>
-              <dgm:constr type="rMarg" refType="primFontSz" fact="0.3"/>
-              <dgm:constr type="tMarg" refType="primFontSz" fact="0.3"/>
-              <dgm:constr type="bMarg" refType="primFontSz" fact="0.3"/>
-            </dgm:constrLst>
-          </dgm:if>
-          <dgm:else name="Name99">
-            <dgm:constrLst>
-              <dgm:constr type="rMarg" refType="w" fact="0.6"/>
-              <dgm:constr type="lMarg" refType="primFontSz" fact="0.3"/>
-              <dgm:constr type="tMarg" refType="primFontSz" fact="0.3"/>
-              <dgm:constr type="bMarg" refType="primFontSz" fact="0.3"/>
-            </dgm:constrLst>
-          </dgm:else>
-        </dgm:choose>
-        <dgm:ruleLst>
-          <dgm:rule type="primFontSz" val="5" fact="NaN" max="NaN"/>
-        </dgm:ruleLst>
-      </dgm:layoutNode>
-      <dgm:choose name="Name100">
-        <dgm:if name="Name101" axis="ch" ptType="node" func="cnt" op="gte" val="1">
-          <dgm:layoutNode name="desTx1" styleLbl="revTx">
-            <dgm:varLst>
-              <dgm:bulletEnabled val="1"/>
-            </dgm:varLst>
-            <dgm:choose name="Name102">
-              <dgm:if name="Name103" func="var" arg="dir" op="equ" val="norm">
-                <dgm:choose name="Name104">
-                  <dgm:if name="Name105" axis="ch" ptType="node" func="cnt" op="gte" val="2">
-                    <dgm:alg type="tx">
-                      <dgm:param type="parTxLTRAlign" val="l"/>
-                      <dgm:param type="parTxRTLAlign" val="l"/>
-                      <dgm:param type="stBulletLvl" val="1"/>
-                    </dgm:alg>
-                  </dgm:if>
-                  <dgm:else name="Name106">
-                    <dgm:alg type="tx">
-                      <dgm:param type="parTxLTRAlign" val="l"/>
-                      <dgm:param type="parTxRTLAlign" val="l"/>
-                    </dgm:alg>
-                  </dgm:else>
-                </dgm:choose>
-              </dgm:if>
-              <dgm:else name="Name107">
-                <dgm:choose name="Name108">
-                  <dgm:if name="Name109" axis="ch" ptType="node" func="cnt" op="gte" val="2">
-                    <dgm:alg type="tx">
-                      <dgm:param type="parTxLTRAlign" val="r"/>
-                      <dgm:param type="parTxRTLAlign" val="r"/>
-                      <dgm:param type="shpTxLTRAlignCh" val="r"/>
-                      <dgm:param type="shpTxRTLAlignCh" val="r"/>
-                      <dgm:param type="stBulletLvl" val="1"/>
-                    </dgm:alg>
-                  </dgm:if>
-                  <dgm:else name="Name110">
-                    <dgm:alg type="tx">
-                      <dgm:param type="parTxLTRAlign" val="r"/>
-                      <dgm:param type="parTxRTLAlign" val="r"/>
-                      <dgm:param type="shpTxLTRAlignCh" val="r"/>
-                      <dgm:param type="shpTxRTLAlignCh" val="r"/>
-                    </dgm:alg>
-                  </dgm:else>
-                </dgm:choose>
-              </dgm:else>
-            </dgm:choose>
-            <dgm:shape xmlns:r="http://schemas.openxmlformats.org/officeDocument/2006/relationships" type="rect" r:blip="">
-              <dgm:adjLst/>
-            </dgm:shape>
-            <dgm:presOf axis="des" ptType="node"/>
-            <dgm:constrLst>
-              <dgm:constr type="rMarg" refType="primFontSz" fact="0.2"/>
-              <dgm:constr type="tMarg" refType="primFontSz" fact="0.2"/>
-              <dgm:constr type="bMarg" refType="primFontSz" fact="0.2"/>
-            </dgm:constrLst>
-            <dgm:ruleLst>
-              <dgm:rule type="primFontSz" val="5" fact="NaN" max="NaN"/>
-            </dgm:ruleLst>
-          </dgm:layoutNode>
-        </dgm:if>
-        <dgm:else name="Name111"/>
-      </dgm:choose>
-    </dgm:forEach>
-    <dgm:forEach name="Name112" axis="ch" ptType="sibTrans" hideLastTrans="0" cnt="1">
-      <dgm:layoutNode name="picture1">
-        <dgm:alg type="sp"/>
-        <dgm:shape xmlns:r="http://schemas.openxmlformats.org/officeDocument/2006/relationships" r:blip="">
-          <dgm:adjLst/>
-        </dgm:shape>
-        <dgm:presOf/>
-        <dgm:constrLst/>
-        <dgm:forEach name="Name113" ref="imageRepeat"/>
-      </dgm:layoutNode>
-    </dgm:forEach>
-    <dgm:forEach name="Name114" axis="ch" ptType="node" st="2" cnt="1">
-      <dgm:layoutNode name="parTx2">
-        <dgm:choose name="Name115">
-          <dgm:if name="Name116" func="var" arg="dir" op="equ" val="norm">
-            <dgm:alg type="tx">
-              <dgm:param type="parTxLTRAlign" val="l"/>
-              <dgm:param type="parTxRTLAlign" val="r"/>
-            </dgm:alg>
-          </dgm:if>
-          <dgm:else name="Name117">
-            <dgm:alg type="tx">
-              <dgm:param type="parTxLTRAlign" val="r"/>
-              <dgm:param type="parTxRTLAlign" val="l"/>
-            </dgm:alg>
-          </dgm:else>
-        </dgm:choose>
-        <dgm:shape xmlns:r="http://schemas.openxmlformats.org/officeDocument/2006/relationships" type="roundRect" r:blip="">
-          <dgm:adjLst/>
-        </dgm:shape>
-        <dgm:presOf axis="self" ptType="node"/>
-        <dgm:choose name="Name118">
-          <dgm:if name="Name119" func="var" arg="dir" op="equ" val="norm">
-            <dgm:constrLst>
-              <dgm:constr type="lMarg" refType="w" fact="0.6"/>
-              <dgm:constr type="rMarg" refType="primFontSz" fact="0.3"/>
-              <dgm:constr type="tMarg" refType="primFontSz" fact="0.3"/>
-              <dgm:constr type="bMarg" refType="primFontSz" fact="0.3"/>
-            </dgm:constrLst>
-          </dgm:if>
-          <dgm:else name="Name120">
-            <dgm:constrLst>
-              <dgm:constr type="rMarg" refType="w" fact="0.6"/>
-              <dgm:constr type="lMarg" refType="primFontSz" fact="0.3"/>
-              <dgm:constr type="tMarg" refType="primFontSz" fact="0.3"/>
-              <dgm:constr type="bMarg" refType="primFontSz" fact="0.3"/>
-            </dgm:constrLst>
-          </dgm:else>
-        </dgm:choose>
-        <dgm:ruleLst>
-          <dgm:rule type="primFontSz" val="5" fact="NaN" max="NaN"/>
-        </dgm:ruleLst>
-      </dgm:layoutNode>
-      <dgm:choose name="Name121">
-        <dgm:if name="Name122" axis="ch" ptType="node" func="cnt" op="gte" val="1">
-          <dgm:layoutNode name="desTx2" styleLbl="revTx">
-            <dgm:varLst>
-              <dgm:bulletEnabled val="1"/>
-            </dgm:varLst>
-            <dgm:choose name="Name123">
-              <dgm:if name="Name124" func="var" arg="dir" op="equ" val="norm">
-                <dgm:choose name="Name125">
-                  <dgm:if name="Name126" axis="ch" ptType="node" func="cnt" op="gte" val="2">
-                    <dgm:alg type="tx">
-                      <dgm:param type="parTxLTRAlign" val="l"/>
-                      <dgm:param type="parTxRTLAlign" val="l"/>
-                      <dgm:param type="stBulletLvl" val="1"/>
-                    </dgm:alg>
-                  </dgm:if>
-                  <dgm:else name="Name127">
-                    <dgm:alg type="tx">
-                      <dgm:param type="parTxLTRAlign" val="l"/>
-                      <dgm:param type="parTxRTLAlign" val="l"/>
-                    </dgm:alg>
-                  </dgm:else>
-                </dgm:choose>
-              </dgm:if>
-              <dgm:else name="Name128">
-                <dgm:choose name="Name129">
-                  <dgm:if name="Name130" axis="ch" ptType="node" func="cnt" op="gte" val="2">
-                    <dgm:alg type="tx">
-                      <dgm:param type="parTxLTRAlign" val="r"/>
-                      <dgm:param type="parTxRTLAlign" val="r"/>
-                      <dgm:param type="shpTxLTRAlignCh" val="r"/>
-                      <dgm:param type="shpTxRTLAlignCh" val="r"/>
-                      <dgm:param type="stBulletLvl" val="1"/>
-                    </dgm:alg>
-                  </dgm:if>
-                  <dgm:else name="Name131">
-                    <dgm:alg type="tx">
-                      <dgm:param type="parTxLTRAlign" val="r"/>
-                      <dgm:param type="parTxRTLAlign" val="r"/>
-                      <dgm:param type="shpTxLTRAlignCh" val="r"/>
-                      <dgm:param type="shpTxRTLAlignCh" val="r"/>
-                    </dgm:alg>
-                  </dgm:else>
-                </dgm:choose>
-              </dgm:else>
-            </dgm:choose>
-            <dgm:shape xmlns:r="http://schemas.openxmlformats.org/officeDocument/2006/relationships" type="rect" r:blip="">
-              <dgm:adjLst/>
-            </dgm:shape>
-            <dgm:presOf axis="des" ptType="node"/>
-            <dgm:constrLst>
-              <dgm:constr type="rMarg" refType="primFontSz" fact="0.2"/>
-              <dgm:constr type="tMarg" refType="primFontSz" fact="0.2"/>
-              <dgm:constr type="bMarg" refType="primFontSz" fact="0.2"/>
-            </dgm:constrLst>
-            <dgm:ruleLst>
-              <dgm:rule type="primFontSz" val="5" fact="NaN" max="NaN"/>
-            </dgm:ruleLst>
-          </dgm:layoutNode>
-        </dgm:if>
-        <dgm:else name="Name132"/>
-      </dgm:choose>
-    </dgm:forEach>
-    <dgm:forEach name="Name133" axis="ch" ptType="sibTrans" hideLastTrans="0" st="2" cnt="1">
-      <dgm:layoutNode name="picture2">
-        <dgm:alg type="sp"/>
-        <dgm:shape xmlns:r="http://schemas.openxmlformats.org/officeDocument/2006/relationships" r:blip="">
-          <dgm:adjLst/>
-        </dgm:shape>
-        <dgm:presOf/>
-        <dgm:constrLst/>
-        <dgm:forEach name="Name134" ref="imageRepeat"/>
-      </dgm:layoutNode>
-    </dgm:forEach>
-    <dgm:forEach name="Name135" axis="ch" ptType="node" st="3" cnt="1">
-      <dgm:layoutNode name="parTx3">
-        <dgm:choose name="Name136">
-          <dgm:if name="Name137" func="var" arg="dir" op="equ" val="norm">
-            <dgm:alg type="tx">
-              <dgm:param type="parTxLTRAlign" val="l"/>
-              <dgm:param type="parTxRTLAlign" val="r"/>
-            </dgm:alg>
-          </dgm:if>
-          <dgm:else name="Name138">
-            <dgm:alg type="tx">
-              <dgm:param type="parTxLTRAlign" val="r"/>
-              <dgm:param type="parTxRTLAlign" val="l"/>
-            </dgm:alg>
-          </dgm:else>
-        </dgm:choose>
-        <dgm:shape xmlns:r="http://schemas.openxmlformats.org/officeDocument/2006/relationships" type="roundRect" r:blip="">
-          <dgm:adjLst/>
-        </dgm:shape>
-        <dgm:presOf axis="self" ptType="node"/>
-        <dgm:choose name="Name139">
-          <dgm:if name="Name140" func="var" arg="dir" op="equ" val="norm">
-            <dgm:constrLst>
-              <dgm:constr type="lMarg" refType="w" fact="0.6"/>
-              <dgm:constr type="rMarg" refType="primFontSz" fact="0.3"/>
-              <dgm:constr type="tMarg" refType="primFontSz" fact="0.3"/>
-              <dgm:constr type="bMarg" refType="primFontSz" fact="0.3"/>
-            </dgm:constrLst>
-          </dgm:if>
-          <dgm:else name="Name141">
-            <dgm:constrLst>
-              <dgm:constr type="rMarg" refType="w" fact="0.6"/>
-              <dgm:constr type="lMarg" refType="primFontSz" fact="0.3"/>
-              <dgm:constr type="tMarg" refType="primFontSz" fact="0.3"/>
-              <dgm:constr type="bMarg" refType="primFontSz" fact="0.3"/>
-            </dgm:constrLst>
-          </dgm:else>
-        </dgm:choose>
-        <dgm:ruleLst>
-          <dgm:rule type="primFontSz" val="5" fact="NaN" max="NaN"/>
-        </dgm:ruleLst>
-      </dgm:layoutNode>
-      <dgm:choose name="Name142">
-        <dgm:if name="Name143" axis="ch" ptType="node" func="cnt" op="gte" val="1">
-          <dgm:layoutNode name="desTx3" styleLbl="revTx">
-            <dgm:varLst>
-              <dgm:bulletEnabled val="1"/>
-            </dgm:varLst>
-            <dgm:choose name="Name144">
-              <dgm:if name="Name145" func="var" arg="dir" op="equ" val="norm">
-                <dgm:choose name="Name146">
-                  <dgm:if name="Name147" axis="ch" ptType="node" func="cnt" op="gte" val="2">
-                    <dgm:alg type="tx">
-                      <dgm:param type="parTxLTRAlign" val="l"/>
-                      <dgm:param type="parTxRTLAlign" val="l"/>
-                      <dgm:param type="stBulletLvl" val="1"/>
-                    </dgm:alg>
-                  </dgm:if>
-                  <dgm:else name="Name148">
-                    <dgm:alg type="tx">
-                      <dgm:param type="parTxLTRAlign" val="l"/>
-                      <dgm:param type="parTxRTLAlign" val="l"/>
-                    </dgm:alg>
-                  </dgm:else>
-                </dgm:choose>
-              </dgm:if>
-              <dgm:else name="Name149">
-                <dgm:choose name="Name150">
-                  <dgm:if name="Name151" axis="ch" ptType="node" func="cnt" op="gte" val="2">
-                    <dgm:alg type="tx">
-                      <dgm:param type="parTxLTRAlign" val="r"/>
-                      <dgm:param type="parTxRTLAlign" val="r"/>
-                      <dgm:param type="shpTxLTRAlignCh" val="r"/>
-                      <dgm:param type="shpTxRTLAlignCh" val="r"/>
-                      <dgm:param type="stBulletLvl" val="1"/>
-                    </dgm:alg>
-                  </dgm:if>
-                  <dgm:else name="Name152">
-                    <dgm:alg type="tx">
-                      <dgm:param type="parTxLTRAlign" val="r"/>
-                      <dgm:param type="parTxRTLAlign" val="r"/>
-                      <dgm:param type="shpTxLTRAlignCh" val="r"/>
-                      <dgm:param type="shpTxRTLAlignCh" val="r"/>
-                    </dgm:alg>
-                  </dgm:else>
-                </dgm:choose>
-              </dgm:else>
-            </dgm:choose>
-            <dgm:shape xmlns:r="http://schemas.openxmlformats.org/officeDocument/2006/relationships" type="rect" r:blip="">
-              <dgm:adjLst/>
-            </dgm:shape>
-            <dgm:presOf axis="des" ptType="node"/>
-            <dgm:constrLst>
-              <dgm:constr type="rMarg" refType="primFontSz" fact="0.2"/>
-              <dgm:constr type="tMarg" refType="primFontSz" fact="0.2"/>
-              <dgm:constr type="bMarg" refType="primFontSz" fact="0.2"/>
-            </dgm:constrLst>
-            <dgm:ruleLst>
-              <dgm:rule type="primFontSz" val="5" fact="NaN" max="NaN"/>
-            </dgm:ruleLst>
-          </dgm:layoutNode>
-        </dgm:if>
-        <dgm:else name="Name153"/>
-      </dgm:choose>
-    </dgm:forEach>
-    <dgm:forEach name="Name154" axis="ch" ptType="sibTrans" hideLastTrans="0" st="3" cnt="1">
-      <dgm:layoutNode name="picture3">
-        <dgm:alg type="sp"/>
-        <dgm:shape xmlns:r="http://schemas.openxmlformats.org/officeDocument/2006/relationships" r:blip="">
-          <dgm:adjLst/>
-        </dgm:shape>
-        <dgm:presOf/>
-        <dgm:constrLst/>
-        <dgm:forEach name="Name155" ref="imageRepeat"/>
-      </dgm:layoutNode>
-    </dgm:forEach>
-    <dgm:forEach name="Name156" axis="ch" ptType="node" st="4" cnt="1">
-      <dgm:layoutNode name="parTx4">
-        <dgm:choose name="Name157">
-          <dgm:if name="Name158" func="var" arg="dir" op="equ" val="norm">
-            <dgm:alg type="tx">
-              <dgm:param type="parTxLTRAlign" val="l"/>
-              <dgm:param type="parTxRTLAlign" val="r"/>
-            </dgm:alg>
-          </dgm:if>
-          <dgm:else name="Name159">
-            <dgm:alg type="tx">
-              <dgm:param type="parTxLTRAlign" val="r"/>
-              <dgm:param type="parTxRTLAlign" val="l"/>
-            </dgm:alg>
-          </dgm:else>
-        </dgm:choose>
-        <dgm:shape xmlns:r="http://schemas.openxmlformats.org/officeDocument/2006/relationships" type="roundRect" r:blip="">
-          <dgm:adjLst/>
-        </dgm:shape>
-        <dgm:presOf axis="self" ptType="node"/>
-        <dgm:choose name="Name160">
-          <dgm:if name="Name161" func="var" arg="dir" op="equ" val="norm">
-            <dgm:constrLst>
-              <dgm:constr type="lMarg" refType="w" fact="0.6"/>
-              <dgm:constr type="rMarg" refType="primFontSz" fact="0.3"/>
-              <dgm:constr type="tMarg" refType="primFontSz" fact="0.3"/>
-              <dgm:constr type="bMarg" refType="primFontSz" fact="0.3"/>
-            </dgm:constrLst>
-          </dgm:if>
-          <dgm:else name="Name162">
-            <dgm:constrLst>
-              <dgm:constr type="rMarg" refType="w" fact="0.6"/>
-              <dgm:constr type="lMarg" refType="primFontSz" fact="0.3"/>
-              <dgm:constr type="tMarg" refType="primFontSz" fact="0.3"/>
-              <dgm:constr type="bMarg" refType="primFontSz" fact="0.3"/>
-            </dgm:constrLst>
-          </dgm:else>
-        </dgm:choose>
-        <dgm:ruleLst>
-          <dgm:rule type="primFontSz" val="5" fact="NaN" max="NaN"/>
-        </dgm:ruleLst>
-      </dgm:layoutNode>
-      <dgm:choose name="Name163">
-        <dgm:if name="Name164" axis="ch" ptType="node" func="cnt" op="gte" val="1">
-          <dgm:layoutNode name="desTx4" styleLbl="revTx">
-            <dgm:varLst>
-              <dgm:bulletEnabled val="1"/>
-            </dgm:varLst>
-            <dgm:choose name="Name165">
-              <dgm:if name="Name166" func="var" arg="dir" op="equ" val="norm">
-                <dgm:choose name="Name167">
-                  <dgm:if name="Name168" axis="ch" ptType="node" func="cnt" op="gte" val="2">
-                    <dgm:alg type="tx">
-                      <dgm:param type="parTxLTRAlign" val="l"/>
-                      <dgm:param type="parTxRTLAlign" val="l"/>
-                      <dgm:param type="stBulletLvl" val="1"/>
-                    </dgm:alg>
-                  </dgm:if>
-                  <dgm:else name="Name169">
-                    <dgm:alg type="tx">
-                      <dgm:param type="parTxLTRAlign" val="l"/>
-                      <dgm:param type="parTxRTLAlign" val="l"/>
-                    </dgm:alg>
-                  </dgm:else>
-                </dgm:choose>
-              </dgm:if>
-              <dgm:else name="Name170">
-                <dgm:choose name="Name171">
-                  <dgm:if name="Name172" axis="ch" ptType="node" func="cnt" op="gte" val="2">
-                    <dgm:alg type="tx">
-                      <dgm:param type="parTxLTRAlign" val="r"/>
-                      <dgm:param type="parTxRTLAlign" val="r"/>
-                      <dgm:param type="shpTxLTRAlignCh" val="r"/>
-                      <dgm:param type="shpTxRTLAlignCh" val="r"/>
-                      <dgm:param type="stBulletLvl" val="1"/>
-                    </dgm:alg>
-                  </dgm:if>
-                  <dgm:else name="Name173">
-                    <dgm:alg type="tx">
-                      <dgm:param type="parTxLTRAlign" val="r"/>
-                      <dgm:param type="parTxRTLAlign" val="r"/>
-                      <dgm:param type="shpTxLTRAlignCh" val="r"/>
-                      <dgm:param type="shpTxRTLAlignCh" val="r"/>
-                    </dgm:alg>
-                  </dgm:else>
-                </dgm:choose>
-              </dgm:else>
-            </dgm:choose>
-            <dgm:shape xmlns:r="http://schemas.openxmlformats.org/officeDocument/2006/relationships" type="rect" r:blip="">
-              <dgm:adjLst/>
-            </dgm:shape>
-            <dgm:presOf axis="des" ptType="node"/>
-            <dgm:constrLst>
-              <dgm:constr type="rMarg" refType="primFontSz" fact="0.2"/>
-              <dgm:constr type="tMarg" refType="primFontSz" fact="0.2"/>
-              <dgm:constr type="bMarg" refType="primFontSz" fact="0.2"/>
-            </dgm:constrLst>
-            <dgm:ruleLst>
-              <dgm:rule type="primFontSz" val="5" fact="NaN" max="NaN"/>
-            </dgm:ruleLst>
-          </dgm:layoutNode>
-        </dgm:if>
-        <dgm:else name="Name174"/>
-      </dgm:choose>
-    </dgm:forEach>
-    <dgm:forEach name="Name175" axis="ch" ptType="sibTrans" hideLastTrans="0" st="4" cnt="1">
-      <dgm:layoutNode name="picture4">
-        <dgm:alg type="sp"/>
-        <dgm:shape xmlns:r="http://schemas.openxmlformats.org/officeDocument/2006/relationships" r:blip="">
-          <dgm:adjLst/>
-        </dgm:shape>
-        <dgm:presOf/>
-        <dgm:constrLst/>
-        <dgm:forEach name="Name176" ref="imageRepeat"/>
-      </dgm:layoutNode>
-    </dgm:forEach>
-    <dgm:forEach name="Name177" axis="ch" ptType="node" st="5" cnt="1">
-      <dgm:layoutNode name="parTx5">
-        <dgm:choose name="Name178">
-          <dgm:if name="Name179" func="var" arg="dir" op="equ" val="norm">
-            <dgm:alg type="tx">
-              <dgm:param type="parTxLTRAlign" val="l"/>
-              <dgm:param type="parTxRTLAlign" val="r"/>
-            </dgm:alg>
-          </dgm:if>
-          <dgm:else name="Name180">
-            <dgm:alg type="tx">
-              <dgm:param type="parTxLTRAlign" val="r"/>
-              <dgm:param type="parTxRTLAlign" val="l"/>
-            </dgm:alg>
-          </dgm:else>
-        </dgm:choose>
-        <dgm:shape xmlns:r="http://schemas.openxmlformats.org/officeDocument/2006/relationships" type="roundRect" r:blip="">
-          <dgm:adjLst/>
-        </dgm:shape>
-        <dgm:presOf axis="self" ptType="node"/>
-        <dgm:choose name="Name181">
-          <dgm:if name="Name182" func="var" arg="dir" op="equ" val="norm">
-            <dgm:constrLst>
-              <dgm:constr type="lMarg" refType="w" fact="0.6"/>
-              <dgm:constr type="rMarg" refType="primFontSz" fact="0.3"/>
-              <dgm:constr type="tMarg" refType="primFontSz" fact="0.3"/>
-              <dgm:constr type="bMarg" refType="primFontSz" fact="0.3"/>
-            </dgm:constrLst>
-          </dgm:if>
-          <dgm:else name="Name183">
-            <dgm:constrLst>
-              <dgm:constr type="rMarg" refType="w" fact="0.6"/>
-              <dgm:constr type="lMarg" refType="primFontSz" fact="0.3"/>
-              <dgm:constr type="tMarg" refType="primFontSz" fact="0.3"/>
-              <dgm:constr type="bMarg" refType="primFontSz" fact="0.3"/>
-            </dgm:constrLst>
-          </dgm:else>
-        </dgm:choose>
-        <dgm:ruleLst>
-          <dgm:rule type="primFontSz" val="5" fact="NaN" max="NaN"/>
-        </dgm:ruleLst>
-      </dgm:layoutNode>
-      <dgm:choose name="Name184">
-        <dgm:if name="Name185" axis="ch" ptType="node" func="cnt" op="gte" val="1">
-          <dgm:layoutNode name="desTx5" styleLbl="revTx">
-            <dgm:varLst>
-              <dgm:bulletEnabled val="1"/>
-            </dgm:varLst>
-            <dgm:choose name="Name186">
-              <dgm:if name="Name187" func="var" arg="dir" op="equ" val="norm">
-                <dgm:choose name="Name188">
-                  <dgm:if name="Name189" axis="ch" ptType="node" func="cnt" op="gte" val="2">
-                    <dgm:alg type="tx">
-                      <dgm:param type="parTxLTRAlign" val="l"/>
-                      <dgm:param type="parTxRTLAlign" val="l"/>
-                      <dgm:param type="stBulletLvl" val="1"/>
-                    </dgm:alg>
-                  </dgm:if>
-                  <dgm:else name="Name190">
-                    <dgm:alg type="tx">
-                      <dgm:param type="parTxLTRAlign" val="l"/>
-                      <dgm:param type="parTxRTLAlign" val="l"/>
-                    </dgm:alg>
-                  </dgm:else>
-                </dgm:choose>
-              </dgm:if>
-              <dgm:else name="Name191">
-                <dgm:choose name="Name192">
-                  <dgm:if name="Name193" axis="ch" ptType="node" func="cnt" op="gte" val="2">
-                    <dgm:alg type="tx">
-                      <dgm:param type="parTxLTRAlign" val="r"/>
-                      <dgm:param type="parTxRTLAlign" val="r"/>
-                      <dgm:param type="shpTxLTRAlignCh" val="r"/>
-                      <dgm:param type="shpTxRTLAlignCh" val="r"/>
-                      <dgm:param type="stBulletLvl" val="1"/>
-                    </dgm:alg>
-                  </dgm:if>
-                  <dgm:else name="Name194">
-                    <dgm:alg type="tx">
-                      <dgm:param type="parTxLTRAlign" val="r"/>
-                      <dgm:param type="parTxRTLAlign" val="r"/>
-                      <dgm:param type="shpTxLTRAlignCh" val="r"/>
-                      <dgm:param type="shpTxRTLAlignCh" val="r"/>
-                    </dgm:alg>
-                  </dgm:else>
-                </dgm:choose>
-              </dgm:else>
-            </dgm:choose>
-            <dgm:shape xmlns:r="http://schemas.openxmlformats.org/officeDocument/2006/relationships" type="rect" r:blip="">
-              <dgm:adjLst/>
-            </dgm:shape>
-            <dgm:presOf axis="des" ptType="node"/>
-            <dgm:constrLst>
-              <dgm:constr type="rMarg" refType="primFontSz" fact="0.2"/>
-              <dgm:constr type="tMarg" refType="primFontSz" fact="0.2"/>
-              <dgm:constr type="bMarg" refType="primFontSz" fact="0.2"/>
-            </dgm:constrLst>
-            <dgm:ruleLst>
-              <dgm:rule type="primFontSz" val="5" fact="NaN" max="NaN"/>
-            </dgm:ruleLst>
-          </dgm:layoutNode>
-        </dgm:if>
-        <dgm:else name="Name195"/>
-      </dgm:choose>
-    </dgm:forEach>
-    <dgm:forEach name="Name196" axis="ch" ptType="sibTrans" hideLastTrans="0" st="5" cnt="1">
-      <dgm:layoutNode name="picture5">
-        <dgm:alg type="sp"/>
-        <dgm:shape xmlns:r="http://schemas.openxmlformats.org/officeDocument/2006/relationships" r:blip="">
-          <dgm:adjLst/>
-        </dgm:shape>
-        <dgm:presOf/>
-        <dgm:constrLst/>
-        <dgm:forEach name="Name197" ref="imageRepeat"/>
-      </dgm:layoutNode>
-    </dgm:forEach>
-    <dgm:forEach name="Name198" axis="ch" ptType="node" st="6" cnt="1">
-      <dgm:layoutNode name="parTx6">
-        <dgm:choose name="Name199">
-          <dgm:if name="Name200" func="var" arg="dir" op="equ" val="norm">
-            <dgm:alg type="tx">
-              <dgm:param type="parTxLTRAlign" val="l"/>
-              <dgm:param type="parTxRTLAlign" val="r"/>
-            </dgm:alg>
-          </dgm:if>
-          <dgm:else name="Name201">
-            <dgm:alg type="tx">
-              <dgm:param type="parTxLTRAlign" val="r"/>
-              <dgm:param type="parTxRTLAlign" val="l"/>
-            </dgm:alg>
-          </dgm:else>
-        </dgm:choose>
-        <dgm:shape xmlns:r="http://schemas.openxmlformats.org/officeDocument/2006/relationships" type="roundRect" r:blip="">
-          <dgm:adjLst/>
-        </dgm:shape>
-        <dgm:presOf axis="self" ptType="node"/>
-        <dgm:choose name="Name202">
-          <dgm:if name="Name203" func="var" arg="dir" op="equ" val="norm">
-            <dgm:constrLst>
-              <dgm:constr type="lMarg" refType="w" fact="0.6"/>
-              <dgm:constr type="rMarg" refType="primFontSz" fact="0.3"/>
-              <dgm:constr type="tMarg" refType="primFontSz" fact="0.3"/>
-              <dgm:constr type="bMarg" refType="primFontSz" fact="0.3"/>
-            </dgm:constrLst>
-          </dgm:if>
-          <dgm:else name="Name204">
-            <dgm:constrLst>
-              <dgm:constr type="rMarg" refType="w" fact="0.6"/>
-              <dgm:constr type="lMarg" refType="primFontSz" fact="0.3"/>
-              <dgm:constr type="tMarg" refType="primFontSz" fact="0.3"/>
-              <dgm:constr type="bMarg" refType="primFontSz" fact="0.3"/>
-            </dgm:constrLst>
-          </dgm:else>
-        </dgm:choose>
-        <dgm:ruleLst>
-          <dgm:rule type="primFontSz" val="5" fact="NaN" max="NaN"/>
-        </dgm:ruleLst>
-      </dgm:layoutNode>
-      <dgm:choose name="Name205">
-        <dgm:if name="Name206" axis="ch" ptType="node" func="cnt" op="gte" val="1">
-          <dgm:layoutNode name="desTx6" styleLbl="revTx">
-            <dgm:varLst>
-              <dgm:bulletEnabled val="1"/>
-            </dgm:varLst>
-            <dgm:choose name="Name207">
-              <dgm:if name="Name208" func="var" arg="dir" op="equ" val="norm">
-                <dgm:choose name="Name209">
-                  <dgm:if name="Name210" axis="ch" ptType="node" func="cnt" op="gte" val="2">
-                    <dgm:alg type="tx">
-                      <dgm:param type="parTxLTRAlign" val="l"/>
-                      <dgm:param type="parTxRTLAlign" val="l"/>
-                      <dgm:param type="stBulletLvl" val="1"/>
-                    </dgm:alg>
-                  </dgm:if>
-                  <dgm:else name="Name211">
-                    <dgm:alg type="tx">
-                      <dgm:param type="parTxLTRAlign" val="l"/>
-                      <dgm:param type="parTxRTLAlign" val="l"/>
-                    </dgm:alg>
-                  </dgm:else>
-                </dgm:choose>
-              </dgm:if>
-              <dgm:else name="Name212">
-                <dgm:choose name="Name213">
-                  <dgm:if name="Name214" axis="ch" ptType="node" func="cnt" op="gte" val="2">
-                    <dgm:alg type="tx">
-                      <dgm:param type="parTxLTRAlign" val="r"/>
-                      <dgm:param type="parTxRTLAlign" val="r"/>
-                      <dgm:param type="shpTxLTRAlignCh" val="r"/>
-                      <dgm:param type="shpTxRTLAlignCh" val="r"/>
-                      <dgm:param type="stBulletLvl" val="1"/>
-                    </dgm:alg>
-                  </dgm:if>
-                  <dgm:else name="Name215">
-                    <dgm:alg type="tx">
-                      <dgm:param type="parTxLTRAlign" val="r"/>
-                      <dgm:param type="parTxRTLAlign" val="r"/>
-                      <dgm:param type="shpTxLTRAlignCh" val="r"/>
-                      <dgm:param type="shpTxRTLAlignCh" val="r"/>
-                    </dgm:alg>
-                  </dgm:else>
-                </dgm:choose>
-              </dgm:else>
-            </dgm:choose>
-            <dgm:shape xmlns:r="http://schemas.openxmlformats.org/officeDocument/2006/relationships" type="rect" r:blip="">
-              <dgm:adjLst/>
-            </dgm:shape>
-            <dgm:presOf axis="des" ptType="node"/>
-            <dgm:constrLst>
-              <dgm:constr type="rMarg" refType="primFontSz" fact="0.2"/>
-              <dgm:constr type="tMarg" refType="primFontSz" fact="0.2"/>
-              <dgm:constr type="bMarg" refType="primFontSz" fact="0.2"/>
-            </dgm:constrLst>
-            <dgm:ruleLst>
-              <dgm:rule type="primFontSz" val="5" fact="NaN" max="NaN"/>
-            </dgm:ruleLst>
-          </dgm:layoutNode>
-        </dgm:if>
-        <dgm:else name="Name216"/>
-      </dgm:choose>
-    </dgm:forEach>
-    <dgm:forEach name="Name217" axis="ch" ptType="sibTrans" hideLastTrans="0" st="6" cnt="1">
-      <dgm:layoutNode name="picture6">
-        <dgm:alg type="sp"/>
-        <dgm:shape xmlns:r="http://schemas.openxmlformats.org/officeDocument/2006/relationships" r:blip="">
-          <dgm:adjLst/>
-        </dgm:shape>
-        <dgm:presOf/>
-        <dgm:constrLst/>
-        <dgm:forEach name="Name218" ref="imageRepeat"/>
-      </dgm:layoutNode>
-    </dgm:forEach>
-    <dgm:forEach name="Name219" axis="ch" ptType="node" st="7" cnt="1">
-      <dgm:layoutNode name="parTx7">
-        <dgm:choose name="Name220">
-          <dgm:if name="Name221" func="var" arg="dir" op="equ" val="norm">
-            <dgm:alg type="tx">
-              <dgm:param type="parTxLTRAlign" val="l"/>
-              <dgm:param type="parTxRTLAlign" val="r"/>
-            </dgm:alg>
-          </dgm:if>
-          <dgm:else name="Name222">
-            <dgm:alg type="tx">
-              <dgm:param type="parTxLTRAlign" val="r"/>
-              <dgm:param type="parTxRTLAlign" val="l"/>
-            </dgm:alg>
-          </dgm:else>
-        </dgm:choose>
-        <dgm:shape xmlns:r="http://schemas.openxmlformats.org/officeDocument/2006/relationships" type="roundRect" r:blip="">
-          <dgm:adjLst/>
-        </dgm:shape>
-        <dgm:presOf axis="self" ptType="node"/>
-        <dgm:choose name="Name223">
-          <dgm:if name="Name224" func="var" arg="dir" op="equ" val="norm">
-            <dgm:constrLst>
-              <dgm:constr type="lMarg" refType="w" fact="0.6"/>
-              <dgm:constr type="rMarg" refType="primFontSz" fact="0.3"/>
-              <dgm:constr type="tMarg" refType="primFontSz" fact="0.3"/>
-              <dgm:constr type="bMarg" refType="primFontSz" fact="0.3"/>
-            </dgm:constrLst>
-          </dgm:if>
-          <dgm:else name="Name225">
-            <dgm:constrLst>
-              <dgm:constr type="rMarg" refType="w" fact="0.6"/>
-              <dgm:constr type="lMarg" refType="primFontSz" fact="0.3"/>
-              <dgm:constr type="tMarg" refType="primFontSz" fact="0.3"/>
-              <dgm:constr type="bMarg" refType="primFontSz" fact="0.3"/>
-            </dgm:constrLst>
-          </dgm:else>
-        </dgm:choose>
-        <dgm:ruleLst>
-          <dgm:rule type="primFontSz" val="5" fact="NaN" max="NaN"/>
-        </dgm:ruleLst>
-      </dgm:layoutNode>
-      <dgm:choose name="Name226">
-        <dgm:if name="Name227" axis="ch" ptType="node" func="cnt" op="gte" val="1">
-          <dgm:layoutNode name="desTx7" styleLbl="revTx">
-            <dgm:varLst>
-              <dgm:bulletEnabled val="1"/>
-            </dgm:varLst>
-            <dgm:choose name="Name228">
-              <dgm:if name="Name229" func="var" arg="dir" op="equ" val="norm">
-                <dgm:choose name="Name230">
-                  <dgm:if name="Name231" axis="ch" ptType="node" func="cnt" op="gte" val="2">
-                    <dgm:alg type="tx">
-                      <dgm:param type="parTxLTRAlign" val="l"/>
-                      <dgm:param type="parTxRTLAlign" val="l"/>
-                      <dgm:param type="stBulletLvl" val="1"/>
-                    </dgm:alg>
-                  </dgm:if>
-                  <dgm:else name="Name232">
-                    <dgm:alg type="tx">
-                      <dgm:param type="parTxLTRAlign" val="l"/>
-                      <dgm:param type="parTxRTLAlign" val="l"/>
-                    </dgm:alg>
-                  </dgm:else>
-                </dgm:choose>
-              </dgm:if>
-              <dgm:else name="Name233">
-                <dgm:choose name="Name234">
-                  <dgm:if name="Name235" axis="ch" ptType="node" func="cnt" op="gte" val="2">
-                    <dgm:alg type="tx">
-                      <dgm:param type="parTxLTRAlign" val="r"/>
-                      <dgm:param type="parTxRTLAlign" val="r"/>
-                      <dgm:param type="shpTxLTRAlignCh" val="r"/>
-                      <dgm:param type="shpTxRTLAlignCh" val="r"/>
-                      <dgm:param type="stBulletLvl" val="1"/>
-                    </dgm:alg>
-                  </dgm:if>
-                  <dgm:else name="Name236">
-                    <dgm:alg type="tx">
-                      <dgm:param type="parTxLTRAlign" val="r"/>
-                      <dgm:param type="parTxRTLAlign" val="r"/>
-                      <dgm:param type="shpTxLTRAlignCh" val="r"/>
-                      <dgm:param type="shpTxRTLAlignCh" val="r"/>
-                    </dgm:alg>
-                  </dgm:else>
-                </dgm:choose>
-              </dgm:else>
-            </dgm:choose>
-            <dgm:shape xmlns:r="http://schemas.openxmlformats.org/officeDocument/2006/relationships" type="rect" r:blip="">
-              <dgm:adjLst/>
-            </dgm:shape>
-            <dgm:presOf axis="des" ptType="node"/>
-            <dgm:constrLst>
-              <dgm:constr type="rMarg" refType="primFontSz" fact="0.2"/>
-              <dgm:constr type="tMarg" refType="primFontSz" fact="0.2"/>
-              <dgm:constr type="bMarg" refType="primFontSz" fact="0.2"/>
-            </dgm:constrLst>
-            <dgm:ruleLst>
-              <dgm:rule type="primFontSz" val="5" fact="NaN" max="NaN"/>
-            </dgm:ruleLst>
-          </dgm:layoutNode>
-        </dgm:if>
-        <dgm:else name="Name237"/>
-      </dgm:choose>
-    </dgm:forEach>
-    <dgm:forEach name="Name238" axis="ch" ptType="sibTrans" hideLastTrans="0" st="7" cnt="1">
-      <dgm:layoutNode name="picture7">
-        <dgm:alg type="sp"/>
-        <dgm:shape xmlns:r="http://schemas.openxmlformats.org/officeDocument/2006/relationships" r:blip="">
-          <dgm:adjLst/>
-        </dgm:shape>
-        <dgm:presOf/>
-        <dgm:constrLst/>
-        <dgm:forEach name="Name239" ref="imageRepeat"/>
-      </dgm:layoutNode>
-    </dgm:forEach>
-  </dgm:layoutNode>
-</dgm:layoutDef>
-</file>
-
-<file path=ppt/diagrams/quickStyle1.xml><?xml version="1.0" encoding="utf-8"?>
-<dgm:styleDef xmlns:dgm="http://schemas.openxmlformats.org/drawingml/2006/diagram" xmlns:a="http://schemas.openxmlformats.org/drawingml/2006/main" uniqueId="urn:microsoft.com/office/officeart/2005/8/quickstyle/simple1">
-  <dgm:title val=""/>
-  <dgm:desc val=""/>
-  <dgm:catLst>
-    <dgm:cat type="simple" pri="10100"/>
-  </dgm:catLst>
-  <dgm:scene3d>
-    <a:camera prst="orthographicFront"/>
-    <a:lightRig rig="threePt" dir="t"/>
-  </dgm:scene3d>
-  <dgm:styleLbl name="node0">
-    <dgm:scene3d>
-      <a:camera prst="orthographicFront"/>
-      <a:lightRig rig="threePt" dir="t"/>
-    </dgm:scene3d>
-    <dgm:sp3d/>
-    <dgm:txPr/>
-    <dgm:style>
-      <a:lnRef idx="2">
-        <a:scrgbClr r="0" g="0" b="0"/>
-      </a:lnRef>
-      <a:fillRef idx="1">
-        <a:scrgbClr r="0" g="0" b="0"/>
-      </a:fillRef>
-      <a:effectRef idx="0">
-        <a:scrgbClr r="0" g="0" b="0"/>
-      </a:effectRef>
-      <a:fontRef idx="minor">
-        <a:schemeClr val="lt1"/>
-      </a:fontRef>
-    </dgm:style>
-  </dgm:styleLbl>
-  <dgm:styleLbl name="lnNode1">
-    <dgm:scene3d>
-      <a:camera prst="orthographicFront"/>
-      <a:lightRig rig="threePt" dir="t"/>
-    </dgm:scene3d>
-    <dgm:sp3d/>
-    <dgm:txPr/>
-    <dgm:style>
-      <a:lnRef idx="2">
-        <a:scrgbClr r="0" g="0" b="0"/>
-      </a:lnRef>
-      <a:fillRef idx="1">
-        <a:scrgbClr r="0" g="0" b="0"/>
-      </a:fillRef>
-      <a:effectRef idx="0">
-        <a:scrgbClr r="0" g="0" b="0"/>
-      </a:effectRef>
-      <a:fontRef idx="minor">
-        <a:schemeClr val="lt1"/>
-      </a:fontRef>
-    </dgm:style>
-  </dgm:styleLbl>
-  <dgm:styleLbl name="vennNode1">
-    <dgm:scene3d>
-      <a:camera prst="orthographicFront"/>
-      <a:lightRig rig="threePt" dir="t"/>
-    </dgm:scene3d>
-    <dgm:sp3d/>
-    <dgm:txPr/>
-    <dgm:style>
-      <a:lnRef idx="2">
-        <a:scrgbClr r="0" g="0" b="0"/>
-      </a:lnRef>
-      <a:fillRef idx="1">
-        <a:scrgbClr r="0" g="0" b="0"/>
-      </a:fillRef>
-      <a:effectRef idx="0">
-        <a:scrgbClr r="0" g="0" b="0"/>
-      </a:effectRef>
-      <a:fontRef idx="minor">
-        <a:schemeClr val="tx1"/>
-      </a:fontRef>
-    </dgm:style>
-  </dgm:styleLbl>
-  <dgm:styleLbl name="alignNode1">
-    <dgm:scene3d>
-      <a:camera prst="orthographicFront"/>
-      <a:lightRig rig="threePt" dir="t"/>
-    </dgm:scene3d>
-    <dgm:sp3d/>
-    <dgm:txPr/>
-    <dgm:style>
-      <a:lnRef idx="2">
-        <a:scrgbClr r="0" g="0" b="0"/>
-      </a:lnRef>
-      <a:fillRef idx="1">
-        <a:scrgbClr r="0" g="0" b="0"/>
-      </a:fillRef>
-      <a:effectRef idx="0">
-        <a:scrgbClr r="0" g="0" b="0"/>
-      </a:effectRef>
-      <a:fontRef idx="minor">
-        <a:schemeClr val="lt1"/>
-      </a:fontRef>
-    </dgm:style>
-  </dgm:styleLbl>
-  <dgm:styleLbl name="node1">
-    <dgm:scene3d>
-      <a:camera prst="orthographicFront"/>
-      <a:lightRig rig="threePt" dir="t"/>
-    </dgm:scene3d>
-    <dgm:sp3d/>
-    <dgm:txPr/>
-    <dgm:style>
-      <a:lnRef idx="2">
-        <a:scrgbClr r="0" g="0" b="0"/>
-      </a:lnRef>
-      <a:fillRef idx="1">
-        <a:scrgbClr r="0" g="0" b="0"/>
-      </a:fillRef>
-      <a:effectRef idx="0">
-        <a:scrgbClr r="0" g="0" b="0"/>
-      </a:effectRef>
-      <a:fontRef idx="minor">
-        <a:schemeClr val="lt1"/>
-      </a:fontRef>
-    </dgm:style>
-  </dgm:styleLbl>
-  <dgm:styleLbl name="node2">
-    <dgm:scene3d>
-      <a:camera prst="orthographicFront"/>
-      <a:lightRig rig="threePt" dir="t"/>
-    </dgm:scene3d>
-    <dgm:sp3d/>
-    <dgm:txPr/>
-    <dgm:style>
-      <a:lnRef idx="2">
-        <a:scrgbClr r="0" g="0" b="0"/>
-      </a:lnRef>
-      <a:fillRef idx="1">
-        <a:scrgbClr r="0" g="0" b="0"/>
-      </a:fillRef>
-      <a:effectRef idx="0">
-        <a:scrgbClr r="0" g="0" b="0"/>
-      </a:effectRef>
-      <a:fontRef idx="minor">
-        <a:schemeClr val="lt1"/>
-      </a:fontRef>
-    </dgm:style>
-  </dgm:styleLbl>
-  <dgm:styleLbl name="node3">
-    <dgm:scene3d>
-      <a:camera prst="orthographicFront"/>
-      <a:lightRig rig="threePt" dir="t"/>
-    </dgm:scene3d>
-    <dgm:sp3d/>
-    <dgm:txPr/>
-    <dgm:style>
-      <a:lnRef idx="2">
-        <a:scrgbClr r="0" g="0" b="0"/>
-      </a:lnRef>
-      <a:fillRef idx="1">
-        <a:scrgbClr r="0" g="0" b="0"/>
-      </a:fillRef>
-      <a:effectRef idx="0">
-        <a:scrgbClr r="0" g="0" b="0"/>
-      </a:effectRef>
-      <a:fontRef idx="minor">
-        <a:schemeClr val="lt1"/>
-      </a:fontRef>
-    </dgm:style>
-  </dgm:styleLbl>
-  <dgm:styleLbl name="node4">
-    <dgm:scene3d>
-      <a:camera prst="orthographicFront"/>
-      <a:lightRig rig="threePt" dir="t"/>
-    </dgm:scene3d>
-    <dgm:sp3d/>
-    <dgm:txPr/>
-    <dgm:style>
-      <a:lnRef idx="2">
-        <a:scrgbClr r="0" g="0" b="0"/>
-      </a:lnRef>
-      <a:fillRef idx="1">
-        <a:scrgbClr r="0" g="0" b="0"/>
-      </a:fillRef>
-      <a:effectRef idx="0">
-        <a:scrgbClr r="0" g="0" b="0"/>
-      </a:effectRef>
-      <a:fontRef idx="minor">
-        <a:schemeClr val="lt1"/>
-      </a:fontRef>
-    </dgm:style>
-  </dgm:styleLbl>
-  <dgm:styleLbl name="fgImgPlace1">
-    <dgm:scene3d>
-      <a:camera prst="orthographicFront"/>
-      <a:lightRig rig="threePt" dir="t"/>
-    </dgm:scene3d>
-    <dgm:sp3d/>
-    <dgm:txPr/>
-    <dgm:style>
-      <a:lnRef idx="2">
-        <a:scrgbClr r="0" g="0" b="0"/>
-      </a:lnRef>
-      <a:fillRef idx="1">
-        <a:scrgbClr r="0" g="0" b="0"/>
-      </a:fillRef>
-      <a:effectRef idx="0">
-        <a:scrgbClr r="0" g="0" b="0"/>
-      </a:effectRef>
-      <a:fontRef idx="minor"/>
-    </dgm:style>
-  </dgm:styleLbl>
-  <dgm:styleLbl name="alignImgPlace1">
-    <dgm:scene3d>
-      <a:camera prst="orthographicFront"/>
-      <a:lightRig rig="threePt" dir="t"/>
-    </dgm:scene3d>
-    <dgm:sp3d/>
-    <dgm:txPr/>
-    <dgm:style>
-      <a:lnRef idx="2">
-        <a:scrgbClr r="0" g="0" b="0"/>
-      </a:lnRef>
-      <a:fillRef idx="1">
-        <a:scrgbClr r="0" g="0" b="0"/>
-      </a:fillRef>
-      <a:effectRef idx="0">
-        <a:scrgbClr r="0" g="0" b="0"/>
-      </a:effectRef>
-      <a:fontRef idx="minor"/>
-    </dgm:style>
-  </dgm:styleLbl>
-  <dgm:styleLbl name="bgImgPlace1">
-    <dgm:scene3d>
-      <a:camera prst="orthographicFront"/>
-      <a:lightRig rig="threePt" dir="t"/>
-    </dgm:scene3d>
-    <dgm:sp3d/>
-    <dgm:txPr/>
-    <dgm:style>
-      <a:lnRef idx="2">
-        <a:scrgbClr r="0" g="0" b="0"/>
-      </a:lnRef>
-      <a:fillRef idx="1">
-        <a:scrgbClr r="0" g="0" b="0"/>
-      </a:fillRef>
-      <a:effectRef idx="0">
-        <a:scrgbClr r="0" g="0" b="0"/>
-      </a:effectRef>
-      <a:fontRef idx="minor"/>
-    </dgm:style>
-  </dgm:styleLbl>
-  <dgm:styleLbl name="sibTrans2D1">
-    <dgm:scene3d>
-      <a:camera prst="orthographicFront"/>
-      <a:lightRig rig="threePt" dir="t"/>
-    </dgm:scene3d>
-    <dgm:sp3d/>
-    <dgm:txPr/>
-    <dgm:style>
-      <a:lnRef idx="0">
-        <a:scrgbClr r="0" g="0" b="0"/>
-      </a:lnRef>
-      <a:fillRef idx="1">
-        <a:scrgbClr r="0" g="0" b="0"/>
-      </a:fillRef>
-      <a:effectRef idx="0">
-        <a:scrgbClr r="0" g="0" b="0"/>
-      </a:effectRef>
-      <a:fontRef idx="minor">
-        <a:schemeClr val="lt1"/>
-      </a:fontRef>
-    </dgm:style>
-  </dgm:styleLbl>
-  <dgm:styleLbl name="fgSibTrans2D1">
-    <dgm:scene3d>
-      <a:camera prst="orthographicFront"/>
-      <a:lightRig rig="threePt" dir="t"/>
-    </dgm:scene3d>
-    <dgm:sp3d/>
-    <dgm:txPr/>
-    <dgm:style>
-      <a:lnRef idx="0">
-        <a:scrgbClr r="0" g="0" b="0"/>
-      </a:lnRef>
-      <a:fillRef idx="1">
-        <a:scrgbClr r="0" g="0" b="0"/>
-      </a:fillRef>
-      <a:effectRef idx="0">
-        <a:scrgbClr r="0" g="0" b="0"/>
-      </a:effectRef>
-      <a:fontRef idx="minor">
-        <a:schemeClr val="lt1"/>
-      </a:fontRef>
-    </dgm:style>
-  </dgm:styleLbl>
-  <dgm:styleLbl name="bgSibTrans2D1">
-    <dgm:scene3d>
-      <a:camera prst="orthographicFront"/>
-      <a:lightRig rig="threePt" dir="t"/>
-    </dgm:scene3d>
-    <dgm:sp3d/>
-    <dgm:txPr/>
-    <dgm:style>
-      <a:lnRef idx="0">
-        <a:scrgbClr r="0" g="0" b="0"/>
-      </a:lnRef>
-      <a:fillRef idx="1">
-        <a:scrgbClr r="0" g="0" b="0"/>
-      </a:fillRef>
-      <a:effectRef idx="0">
-        <a:scrgbClr r="0" g="0" b="0"/>
-      </a:effectRef>
-      <a:fontRef idx="minor">
-        <a:schemeClr val="lt1"/>
-      </a:fontRef>
-    </dgm:style>
-  </dgm:styleLbl>
-  <dgm:styleLbl name="sibTrans1D1">
-    <dgm:scene3d>
-      <a:camera prst="orthographicFront"/>
-      <a:lightRig rig="threePt" dir="t"/>
-    </dgm:scene3d>
-    <dgm:sp3d/>
-    <dgm:txPr/>
-    <dgm:style>
-      <a:lnRef idx="1">
-        <a:scrgbClr r="0" g="0" b="0"/>
-      </a:lnRef>
-      <a:fillRef idx="0">
-        <a:scrgbClr r="0" g="0" b="0"/>
-      </a:fillRef>
-      <a:effectRef idx="0">
-        <a:scrgbClr r="0" g="0" b="0"/>
-      </a:effectRef>
-      <a:fontRef idx="minor"/>
-    </dgm:style>
-  </dgm:styleLbl>
-  <dgm:styleLbl name="callout">
-    <dgm:scene3d>
-      <a:camera prst="orthographicFront"/>
-      <a:lightRig rig="threePt" dir="t"/>
-    </dgm:scene3d>
-    <dgm:sp3d/>
-    <dgm:txPr/>
-    <dgm:style>
-      <a:lnRef idx="2">
-        <a:scrgbClr r="0" g="0" b="0"/>
-      </a:lnRef>
-      <a:fillRef idx="1">
-        <a:scrgbClr r="0" g="0" b="0"/>
-      </a:fillRef>
-      <a:effectRef idx="0">
-        <a:scrgbClr r="0" g="0" b="0"/>
-      </a:effectRef>
-      <a:fontRef idx="minor"/>
-    </dgm:style>
-  </dgm:styleLbl>
-  <dgm:styleLbl name="asst0">
-    <dgm:scene3d>
-      <a:camera prst="orthographicFront"/>
-      <a:lightRig rig="threePt" dir="t"/>
-    </dgm:scene3d>
-    <dgm:sp3d/>
-    <dgm:txPr/>
-    <dgm:style>
-      <a:lnRef idx="2">
-        <a:scrgbClr r="0" g="0" b="0"/>
-      </a:lnRef>
-      <a:fillRef idx="1">
-        <a:scrgbClr r="0" g="0" b="0"/>
-      </a:fillRef>
-      <a:effectRef idx="0">
-        <a:scrgbClr r="0" g="0" b="0"/>
-      </a:effectRef>
-      <a:fontRef idx="minor">
-        <a:schemeClr val="lt1"/>
-      </a:fontRef>
-    </dgm:style>
-  </dgm:styleLbl>
-  <dgm:styleLbl name="asst1">
-    <dgm:scene3d>
-      <a:camera prst="orthographicFront"/>
-      <a:lightRig rig="threePt" dir="t"/>
-    </dgm:scene3d>
-    <dgm:sp3d/>
-    <dgm:txPr/>
-    <dgm:style>
-      <a:lnRef idx="2">
-        <a:scrgbClr r="0" g="0" b="0"/>
-      </a:lnRef>
-      <a:fillRef idx="1">
-        <a:scrgbClr r="0" g="0" b="0"/>
-      </a:fillRef>
-      <a:effectRef idx="0">
-        <a:scrgbClr r="0" g="0" b="0"/>
-      </a:effectRef>
-      <a:fontRef idx="minor">
-        <a:schemeClr val="lt1"/>
-      </a:fontRef>
-    </dgm:style>
-  </dgm:styleLbl>
-  <dgm:styleLbl name="asst2">
-    <dgm:scene3d>
-      <a:camera prst="orthographicFront"/>
-      <a:lightRig rig="threePt" dir="t"/>
-    </dgm:scene3d>
-    <dgm:sp3d/>
-    <dgm:txPr/>
-    <dgm:style>
-      <a:lnRef idx="2">
-        <a:scrgbClr r="0" g="0" b="0"/>
-      </a:lnRef>
-      <a:fillRef idx="1">
-        <a:scrgbClr r="0" g="0" b="0"/>
-      </a:fillRef>
-      <a:effectRef idx="0">
-        <a:scrgbClr r="0" g="0" b="0"/>
-      </a:effectRef>
-      <a:fontRef idx="minor">
-        <a:schemeClr val="lt1"/>
-      </a:fontRef>
-    </dgm:style>
-  </dgm:styleLbl>
-  <dgm:styleLbl name="asst3">
-    <dgm:scene3d>
-      <a:camera prst="orthographicFront"/>
-      <a:lightRig rig="threePt" dir="t"/>
-    </dgm:scene3d>
-    <dgm:sp3d/>
-    <dgm:txPr/>
-    <dgm:style>
-      <a:lnRef idx="2">
-        <a:scrgbClr r="0" g="0" b="0"/>
-      </a:lnRef>
-      <a:fillRef idx="1">
-        <a:scrgbClr r="0" g="0" b="0"/>
-      </a:fillRef>
-      <a:effectRef idx="0">
-        <a:scrgbClr r="0" g="0" b="0"/>
-      </a:effectRef>
-      <a:fontRef idx="minor">
-        <a:schemeClr val="lt1"/>
-      </a:fontRef>
-    </dgm:style>
-  </dgm:styleLbl>
-  <dgm:styleLbl name="asst4">
-    <dgm:scene3d>
-      <a:camera prst="orthographicFront"/>
-      <a:lightRig rig="threePt" dir="t"/>
-    </dgm:scene3d>
-    <dgm:sp3d/>
-    <dgm:txPr/>
-    <dgm:style>
-      <a:lnRef idx="2">
-        <a:scrgbClr r="0" g="0" b="0"/>
-      </a:lnRef>
-      <a:fillRef idx="1">
-        <a:scrgbClr r="0" g="0" b="0"/>
-      </a:fillRef>
-      <a:effectRef idx="0">
-        <a:scrgbClr r="0" g="0" b="0"/>
-      </a:effectRef>
-      <a:fontRef idx="minor">
-        <a:schemeClr val="lt1"/>
-      </a:fontRef>
-    </dgm:style>
-  </dgm:styleLbl>
-  <dgm:styleLbl name="parChTrans2D1">
-    <dgm:scene3d>
-      <a:camera prst="orthographicFront"/>
-      <a:lightRig rig="threePt" dir="t"/>
-    </dgm:scene3d>
-    <dgm:sp3d/>
-    <dgm:txPr/>
-    <dgm:style>
-      <a:lnRef idx="2">
-        <a:scrgbClr r="0" g="0" b="0"/>
-      </a:lnRef>
-      <a:fillRef idx="1">
-        <a:scrgbClr r="0" g="0" b="0"/>
-      </a:fillRef>
-      <a:effectRef idx="0">
-        <a:scrgbClr r="0" g="0" b="0"/>
-      </a:effectRef>
-      <a:fontRef idx="minor">
-        <a:schemeClr val="lt1"/>
-      </a:fontRef>
-    </dgm:style>
-  </dgm:styleLbl>
-  <dgm:styleLbl name="parChTrans2D2">
-    <dgm:scene3d>
-      <a:camera prst="orthographicFront"/>
-      <a:lightRig rig="threePt" dir="t"/>
-    </dgm:scene3d>
-    <dgm:sp3d/>
-    <dgm:txPr/>
-    <dgm:style>
-      <a:lnRef idx="2">
-        <a:scrgbClr r="0" g="0" b="0"/>
-      </a:lnRef>
-      <a:fillRef idx="1">
-        <a:scrgbClr r="0" g="0" b="0"/>
-      </a:fillRef>
-      <a:effectRef idx="0">
-        <a:scrgbClr r="0" g="0" b="0"/>
-      </a:effectRef>
-      <a:fontRef idx="minor">
-        <a:schemeClr val="lt1"/>
-      </a:fontRef>
-    </dgm:style>
-  </dgm:styleLbl>
-  <dgm:styleLbl name="parChTrans2D3">
-    <dgm:scene3d>
-      <a:camera prst="orthographicFront"/>
-      <a:lightRig rig="threePt" dir="t"/>
-    </dgm:scene3d>
-    <dgm:sp3d/>
-    <dgm:txPr/>
-    <dgm:style>
-      <a:lnRef idx="2">
-        <a:scrgbClr r="0" g="0" b="0"/>
-      </a:lnRef>
-      <a:fillRef idx="1">
-        <a:scrgbClr r="0" g="0" b="0"/>
-      </a:fillRef>
-      <a:effectRef idx="0">
-        <a:scrgbClr r="0" g="0" b="0"/>
-      </a:effectRef>
-      <a:fontRef idx="minor">
-        <a:schemeClr val="lt1"/>
-      </a:fontRef>
-    </dgm:style>
-  </dgm:styleLbl>
-  <dgm:styleLbl name="parChTrans2D4">
-    <dgm:scene3d>
-      <a:camera prst="orthographicFront"/>
-      <a:lightRig rig="threePt" dir="t"/>
-    </dgm:scene3d>
-    <dgm:sp3d/>
-    <dgm:txPr/>
-    <dgm:style>
-      <a:lnRef idx="2">
-        <a:scrgbClr r="0" g="0" b="0"/>
-      </a:lnRef>
-      <a:fillRef idx="1">
-        <a:scrgbClr r="0" g="0" b="0"/>
-      </a:fillRef>
-      <a:effectRef idx="0">
-        <a:scrgbClr r="0" g="0" b="0"/>
-      </a:effectRef>
-      <a:fontRef idx="minor">
-        <a:schemeClr val="lt1"/>
-      </a:fontRef>
-    </dgm:style>
-  </dgm:styleLbl>
-  <dgm:styleLbl name="parChTrans1D1">
-    <dgm:scene3d>
-      <a:camera prst="orthographicFront"/>
-      <a:lightRig rig="threePt" dir="t"/>
-    </dgm:scene3d>
-    <dgm:sp3d/>
-    <dgm:txPr/>
-    <dgm:style>
-      <a:lnRef idx="2">
-        <a:scrgbClr r="0" g="0" b="0"/>
-      </a:lnRef>
-      <a:fillRef idx="0">
-        <a:scrgbClr r="0" g="0" b="0"/>
-      </a:fillRef>
-      <a:effectRef idx="0">
-        <a:scrgbClr r="0" g="0" b="0"/>
-      </a:effectRef>
-      <a:fontRef idx="minor"/>
-    </dgm:style>
-  </dgm:styleLbl>
-  <dgm:styleLbl name="parChTrans1D2">
-    <dgm:scene3d>
-      <a:camera prst="orthographicFront"/>
-      <a:lightRig rig="threePt" dir="t"/>
-    </dgm:scene3d>
-    <dgm:sp3d/>
-    <dgm:txPr/>
-    <dgm:style>
-      <a:lnRef idx="2">
-        <a:scrgbClr r="0" g="0" b="0"/>
-      </a:lnRef>
-      <a:fillRef idx="0">
-        <a:scrgbClr r="0" g="0" b="0"/>
-      </a:fillRef>
-      <a:effectRef idx="0">
-        <a:scrgbClr r="0" g="0" b="0"/>
-      </a:effectRef>
-      <a:fontRef idx="minor"/>
-    </dgm:style>
-  </dgm:styleLbl>
-  <dgm:styleLbl name="parChTrans1D3">
-    <dgm:scene3d>
-      <a:camera prst="orthographicFront"/>
-      <a:lightRig rig="threePt" dir="t"/>
-    </dgm:scene3d>
-    <dgm:sp3d/>
-    <dgm:txPr/>
-    <dgm:style>
-      <a:lnRef idx="2">
-        <a:scrgbClr r="0" g="0" b="0"/>
-      </a:lnRef>
-      <a:fillRef idx="0">
-        <a:scrgbClr r="0" g="0" b="0"/>
-      </a:fillRef>
-      <a:effectRef idx="0">
-        <a:scrgbClr r="0" g="0" b="0"/>
-      </a:effectRef>
-      <a:fontRef idx="minor"/>
-    </dgm:style>
-  </dgm:styleLbl>
-  <dgm:styleLbl name="parChTrans1D4">
-    <dgm:scene3d>
-      <a:camera prst="orthographicFront"/>
-      <a:lightRig rig="threePt" dir="t"/>
-    </dgm:scene3d>
-    <dgm:sp3d/>
-    <dgm:txPr/>
-    <dgm:style>
-      <a:lnRef idx="2">
-        <a:scrgbClr r="0" g="0" b="0"/>
-      </a:lnRef>
-      <a:fillRef idx="0">
-        <a:scrgbClr r="0" g="0" b="0"/>
-      </a:fillRef>
-      <a:effectRef idx="0">
-        <a:scrgbClr r="0" g="0" b="0"/>
-      </a:effectRef>
-      <a:fontRef idx="minor"/>
-    </dgm:style>
-  </dgm:styleLbl>
-  <dgm:styleLbl name="fgAcc1">
-    <dgm:scene3d>
-      <a:camera prst="orthographicFront"/>
-      <a:lightRig rig="threePt" dir="t"/>
-    </dgm:scene3d>
-    <dgm:sp3d/>
-    <dgm:txPr/>
-    <dgm:style>
-      <a:lnRef idx="2">
-        <a:scrgbClr r="0" g="0" b="0"/>
-      </a:lnRef>
-      <a:fillRef idx="1">
-        <a:scrgbClr r="0" g="0" b="0"/>
-      </a:fillRef>
-      <a:effectRef idx="0">
-        <a:scrgbClr r="0" g="0" b="0"/>
-      </a:effectRef>
-      <a:fontRef idx="minor"/>
-    </dgm:style>
-  </dgm:styleLbl>
-  <dgm:styleLbl name="conFgAcc1">
-    <dgm:scene3d>
-      <a:camera prst="orthographicFront"/>
-      <a:lightRig rig="threePt" dir="t"/>
-    </dgm:scene3d>
-    <dgm:sp3d/>
-    <dgm:txPr/>
-    <dgm:style>
-      <a:lnRef idx="2">
-        <a:scrgbClr r="0" g="0" b="0"/>
-      </a:lnRef>
-      <a:fillRef idx="1">
-        <a:scrgbClr r="0" g="0" b="0"/>
-      </a:fillRef>
-      <a:effectRef idx="0">
-        <a:scrgbClr r="0" g="0" b="0"/>
-      </a:effectRef>
-      <a:fontRef idx="minor"/>
-    </dgm:style>
-  </dgm:styleLbl>
-  <dgm:styleLbl name="alignAcc1">
-    <dgm:scene3d>
-      <a:camera prst="orthographicFront"/>
-      <a:lightRig rig="threePt" dir="t"/>
-    </dgm:scene3d>
-    <dgm:sp3d/>
-    <dgm:txPr/>
-    <dgm:style>
-      <a:lnRef idx="2">
-        <a:scrgbClr r="0" g="0" b="0"/>
-      </a:lnRef>
-      <a:fillRef idx="1">
-        <a:scrgbClr r="0" g="0" b="0"/>
-      </a:fillRef>
-      <a:effectRef idx="0">
-        <a:scrgbClr r="0" g="0" b="0"/>
-      </a:effectRef>
-      <a:fontRef idx="minor"/>
-    </dgm:style>
-  </dgm:styleLbl>
-  <dgm:styleLbl name="trAlignAcc1">
-    <dgm:scene3d>
-      <a:camera prst="orthographicFront"/>
-      <a:lightRig rig="threePt" dir="t"/>
-    </dgm:scene3d>
-    <dgm:sp3d/>
-    <dgm:txPr/>
-    <dgm:style>
-      <a:lnRef idx="1">
-        <a:scrgbClr r="0" g="0" b="0"/>
-      </a:lnRef>
-      <a:fillRef idx="1">
-        <a:scrgbClr r="0" g="0" b="0"/>
-      </a:fillRef>
-      <a:effectRef idx="0">
-        <a:scrgbClr r="0" g="0" b="0"/>
-      </a:effectRef>
-      <a:fontRef idx="minor"/>
-    </dgm:style>
-  </dgm:styleLbl>
-  <dgm:styleLbl name="bgAcc1">
-    <dgm:scene3d>
-      <a:camera prst="orthographicFront"/>
-      <a:lightRig rig="threePt" dir="t"/>
-    </dgm:scene3d>
-    <dgm:sp3d/>
-    <dgm:txPr/>
-    <dgm:style>
-      <a:lnRef idx="2">
-        <a:scrgbClr r="0" g="0" b="0"/>
-      </a:lnRef>
-      <a:fillRef idx="1">
-        <a:scrgbClr r="0" g="0" b="0"/>
-      </a:fillRef>
-      <a:effectRef idx="0">
-        <a:scrgbClr r="0" g="0" b="0"/>
-      </a:effectRef>
-      <a:fontRef idx="minor"/>
-    </dgm:style>
-  </dgm:styleLbl>
-  <dgm:styleLbl name="solidFgAcc1">
-    <dgm:scene3d>
-      <a:camera prst="orthographicFront"/>
-      <a:lightRig rig="threePt" dir="t"/>
-    </dgm:scene3d>
-    <dgm:sp3d/>
-    <dgm:txPr/>
-    <dgm:style>
-      <a:lnRef idx="2">
-        <a:scrgbClr r="0" g="0" b="0"/>
-      </a:lnRef>
-      <a:fillRef idx="1">
-        <a:scrgbClr r="0" g="0" b="0"/>
-      </a:fillRef>
-      <a:effectRef idx="0">
-        <a:scrgbClr r="0" g="0" b="0"/>
-      </a:effectRef>
-      <a:fontRef idx="minor"/>
-    </dgm:style>
-  </dgm:styleLbl>
-  <dgm:styleLbl name="solidAlignAcc1">
-    <dgm:scene3d>
-      <a:camera prst="orthographicFront"/>
-      <a:lightRig rig="threePt" dir="t"/>
-    </dgm:scene3d>
-    <dgm:sp3d/>
-    <dgm:txPr/>
-    <dgm:style>
-      <a:lnRef idx="2">
-        <a:scrgbClr r="0" g="0" b="0"/>
-      </a:lnRef>
-      <a:fillRef idx="1">
-        <a:scrgbClr r="0" g="0" b="0"/>
-      </a:fillRef>
-      <a:effectRef idx="0">
-        <a:scrgbClr r="0" g="0" b="0"/>
-      </a:effectRef>
-      <a:fontRef idx="minor"/>
-    </dgm:style>
-  </dgm:styleLbl>
-  <dgm:styleLbl name="solidBgAcc1">
-    <dgm:scene3d>
-      <a:camera prst="orthographicFront"/>
-      <a:lightRig rig="threePt" dir="t"/>
-    </dgm:scene3d>
-    <dgm:sp3d/>
-    <dgm:txPr/>
-    <dgm:style>
-      <a:lnRef idx="2">
-        <a:scrgbClr r="0" g="0" b="0"/>
-      </a:lnRef>
-      <a:fillRef idx="1">
-        <a:scrgbClr r="0" g="0" b="0"/>
-      </a:fillRef>
-      <a:effectRef idx="0">
-        <a:scrgbClr r="0" g="0" b="0"/>
-      </a:effectRef>
-      <a:fontRef idx="minor"/>
-    </dgm:style>
-  </dgm:styleLbl>
-  <dgm:styleLbl name="fgAccFollowNode1">
-    <dgm:scene3d>
-      <a:camera prst="orthographicFront"/>
-      <a:lightRig rig="threePt" dir="t"/>
-    </dgm:scene3d>
-    <dgm:sp3d/>
-    <dgm:txPr/>
-    <dgm:style>
-      <a:lnRef idx="2">
-        <a:scrgbClr r="0" g="0" b="0"/>
-      </a:lnRef>
-      <a:fillRef idx="1">
-        <a:scrgbClr r="0" g="0" b="0"/>
-      </a:fillRef>
-      <a:effectRef idx="0">
-        <a:scrgbClr r="0" g="0" b="0"/>
-      </a:effectRef>
-      <a:fontRef idx="minor"/>
-    </dgm:style>
-  </dgm:styleLbl>
-  <dgm:styleLbl name="alignAccFollowNode1">
-    <dgm:scene3d>
-      <a:camera prst="orthographicFront"/>
-      <a:lightRig rig="threePt" dir="t"/>
-    </dgm:scene3d>
-    <dgm:sp3d/>
-    <dgm:txPr/>
-    <dgm:style>
-      <a:lnRef idx="2">
-        <a:scrgbClr r="0" g="0" b="0"/>
-      </a:lnRef>
-      <a:fillRef idx="1">
-        <a:scrgbClr r="0" g="0" b="0"/>
-      </a:fillRef>
-      <a:effectRef idx="0">
-        <a:scrgbClr r="0" g="0" b="0"/>
-      </a:effectRef>
-      <a:fontRef idx="minor"/>
-    </dgm:style>
-  </dgm:styleLbl>
-  <dgm:styleLbl name="bgAccFollowNode1">
-    <dgm:scene3d>
-      <a:camera prst="orthographicFront"/>
-      <a:lightRig rig="threePt" dir="t"/>
-    </dgm:scene3d>
-    <dgm:sp3d/>
-    <dgm:txPr/>
-    <dgm:style>
-      <a:lnRef idx="2">
-        <a:scrgbClr r="0" g="0" b="0"/>
-      </a:lnRef>
-      <a:fillRef idx="1">
-        <a:scrgbClr r="0" g="0" b="0"/>
-      </a:fillRef>
-      <a:effectRef idx="0">
-        <a:scrgbClr r="0" g="0" b="0"/>
-      </a:effectRef>
-      <a:fontRef idx="minor"/>
-    </dgm:style>
-  </dgm:styleLbl>
-  <dgm:styleLbl name="fgAcc0">
-    <dgm:scene3d>
-      <a:camera prst="orthographicFront"/>
-      <a:lightRig rig="threePt" dir="t"/>
-    </dgm:scene3d>
-    <dgm:sp3d/>
-    <dgm:txPr/>
-    <dgm:style>
-      <a:lnRef idx="2">
-        <a:scrgbClr r="0" g="0" b="0"/>
-      </a:lnRef>
-      <a:fillRef idx="1">
-        <a:scrgbClr r="0" g="0" b="0"/>
-      </a:fillRef>
-      <a:effectRef idx="0">
-        <a:scrgbClr r="0" g="0" b="0"/>
-      </a:effectRef>
-      <a:fontRef idx="minor"/>
-    </dgm:style>
-  </dgm:styleLbl>
-  <dgm:styleLbl name="fgAcc2">
-    <dgm:scene3d>
-      <a:camera prst="orthographicFront"/>
-      <a:lightRig rig="threePt" dir="t"/>
-    </dgm:scene3d>
-    <dgm:sp3d/>
-    <dgm:txPr/>
-    <dgm:style>
-      <a:lnRef idx="2">
-        <a:scrgbClr r="0" g="0" b="0"/>
-      </a:lnRef>
-      <a:fillRef idx="1">
-        <a:scrgbClr r="0" g="0" b="0"/>
-      </a:fillRef>
-      <a:effectRef idx="0">
-        <a:scrgbClr r="0" g="0" b="0"/>
-      </a:effectRef>
-      <a:fontRef idx="minor"/>
-    </dgm:style>
-  </dgm:styleLbl>
-  <dgm:styleLbl name="fgAcc3">
-    <dgm:scene3d>
-      <a:camera prst="orthographicFront"/>
-      <a:lightRig rig="threePt" dir="t"/>
-    </dgm:scene3d>
-    <dgm:sp3d/>
-    <dgm:txPr/>
-    <dgm:style>
-      <a:lnRef idx="2">
-        <a:scrgbClr r="0" g="0" b="0"/>
-      </a:lnRef>
-      <a:fillRef idx="1">
-        <a:scrgbClr r="0" g="0" b="0"/>
-      </a:fillRef>
-      <a:effectRef idx="0">
-        <a:scrgbClr r="0" g="0" b="0"/>
-      </a:effectRef>
-      <a:fontRef idx="minor"/>
-    </dgm:style>
-  </dgm:styleLbl>
-  <dgm:styleLbl name="fgAcc4">
-    <dgm:scene3d>
-      <a:camera prst="orthographicFront"/>
-      <a:lightRig rig="threePt" dir="t"/>
-    </dgm:scene3d>
-    <dgm:sp3d/>
-    <dgm:txPr/>
-    <dgm:style>
-      <a:lnRef idx="2">
-        <a:scrgbClr r="0" g="0" b="0"/>
-      </a:lnRef>
-      <a:fillRef idx="1">
-        <a:scrgbClr r="0" g="0" b="0"/>
-      </a:fillRef>
-      <a:effectRef idx="0">
-        <a:scrgbClr r="0" g="0" b="0"/>
-      </a:effectRef>
-      <a:fontRef idx="minor"/>
-    </dgm:style>
-  </dgm:styleLbl>
-  <dgm:styleLbl name="bgShp">
-    <dgm:scene3d>
-      <a:camera prst="orthographicFront"/>
-      <a:lightRig rig="threePt" dir="t"/>
-    </dgm:scene3d>
-    <dgm:sp3d/>
-    <dgm:txPr/>
-    <dgm:style>
-      <a:lnRef idx="0">
-        <a:scrgbClr r="0" g="0" b="0"/>
-      </a:lnRef>
-      <a:fillRef idx="1">
-        <a:scrgbClr r="0" g="0" b="0"/>
-      </a:fillRef>
-      <a:effectRef idx="0">
-        <a:scrgbClr r="0" g="0" b="0"/>
-      </a:effectRef>
-      <a:fontRef idx="minor"/>
-    </dgm:style>
-  </dgm:styleLbl>
-  <dgm:styleLbl name="dkBgShp">
-    <dgm:scene3d>
-      <a:camera prst="orthographicFront"/>
-      <a:lightRig rig="threePt" dir="t"/>
-    </dgm:scene3d>
-    <dgm:sp3d/>
-    <dgm:txPr/>
-    <dgm:style>
-      <a:lnRef idx="0">
-        <a:scrgbClr r="0" g="0" b="0"/>
-      </a:lnRef>
-      <a:fillRef idx="1">
-        <a:scrgbClr r="0" g="0" b="0"/>
-      </a:fillRef>
-      <a:effectRef idx="0">
-        <a:scrgbClr r="0" g="0" b="0"/>
-      </a:effectRef>
-      <a:fontRef idx="minor"/>
-    </dgm:style>
-  </dgm:styleLbl>
-  <dgm:styleLbl name="trBgShp">
-    <dgm:scene3d>
-      <a:camera prst="orthographicFront"/>
-      <a:lightRig rig="threePt" dir="t"/>
-    </dgm:scene3d>
-    <dgm:sp3d/>
-    <dgm:txPr/>
-    <dgm:style>
-      <a:lnRef idx="0">
-        <a:scrgbClr r="0" g="0" b="0"/>
-      </a:lnRef>
-      <a:fillRef idx="1">
-        <a:scrgbClr r="0" g="0" b="0"/>
-      </a:fillRef>
-      <a:effectRef idx="0">
-        <a:scrgbClr r="0" g="0" b="0"/>
-      </a:effectRef>
-      <a:fontRef idx="minor"/>
-    </dgm:style>
-  </dgm:styleLbl>
-  <dgm:styleLbl name="fgShp">
-    <dgm:scene3d>
-      <a:camera prst="orthographicFront"/>
-      <a:lightRig rig="threePt" dir="t"/>
-    </dgm:scene3d>
-    <dgm:sp3d/>
-    <dgm:txPr/>
-    <dgm:style>
-      <a:lnRef idx="2">
-        <a:scrgbClr r="0" g="0" b="0"/>
-      </a:lnRef>
-      <a:fillRef idx="1">
-        <a:scrgbClr r="0" g="0" b="0"/>
-      </a:fillRef>
-      <a:effectRef idx="0">
-        <a:scrgbClr r="0" g="0" b="0"/>
-      </a:effectRef>
-      <a:fontRef idx="minor"/>
-    </dgm:style>
-  </dgm:styleLbl>
-  <dgm:styleLbl name="revTx">
-    <dgm:scene3d>
-      <a:camera prst="orthographicFront"/>
-      <a:lightRig rig="threePt" dir="t"/>
-    </dgm:scene3d>
-    <dgm:sp3d/>
-    <dgm:txPr/>
-    <dgm:style>
-      <a:lnRef idx="0">
-        <a:scrgbClr r="0" g="0" b="0"/>
-      </a:lnRef>
-      <a:fillRef idx="0">
-        <a:scrgbClr r="0" g="0" b="0"/>
-      </a:fillRef>
-      <a:effectRef idx="0">
-        <a:scrgbClr r="0" g="0" b="0"/>
-      </a:effectRef>
-      <a:fontRef idx="minor"/>
-    </dgm:style>
-  </dgm:styleLbl>
-</dgm:styleDef>
 </file>
 
 <file path=ppt/handoutMasters/handoutMaster1.xml><?xml version="1.0" encoding="utf-8"?>
@@ -6689,90 +829,6 @@
 </p:notes>
 </file>
 
-<file path=ppt/notesSlides/notesSlide10.xml><?xml version="1.0" encoding="utf-8"?>
-<p:notes xmlns:a="http://schemas.openxmlformats.org/drawingml/2006/main" xmlns:r="http://schemas.openxmlformats.org/officeDocument/2006/relationships" xmlns:p="http://schemas.openxmlformats.org/presentationml/2006/main">
-  <p:cSld>
-    <p:spTree>
-      <p:nvGrpSpPr>
-        <p:cNvPr id="1" name=""/>
-        <p:cNvGrpSpPr/>
-        <p:nvPr/>
-      </p:nvGrpSpPr>
-      <p:grpSpPr>
-        <a:xfrm>
-          <a:off x="0" y="0"/>
-          <a:ext cx="0" cy="0"/>
-          <a:chOff x="0" y="0"/>
-          <a:chExt cx="0" cy="0"/>
-        </a:xfrm>
-      </p:grpSpPr>
-      <p:sp>
-        <p:nvSpPr>
-          <p:cNvPr id="2" name="Slide Image Placeholder 1"/>
-          <p:cNvSpPr>
-            <a:spLocks noGrp="1" noRot="1" noChangeAspect="1"/>
-          </p:cNvSpPr>
-          <p:nvPr>
-            <p:ph type="sldImg"/>
-          </p:nvPr>
-        </p:nvSpPr>
-        <p:spPr/>
-      </p:sp>
-      <p:sp>
-        <p:nvSpPr>
-          <p:cNvPr id="3" name="Notes Placeholder 2"/>
-          <p:cNvSpPr>
-            <a:spLocks noGrp="1"/>
-          </p:cNvSpPr>
-          <p:nvPr>
-            <p:ph type="body" idx="1"/>
-          </p:nvPr>
-        </p:nvSpPr>
-        <p:spPr/>
-        <p:txBody>
-          <a:bodyPr/>
-          <a:lstStyle/>
-          <a:p>
-            <a:endParaRPr lang="en-US"/>
-          </a:p>
-        </p:txBody>
-      </p:sp>
-      <p:sp>
-        <p:nvSpPr>
-          <p:cNvPr id="4" name="Slide Number Placeholder 3"/>
-          <p:cNvSpPr>
-            <a:spLocks noGrp="1"/>
-          </p:cNvSpPr>
-          <p:nvPr>
-            <p:ph type="sldNum" sz="quarter" idx="5"/>
-          </p:nvPr>
-        </p:nvSpPr>
-        <p:spPr/>
-        <p:txBody>
-          <a:bodyPr/>
-          <a:lstStyle/>
-          <a:p>
-            <a:fld id="{5EE2CF44-2B13-41B4-A334-1CDF534EEBBF}" type="slidenum">
-              <a:rPr lang="en-US" smtClean="0"/>
-              <a:t>12</a:t>
-            </a:fld>
-            <a:endParaRPr lang="en-US"/>
-          </a:p>
-        </p:txBody>
-      </p:sp>
-    </p:spTree>
-    <p:extLst>
-      <p:ext uri="{BB962C8B-B14F-4D97-AF65-F5344CB8AC3E}">
-        <p14:creationId xmlns:p14="http://schemas.microsoft.com/office/powerpoint/2010/main" val="4173959356"/>
-      </p:ext>
-    </p:extLst>
-  </p:cSld>
-  <p:clrMapOvr>
-    <a:masterClrMapping/>
-  </p:clrMapOvr>
-</p:notes>
-</file>
-
 <file path=ppt/notesSlides/notesSlide2.xml><?xml version="1.0" encoding="utf-8"?>
 <p:notes xmlns:a="http://schemas.openxmlformats.org/drawingml/2006/main" xmlns:r="http://schemas.openxmlformats.org/officeDocument/2006/relationships" xmlns:p="http://schemas.openxmlformats.org/presentationml/2006/main">
   <p:cSld>
@@ -7591,7 +1647,107 @@
           <a:bodyPr/>
           <a:lstStyle/>
           <a:p>
-            <a:endParaRPr lang="en-US"/>
+            <a:pPr algn="r" rtl="1"/>
+            <a:r>
+              <a:rPr lang="he-IL" dirty="0"/>
+              <a:t>המשתמש יוכל להפעיל את המצלמה ולשנות את הזום והרזולציה באמצעות הסוויצ’ים</a:t>
+            </a:r>
+            <a:r>
+              <a:rPr lang="en-US" dirty="0"/>
+              <a:t>:</a:t>
+            </a:r>
+          </a:p>
+          <a:p>
+            <a:pPr algn="r" rtl="1"/>
+            <a:endParaRPr lang="en-US" dirty="0"/>
+          </a:p>
+          <a:p>
+            <a:pPr marL="228600" indent="-228600" algn="r" rtl="1">
+              <a:buAutoNum type="arabicPeriod"/>
+            </a:pPr>
+            <a:r>
+              <a:rPr lang="en-US" dirty="0"/>
+              <a:t>SW15</a:t>
+            </a:r>
+            <a:r>
+              <a:rPr lang="he-IL" dirty="0"/>
+              <a:t> – השמאלי ביותר</a:t>
+            </a:r>
+          </a:p>
+          <a:p>
+            <a:pPr marL="685800" lvl="1" indent="-228600" algn="r" rtl="1">
+              <a:buAutoNum type="arabicPeriod"/>
+            </a:pPr>
+            <a:r>
+              <a:rPr lang="he-IL" dirty="0"/>
+              <a:t>ירסט את המערכת ונוכל לראות על מסך ה</a:t>
+            </a:r>
+            <a:r>
+              <a:rPr lang="en-US" dirty="0"/>
+              <a:t>VGA</a:t>
+            </a:r>
+            <a:r>
+              <a:rPr lang="he-IL" dirty="0"/>
+              <a:t> פסים צבעוניים (מעין בדיקת שפיות)</a:t>
+            </a:r>
+          </a:p>
+          <a:p>
+            <a:pPr marL="228600" indent="-228600" algn="r" rtl="1">
+              <a:buAutoNum type="arabicPeriod"/>
+            </a:pPr>
+            <a:r>
+              <a:rPr lang="en-US" dirty="0"/>
+              <a:t>SW14</a:t>
+            </a:r>
+            <a:r>
+              <a:rPr lang="he-IL" dirty="0"/>
+              <a:t> – מימינו יפעיל את המצלמה – המשתמש יראה את הוידאו מוקרן על המסך</a:t>
+            </a:r>
+          </a:p>
+          <a:p>
+            <a:pPr marL="228600" indent="-228600" algn="r" rtl="1">
+              <a:buAutoNum type="arabicPeriod"/>
+            </a:pPr>
+            <a:r>
+              <a:rPr lang="en-US" dirty="0"/>
+              <a:t>SW13</a:t>
+            </a:r>
+            <a:r>
+              <a:rPr lang="he-IL" dirty="0"/>
+              <a:t> – המצלמה תקונפג והצבעים יהיו ריאלסטיים יותר</a:t>
+            </a:r>
+          </a:p>
+          <a:p>
+            <a:pPr marL="228600" indent="-228600" algn="r" rtl="1">
+              <a:buAutoNum type="arabicPeriod"/>
+            </a:pPr>
+            <a:r>
+              <a:rPr lang="en-US" dirty="0"/>
+              <a:t>SW12</a:t>
+            </a:r>
+            <a:r>
+              <a:rPr lang="he-IL" dirty="0"/>
+              <a:t> – זום -&gt; רק מרכז התמונה יוקרן על המסך כולו.</a:t>
+            </a:r>
+          </a:p>
+          <a:p>
+            <a:pPr marL="228600" indent="-228600" algn="r" rtl="1">
+              <a:buAutoNum type="arabicPeriod"/>
+            </a:pPr>
+            <a:r>
+              <a:rPr lang="en-US" dirty="0"/>
+              <a:t>SW11</a:t>
+            </a:r>
+            <a:r>
+              <a:rPr lang="he-IL" dirty="0"/>
+              <a:t> – אינטרפולציה – התמונה עם הזום תראה טוב יותר עם מעט פיקסול</a:t>
+            </a:r>
+          </a:p>
+          <a:p>
+            <a:pPr marL="228600" indent="-228600" algn="r" rtl="1">
+              <a:buAutoNum type="arabicPeriod"/>
+            </a:pPr>
+            <a:endParaRPr lang="he-IL" dirty="0"/>
           </a:p>
         </p:txBody>
       </p:sp>
@@ -7621,7 +1777,7 @@
     </p:spTree>
     <p:extLst>
       <p:ext uri="{BB962C8B-B14F-4D97-AF65-F5344CB8AC3E}">
-        <p14:creationId xmlns:p14="http://schemas.microsoft.com/office/powerpoint/2010/main" val="1039069473"/>
+        <p14:creationId xmlns:p14="http://schemas.microsoft.com/office/powerpoint/2010/main" val="3312437063"/>
       </p:ext>
     </p:extLst>
   </p:cSld>
@@ -7678,104 +1834,183 @@
             <a:pPr algn="r" rtl="1"/>
             <a:r>
               <a:rPr lang="he-IL" dirty="0"/>
-              <a:t>המשתמש יוכל להפעיל את המצלמה ולשנות את הזום והרזולציה באמצעות הסוויצ’ים</a:t>
+              <a:t>המודול הראשון </a:t>
             </a:r>
             <a:r>
               <a:rPr lang="en-US" dirty="0"/>
-              <a:t>:</a:t>
-            </a:r>
+              <a:t>Controller</a:t>
+            </a:r>
+            <a:endParaRPr lang="he-IL" dirty="0"/>
           </a:p>
           <a:p>
             <a:pPr algn="r" rtl="1"/>
-            <a:endParaRPr lang="en-US" dirty="0"/>
+            <a:r>
+              <a:rPr lang="he-IL" dirty="0"/>
+              <a:t>תפקידו להתממשק עם המצלמה ולספק לה:</a:t>
+            </a:r>
           </a:p>
           <a:p>
             <a:pPr marL="228600" indent="-228600" algn="r" rtl="1">
+              <a:buFont typeface="+mj-lt"/>
               <a:buAutoNum type="arabicPeriod"/>
             </a:pPr>
             <a:r>
-              <a:rPr lang="en-US" dirty="0"/>
-              <a:t>SW15</a:t>
-            </a:r>
-            <a:r>
               <a:rPr lang="he-IL" dirty="0"/>
-              <a:t> – השמאלי ביותר</a:t>
-            </a:r>
-          </a:p>
-          <a:p>
-            <a:pPr marL="685800" lvl="1" indent="-228600" algn="r" rtl="1">
+              <a:t>שעון וריסט</a:t>
+            </a:r>
+          </a:p>
+          <a:p>
+            <a:pPr marL="228600" indent="-228600" algn="r" rtl="1">
+              <a:buFont typeface="+mj-lt"/>
               <a:buAutoNum type="arabicPeriod"/>
             </a:pPr>
             <a:r>
               <a:rPr lang="he-IL" dirty="0"/>
-              <a:t>ירסט את המערכת ונוכל לראות על מסך ה</a:t>
+              <a:t>לקנפג את הרגיסטרים של המצלמה באמצעות פרוטוקול דומה </a:t>
+            </a:r>
+          </a:p>
+          <a:p>
+            <a:pPr algn="r" rtl="1"/>
+            <a:r>
+              <a:rPr lang="he-IL" dirty="0"/>
+              <a:t>ל</a:t>
             </a:r>
             <a:r>
               <a:rPr lang="en-US" dirty="0"/>
-              <a:t>VGA</a:t>
+              <a:t> I2C</a:t>
             </a:r>
             <a:r>
               <a:rPr lang="he-IL" dirty="0"/>
-              <a:t> פסים צבעוניים (מעין בדיקת שפיות)</a:t>
-            </a:r>
-          </a:p>
-          <a:p>
-            <a:pPr marL="228600" indent="-228600" algn="r" rtl="1">
-              <a:buAutoNum type="arabicPeriod"/>
-            </a:pPr>
+              <a:t> (=</a:t>
+            </a:r>
             <a:r>
               <a:rPr lang="en-US" dirty="0"/>
-              <a:t>SW14</a:t>
+              <a:t>Inter-Integrated Circuit</a:t>
             </a:r>
             <a:r>
               <a:rPr lang="he-IL" dirty="0"/>
-              <a:t> – מימינו יפעיל את המצלמה – המשתמש יראה את הוידאו מוקרן על המסך</a:t>
-            </a:r>
-          </a:p>
-          <a:p>
-            <a:pPr marL="228600" indent="-228600" algn="r" rtl="1">
-              <a:buAutoNum type="arabicPeriod"/>
-            </a:pPr>
+              <a:t>) בשם </a:t>
+            </a:r>
             <a:r>
               <a:rPr lang="en-US" dirty="0"/>
-              <a:t>SW13</a:t>
+              <a:t>SCCB</a:t>
             </a:r>
             <a:r>
               <a:rPr lang="he-IL" dirty="0"/>
-              <a:t> – המצלמה תקונפג והצבעים יהיו ריאלסטיים יותר</a:t>
-            </a:r>
-          </a:p>
-          <a:p>
-            <a:pPr marL="228600" indent="-228600" algn="r" rtl="1">
-              <a:buAutoNum type="arabicPeriod"/>
-            </a:pPr>
+              <a:t> (=</a:t>
+            </a:r>
             <a:r>
               <a:rPr lang="en-US" dirty="0"/>
-              <a:t>SW12</a:t>
+              <a:t>Serial Camera Control Bus</a:t>
             </a:r>
             <a:r>
               <a:rPr lang="he-IL" dirty="0"/>
-              <a:t> – זום -&gt; רק מרכז התמונה יוקרן על המסך כולו.</a:t>
-            </a:r>
-          </a:p>
-          <a:p>
-            <a:pPr marL="228600" indent="-228600" algn="r" rtl="1">
-              <a:buAutoNum type="arabicPeriod"/>
-            </a:pPr>
+              <a:t>):</a:t>
+            </a:r>
+          </a:p>
+          <a:p>
+            <a:pPr algn="r" rtl="1"/>
+            <a:r>
+              <a:rPr lang="he-IL" dirty="0"/>
+              <a:t>&lt;קליק&gt;</a:t>
+            </a:r>
+          </a:p>
+          <a:p>
+            <a:pPr algn="r" rtl="1"/>
+            <a:r>
+              <a:rPr lang="he-IL" dirty="0"/>
+              <a:t>ניתן לראות בסימולציה שיצרנו דוגמה לכתיבה לרגיסטר:</a:t>
+            </a:r>
+          </a:p>
+          <a:p>
+            <a:pPr algn="r" rtl="1"/>
+            <a:r>
+              <a:rPr lang="he-IL" dirty="0"/>
+              <a:t>בהתחלה נרצה לכתוב </a:t>
+            </a:r>
             <a:r>
               <a:rPr lang="en-US" dirty="0"/>
-              <a:t>SW11</a:t>
+              <a:t>x”42”</a:t>
             </a:r>
             <a:r>
               <a:rPr lang="he-IL" dirty="0"/>
-              <a:t> – אינטרפולציה – התמונה עם הזום תראה טוב יותר עם מעט פיקסול</a:t>
-            </a:r>
-          </a:p>
-          <a:p>
-            <a:pPr marL="228600" indent="-228600" algn="r" rtl="1">
-              <a:buAutoNum type="arabicPeriod"/>
-            </a:pPr>
+              <a:t> שזהו ה</a:t>
+            </a:r>
+            <a:r>
+              <a:rPr lang="en-US" dirty="0"/>
+              <a:t>ID</a:t>
+            </a:r>
+            <a:r>
+              <a:rPr lang="he-IL" dirty="0"/>
+              <a:t> של המצלמה שלנו</a:t>
+            </a:r>
+          </a:p>
+          <a:p>
+            <a:pPr algn="r" rtl="1"/>
+            <a:r>
+              <a:rPr lang="he-IL" dirty="0"/>
+              <a:t>ניתן לראות את השעון דוגם 0 ואז 1 ו0 ו0 – שזה 4</a:t>
+            </a:r>
+          </a:p>
+          <a:p>
+            <a:pPr algn="r" rtl="1"/>
+            <a:r>
+              <a:rPr lang="he-IL" dirty="0"/>
+              <a:t>ו0 0 1 ו0 – זהו 2</a:t>
+            </a:r>
+          </a:p>
+          <a:p>
+            <a:pPr algn="r" rtl="1"/>
+            <a:r>
+              <a:rPr lang="he-IL" dirty="0"/>
+              <a:t>&lt;קליק&gt;</a:t>
+            </a:r>
+          </a:p>
+          <a:p>
+            <a:pPr algn="r" rtl="1"/>
+            <a:r>
+              <a:rPr lang="he-IL" dirty="0"/>
+              <a:t>ואז את כתובת הרגיסטר </a:t>
+            </a:r>
+            <a:r>
+              <a:rPr lang="en-US" dirty="0"/>
+              <a:t>X”12”</a:t>
+            </a:r>
             <a:endParaRPr lang="he-IL" dirty="0"/>
+          </a:p>
+          <a:p>
+            <a:pPr algn="r" rtl="1"/>
+            <a:r>
+              <a:rPr lang="he-IL" dirty="0"/>
+              <a:t>&lt;קליק&gt;</a:t>
+            </a:r>
+          </a:p>
+          <a:p>
+            <a:pPr algn="r" rtl="1"/>
+            <a:r>
+              <a:rPr lang="he-IL" dirty="0"/>
+              <a:t>ולבסוף את ה</a:t>
+            </a:r>
+            <a:r>
+              <a:rPr lang="en-US" dirty="0"/>
+              <a:t>DATA</a:t>
+            </a:r>
+            <a:r>
+              <a:rPr lang="he-IL" dirty="0"/>
+              <a:t> </a:t>
+            </a:r>
+            <a:r>
+              <a:rPr lang="en-US" dirty="0"/>
+              <a:t>X”80”</a:t>
+            </a:r>
+            <a:r>
+              <a:rPr lang="he-IL" dirty="0"/>
+              <a:t> באופן דומה ל</a:t>
+            </a:r>
+            <a:r>
+              <a:rPr lang="en-US" dirty="0"/>
+              <a:t>X”42”</a:t>
+            </a:r>
           </a:p>
         </p:txBody>
       </p:sp>
@@ -7805,7 +2040,7 @@
     </p:spTree>
     <p:extLst>
       <p:ext uri="{BB962C8B-B14F-4D97-AF65-F5344CB8AC3E}">
-        <p14:creationId xmlns:p14="http://schemas.microsoft.com/office/powerpoint/2010/main" val="3312437063"/>
+        <p14:creationId xmlns:p14="http://schemas.microsoft.com/office/powerpoint/2010/main" val="831199167"/>
       </p:ext>
     </p:extLst>
   </p:cSld>
@@ -7859,186 +2094,7 @@
           <a:bodyPr/>
           <a:lstStyle/>
           <a:p>
-            <a:pPr algn="r" rtl="1"/>
-            <a:r>
-              <a:rPr lang="he-IL" dirty="0"/>
-              <a:t>המודול הראשון </a:t>
-            </a:r>
-            <a:r>
-              <a:rPr lang="en-US" dirty="0"/>
-              <a:t>Controller</a:t>
-            </a:r>
-            <a:endParaRPr lang="he-IL" dirty="0"/>
-          </a:p>
-          <a:p>
-            <a:pPr algn="r" rtl="1"/>
-            <a:r>
-              <a:rPr lang="he-IL" dirty="0"/>
-              <a:t>תפקידו להתממשק עם המצלמה ולספק לה:</a:t>
-            </a:r>
-          </a:p>
-          <a:p>
-            <a:pPr marL="228600" indent="-228600" algn="r" rtl="1">
-              <a:buFont typeface="+mj-lt"/>
-              <a:buAutoNum type="arabicPeriod"/>
-            </a:pPr>
-            <a:r>
-              <a:rPr lang="he-IL" dirty="0"/>
-              <a:t>שעון וריסט</a:t>
-            </a:r>
-          </a:p>
-          <a:p>
-            <a:pPr marL="228600" indent="-228600" algn="r" rtl="1">
-              <a:buFont typeface="+mj-lt"/>
-              <a:buAutoNum type="arabicPeriod"/>
-            </a:pPr>
-            <a:r>
-              <a:rPr lang="he-IL" dirty="0"/>
-              <a:t>לקנפג את הרגיסטרים של המצלמה באמצעות פרוטוקול דומה </a:t>
-            </a:r>
-          </a:p>
-          <a:p>
-            <a:pPr algn="r" rtl="1"/>
-            <a:r>
-              <a:rPr lang="he-IL" dirty="0"/>
-              <a:t>ל</a:t>
-            </a:r>
-            <a:r>
-              <a:rPr lang="en-US" dirty="0"/>
-              <a:t> I2C</a:t>
-            </a:r>
-            <a:r>
-              <a:rPr lang="he-IL" dirty="0"/>
-              <a:t> (=</a:t>
-            </a:r>
-            <a:r>
-              <a:rPr lang="en-US" dirty="0"/>
-              <a:t>Inter-Integrated Circuit</a:t>
-            </a:r>
-            <a:r>
-              <a:rPr lang="he-IL" dirty="0"/>
-              <a:t>) בשם </a:t>
-            </a:r>
-            <a:r>
-              <a:rPr lang="en-US" dirty="0"/>
-              <a:t>SCCB</a:t>
-            </a:r>
-            <a:r>
-              <a:rPr lang="he-IL" dirty="0"/>
-              <a:t> (=</a:t>
-            </a:r>
-            <a:r>
-              <a:rPr lang="en-US" dirty="0"/>
-              <a:t>Serial Camera Control Bus</a:t>
-            </a:r>
-            <a:r>
-              <a:rPr lang="he-IL" dirty="0"/>
-              <a:t>):</a:t>
-            </a:r>
-          </a:p>
-          <a:p>
-            <a:pPr algn="r" rtl="1"/>
-            <a:r>
-              <a:rPr lang="he-IL" dirty="0"/>
-              <a:t>&lt;קליק&gt;</a:t>
-            </a:r>
-          </a:p>
-          <a:p>
-            <a:pPr algn="r" rtl="1"/>
-            <a:r>
-              <a:rPr lang="he-IL" dirty="0"/>
-              <a:t>ניתן לראות בסימולציה שיצרנו דוגמה לכתיבה לרגיסטר:</a:t>
-            </a:r>
-          </a:p>
-          <a:p>
-            <a:pPr algn="r" rtl="1"/>
-            <a:r>
-              <a:rPr lang="he-IL" dirty="0"/>
-              <a:t>בהתחלה נרצה לכתוב </a:t>
-            </a:r>
-            <a:r>
-              <a:rPr lang="en-US" dirty="0"/>
-              <a:t>x”42”</a:t>
-            </a:r>
-            <a:r>
-              <a:rPr lang="he-IL" dirty="0"/>
-              <a:t> שזהו ה</a:t>
-            </a:r>
-            <a:r>
-              <a:rPr lang="en-US" dirty="0"/>
-              <a:t>ID</a:t>
-            </a:r>
-            <a:r>
-              <a:rPr lang="he-IL" dirty="0"/>
-              <a:t> של המצלמה שלנו</a:t>
-            </a:r>
-          </a:p>
-          <a:p>
-            <a:pPr algn="r" rtl="1"/>
-            <a:r>
-              <a:rPr lang="he-IL" dirty="0"/>
-              <a:t>ניתן לראות את השעון דוגם 0 ואז 1 ו0 ו0 – שזה 4</a:t>
-            </a:r>
-          </a:p>
-          <a:p>
-            <a:pPr algn="r" rtl="1"/>
-            <a:r>
-              <a:rPr lang="he-IL" dirty="0"/>
-              <a:t>ו0 0 1 ו0 – זהו 2</a:t>
-            </a:r>
-          </a:p>
-          <a:p>
-            <a:pPr algn="r" rtl="1"/>
-            <a:r>
-              <a:rPr lang="he-IL" dirty="0"/>
-              <a:t>&lt;קליק&gt;</a:t>
-            </a:r>
-          </a:p>
-          <a:p>
-            <a:pPr algn="r" rtl="1"/>
-            <a:r>
-              <a:rPr lang="he-IL" dirty="0"/>
-              <a:t>ואז את כתובת הרגיסטר </a:t>
-            </a:r>
-            <a:r>
-              <a:rPr lang="en-US" dirty="0"/>
-              <a:t>X”12”</a:t>
-            </a:r>
-            <a:endParaRPr lang="he-IL" dirty="0"/>
-          </a:p>
-          <a:p>
-            <a:pPr algn="r" rtl="1"/>
-            <a:r>
-              <a:rPr lang="he-IL" dirty="0"/>
-              <a:t>&lt;קליק&gt;</a:t>
-            </a:r>
-          </a:p>
-          <a:p>
-            <a:pPr algn="r" rtl="1"/>
-            <a:r>
-              <a:rPr lang="he-IL" dirty="0"/>
-              <a:t>ולבסוף את ה</a:t>
-            </a:r>
-            <a:r>
-              <a:rPr lang="en-US" dirty="0"/>
-              <a:t>DATA</a:t>
-            </a:r>
-            <a:r>
-              <a:rPr lang="he-IL" dirty="0"/>
-              <a:t> </a:t>
-            </a:r>
-            <a:r>
-              <a:rPr lang="en-US" dirty="0"/>
-              <a:t>X”80”</a:t>
-            </a:r>
-            <a:r>
-              <a:rPr lang="he-IL" dirty="0"/>
-              <a:t> באופן דומה ל</a:t>
-            </a:r>
-            <a:r>
-              <a:rPr lang="en-US" dirty="0"/>
-              <a:t>X”42”</a:t>
-            </a:r>
+            <a:endParaRPr lang="en-US"/>
           </a:p>
         </p:txBody>
       </p:sp>
@@ -8068,7 +2124,7 @@
     </p:spTree>
     <p:extLst>
       <p:ext uri="{BB962C8B-B14F-4D97-AF65-F5344CB8AC3E}">
-        <p14:creationId xmlns:p14="http://schemas.microsoft.com/office/powerpoint/2010/main" val="831199167"/>
+        <p14:creationId xmlns:p14="http://schemas.microsoft.com/office/powerpoint/2010/main" val="4173959356"/>
       </p:ext>
     </p:extLst>
   </p:cSld>
@@ -11236,7 +5292,7 @@
           <a:p>
             <a:r>
               <a:rPr lang="en-US" dirty="0"/>
-              <a:t>By Ido W. and Dvir H.</a:t>
+              <a:t>Designed by Ido W. and Dvir H.</a:t>
             </a:r>
           </a:p>
           <a:p>
@@ -11345,135 +5401,6 @@
 </file>
 
 <file path=ppt/slides/slide10.xml><?xml version="1.0" encoding="utf-8"?>
-<p:sld xmlns:a="http://schemas.openxmlformats.org/drawingml/2006/main" xmlns:r="http://schemas.openxmlformats.org/officeDocument/2006/relationships" xmlns:p="http://schemas.openxmlformats.org/presentationml/2006/main">
-  <p:cSld>
-    <p:spTree>
-      <p:nvGrpSpPr>
-        <p:cNvPr id="1" name="">
-          <a:extLst>
-            <a:ext uri="{FF2B5EF4-FFF2-40B4-BE49-F238E27FC236}">
-              <a16:creationId xmlns:a16="http://schemas.microsoft.com/office/drawing/2014/main" id="{B852AF45-8B4E-EADA-A7B5-B3ABAFFA86B2}"/>
-            </a:ext>
-          </a:extLst>
-        </p:cNvPr>
-        <p:cNvGrpSpPr/>
-        <p:nvPr/>
-      </p:nvGrpSpPr>
-      <p:grpSpPr>
-        <a:xfrm>
-          <a:off x="0" y="0"/>
-          <a:ext cx="0" cy="0"/>
-          <a:chOff x="0" y="0"/>
-          <a:chExt cx="0" cy="0"/>
-        </a:xfrm>
-      </p:grpSpPr>
-      <p:pic>
-        <p:nvPicPr>
-          <p:cNvPr id="27" name="Picture 26" descr="A screen with many colors&#10;&#10;AI-generated content may be incorrect.">
-            <a:extLst>
-              <a:ext uri="{FF2B5EF4-FFF2-40B4-BE49-F238E27FC236}">
-                <a16:creationId xmlns:a16="http://schemas.microsoft.com/office/drawing/2014/main" id="{35C4AAE8-28BD-9AFA-CECF-401852188E87}"/>
-              </a:ext>
-            </a:extLst>
-          </p:cNvPr>
-          <p:cNvPicPr>
-            <a:picLocks noChangeAspect="1"/>
-          </p:cNvPicPr>
-          <p:nvPr/>
-        </p:nvPicPr>
-        <p:blipFill>
-          <a:blip r:embed="rId3"/>
-          <a:stretch>
-            <a:fillRect/>
-          </a:stretch>
-        </p:blipFill>
-        <p:spPr>
-          <a:xfrm>
-            <a:off x="1371600" y="4343400"/>
-            <a:ext cx="1791883" cy="1066800"/>
-          </a:xfrm>
-          <a:prstGeom prst="rect">
-            <a:avLst/>
-          </a:prstGeom>
-        </p:spPr>
-      </p:pic>
-      <p:pic>
-        <p:nvPicPr>
-          <p:cNvPr id="29" name="Picture 28">
-            <a:extLst>
-              <a:ext uri="{FF2B5EF4-FFF2-40B4-BE49-F238E27FC236}">
-                <a16:creationId xmlns:a16="http://schemas.microsoft.com/office/drawing/2014/main" id="{6F245036-97D1-C14E-285C-580A8C743717}"/>
-              </a:ext>
-            </a:extLst>
-          </p:cNvPr>
-          <p:cNvPicPr>
-            <a:picLocks noChangeAspect="1"/>
-          </p:cNvPicPr>
-          <p:nvPr/>
-        </p:nvPicPr>
-        <p:blipFill>
-          <a:blip r:embed="rId4"/>
-          <a:stretch>
-            <a:fillRect/>
-          </a:stretch>
-        </p:blipFill>
-        <p:spPr>
-          <a:xfrm>
-            <a:off x="0" y="3206525"/>
-            <a:ext cx="12192000" cy="1136875"/>
-          </a:xfrm>
-          <a:prstGeom prst="rect">
-            <a:avLst/>
-          </a:prstGeom>
-        </p:spPr>
-      </p:pic>
-      <p:sp>
-        <p:nvSpPr>
-          <p:cNvPr id="4" name="Title 1">
-            <a:extLst>
-              <a:ext uri="{FF2B5EF4-FFF2-40B4-BE49-F238E27FC236}">
-                <a16:creationId xmlns:a16="http://schemas.microsoft.com/office/drawing/2014/main" id="{83FB57A5-C562-292C-DCB8-DED9956E2946}"/>
-              </a:ext>
-            </a:extLst>
-          </p:cNvPr>
-          <p:cNvSpPr>
-            <a:spLocks noGrp="1"/>
-          </p:cNvSpPr>
-          <p:nvPr>
-            <p:ph type="title"/>
-          </p:nvPr>
-        </p:nvSpPr>
-        <p:spPr>
-          <a:xfrm>
-            <a:off x="1219200" y="457200"/>
-            <a:ext cx="9448800" cy="1143000"/>
-          </a:xfrm>
-        </p:spPr>
-        <p:txBody>
-          <a:bodyPr/>
-          <a:lstStyle/>
-          <a:p>
-            <a:r>
-              <a:rPr lang="en-US" dirty="0"/>
-              <a:t>User interface</a:t>
-            </a:r>
-          </a:p>
-        </p:txBody>
-      </p:sp>
-    </p:spTree>
-    <p:extLst>
-      <p:ext uri="{BB962C8B-B14F-4D97-AF65-F5344CB8AC3E}">
-        <p14:creationId xmlns:p14="http://schemas.microsoft.com/office/powerpoint/2010/main" val="3500706204"/>
-      </p:ext>
-    </p:extLst>
-  </p:cSld>
-  <p:clrMapOvr>
-    <a:masterClrMapping/>
-  </p:clrMapOvr>
-</p:sld>
-</file>
-
-<file path=ppt/slides/slide11.xml><?xml version="1.0" encoding="utf-8"?>
 <p:sld xmlns:a="http://schemas.openxmlformats.org/drawingml/2006/main" xmlns:r="http://schemas.openxmlformats.org/officeDocument/2006/relationships" xmlns:p="http://schemas.openxmlformats.org/presentationml/2006/main">
   <p:cSld>
     <p:spTree>
@@ -11685,8 +5612,8 @@
           </a:p>
         </p:txBody>
       </p:sp>
-      <mc:AlternateContent xmlns:mc="http://schemas.openxmlformats.org/markup-compatibility/2006" xmlns:a14="http://schemas.microsoft.com/office/drawing/2010/main">
-        <mc:Choice Requires="a14">
+      <mc:AlternateContent xmlns:mc="http://schemas.openxmlformats.org/markup-compatibility/2006">
+        <mc:Choice xmlns:a14="http://schemas.microsoft.com/office/drawing/2010/main" Requires="a14">
           <p:sp>
             <p:nvSpPr>
               <p:cNvPr id="10" name="Content Placeholder 2">
@@ -11921,15 +5848,7 @@
                 </a:pPr>
                 <a:r>
                   <a:rPr lang="en-US" dirty="0"/>
-                  <a:t>Configure registers with protocol </a:t>
-                </a:r>
-                <a:r>
-                  <a:rPr lang="en-US" dirty="0" err="1"/>
-                  <a:t>SccB</a:t>
-                </a:r>
-                <a:r>
-                  <a:rPr lang="en-US" dirty="0"/>
-                  <a:t> (I2C like), 97.65KHz</a:t>
+                  <a:t>Configure registers with protocol SCCB (I2C like), 97.65KHz</a:t>
                 </a:r>
               </a:p>
               <a:p>
@@ -12043,7 +5962,7 @@
             </p:txBody>
           </p:sp>
         </mc:Choice>
-        <mc:Fallback xmlns="">
+        <mc:Fallback>
           <p:sp>
             <p:nvSpPr>
               <p:cNvPr id="10" name="Content Placeholder 2">
@@ -12078,7 +5997,7 @@
               <a:lstStyle/>
               <a:p>
                 <a:r>
-                  <a:rPr lang="en-US">
+                  <a:rPr lang="he-IL">
                     <a:noFill/>
                   </a:rPr>
                   <a:t> </a:t>
@@ -13425,7 +7344,7 @@
 </p:sld>
 </file>
 
-<file path=ppt/slides/slide12.xml><?xml version="1.0" encoding="utf-8"?>
+<file path=ppt/slides/slide11.xml><?xml version="1.0" encoding="utf-8"?>
 <p:sld xmlns:a="http://schemas.openxmlformats.org/drawingml/2006/main" xmlns:r="http://schemas.openxmlformats.org/officeDocument/2006/relationships" xmlns:p="http://schemas.openxmlformats.org/presentationml/2006/main">
   <p:cSld>
     <p:spTree>
@@ -13464,10 +7383,15 @@
             <p:ph type="title"/>
           </p:nvPr>
         </p:nvSpPr>
-        <p:spPr/>
+        <p:spPr>
+          <a:xfrm>
+            <a:off x="595280" y="457200"/>
+            <a:ext cx="10072720" cy="1143000"/>
+          </a:xfrm>
+        </p:spPr>
         <p:txBody>
           <a:bodyPr>
-            <a:normAutofit fontScale="90000"/>
+            <a:normAutofit/>
           </a:bodyPr>
           <a:lstStyle/>
           <a:p>
@@ -13476,14 +7400,7 @@
             </a:br>
             <a:r>
               <a:rPr lang="en-US" dirty="0"/>
-              <a:t>Module:</a:t>
-            </a:r>
-            <a:br>
-              <a:rPr lang="en-US" dirty="0"/>
-            </a:br>
-            <a:r>
-              <a:rPr lang="en-US" dirty="0"/>
-              <a:t>Capture</a:t>
+              <a:t>Module: Capture</a:t>
             </a:r>
           </a:p>
         </p:txBody>
@@ -15138,7 +9055,7 @@
 </p:sld>
 </file>
 
-<file path=ppt/slides/slide13.xml><?xml version="1.0" encoding="utf-8"?>
+<file path=ppt/slides/slide12.xml><?xml version="1.0" encoding="utf-8"?>
 <p:sld xmlns:a="http://schemas.openxmlformats.org/drawingml/2006/main" xmlns:r="http://schemas.openxmlformats.org/officeDocument/2006/relationships" xmlns:p="http://schemas.openxmlformats.org/presentationml/2006/main">
   <p:cSld>
     <p:spTree>
@@ -15177,10 +9094,15 @@
             <p:ph type="title"/>
           </p:nvPr>
         </p:nvSpPr>
-        <p:spPr/>
+        <p:spPr>
+          <a:xfrm>
+            <a:off x="228600" y="457200"/>
+            <a:ext cx="10439400" cy="1143000"/>
+          </a:xfrm>
+        </p:spPr>
         <p:txBody>
           <a:bodyPr>
-            <a:normAutofit fontScale="90000"/>
+            <a:normAutofit/>
           </a:bodyPr>
           <a:lstStyle/>
           <a:p>
@@ -15189,14 +9111,7 @@
             </a:br>
             <a:r>
               <a:rPr lang="en-US" dirty="0"/>
-              <a:t>Module:</a:t>
-            </a:r>
-            <a:br>
-              <a:rPr lang="en-US" dirty="0"/>
-            </a:br>
-            <a:r>
-              <a:rPr lang="en-US" dirty="0"/>
-              <a:t>BRAM</a:t>
+              <a:t>Module: BRAM</a:t>
             </a:r>
           </a:p>
         </p:txBody>
@@ -15934,7 +9849,7 @@
 </p:sld>
 </file>
 
-<file path=ppt/slides/slide14.xml><?xml version="1.0" encoding="utf-8"?>
+<file path=ppt/slides/slide13.xml><?xml version="1.0" encoding="utf-8"?>
 <p:sld xmlns:a="http://schemas.openxmlformats.org/drawingml/2006/main" xmlns:r="http://schemas.openxmlformats.org/officeDocument/2006/relationships" xmlns:p="http://schemas.openxmlformats.org/presentationml/2006/main">
   <p:cSld>
     <p:spTree>
@@ -15973,10 +9888,15 @@
             <p:ph type="title"/>
           </p:nvPr>
         </p:nvSpPr>
-        <p:spPr/>
+        <p:spPr>
+          <a:xfrm>
+            <a:off x="123358" y="457200"/>
+            <a:ext cx="10544642" cy="1143000"/>
+          </a:xfrm>
+        </p:spPr>
         <p:txBody>
           <a:bodyPr>
-            <a:normAutofit fontScale="90000"/>
+            <a:normAutofit/>
           </a:bodyPr>
           <a:lstStyle/>
           <a:p>
@@ -15985,14 +9905,7 @@
             </a:br>
             <a:r>
               <a:rPr lang="en-US" dirty="0"/>
-              <a:t>Module:</a:t>
-            </a:r>
-            <a:br>
-              <a:rPr lang="en-US" dirty="0"/>
-            </a:br>
-            <a:r>
-              <a:rPr lang="en-US" dirty="0"/>
-              <a:t>VGA</a:t>
+              <a:t>Module: VGA</a:t>
             </a:r>
           </a:p>
         </p:txBody>
@@ -18274,64 +12187,6 @@
       </p:pic>
       <p:sp>
         <p:nvSpPr>
-          <p:cNvPr id="14" name="Arrow: Up 13">
-            <a:extLst>
-              <a:ext uri="{FF2B5EF4-FFF2-40B4-BE49-F238E27FC236}">
-                <a16:creationId xmlns:a16="http://schemas.microsoft.com/office/drawing/2014/main" id="{D900A246-3744-1902-0A74-00F536759484}"/>
-              </a:ext>
-            </a:extLst>
-          </p:cNvPr>
-          <p:cNvSpPr/>
-          <p:nvPr/>
-        </p:nvSpPr>
-        <p:spPr>
-          <a:xfrm rot="10800000" flipH="1">
-            <a:off x="11430000" y="3168947"/>
-            <a:ext cx="1676400" cy="1326851"/>
-          </a:xfrm>
-          <a:prstGeom prst="upArrow">
-            <a:avLst/>
-          </a:prstGeom>
-          <a:solidFill>
-            <a:srgbClr val="FFFF00"/>
-          </a:solidFill>
-        </p:spPr>
-        <p:style>
-          <a:lnRef idx="2">
-            <a:schemeClr val="accent1">
-              <a:shade val="15000"/>
-            </a:schemeClr>
-          </a:lnRef>
-          <a:fillRef idx="1">
-            <a:schemeClr val="accent1"/>
-          </a:fillRef>
-          <a:effectRef idx="0">
-            <a:schemeClr val="accent1"/>
-          </a:effectRef>
-          <a:fontRef idx="minor">
-            <a:schemeClr val="lt1"/>
-          </a:fontRef>
-        </p:style>
-        <p:txBody>
-          <a:bodyPr rot="0" spcFirstLastPara="0" vertOverflow="overflow" horzOverflow="overflow" vert="horz" wrap="square" lIns="91440" tIns="45720" rIns="91440" bIns="45720" numCol="1" spcCol="0" rtlCol="0" fromWordArt="0" anchor="ctr" anchorCtr="0" forceAA="0" compatLnSpc="1">
-            <a:prstTxWarp prst="textNoShape">
-              <a:avLst/>
-            </a:prstTxWarp>
-            <a:noAutofit/>
-          </a:bodyPr>
-          <a:lstStyle/>
-          <a:p>
-            <a:pPr algn="ctr"/>
-            <a:endParaRPr lang="en-US" sz="1600" dirty="0">
-              <a:solidFill>
-                <a:schemeClr val="bg1"/>
-              </a:solidFill>
-            </a:endParaRPr>
-          </a:p>
-        </p:txBody>
-      </p:sp>
-      <p:sp>
-        <p:nvSpPr>
           <p:cNvPr id="15" name="Arrow: Down 14">
             <a:extLst>
               <a:ext uri="{FF2B5EF4-FFF2-40B4-BE49-F238E27FC236}">
@@ -18619,7 +12474,7 @@
 </p:sld>
 </file>
 
-<file path=ppt/slides/slide15.xml><?xml version="1.0" encoding="utf-8"?>
+<file path=ppt/slides/slide14.xml><?xml version="1.0" encoding="utf-8"?>
 <p:sld xmlns:a="http://schemas.openxmlformats.org/drawingml/2006/main" xmlns:r="http://schemas.openxmlformats.org/officeDocument/2006/relationships" xmlns:p="http://schemas.openxmlformats.org/presentationml/2006/main">
   <p:cSld>
     <p:spTree>
@@ -18653,7 +12508,7 @@
           <a:p>
             <a:r>
               <a:rPr lang="en-US" dirty="0"/>
-              <a:t>Challenges and insight</a:t>
+              <a:t>Challenges and insights</a:t>
             </a:r>
             <a:endParaRPr dirty="0"/>
           </a:p>
@@ -18762,7 +12617,7 @@
 </p:sld>
 </file>
 
-<file path=ppt/slides/slide16.xml><?xml version="1.0" encoding="utf-8"?>
+<file path=ppt/slides/slide15.xml><?xml version="1.0" encoding="utf-8"?>
 <p:sld xmlns:a="http://schemas.openxmlformats.org/drawingml/2006/main" xmlns:r="http://schemas.openxmlformats.org/officeDocument/2006/relationships" xmlns:p="http://schemas.openxmlformats.org/presentationml/2006/main">
   <p:cSld>
     <p:spTree>
@@ -18833,7 +12688,12 @@
             <p:ph sz="half" idx="1"/>
           </p:nvPr>
         </p:nvSpPr>
-        <p:spPr/>
+        <p:spPr>
+          <a:xfrm>
+            <a:off x="1524000" y="1825625"/>
+            <a:ext cx="9144000" cy="4270375"/>
+          </a:xfrm>
+        </p:spPr>
         <p:txBody>
           <a:bodyPr/>
           <a:lstStyle/>
@@ -18844,7 +12704,15 @@
             </a:pPr>
             <a:r>
               <a:rPr lang="en-US" dirty="0"/>
-              <a:t>Timing..</a:t>
+              <a:t>Camera controller 25 MHz (FPGA internal clock) to 100 </a:t>
+            </a:r>
+            <a:r>
+              <a:rPr lang="en-US" dirty="0" err="1"/>
+              <a:t>KHz</a:t>
+            </a:r>
+            <a:r>
+              <a:rPr lang="en-US" dirty="0"/>
+              <a:t> (SCCB protocol)</a:t>
             </a:r>
           </a:p>
           <a:p>
@@ -18854,7 +12722,7 @@
             </a:pPr>
             <a:r>
               <a:rPr lang="en-US" dirty="0"/>
-              <a:t>VGA &amp; Camera protocols</a:t>
+              <a:t>Bi-linear interpolation unit – reading 4 pixels in 25 MHz, writing in 100 MHz</a:t>
             </a:r>
           </a:p>
           <a:p>
@@ -18864,27 +12732,15 @@
             </a:pPr>
             <a:r>
               <a:rPr lang="en-US" dirty="0"/>
-              <a:t>Algorithm implementations</a:t>
-            </a:r>
-          </a:p>
-          <a:p>
-            <a:pPr marL="822960" lvl="1" indent="-457200">
-              <a:buFont typeface="+mj-lt"/>
-              <a:buAutoNum type="arabicPeriod"/>
-            </a:pPr>
-            <a:r>
-              <a:rPr lang="en-US" sz="2000" dirty="0"/>
-              <a:t>Zoom</a:t>
-            </a:r>
-          </a:p>
-          <a:p>
-            <a:pPr marL="822960" lvl="1" indent="-457200">
-              <a:buFont typeface="+mj-lt"/>
-              <a:buAutoNum type="arabicPeriod"/>
-            </a:pPr>
-            <a:r>
-              <a:rPr lang="en-US" sz="2000" dirty="0"/>
-              <a:t>Bilinear interpolation</a:t>
+              <a:t>VGA protocol – 800 </a:t>
+            </a:r>
+            <a:r>
+              <a:rPr lang="en-US" dirty="0" err="1"/>
+              <a:t>hs</a:t>
+            </a:r>
+            <a:r>
+              <a:rPr lang="en-US" dirty="0"/>
+              <a:t> X 525 vs X 60 fps = 25.2 MHz </a:t>
             </a:r>
           </a:p>
           <a:p>
@@ -18894,17 +12750,7 @@
             </a:pPr>
             <a:r>
               <a:rPr lang="en-US" dirty="0"/>
-              <a:t>Version control – solution - git</a:t>
-            </a:r>
-          </a:p>
-          <a:p>
-            <a:pPr marL="457200" indent="-457200">
-              <a:buFont typeface="+mj-lt"/>
-              <a:buAutoNum type="arabicPeriod"/>
-            </a:pPr>
-            <a:r>
-              <a:rPr lang="en-US" dirty="0"/>
-              <a:t>Memory shortage</a:t>
+              <a:t>Camera input 30 fps and monitor reads at 60 fps – reading twice each frame</a:t>
             </a:r>
           </a:p>
           <a:p>
@@ -18926,7 +12772,7 @@
 </p:sld>
 </file>
 
-<file path=ppt/slides/slide17.xml><?xml version="1.0" encoding="utf-8"?>
+<file path=ppt/slides/slide16.xml><?xml version="1.0" encoding="utf-8"?>
 <p:sld xmlns:a="http://schemas.openxmlformats.org/drawingml/2006/main" xmlns:r="http://schemas.openxmlformats.org/officeDocument/2006/relationships" xmlns:p="http://schemas.openxmlformats.org/presentationml/2006/main">
   <p:cSld>
     <p:spTree>
@@ -18960,9 +12806,8 @@
           <a:p>
             <a:r>
               <a:rPr lang="en-US" dirty="0"/>
-              <a:t>WIP, Future features / improvements</a:t>
-            </a:r>
-            <a:endParaRPr dirty="0"/>
+              <a:t>VGA &amp; Camera protocols</a:t>
+            </a:r>
           </a:p>
         </p:txBody>
       </p:sp>
@@ -18993,7 +12838,17 @@
             </a:pPr>
             <a:r>
               <a:rPr lang="en-US" dirty="0"/>
-              <a:t>DSP utilize..</a:t>
+              <a:t>Camera controller RGB565 – RGB444</a:t>
+            </a:r>
+          </a:p>
+          <a:p>
+            <a:pPr marL="457200" indent="-457200">
+              <a:buFont typeface="+mj-lt"/>
+              <a:buAutoNum type="arabicPeriod"/>
+            </a:pPr>
+            <a:r>
+              <a:rPr lang="en-US" dirty="0"/>
+              <a:t>HS, VS</a:t>
             </a:r>
           </a:p>
           <a:p>
@@ -19018,12 +12873,18 @@
 </p:sld>
 </file>
 
-<file path=ppt/slides/slide18.xml><?xml version="1.0" encoding="utf-8"?>
+<file path=ppt/slides/slide17.xml><?xml version="1.0" encoding="utf-8"?>
 <p:sld xmlns:a="http://schemas.openxmlformats.org/drawingml/2006/main" xmlns:r="http://schemas.openxmlformats.org/officeDocument/2006/relationships" xmlns:p="http://schemas.openxmlformats.org/presentationml/2006/main">
   <p:cSld>
     <p:spTree>
       <p:nvGrpSpPr>
-        <p:cNvPr id="1" name=""/>
+        <p:cNvPr id="1" name="">
+          <a:extLst>
+            <a:ext uri="{FF2B5EF4-FFF2-40B4-BE49-F238E27FC236}">
+              <a16:creationId xmlns:a16="http://schemas.microsoft.com/office/drawing/2014/main" id="{30C831E9-265B-A24D-0D04-36F305429172}"/>
+            </a:ext>
+          </a:extLst>
+        </p:cNvPr>
         <p:cNvGrpSpPr/>
         <p:nvPr/>
       </p:nvGrpSpPr>
@@ -19037,7 +12898,13 @@
       </p:grpSpPr>
       <p:sp>
         <p:nvSpPr>
-          <p:cNvPr id="2" name="Title 1"/>
+          <p:cNvPr id="2" name="Title 1">
+            <a:extLst>
+              <a:ext uri="{FF2B5EF4-FFF2-40B4-BE49-F238E27FC236}">
+                <a16:creationId xmlns:a16="http://schemas.microsoft.com/office/drawing/2014/main" id="{86CA8D49-411C-31EB-21AA-2A4D7DE062A9}"/>
+              </a:ext>
+            </a:extLst>
+          </p:cNvPr>
           <p:cNvSpPr>
             <a:spLocks noGrp="1"/>
           </p:cNvSpPr>
@@ -19052,20 +12919,25 @@
           <a:p>
             <a:r>
               <a:rPr lang="en-US" dirty="0"/>
-              <a:t>Add a Slide Title - 1</a:t>
-            </a:r>
-            <a:endParaRPr dirty="0"/>
+              <a:t>Algorithm implementations</a:t>
+            </a:r>
           </a:p>
         </p:txBody>
       </p:sp>
       <p:sp>
         <p:nvSpPr>
-          <p:cNvPr id="3" name="Text Placeholder 2"/>
+          <p:cNvPr id="4" name="Content Placeholder 3">
+            <a:extLst>
+              <a:ext uri="{FF2B5EF4-FFF2-40B4-BE49-F238E27FC236}">
+                <a16:creationId xmlns:a16="http://schemas.microsoft.com/office/drawing/2014/main" id="{4E7C7960-A720-3EEA-059F-E6EE27940A77}"/>
+              </a:ext>
+            </a:extLst>
+          </p:cNvPr>
           <p:cNvSpPr>
             <a:spLocks noGrp="1"/>
           </p:cNvSpPr>
           <p:nvPr>
-            <p:ph type="body" idx="1"/>
+            <p:ph idx="1"/>
           </p:nvPr>
         </p:nvSpPr>
         <p:spPr/>
@@ -19073,14 +12945,334 @@
           <a:bodyPr/>
           <a:lstStyle/>
           <a:p>
-            <a:endParaRPr/>
+            <a:pPr marL="457200" indent="-457200">
+              <a:buFont typeface="+mj-lt"/>
+              <a:buAutoNum type="arabicPeriod"/>
+            </a:pPr>
+            <a:r>
+              <a:rPr lang="en-US" dirty="0"/>
+              <a:t>Bi-linear interpolation</a:t>
+            </a:r>
+          </a:p>
+          <a:p>
+            <a:pPr marL="457200" indent="-457200">
+              <a:buFont typeface="+mj-lt"/>
+              <a:buAutoNum type="arabicPeriod"/>
+            </a:pPr>
+            <a:r>
+              <a:rPr lang="en-US" dirty="0"/>
+              <a:t>Zoom </a:t>
+            </a:r>
+          </a:p>
+          <a:p>
+            <a:pPr marL="457200" indent="-457200">
+              <a:buFont typeface="+mj-lt"/>
+              <a:buAutoNum type="arabicPeriod"/>
+            </a:pPr>
+            <a:endParaRPr lang="en-US" dirty="0"/>
           </a:p>
         </p:txBody>
       </p:sp>
+      <p:pic>
+        <p:nvPicPr>
+          <p:cNvPr id="1026" name="Picture 2" descr="Bilinear interpolation. Easy: | by Abhishek Kumar Pandey | Medium">
+            <a:extLst>
+              <a:ext uri="{FF2B5EF4-FFF2-40B4-BE49-F238E27FC236}">
+                <a16:creationId xmlns:a16="http://schemas.microsoft.com/office/drawing/2014/main" id="{F61933A3-511C-6B96-83DE-65229666A2CD}"/>
+              </a:ext>
+            </a:extLst>
+          </p:cNvPr>
+          <p:cNvPicPr>
+            <a:picLocks noChangeAspect="1" noChangeArrowheads="1"/>
+          </p:cNvPicPr>
+          <p:nvPr/>
+        </p:nvPicPr>
+        <p:blipFill>
+          <a:blip r:embed="rId2">
+            <a:extLst>
+              <a:ext uri="{28A0092B-C50C-407E-A947-70E740481C1C}">
+                <a14:useLocalDpi xmlns:a14="http://schemas.microsoft.com/office/drawing/2010/main" val="0"/>
+              </a:ext>
+            </a:extLst>
+          </a:blip>
+          <a:srcRect/>
+          <a:stretch>
+            <a:fillRect/>
+          </a:stretch>
+        </p:blipFill>
+        <p:spPr bwMode="auto">
+          <a:xfrm>
+            <a:off x="7924800" y="1828800"/>
+            <a:ext cx="3495675" cy="2647950"/>
+          </a:xfrm>
+          <a:prstGeom prst="rect">
+            <a:avLst/>
+          </a:prstGeom>
+          <a:noFill/>
+          <a:extLst>
+            <a:ext uri="{909E8E84-426E-40DD-AFC4-6F175D3DCCD1}">
+              <a14:hiddenFill xmlns:a14="http://schemas.microsoft.com/office/drawing/2010/main">
+                <a:solidFill>
+                  <a:srgbClr val="FFFFFF"/>
+                </a:solidFill>
+              </a14:hiddenFill>
+            </a:ext>
+          </a:extLst>
+        </p:spPr>
+      </p:pic>
     </p:spTree>
     <p:extLst>
       <p:ext uri="{BB962C8B-B14F-4D97-AF65-F5344CB8AC3E}">
-        <p14:creationId xmlns:p14="http://schemas.microsoft.com/office/powerpoint/2010/main" val="3444435236"/>
+        <p14:creationId xmlns:p14="http://schemas.microsoft.com/office/powerpoint/2010/main" val="1784975323"/>
+      </p:ext>
+    </p:extLst>
+  </p:cSld>
+  <p:clrMapOvr>
+    <a:masterClrMapping/>
+  </p:clrMapOvr>
+</p:sld>
+</file>
+
+<file path=ppt/slides/slide18.xml><?xml version="1.0" encoding="utf-8"?>
+<p:sld xmlns:a="http://schemas.openxmlformats.org/drawingml/2006/main" xmlns:r="http://schemas.openxmlformats.org/officeDocument/2006/relationships" xmlns:p="http://schemas.openxmlformats.org/presentationml/2006/main">
+  <p:cSld>
+    <p:spTree>
+      <p:nvGrpSpPr>
+        <p:cNvPr id="1" name="">
+          <a:extLst>
+            <a:ext uri="{FF2B5EF4-FFF2-40B4-BE49-F238E27FC236}">
+              <a16:creationId xmlns:a16="http://schemas.microsoft.com/office/drawing/2014/main" id="{750457BD-439B-7315-E3A7-2AAF6CB7FACC}"/>
+            </a:ext>
+          </a:extLst>
+        </p:cNvPr>
+        <p:cNvGrpSpPr/>
+        <p:nvPr/>
+      </p:nvGrpSpPr>
+      <p:grpSpPr>
+        <a:xfrm>
+          <a:off x="0" y="0"/>
+          <a:ext cx="0" cy="0"/>
+          <a:chOff x="0" y="0"/>
+          <a:chExt cx="0" cy="0"/>
+        </a:xfrm>
+      </p:grpSpPr>
+      <p:sp>
+        <p:nvSpPr>
+          <p:cNvPr id="2" name="Title 1">
+            <a:extLst>
+              <a:ext uri="{FF2B5EF4-FFF2-40B4-BE49-F238E27FC236}">
+                <a16:creationId xmlns:a16="http://schemas.microsoft.com/office/drawing/2014/main" id="{35DD87B6-8501-8707-E93C-EC1242961490}"/>
+              </a:ext>
+            </a:extLst>
+          </p:cNvPr>
+          <p:cNvSpPr>
+            <a:spLocks noGrp="1"/>
+          </p:cNvSpPr>
+          <p:nvPr>
+            <p:ph type="title"/>
+          </p:nvPr>
+        </p:nvSpPr>
+        <p:spPr/>
+        <p:txBody>
+          <a:bodyPr/>
+          <a:lstStyle/>
+          <a:p>
+            <a:r>
+              <a:rPr lang="en-US" dirty="0"/>
+              <a:t>Version Control</a:t>
+            </a:r>
+          </a:p>
+        </p:txBody>
+      </p:sp>
+      <p:sp>
+        <p:nvSpPr>
+          <p:cNvPr id="4" name="Content Placeholder 3">
+            <a:extLst>
+              <a:ext uri="{FF2B5EF4-FFF2-40B4-BE49-F238E27FC236}">
+                <a16:creationId xmlns:a16="http://schemas.microsoft.com/office/drawing/2014/main" id="{50A7B391-18E4-8911-8229-2C3779BB122B}"/>
+              </a:ext>
+            </a:extLst>
+          </p:cNvPr>
+          <p:cNvSpPr>
+            <a:spLocks noGrp="1"/>
+          </p:cNvSpPr>
+          <p:nvPr>
+            <p:ph idx="1"/>
+          </p:nvPr>
+        </p:nvSpPr>
+        <p:spPr>
+          <a:xfrm>
+            <a:off x="1524000" y="1600200"/>
+            <a:ext cx="9144000" cy="4267200"/>
+          </a:xfrm>
+        </p:spPr>
+        <p:txBody>
+          <a:bodyPr>
+            <a:normAutofit/>
+          </a:bodyPr>
+          <a:lstStyle/>
+          <a:p>
+            <a:pPr marL="0" indent="0">
+              <a:buNone/>
+            </a:pPr>
+            <a:r>
+              <a:rPr lang="en-US" dirty="0"/>
+              <a:t>Issues:</a:t>
+            </a:r>
+          </a:p>
+          <a:p>
+            <a:pPr marL="457200" indent="-457200">
+              <a:buFont typeface="+mj-lt"/>
+              <a:buAutoNum type="arabicPeriod"/>
+            </a:pPr>
+            <a:r>
+              <a:rPr lang="en-US" dirty="0"/>
+              <a:t>Multiple versions/steps</a:t>
+            </a:r>
+          </a:p>
+          <a:p>
+            <a:pPr marL="822960" lvl="1" indent="-457200">
+              <a:buFont typeface="+mj-lt"/>
+              <a:buAutoNum type="arabicPeriod"/>
+            </a:pPr>
+            <a:r>
+              <a:rPr lang="en-US" dirty="0"/>
+              <a:t>Document work progress</a:t>
+            </a:r>
+          </a:p>
+          <a:p>
+            <a:pPr marL="457200" indent="-457200">
+              <a:buFont typeface="+mj-lt"/>
+              <a:buAutoNum type="arabicPeriod"/>
+            </a:pPr>
+            <a:r>
+              <a:rPr lang="en-US" dirty="0"/>
+              <a:t>Working 2 engineers in parallel</a:t>
+            </a:r>
+          </a:p>
+          <a:p>
+            <a:pPr marL="0" indent="0">
+              <a:buNone/>
+            </a:pPr>
+            <a:endParaRPr lang="en-US" dirty="0"/>
+          </a:p>
+          <a:p>
+            <a:pPr marL="0" indent="0">
+              <a:buNone/>
+            </a:pPr>
+            <a:r>
+              <a:rPr lang="en-US" dirty="0"/>
+              <a:t>Solutions</a:t>
+            </a:r>
+          </a:p>
+          <a:p>
+            <a:pPr marL="457200" indent="-457200">
+              <a:buFont typeface="+mj-lt"/>
+              <a:buAutoNum type="arabicPeriod"/>
+            </a:pPr>
+            <a:r>
+              <a:rPr lang="en-US" dirty="0"/>
+              <a:t>Tags, branches, and commits</a:t>
+            </a:r>
+          </a:p>
+          <a:p>
+            <a:pPr marL="457200" indent="-457200">
+              <a:buFont typeface="+mj-lt"/>
+              <a:buAutoNum type="arabicPeriod"/>
+            </a:pPr>
+            <a:r>
+              <a:rPr lang="en-US" dirty="0"/>
+              <a:t>GitHub, fork</a:t>
+            </a:r>
+          </a:p>
+          <a:p>
+            <a:pPr marL="822960" lvl="1" indent="-457200">
+              <a:buFont typeface="+mj-lt"/>
+              <a:buAutoNum type="arabicPeriod"/>
+            </a:pPr>
+            <a:r>
+              <a:rPr lang="en-US" dirty="0"/>
+              <a:t>Merge – conflict solving</a:t>
+            </a:r>
+          </a:p>
+          <a:p>
+            <a:pPr marL="457200" indent="-457200">
+              <a:buFont typeface="+mj-lt"/>
+              <a:buAutoNum type="arabicPeriod"/>
+            </a:pPr>
+            <a:endParaRPr lang="en-US" dirty="0"/>
+          </a:p>
+          <a:p>
+            <a:pPr marL="457200" indent="-457200">
+              <a:buFont typeface="+mj-lt"/>
+              <a:buAutoNum type="arabicPeriod"/>
+            </a:pPr>
+            <a:endParaRPr lang="en-US" dirty="0"/>
+          </a:p>
+          <a:p>
+            <a:pPr marL="0" indent="0">
+              <a:buNone/>
+            </a:pPr>
+            <a:endParaRPr lang="en-US" dirty="0"/>
+          </a:p>
+          <a:p>
+            <a:pPr marL="457200" indent="-457200">
+              <a:buFont typeface="+mj-lt"/>
+              <a:buAutoNum type="arabicPeriod"/>
+            </a:pPr>
+            <a:endParaRPr lang="en-US" dirty="0"/>
+          </a:p>
+        </p:txBody>
+      </p:sp>
+      <p:pic>
+        <p:nvPicPr>
+          <p:cNvPr id="2050" name="Picture 2" descr="How Git Works: Explained in 4 Minutes">
+            <a:extLst>
+              <a:ext uri="{FF2B5EF4-FFF2-40B4-BE49-F238E27FC236}">
+                <a16:creationId xmlns:a16="http://schemas.microsoft.com/office/drawing/2014/main" id="{74AAF2E4-DDCC-C0B8-C385-760FC8CB5165}"/>
+              </a:ext>
+            </a:extLst>
+          </p:cNvPr>
+          <p:cNvPicPr>
+            <a:picLocks noChangeAspect="1" noChangeArrowheads="1"/>
+          </p:cNvPicPr>
+          <p:nvPr/>
+        </p:nvPicPr>
+        <p:blipFill rotWithShape="1">
+          <a:blip r:embed="rId2">
+            <a:extLst>
+              <a:ext uri="{28A0092B-C50C-407E-A947-70E740481C1C}">
+                <a14:useLocalDpi xmlns:a14="http://schemas.microsoft.com/office/drawing/2010/main" val="0"/>
+              </a:ext>
+            </a:extLst>
+          </a:blip>
+          <a:srcRect t="18750"/>
+          <a:stretch/>
+        </p:blipFill>
+        <p:spPr bwMode="auto">
+          <a:xfrm>
+            <a:off x="5522872" y="1447800"/>
+            <a:ext cx="6669128" cy="3048000"/>
+          </a:xfrm>
+          <a:prstGeom prst="rect">
+            <a:avLst/>
+          </a:prstGeom>
+          <a:noFill/>
+          <a:extLst>
+            <a:ext uri="{909E8E84-426E-40DD-AFC4-6F175D3DCCD1}">
+              <a14:hiddenFill xmlns:a14="http://schemas.microsoft.com/office/drawing/2010/main">
+                <a:solidFill>
+                  <a:srgbClr val="FFFFFF"/>
+                </a:solidFill>
+              </a14:hiddenFill>
+            </a:ext>
+          </a:extLst>
+        </p:spPr>
+      </p:pic>
+    </p:spTree>
+    <p:extLst>
+      <p:ext uri="{BB962C8B-B14F-4D97-AF65-F5344CB8AC3E}">
+        <p14:creationId xmlns:p14="http://schemas.microsoft.com/office/powerpoint/2010/main" val="3611291842"/>
       </p:ext>
     </p:extLst>
   </p:cSld>
@@ -19095,7 +13287,13 @@
   <p:cSld>
     <p:spTree>
       <p:nvGrpSpPr>
-        <p:cNvPr id="1" name=""/>
+        <p:cNvPr id="1" name="">
+          <a:extLst>
+            <a:ext uri="{FF2B5EF4-FFF2-40B4-BE49-F238E27FC236}">
+              <a16:creationId xmlns:a16="http://schemas.microsoft.com/office/drawing/2014/main" id="{0DA25F45-F355-121C-8C8B-426B3B141720}"/>
+            </a:ext>
+          </a:extLst>
+        </p:cNvPr>
         <p:cNvGrpSpPr/>
         <p:nvPr/>
       </p:nvGrpSpPr>
@@ -19109,7 +13307,13 @@
       </p:grpSpPr>
       <p:sp>
         <p:nvSpPr>
-          <p:cNvPr id="2" name="Title 1"/>
+          <p:cNvPr id="2" name="Title 1">
+            <a:extLst>
+              <a:ext uri="{FF2B5EF4-FFF2-40B4-BE49-F238E27FC236}">
+                <a16:creationId xmlns:a16="http://schemas.microsoft.com/office/drawing/2014/main" id="{C1AFB5D4-3519-435A-C439-AB14FD5FF267}"/>
+              </a:ext>
+            </a:extLst>
+          </p:cNvPr>
           <p:cNvSpPr>
             <a:spLocks noGrp="1"/>
           </p:cNvSpPr>
@@ -19124,92 +13328,206 @@
           <a:p>
             <a:r>
               <a:rPr lang="en-US" dirty="0"/>
-              <a:t>Add a Slide Title - 2</a:t>
-            </a:r>
-            <a:endParaRPr dirty="0"/>
+              <a:t>Memory shortage</a:t>
+            </a:r>
           </a:p>
         </p:txBody>
       </p:sp>
       <p:sp>
         <p:nvSpPr>
-          <p:cNvPr id="3" name="Text Placeholder 2"/>
-          <p:cNvSpPr>
-            <a:spLocks noGrp="1"/>
-          </p:cNvSpPr>
-          <p:nvPr>
-            <p:ph type="body" idx="1"/>
-          </p:nvPr>
+          <p:cNvPr id="5" name="TextBox 4">
+            <a:extLst>
+              <a:ext uri="{FF2B5EF4-FFF2-40B4-BE49-F238E27FC236}">
+                <a16:creationId xmlns:a16="http://schemas.microsoft.com/office/drawing/2014/main" id="{49EDD92D-08E1-2430-5923-77825BCBC1AE}"/>
+              </a:ext>
+            </a:extLst>
+          </p:cNvPr>
+          <p:cNvSpPr txBox="1"/>
+          <p:nvPr/>
         </p:nvSpPr>
-        <p:spPr/>
+        <p:spPr>
+          <a:xfrm>
+            <a:off x="1504950" y="1600200"/>
+            <a:ext cx="8248650" cy="4093428"/>
+          </a:xfrm>
+          <a:prstGeom prst="rect">
+            <a:avLst/>
+          </a:prstGeom>
+          <a:noFill/>
+        </p:spPr>
         <p:txBody>
-          <a:bodyPr/>
+          <a:bodyPr wrap="square">
+            <a:spAutoFit/>
+          </a:bodyPr>
           <a:lstStyle/>
           <a:p>
-            <a:endParaRPr/>
-          </a:p>
-        </p:txBody>
-      </p:sp>
-      <p:sp>
-        <p:nvSpPr>
-          <p:cNvPr id="4" name="Content Placeholder 3"/>
-          <p:cNvSpPr>
-            <a:spLocks noGrp="1"/>
-          </p:cNvSpPr>
-          <p:nvPr>
-            <p:ph sz="half" idx="2"/>
-          </p:nvPr>
-        </p:nvSpPr>
-        <p:spPr/>
-        <p:txBody>
-          <a:bodyPr/>
-          <a:lstStyle/>
-          <a:p>
-            <a:endParaRPr/>
-          </a:p>
-        </p:txBody>
-      </p:sp>
-      <p:sp>
-        <p:nvSpPr>
-          <p:cNvPr id="5" name="Text Placeholder 4"/>
-          <p:cNvSpPr>
-            <a:spLocks noGrp="1"/>
-          </p:cNvSpPr>
-          <p:nvPr>
-            <p:ph type="body" sz="quarter" idx="3"/>
-          </p:nvPr>
-        </p:nvSpPr>
-        <p:spPr/>
-        <p:txBody>
-          <a:bodyPr/>
-          <a:lstStyle/>
-          <a:p>
-            <a:endParaRPr/>
-          </a:p>
-        </p:txBody>
-      </p:sp>
-      <p:sp>
-        <p:nvSpPr>
-          <p:cNvPr id="6" name="Content Placeholder 5"/>
-          <p:cNvSpPr>
-            <a:spLocks noGrp="1"/>
-          </p:cNvSpPr>
-          <p:nvPr>
-            <p:ph sz="quarter" idx="4"/>
-          </p:nvPr>
-        </p:nvSpPr>
-        <p:spPr/>
-        <p:txBody>
-          <a:bodyPr/>
-          <a:lstStyle/>
-          <a:p>
-            <a:endParaRPr/>
+            <a:endParaRPr lang="en-US" sz="2000" dirty="0">
+              <a:solidFill>
+                <a:schemeClr val="tx1">
+                  <a:lumMod val="85000"/>
+                </a:schemeClr>
+              </a:solidFill>
+            </a:endParaRPr>
+          </a:p>
+          <a:p>
+            <a:r>
+              <a:rPr lang="en-US" sz="2000" dirty="0">
+                <a:solidFill>
+                  <a:schemeClr val="tx1">
+                    <a:lumMod val="85000"/>
+                  </a:schemeClr>
+                </a:solidFill>
+              </a:rPr>
+              <a:t>Bilinear Interpolation Implementation:</a:t>
+            </a:r>
+          </a:p>
+          <a:p>
+            <a:pPr marL="342900" indent="-342900">
+              <a:buFont typeface="Arial" panose="020B0604020202020204" pitchFamily="34" charset="0"/>
+              <a:buChar char="•"/>
+            </a:pPr>
+            <a:r>
+              <a:rPr lang="en-US" sz="2000" dirty="0">
+                <a:solidFill>
+                  <a:schemeClr val="tx1">
+                    <a:lumMod val="85000"/>
+                  </a:schemeClr>
+                </a:solidFill>
+              </a:rPr>
+              <a:t>Initial Requirement:  </a:t>
+            </a:r>
+          </a:p>
+          <a:p>
+            <a:pPr marL="800100" lvl="1" indent="-342900">
+              <a:buFont typeface="Arial" panose="020B0604020202020204" pitchFamily="34" charset="0"/>
+              <a:buChar char="•"/>
+            </a:pPr>
+            <a:r>
+              <a:rPr lang="en-US" sz="2000" dirty="0">
+                <a:solidFill>
+                  <a:schemeClr val="tx1">
+                    <a:lumMod val="85000"/>
+                  </a:schemeClr>
+                </a:solidFill>
+              </a:rPr>
+              <a:t>We required two BRAMs, each with a size of 450KB.  </a:t>
+            </a:r>
+          </a:p>
+          <a:p>
+            <a:pPr marL="800100" lvl="1" indent="-342900">
+              <a:buFont typeface="Arial" panose="020B0604020202020204" pitchFamily="34" charset="0"/>
+              <a:buChar char="•"/>
+            </a:pPr>
+            <a:r>
+              <a:rPr lang="en-US" sz="2000" dirty="0">
+                <a:solidFill>
+                  <a:schemeClr val="tx1">
+                    <a:lumMod val="85000"/>
+                  </a:schemeClr>
+                </a:solidFill>
+              </a:rPr>
+              <a:t>Calculation:  (307,200 x 12) \ 8 \ 1024 = 450 KB</a:t>
+            </a:r>
+          </a:p>
+          <a:p>
+            <a:endParaRPr lang="en-US" sz="2000" dirty="0">
+              <a:solidFill>
+                <a:schemeClr val="tx1">
+                  <a:lumMod val="85000"/>
+                </a:schemeClr>
+              </a:solidFill>
+            </a:endParaRPr>
+          </a:p>
+          <a:p>
+            <a:pPr marL="342900" indent="-342900">
+              <a:buFont typeface="Arial" panose="020B0604020202020204" pitchFamily="34" charset="0"/>
+              <a:buChar char="•"/>
+            </a:pPr>
+            <a:r>
+              <a:rPr lang="en-US" sz="2000" dirty="0">
+                <a:solidFill>
+                  <a:schemeClr val="tx1">
+                    <a:lumMod val="85000"/>
+                  </a:schemeClr>
+                </a:solidFill>
+              </a:rPr>
+              <a:t>Issue:</a:t>
+            </a:r>
+          </a:p>
+          <a:p>
+            <a:pPr marL="800100" lvl="1" indent="-342900">
+              <a:buFont typeface="Arial" panose="020B0604020202020204" pitchFamily="34" charset="0"/>
+              <a:buChar char="•"/>
+            </a:pPr>
+            <a:r>
+              <a:rPr lang="en-US" sz="2000" dirty="0">
+                <a:solidFill>
+                  <a:schemeClr val="tx1">
+                    <a:lumMod val="85000"/>
+                  </a:schemeClr>
+                </a:solidFill>
+              </a:rPr>
+              <a:t>This requirement was too large, and the design exceeded the available BRAM resources.</a:t>
+            </a:r>
+          </a:p>
+          <a:p>
+            <a:pPr marL="342900" indent="-342900">
+              <a:buFont typeface="Arial" panose="020B0604020202020204" pitchFamily="34" charset="0"/>
+              <a:buChar char="•"/>
+            </a:pPr>
+            <a:endParaRPr lang="en-US" sz="2000" dirty="0">
+              <a:solidFill>
+                <a:schemeClr val="tx1">
+                  <a:lumMod val="85000"/>
+                </a:schemeClr>
+              </a:solidFill>
+            </a:endParaRPr>
+          </a:p>
+          <a:p>
+            <a:pPr marL="342900" indent="-342900">
+              <a:buFont typeface="Arial" panose="020B0604020202020204" pitchFamily="34" charset="0"/>
+              <a:buChar char="•"/>
+            </a:pPr>
+            <a:r>
+              <a:rPr lang="en-US" sz="2000" dirty="0">
+                <a:solidFill>
+                  <a:schemeClr val="tx1">
+                    <a:lumMod val="85000"/>
+                  </a:schemeClr>
+                </a:solidFill>
+              </a:rPr>
+              <a:t>Solution:  </a:t>
+            </a:r>
+          </a:p>
+          <a:p>
+            <a:pPr marL="800100" lvl="1" indent="-342900">
+              <a:buFont typeface="Arial" panose="020B0604020202020204" pitchFamily="34" charset="0"/>
+              <a:buChar char="•"/>
+            </a:pPr>
+            <a:r>
+              <a:rPr lang="en-US" sz="2000" dirty="0">
+                <a:solidFill>
+                  <a:schemeClr val="tx1">
+                    <a:lumMod val="85000"/>
+                  </a:schemeClr>
+                </a:solidFill>
+              </a:rPr>
+              <a:t>We optimized the design to use only ¼ of the BRAM, as the zoom functionality requires only ¼ of the total image pixels.</a:t>
+            </a:r>
+            <a:endParaRPr lang="he-IL" sz="2000" dirty="0">
+              <a:solidFill>
+                <a:schemeClr val="tx1">
+                  <a:lumMod val="85000"/>
+                </a:schemeClr>
+              </a:solidFill>
+            </a:endParaRPr>
           </a:p>
         </p:txBody>
       </p:sp>
     </p:spTree>
     <p:extLst>
       <p:ext uri="{BB962C8B-B14F-4D97-AF65-F5344CB8AC3E}">
-        <p14:creationId xmlns:p14="http://schemas.microsoft.com/office/powerpoint/2010/main" val="1475842300"/>
+        <p14:creationId xmlns:p14="http://schemas.microsoft.com/office/powerpoint/2010/main" val="1658709192"/>
       </p:ext>
     </p:extLst>
   </p:cSld>
@@ -19362,16 +13680,35 @@
           <a:p>
             <a:r>
               <a:rPr lang="en-US" dirty="0"/>
-              <a:t>Add a Slide Title - 3</a:t>
+              <a:t>Add a Slide Title - 1</a:t>
             </a:r>
             <a:endParaRPr dirty="0"/>
+          </a:p>
+        </p:txBody>
+      </p:sp>
+      <p:sp>
+        <p:nvSpPr>
+          <p:cNvPr id="3" name="Text Placeholder 2"/>
+          <p:cNvSpPr>
+            <a:spLocks noGrp="1"/>
+          </p:cNvSpPr>
+          <p:nvPr>
+            <p:ph type="body" idx="1"/>
+          </p:nvPr>
+        </p:nvSpPr>
+        <p:spPr/>
+        <p:txBody>
+          <a:bodyPr/>
+          <a:lstStyle/>
+          <a:p>
+            <a:endParaRPr/>
           </a:p>
         </p:txBody>
       </p:sp>
     </p:spTree>
     <p:extLst>
       <p:ext uri="{BB962C8B-B14F-4D97-AF65-F5344CB8AC3E}">
-        <p14:creationId xmlns:p14="http://schemas.microsoft.com/office/powerpoint/2010/main" val="215988672"/>
+        <p14:creationId xmlns:p14="http://schemas.microsoft.com/office/powerpoint/2010/main" val="3444435236"/>
       </p:ext>
     </p:extLst>
   </p:cSld>
@@ -19398,10 +13735,109 @@
           <a:chExt cx="0" cy="0"/>
         </a:xfrm>
       </p:grpSpPr>
+      <p:sp>
+        <p:nvSpPr>
+          <p:cNvPr id="2" name="Title 1"/>
+          <p:cNvSpPr>
+            <a:spLocks noGrp="1"/>
+          </p:cNvSpPr>
+          <p:nvPr>
+            <p:ph type="title"/>
+          </p:nvPr>
+        </p:nvSpPr>
+        <p:spPr/>
+        <p:txBody>
+          <a:bodyPr/>
+          <a:lstStyle/>
+          <a:p>
+            <a:r>
+              <a:rPr lang="en-US" dirty="0"/>
+              <a:t>Add a Slide Title - 2</a:t>
+            </a:r>
+            <a:endParaRPr dirty="0"/>
+          </a:p>
+        </p:txBody>
+      </p:sp>
+      <p:sp>
+        <p:nvSpPr>
+          <p:cNvPr id="3" name="Text Placeholder 2"/>
+          <p:cNvSpPr>
+            <a:spLocks noGrp="1"/>
+          </p:cNvSpPr>
+          <p:nvPr>
+            <p:ph type="body" idx="1"/>
+          </p:nvPr>
+        </p:nvSpPr>
+        <p:spPr/>
+        <p:txBody>
+          <a:bodyPr/>
+          <a:lstStyle/>
+          <a:p>
+            <a:endParaRPr/>
+          </a:p>
+        </p:txBody>
+      </p:sp>
+      <p:sp>
+        <p:nvSpPr>
+          <p:cNvPr id="4" name="Content Placeholder 3"/>
+          <p:cNvSpPr>
+            <a:spLocks noGrp="1"/>
+          </p:cNvSpPr>
+          <p:nvPr>
+            <p:ph sz="half" idx="2"/>
+          </p:nvPr>
+        </p:nvSpPr>
+        <p:spPr/>
+        <p:txBody>
+          <a:bodyPr/>
+          <a:lstStyle/>
+          <a:p>
+            <a:endParaRPr/>
+          </a:p>
+        </p:txBody>
+      </p:sp>
+      <p:sp>
+        <p:nvSpPr>
+          <p:cNvPr id="5" name="Text Placeholder 4"/>
+          <p:cNvSpPr>
+            <a:spLocks noGrp="1"/>
+          </p:cNvSpPr>
+          <p:nvPr>
+            <p:ph type="body" sz="quarter" idx="3"/>
+          </p:nvPr>
+        </p:nvSpPr>
+        <p:spPr/>
+        <p:txBody>
+          <a:bodyPr/>
+          <a:lstStyle/>
+          <a:p>
+            <a:endParaRPr/>
+          </a:p>
+        </p:txBody>
+      </p:sp>
+      <p:sp>
+        <p:nvSpPr>
+          <p:cNvPr id="6" name="Content Placeholder 5"/>
+          <p:cNvSpPr>
+            <a:spLocks noGrp="1"/>
+          </p:cNvSpPr>
+          <p:nvPr>
+            <p:ph sz="quarter" idx="4"/>
+          </p:nvPr>
+        </p:nvSpPr>
+        <p:spPr/>
+        <p:txBody>
+          <a:bodyPr/>
+          <a:lstStyle/>
+          <a:p>
+            <a:endParaRPr/>
+          </a:p>
+        </p:txBody>
+      </p:sp>
     </p:spTree>
     <p:extLst>
       <p:ext uri="{BB962C8B-B14F-4D97-AF65-F5344CB8AC3E}">
-        <p14:creationId xmlns:p14="http://schemas.microsoft.com/office/powerpoint/2010/main" val="3661180859"/>
+        <p14:creationId xmlns:p14="http://schemas.microsoft.com/office/powerpoint/2010/main" val="1475842300"/>
       </p:ext>
     </p:extLst>
   </p:cSld>
@@ -19445,6 +13881,89 @@
           <a:p>
             <a:r>
               <a:rPr lang="en-US" dirty="0"/>
+              <a:t>Add a Slide Title - 3</a:t>
+            </a:r>
+            <a:endParaRPr dirty="0"/>
+          </a:p>
+        </p:txBody>
+      </p:sp>
+    </p:spTree>
+    <p:extLst>
+      <p:ext uri="{BB962C8B-B14F-4D97-AF65-F5344CB8AC3E}">
+        <p14:creationId xmlns:p14="http://schemas.microsoft.com/office/powerpoint/2010/main" val="215988672"/>
+      </p:ext>
+    </p:extLst>
+  </p:cSld>
+  <p:clrMapOvr>
+    <a:masterClrMapping/>
+  </p:clrMapOvr>
+</p:sld>
+</file>
+
+<file path=ppt/slides/slide23.xml><?xml version="1.0" encoding="utf-8"?>
+<p:sld xmlns:a="http://schemas.openxmlformats.org/drawingml/2006/main" xmlns:r="http://schemas.openxmlformats.org/officeDocument/2006/relationships" xmlns:p="http://schemas.openxmlformats.org/presentationml/2006/main">
+  <p:cSld>
+    <p:spTree>
+      <p:nvGrpSpPr>
+        <p:cNvPr id="1" name=""/>
+        <p:cNvGrpSpPr/>
+        <p:nvPr/>
+      </p:nvGrpSpPr>
+      <p:grpSpPr>
+        <a:xfrm>
+          <a:off x="0" y="0"/>
+          <a:ext cx="0" cy="0"/>
+          <a:chOff x="0" y="0"/>
+          <a:chExt cx="0" cy="0"/>
+        </a:xfrm>
+      </p:grpSpPr>
+    </p:spTree>
+    <p:extLst>
+      <p:ext uri="{BB962C8B-B14F-4D97-AF65-F5344CB8AC3E}">
+        <p14:creationId xmlns:p14="http://schemas.microsoft.com/office/powerpoint/2010/main" val="3661180859"/>
+      </p:ext>
+    </p:extLst>
+  </p:cSld>
+  <p:clrMapOvr>
+    <a:masterClrMapping/>
+  </p:clrMapOvr>
+</p:sld>
+</file>
+
+<file path=ppt/slides/slide24.xml><?xml version="1.0" encoding="utf-8"?>
+<p:sld xmlns:a="http://schemas.openxmlformats.org/drawingml/2006/main" xmlns:r="http://schemas.openxmlformats.org/officeDocument/2006/relationships" xmlns:p="http://schemas.openxmlformats.org/presentationml/2006/main">
+  <p:cSld>
+    <p:spTree>
+      <p:nvGrpSpPr>
+        <p:cNvPr id="1" name=""/>
+        <p:cNvGrpSpPr/>
+        <p:nvPr/>
+      </p:nvGrpSpPr>
+      <p:grpSpPr>
+        <a:xfrm>
+          <a:off x="0" y="0"/>
+          <a:ext cx="0" cy="0"/>
+          <a:chOff x="0" y="0"/>
+          <a:chExt cx="0" cy="0"/>
+        </a:xfrm>
+      </p:grpSpPr>
+      <p:sp>
+        <p:nvSpPr>
+          <p:cNvPr id="2" name="Title 1"/>
+          <p:cNvSpPr>
+            <a:spLocks noGrp="1"/>
+          </p:cNvSpPr>
+          <p:nvPr>
+            <p:ph type="title"/>
+          </p:nvPr>
+        </p:nvSpPr>
+        <p:spPr/>
+        <p:txBody>
+          <a:bodyPr/>
+          <a:lstStyle/>
+          <a:p>
+            <a:r>
+              <a:rPr lang="en-US" dirty="0"/>
               <a:t>Add a Slide Title - 4</a:t>
             </a:r>
             <a:endParaRPr dirty="0"/>
@@ -19502,7 +14021,7 @@
 </p:sld>
 </file>
 
-<file path=ppt/slides/slide23.xml><?xml version="1.0" encoding="utf-8"?>
+<file path=ppt/slides/slide25.xml><?xml version="1.0" encoding="utf-8"?>
 <p:sld xmlns:a="http://schemas.openxmlformats.org/drawingml/2006/main" xmlns:r="http://schemas.openxmlformats.org/officeDocument/2006/relationships" xmlns:p="http://schemas.openxmlformats.org/presentationml/2006/main">
   <p:cSld>
     <p:spTree>
@@ -23976,14 +18495,14 @@
 </file>
 
 <file path=ppt/slides/slide9.xml><?xml version="1.0" encoding="utf-8"?>
-<p:sld xmlns:a="http://schemas.openxmlformats.org/drawingml/2006/main" xmlns:r="http://schemas.openxmlformats.org/officeDocument/2006/relationships" xmlns:p="http://schemas.openxmlformats.org/presentationml/2006/main" show="0">
+<p:sld xmlns:a="http://schemas.openxmlformats.org/drawingml/2006/main" xmlns:r="http://schemas.openxmlformats.org/officeDocument/2006/relationships" xmlns:p="http://schemas.openxmlformats.org/presentationml/2006/main">
   <p:cSld>
     <p:spTree>
       <p:nvGrpSpPr>
         <p:cNvPr id="1" name="">
           <a:extLst>
             <a:ext uri="{FF2B5EF4-FFF2-40B4-BE49-F238E27FC236}">
-              <a16:creationId xmlns:a16="http://schemas.microsoft.com/office/drawing/2014/main" id="{C77D2884-7261-CA18-ADF9-EE9030DC78ED}"/>
+              <a16:creationId xmlns:a16="http://schemas.microsoft.com/office/drawing/2014/main" id="{B852AF45-8B4E-EADA-A7B5-B3ABAFFA86B2}"/>
             </a:ext>
           </a:extLst>
         </p:cNvPr>
@@ -23998,748 +18517,12 @@
           <a:chExt cx="0" cy="0"/>
         </a:xfrm>
       </p:grpSpPr>
-      <p:graphicFrame>
-        <p:nvGraphicFramePr>
-          <p:cNvPr id="7" name="Content Placeholder 6">
+      <p:pic>
+        <p:nvPicPr>
+          <p:cNvPr id="27" name="Picture 26" descr="A screen with many colors&#10;&#10;AI-generated content may be incorrect.">
             <a:extLst>
               <a:ext uri="{FF2B5EF4-FFF2-40B4-BE49-F238E27FC236}">
-                <a16:creationId xmlns:a16="http://schemas.microsoft.com/office/drawing/2014/main" id="{4F5F18B8-5C81-2878-E83E-C6463A95BAFB}"/>
-              </a:ext>
-            </a:extLst>
-          </p:cNvPr>
-          <p:cNvGraphicFramePr>
-            <a:graphicFrameLocks noGrp="1"/>
-          </p:cNvGraphicFramePr>
-          <p:nvPr>
-            <p:ph idx="1"/>
-            <p:extLst>
-              <p:ext uri="{D42A27DB-BD31-4B8C-83A1-F6EECF244321}">
-                <p14:modId xmlns:p14="http://schemas.microsoft.com/office/powerpoint/2010/main" val="2152261104"/>
-              </p:ext>
-            </p:extLst>
-          </p:nvPr>
-        </p:nvGraphicFramePr>
-        <p:xfrm>
-          <a:off x="1524000" y="1828800"/>
-          <a:ext cx="9144000" cy="4267200"/>
-        </p:xfrm>
-        <a:graphic>
-          <a:graphicData uri="http://schemas.openxmlformats.org/drawingml/2006/diagram">
-            <dgm:relIds xmlns:dgm="http://schemas.openxmlformats.org/drawingml/2006/diagram" xmlns:r="http://schemas.openxmlformats.org/officeDocument/2006/relationships" r:dm="rId3" r:lo="rId4" r:qs="rId5" r:cs="rId6"/>
-          </a:graphicData>
-        </a:graphic>
-      </p:graphicFrame>
-      <p:sp>
-        <p:nvSpPr>
-          <p:cNvPr id="9" name="Oval 8">
-            <a:extLst>
-              <a:ext uri="{FF2B5EF4-FFF2-40B4-BE49-F238E27FC236}">
-                <a16:creationId xmlns:a16="http://schemas.microsoft.com/office/drawing/2014/main" id="{A123E964-34B5-8A13-32C2-4540FC6AD1A6}"/>
-              </a:ext>
-            </a:extLst>
-          </p:cNvPr>
-          <p:cNvSpPr/>
-          <p:nvPr/>
-        </p:nvSpPr>
-        <p:spPr>
-          <a:xfrm>
-            <a:off x="411480" y="2019300"/>
-            <a:ext cx="1645920" cy="1371600"/>
-          </a:xfrm>
-          <a:prstGeom prst="ellipse">
-            <a:avLst/>
-          </a:prstGeom>
-          <a:solidFill>
-            <a:srgbClr val="FFC000"/>
-          </a:solidFill>
-        </p:spPr>
-        <p:style>
-          <a:lnRef idx="2">
-            <a:schemeClr val="accent1">
-              <a:shade val="15000"/>
-            </a:schemeClr>
-          </a:lnRef>
-          <a:fillRef idx="1">
-            <a:schemeClr val="accent1"/>
-          </a:fillRef>
-          <a:effectRef idx="0">
-            <a:schemeClr val="accent1"/>
-          </a:effectRef>
-          <a:fontRef idx="minor">
-            <a:schemeClr val="lt1"/>
-          </a:fontRef>
-        </p:style>
-        <p:txBody>
-          <a:bodyPr rtlCol="0" anchor="ctr"/>
-          <a:lstStyle/>
-          <a:p>
-            <a:pPr algn="ctr"/>
-            <a:r>
-              <a:rPr lang="en-US" dirty="0">
-                <a:solidFill>
-                  <a:schemeClr val="bg1"/>
-                </a:solidFill>
-              </a:rPr>
-              <a:t>Idle – No VGA</a:t>
-            </a:r>
-          </a:p>
-        </p:txBody>
-      </p:sp>
-      <p:sp>
-        <p:nvSpPr>
-          <p:cNvPr id="10" name="Oval 9">
-            <a:extLst>
-              <a:ext uri="{FF2B5EF4-FFF2-40B4-BE49-F238E27FC236}">
-                <a16:creationId xmlns:a16="http://schemas.microsoft.com/office/drawing/2014/main" id="{F3D107CC-4C4D-AA90-7F01-EE309EB22248}"/>
-              </a:ext>
-            </a:extLst>
-          </p:cNvPr>
-          <p:cNvSpPr/>
-          <p:nvPr/>
-        </p:nvSpPr>
-        <p:spPr>
-          <a:xfrm>
-            <a:off x="3535680" y="1981200"/>
-            <a:ext cx="1645920" cy="1371600"/>
-          </a:xfrm>
-          <a:prstGeom prst="ellipse">
-            <a:avLst/>
-          </a:prstGeom>
-          <a:solidFill>
-            <a:srgbClr val="FFC000"/>
-          </a:solidFill>
-        </p:spPr>
-        <p:style>
-          <a:lnRef idx="2">
-            <a:schemeClr val="accent1">
-              <a:shade val="15000"/>
-            </a:schemeClr>
-          </a:lnRef>
-          <a:fillRef idx="1">
-            <a:schemeClr val="accent1"/>
-          </a:fillRef>
-          <a:effectRef idx="0">
-            <a:schemeClr val="accent1"/>
-          </a:effectRef>
-          <a:fontRef idx="minor">
-            <a:schemeClr val="lt1"/>
-          </a:fontRef>
-        </p:style>
-        <p:txBody>
-          <a:bodyPr rtlCol="0" anchor="ctr"/>
-          <a:lstStyle/>
-          <a:p>
-            <a:pPr algn="ctr"/>
-            <a:r>
-              <a:rPr lang="en-US" dirty="0">
-                <a:solidFill>
-                  <a:schemeClr val="bg1"/>
-                </a:solidFill>
-              </a:rPr>
-              <a:t>Active VGA -</a:t>
-            </a:r>
-          </a:p>
-          <a:p>
-            <a:pPr algn="ctr"/>
-            <a:r>
-              <a:rPr lang="en-US" dirty="0">
-                <a:solidFill>
-                  <a:schemeClr val="bg1"/>
-                </a:solidFill>
-              </a:rPr>
-              <a:t>Rainbow screen</a:t>
-            </a:r>
-          </a:p>
-        </p:txBody>
-      </p:sp>
-      <p:sp>
-        <p:nvSpPr>
-          <p:cNvPr id="11" name="Oval 10">
-            <a:extLst>
-              <a:ext uri="{FF2B5EF4-FFF2-40B4-BE49-F238E27FC236}">
-                <a16:creationId xmlns:a16="http://schemas.microsoft.com/office/drawing/2014/main" id="{5FA03823-B9A9-E9F8-B892-709592563B0A}"/>
-              </a:ext>
-            </a:extLst>
-          </p:cNvPr>
-          <p:cNvSpPr/>
-          <p:nvPr/>
-        </p:nvSpPr>
-        <p:spPr>
-          <a:xfrm>
-            <a:off x="6690360" y="1905000"/>
-            <a:ext cx="1645920" cy="1371600"/>
-          </a:xfrm>
-          <a:prstGeom prst="ellipse">
-            <a:avLst/>
-          </a:prstGeom>
-          <a:solidFill>
-            <a:srgbClr val="FFC000"/>
-          </a:solidFill>
-        </p:spPr>
-        <p:style>
-          <a:lnRef idx="2">
-            <a:schemeClr val="accent1">
-              <a:shade val="15000"/>
-            </a:schemeClr>
-          </a:lnRef>
-          <a:fillRef idx="1">
-            <a:schemeClr val="accent1"/>
-          </a:fillRef>
-          <a:effectRef idx="0">
-            <a:schemeClr val="accent1"/>
-          </a:effectRef>
-          <a:fontRef idx="minor">
-            <a:schemeClr val="lt1"/>
-          </a:fontRef>
-        </p:style>
-        <p:txBody>
-          <a:bodyPr rot="0" spcFirstLastPara="0" vertOverflow="overflow" horzOverflow="overflow" vert="horz" wrap="square" lIns="91440" tIns="45720" rIns="91440" bIns="45720" numCol="1" spcCol="0" rtlCol="0" fromWordArt="0" anchor="ctr" anchorCtr="0" forceAA="0" compatLnSpc="1">
-            <a:prstTxWarp prst="textNoShape">
-              <a:avLst/>
-            </a:prstTxWarp>
-            <a:noAutofit/>
-          </a:bodyPr>
-          <a:lstStyle/>
-          <a:p>
-            <a:pPr algn="ctr"/>
-            <a:r>
-              <a:rPr lang="en-US" dirty="0">
-                <a:solidFill>
-                  <a:schemeClr val="bg1"/>
-                </a:solidFill>
-              </a:rPr>
-              <a:t>Camera Display 640×480</a:t>
-            </a:r>
-          </a:p>
-        </p:txBody>
-      </p:sp>
-      <p:sp>
-        <p:nvSpPr>
-          <p:cNvPr id="12" name="Oval 11">
-            <a:extLst>
-              <a:ext uri="{FF2B5EF4-FFF2-40B4-BE49-F238E27FC236}">
-                <a16:creationId xmlns:a16="http://schemas.microsoft.com/office/drawing/2014/main" id="{CB47CEF4-4E85-42B1-13EB-C0578CD2D577}"/>
-              </a:ext>
-            </a:extLst>
-          </p:cNvPr>
-          <p:cNvSpPr/>
-          <p:nvPr/>
-        </p:nvSpPr>
-        <p:spPr>
-          <a:xfrm>
-            <a:off x="9860280" y="1981200"/>
-            <a:ext cx="1645920" cy="1371600"/>
-          </a:xfrm>
-          <a:prstGeom prst="ellipse">
-            <a:avLst/>
-          </a:prstGeom>
-          <a:solidFill>
-            <a:srgbClr val="FFC000"/>
-          </a:solidFill>
-        </p:spPr>
-        <p:style>
-          <a:lnRef idx="2">
-            <a:schemeClr val="accent1">
-              <a:shade val="15000"/>
-            </a:schemeClr>
-          </a:lnRef>
-          <a:fillRef idx="1">
-            <a:schemeClr val="accent1"/>
-          </a:fillRef>
-          <a:effectRef idx="0">
-            <a:schemeClr val="accent1"/>
-          </a:effectRef>
-          <a:fontRef idx="minor">
-            <a:schemeClr val="lt1"/>
-          </a:fontRef>
-        </p:style>
-        <p:txBody>
-          <a:bodyPr rtlCol="0" anchor="ctr"/>
-          <a:lstStyle/>
-          <a:p>
-            <a:pPr algn="ctr"/>
-            <a:r>
-              <a:rPr lang="en-US" dirty="0">
-                <a:solidFill>
-                  <a:schemeClr val="bg1"/>
-                </a:solidFill>
-              </a:rPr>
-              <a:t>Camera tuning setup</a:t>
-            </a:r>
-          </a:p>
-        </p:txBody>
-      </p:sp>
-      <p:sp>
-        <p:nvSpPr>
-          <p:cNvPr id="14" name="Arrow: Right 13">
-            <a:extLst>
-              <a:ext uri="{FF2B5EF4-FFF2-40B4-BE49-F238E27FC236}">
-                <a16:creationId xmlns:a16="http://schemas.microsoft.com/office/drawing/2014/main" id="{FB66A7D2-5E6C-3990-D81F-8C2046FF2D3D}"/>
-              </a:ext>
-            </a:extLst>
-          </p:cNvPr>
-          <p:cNvSpPr/>
-          <p:nvPr/>
-        </p:nvSpPr>
-        <p:spPr>
-          <a:xfrm>
-            <a:off x="2011680" y="2438400"/>
-            <a:ext cx="1554480" cy="548640"/>
-          </a:xfrm>
-          <a:prstGeom prst="rightArrow">
-            <a:avLst/>
-          </a:prstGeom>
-          <a:solidFill>
-            <a:srgbClr val="00B0F0"/>
-          </a:solidFill>
-        </p:spPr>
-        <p:style>
-          <a:lnRef idx="2">
-            <a:schemeClr val="accent1">
-              <a:shade val="15000"/>
-            </a:schemeClr>
-          </a:lnRef>
-          <a:fillRef idx="1">
-            <a:schemeClr val="accent1"/>
-          </a:fillRef>
-          <a:effectRef idx="0">
-            <a:schemeClr val="accent1"/>
-          </a:effectRef>
-          <a:fontRef idx="minor">
-            <a:schemeClr val="lt1"/>
-          </a:fontRef>
-        </p:style>
-        <p:txBody>
-          <a:bodyPr rtlCol="0" anchor="ctr"/>
-          <a:lstStyle/>
-          <a:p>
-            <a:pPr algn="ctr"/>
-            <a:r>
-              <a:rPr lang="en-US" dirty="0">
-                <a:solidFill>
-                  <a:schemeClr val="bg1"/>
-                </a:solidFill>
-              </a:rPr>
-              <a:t>reset</a:t>
-            </a:r>
-          </a:p>
-        </p:txBody>
-      </p:sp>
-      <p:sp>
-        <p:nvSpPr>
-          <p:cNvPr id="18" name="Arrow: Right 17">
-            <a:extLst>
-              <a:ext uri="{FF2B5EF4-FFF2-40B4-BE49-F238E27FC236}">
-                <a16:creationId xmlns:a16="http://schemas.microsoft.com/office/drawing/2014/main" id="{451D6E88-212B-58AB-B6EF-2AC0C2524B89}"/>
-              </a:ext>
-            </a:extLst>
-          </p:cNvPr>
-          <p:cNvSpPr/>
-          <p:nvPr/>
-        </p:nvSpPr>
-        <p:spPr>
-          <a:xfrm>
-            <a:off x="5181600" y="2362200"/>
-            <a:ext cx="1554480" cy="548640"/>
-          </a:xfrm>
-          <a:prstGeom prst="rightArrow">
-            <a:avLst/>
-          </a:prstGeom>
-          <a:solidFill>
-            <a:srgbClr val="00B0F0"/>
-          </a:solidFill>
-        </p:spPr>
-        <p:style>
-          <a:lnRef idx="2">
-            <a:schemeClr val="accent1">
-              <a:shade val="15000"/>
-            </a:schemeClr>
-          </a:lnRef>
-          <a:fillRef idx="1">
-            <a:schemeClr val="accent1"/>
-          </a:fillRef>
-          <a:effectRef idx="0">
-            <a:schemeClr val="accent1"/>
-          </a:effectRef>
-          <a:fontRef idx="minor">
-            <a:schemeClr val="lt1"/>
-          </a:fontRef>
-        </p:style>
-        <p:txBody>
-          <a:bodyPr rtlCol="0" anchor="ctr"/>
-          <a:lstStyle/>
-          <a:p>
-            <a:pPr algn="ctr"/>
-            <a:r>
-              <a:rPr lang="en-US" dirty="0">
-                <a:solidFill>
-                  <a:schemeClr val="bg1"/>
-                </a:solidFill>
-              </a:rPr>
-              <a:t>Camera </a:t>
-            </a:r>
-            <a:r>
-              <a:rPr lang="en-US" dirty="0" err="1">
-                <a:solidFill>
-                  <a:schemeClr val="bg1"/>
-                </a:solidFill>
-              </a:rPr>
-              <a:t>cntl</a:t>
-            </a:r>
-            <a:endParaRPr lang="en-US" dirty="0">
-              <a:solidFill>
-                <a:schemeClr val="bg1"/>
-              </a:solidFill>
-            </a:endParaRPr>
-          </a:p>
-        </p:txBody>
-      </p:sp>
-      <p:sp>
-        <p:nvSpPr>
-          <p:cNvPr id="19" name="Arrow: Right 18">
-            <a:extLst>
-              <a:ext uri="{FF2B5EF4-FFF2-40B4-BE49-F238E27FC236}">
-                <a16:creationId xmlns:a16="http://schemas.microsoft.com/office/drawing/2014/main" id="{43C28592-3776-0B74-405D-A3B37692CD8F}"/>
-              </a:ext>
-            </a:extLst>
-          </p:cNvPr>
-          <p:cNvSpPr/>
-          <p:nvPr/>
-        </p:nvSpPr>
-        <p:spPr>
-          <a:xfrm>
-            <a:off x="8336280" y="2362200"/>
-            <a:ext cx="1554480" cy="548640"/>
-          </a:xfrm>
-          <a:prstGeom prst="rightArrow">
-            <a:avLst/>
-          </a:prstGeom>
-          <a:solidFill>
-            <a:srgbClr val="00B0F0"/>
-          </a:solidFill>
-        </p:spPr>
-        <p:style>
-          <a:lnRef idx="2">
-            <a:schemeClr val="accent1">
-              <a:shade val="15000"/>
-            </a:schemeClr>
-          </a:lnRef>
-          <a:fillRef idx="1">
-            <a:schemeClr val="accent1"/>
-          </a:fillRef>
-          <a:effectRef idx="0">
-            <a:schemeClr val="accent1"/>
-          </a:effectRef>
-          <a:fontRef idx="minor">
-            <a:schemeClr val="lt1"/>
-          </a:fontRef>
-        </p:style>
-        <p:txBody>
-          <a:bodyPr rtlCol="0" anchor="ctr"/>
-          <a:lstStyle/>
-          <a:p>
-            <a:pPr algn="ctr"/>
-            <a:r>
-              <a:rPr lang="en-US" dirty="0">
-                <a:solidFill>
-                  <a:schemeClr val="bg1"/>
-                </a:solidFill>
-              </a:rPr>
-              <a:t>config</a:t>
-            </a:r>
-          </a:p>
-        </p:txBody>
-      </p:sp>
-      <p:sp>
-        <p:nvSpPr>
-          <p:cNvPr id="20" name="Oval 19">
-            <a:extLst>
-              <a:ext uri="{FF2B5EF4-FFF2-40B4-BE49-F238E27FC236}">
-                <a16:creationId xmlns:a16="http://schemas.microsoft.com/office/drawing/2014/main" id="{3CFEE0A3-5BB4-882F-73AE-40AF675C43E8}"/>
-              </a:ext>
-            </a:extLst>
-          </p:cNvPr>
-          <p:cNvSpPr/>
-          <p:nvPr/>
-        </p:nvSpPr>
-        <p:spPr>
-          <a:xfrm>
-            <a:off x="10012680" y="4495800"/>
-            <a:ext cx="1645920" cy="1371600"/>
-          </a:xfrm>
-          <a:prstGeom prst="ellipse">
-            <a:avLst/>
-          </a:prstGeom>
-          <a:solidFill>
-            <a:srgbClr val="FFC000"/>
-          </a:solidFill>
-        </p:spPr>
-        <p:style>
-          <a:lnRef idx="2">
-            <a:schemeClr val="accent1">
-              <a:shade val="15000"/>
-            </a:schemeClr>
-          </a:lnRef>
-          <a:fillRef idx="1">
-            <a:schemeClr val="accent1"/>
-          </a:fillRef>
-          <a:effectRef idx="0">
-            <a:schemeClr val="accent1"/>
-          </a:effectRef>
-          <a:fontRef idx="minor">
-            <a:schemeClr val="lt1"/>
-          </a:fontRef>
-        </p:style>
-        <p:txBody>
-          <a:bodyPr rtlCol="0" anchor="ctr"/>
-          <a:lstStyle/>
-          <a:p>
-            <a:pPr algn="ctr"/>
-            <a:r>
-              <a:rPr lang="en-US" dirty="0">
-                <a:solidFill>
-                  <a:schemeClr val="bg1"/>
-                </a:solidFill>
-              </a:rPr>
-              <a:t>Zoom x 2</a:t>
-            </a:r>
-          </a:p>
-          <a:p>
-            <a:pPr algn="ctr"/>
-            <a:r>
-              <a:rPr lang="en-US" dirty="0">
-                <a:solidFill>
-                  <a:schemeClr val="bg1"/>
-                </a:solidFill>
-              </a:rPr>
-              <a:t>Cropped</a:t>
-            </a:r>
-          </a:p>
-          <a:p>
-            <a:pPr algn="ctr"/>
-            <a:r>
-              <a:rPr lang="en-US" dirty="0">
-                <a:solidFill>
-                  <a:schemeClr val="bg1"/>
-                </a:solidFill>
-              </a:rPr>
-              <a:t>320x240</a:t>
-            </a:r>
-          </a:p>
-        </p:txBody>
-      </p:sp>
-      <p:sp>
-        <p:nvSpPr>
-          <p:cNvPr id="21" name="Arrow: Down 20">
-            <a:extLst>
-              <a:ext uri="{FF2B5EF4-FFF2-40B4-BE49-F238E27FC236}">
-                <a16:creationId xmlns:a16="http://schemas.microsoft.com/office/drawing/2014/main" id="{8EDFC36C-A79A-D808-5837-64D560D21D8C}"/>
-              </a:ext>
-            </a:extLst>
-          </p:cNvPr>
-          <p:cNvSpPr/>
-          <p:nvPr/>
-        </p:nvSpPr>
-        <p:spPr>
-          <a:xfrm>
-            <a:off x="10363200" y="3352800"/>
-            <a:ext cx="792480" cy="1143000"/>
-          </a:xfrm>
-          <a:prstGeom prst="downArrow">
-            <a:avLst/>
-          </a:prstGeom>
-          <a:solidFill>
-            <a:srgbClr val="00B0F0"/>
-          </a:solidFill>
-        </p:spPr>
-        <p:style>
-          <a:lnRef idx="2">
-            <a:schemeClr val="accent1">
-              <a:shade val="15000"/>
-            </a:schemeClr>
-          </a:lnRef>
-          <a:fillRef idx="1">
-            <a:schemeClr val="accent1"/>
-          </a:fillRef>
-          <a:effectRef idx="0">
-            <a:schemeClr val="accent1"/>
-          </a:effectRef>
-          <a:fontRef idx="minor">
-            <a:schemeClr val="lt1"/>
-          </a:fontRef>
-        </p:style>
-        <p:txBody>
-          <a:bodyPr rtlCol="0" anchor="ctr"/>
-          <a:lstStyle/>
-          <a:p>
-            <a:pPr algn="ctr"/>
-            <a:r>
-              <a:rPr lang="en-US" dirty="0">
-                <a:solidFill>
-                  <a:schemeClr val="bg1"/>
-                </a:solidFill>
-              </a:rPr>
-              <a:t>zoom</a:t>
-            </a:r>
-          </a:p>
-        </p:txBody>
-      </p:sp>
-      <p:sp>
-        <p:nvSpPr>
-          <p:cNvPr id="23" name="Oval 22">
-            <a:extLst>
-              <a:ext uri="{FF2B5EF4-FFF2-40B4-BE49-F238E27FC236}">
-                <a16:creationId xmlns:a16="http://schemas.microsoft.com/office/drawing/2014/main" id="{4147802A-6B29-5974-2FA2-5EF462FB9ED2}"/>
-              </a:ext>
-            </a:extLst>
-          </p:cNvPr>
-          <p:cNvSpPr/>
-          <p:nvPr/>
-        </p:nvSpPr>
-        <p:spPr>
-          <a:xfrm>
-            <a:off x="6812280" y="4495800"/>
-            <a:ext cx="1645920" cy="1371600"/>
-          </a:xfrm>
-          <a:prstGeom prst="ellipse">
-            <a:avLst/>
-          </a:prstGeom>
-          <a:solidFill>
-            <a:srgbClr val="FFC000"/>
-          </a:solidFill>
-        </p:spPr>
-        <p:style>
-          <a:lnRef idx="2">
-            <a:schemeClr val="accent1">
-              <a:shade val="15000"/>
-            </a:schemeClr>
-          </a:lnRef>
-          <a:fillRef idx="1">
-            <a:schemeClr val="accent1"/>
-          </a:fillRef>
-          <a:effectRef idx="0">
-            <a:schemeClr val="accent1"/>
-          </a:effectRef>
-          <a:fontRef idx="minor">
-            <a:schemeClr val="lt1"/>
-          </a:fontRef>
-        </p:style>
-        <p:txBody>
-          <a:bodyPr rtlCol="0" anchor="ctr"/>
-          <a:lstStyle/>
-          <a:p>
-            <a:pPr algn="ctr"/>
-            <a:r>
-              <a:rPr lang="en-US" dirty="0">
-                <a:solidFill>
-                  <a:schemeClr val="bg1"/>
-                </a:solidFill>
-              </a:rPr>
-              <a:t>Zoom x 2</a:t>
-            </a:r>
-          </a:p>
-          <a:p>
-            <a:pPr algn="ctr"/>
-            <a:r>
-              <a:rPr lang="en-US" dirty="0">
-                <a:solidFill>
-                  <a:schemeClr val="bg1"/>
-                </a:solidFill>
-              </a:rPr>
-              <a:t>filtered</a:t>
-            </a:r>
-          </a:p>
-          <a:p>
-            <a:pPr algn="ctr"/>
-            <a:r>
-              <a:rPr lang="en-US" dirty="0">
-                <a:solidFill>
-                  <a:schemeClr val="bg1"/>
-                </a:solidFill>
-              </a:rPr>
-              <a:t>640x480</a:t>
-            </a:r>
-          </a:p>
-        </p:txBody>
-      </p:sp>
-      <p:sp>
-        <p:nvSpPr>
-          <p:cNvPr id="25" name="Arrow: Right 24">
-            <a:extLst>
-              <a:ext uri="{FF2B5EF4-FFF2-40B4-BE49-F238E27FC236}">
-                <a16:creationId xmlns:a16="http://schemas.microsoft.com/office/drawing/2014/main" id="{4B898C0E-9046-90AD-43F0-D69B9CB18CE6}"/>
-              </a:ext>
-            </a:extLst>
-          </p:cNvPr>
-          <p:cNvSpPr/>
-          <p:nvPr/>
-        </p:nvSpPr>
-        <p:spPr>
-          <a:xfrm rot="10800000" flipV="1">
-            <a:off x="8458199" y="4861559"/>
-            <a:ext cx="1554480" cy="548640"/>
-          </a:xfrm>
-          <a:prstGeom prst="rightArrow">
-            <a:avLst>
-              <a:gd name="adj1" fmla="val 50000"/>
-              <a:gd name="adj2" fmla="val 86227"/>
-            </a:avLst>
-          </a:prstGeom>
-          <a:solidFill>
-            <a:srgbClr val="00B0F0"/>
-          </a:solidFill>
-        </p:spPr>
-        <p:style>
-          <a:lnRef idx="2">
-            <a:schemeClr val="accent1">
-              <a:shade val="15000"/>
-            </a:schemeClr>
-          </a:lnRef>
-          <a:fillRef idx="1">
-            <a:schemeClr val="accent1"/>
-          </a:fillRef>
-          <a:effectRef idx="0">
-            <a:schemeClr val="accent1"/>
-          </a:effectRef>
-          <a:fontRef idx="minor">
-            <a:schemeClr val="lt1"/>
-          </a:fontRef>
-        </p:style>
-        <p:txBody>
-          <a:bodyPr rtlCol="0" anchor="ctr"/>
-          <a:lstStyle/>
-          <a:p>
-            <a:pPr algn="ctr"/>
-            <a:r>
-              <a:rPr lang="en-US" dirty="0">
-                <a:solidFill>
-                  <a:schemeClr val="bg1"/>
-                </a:solidFill>
-              </a:rPr>
-              <a:t>Bili </a:t>
-            </a:r>
-            <a:r>
-              <a:rPr lang="en-US" dirty="0" err="1">
-                <a:solidFill>
-                  <a:schemeClr val="bg1"/>
-                </a:solidFill>
-              </a:rPr>
-              <a:t>cntl</a:t>
-            </a:r>
-            <a:endParaRPr lang="en-US" dirty="0">
-              <a:solidFill>
-                <a:schemeClr val="bg1"/>
-              </a:solidFill>
-            </a:endParaRPr>
-          </a:p>
-        </p:txBody>
-      </p:sp>
-      <p:pic>
-        <p:nvPicPr>
-          <p:cNvPr id="31" name="Picture 30" descr="A screen with many colors&#10;&#10;AI-generated content may be incorrect.">
-            <a:extLst>
-              <a:ext uri="{FF2B5EF4-FFF2-40B4-BE49-F238E27FC236}">
-                <a16:creationId xmlns:a16="http://schemas.microsoft.com/office/drawing/2014/main" id="{7F6BF124-F967-436A-7C2E-D0E85BEFAB1D}"/>
+                <a16:creationId xmlns:a16="http://schemas.microsoft.com/office/drawing/2014/main" id="{35C4AAE8-28BD-9AFA-CECF-401852188E87}"/>
               </a:ext>
             </a:extLst>
           </p:cNvPr>
@@ -24749,15 +18532,44 @@
           <p:nvPr/>
         </p:nvPicPr>
         <p:blipFill>
-          <a:blip r:embed="rId8"/>
+          <a:blip r:embed="rId3"/>
+          <a:srcRect l="4252" t="-714" r="620" b="7142"/>
+          <a:stretch/>
+        </p:blipFill>
+        <p:spPr>
+          <a:xfrm rot="5400000">
+            <a:off x="1358976" y="4739358"/>
+            <a:ext cx="1800000" cy="1054102"/>
+          </a:xfrm>
+          <a:prstGeom prst="rect">
+            <a:avLst/>
+          </a:prstGeom>
+        </p:spPr>
+      </p:pic>
+      <p:pic>
+        <p:nvPicPr>
+          <p:cNvPr id="29" name="Picture 28">
+            <a:extLst>
+              <a:ext uri="{FF2B5EF4-FFF2-40B4-BE49-F238E27FC236}">
+                <a16:creationId xmlns:a16="http://schemas.microsoft.com/office/drawing/2014/main" id="{6F245036-97D1-C14E-285C-580A8C743717}"/>
+              </a:ext>
+            </a:extLst>
+          </p:cNvPr>
+          <p:cNvPicPr>
+            <a:picLocks noChangeAspect="1"/>
+          </p:cNvPicPr>
+          <p:nvPr/>
+        </p:nvPicPr>
+        <p:blipFill>
+          <a:blip r:embed="rId4"/>
           <a:stretch>
             <a:fillRect/>
           </a:stretch>
         </p:blipFill>
         <p:spPr>
           <a:xfrm>
-            <a:off x="3289230" y="3368040"/>
-            <a:ext cx="2303850" cy="1371600"/>
+            <a:off x="0" y="3206525"/>
+            <a:ext cx="12192000" cy="1136875"/>
           </a:xfrm>
           <a:prstGeom prst="rect">
             <a:avLst/>
@@ -24766,10 +18578,10 @@
       </p:pic>
       <p:sp>
         <p:nvSpPr>
-          <p:cNvPr id="6" name="Title 1">
+          <p:cNvPr id="4" name="Title 1">
             <a:extLst>
               <a:ext uri="{FF2B5EF4-FFF2-40B4-BE49-F238E27FC236}">
-                <a16:creationId xmlns:a16="http://schemas.microsoft.com/office/drawing/2014/main" id="{C6F67B96-6CA8-9CC7-08D8-6720F98266E3}"/>
+                <a16:creationId xmlns:a16="http://schemas.microsoft.com/office/drawing/2014/main" id="{83FB57A5-C562-292C-DCB8-DED9956E2946}"/>
               </a:ext>
             </a:extLst>
           </p:cNvPr>
@@ -24797,10 +18609,151 @@
           </a:p>
         </p:txBody>
       </p:sp>
+      <p:pic>
+        <p:nvPicPr>
+          <p:cNvPr id="3" name="Picture 2" descr="A screen with a purple owl on it&#10;&#10;AI-generated content may be incorrect.">
+            <a:extLst>
+              <a:ext uri="{FF2B5EF4-FFF2-40B4-BE49-F238E27FC236}">
+                <a16:creationId xmlns:a16="http://schemas.microsoft.com/office/drawing/2014/main" id="{22238530-FD04-C6E4-1D37-95B69CD38DE2}"/>
+              </a:ext>
+            </a:extLst>
+          </p:cNvPr>
+          <p:cNvPicPr>
+            <a:picLocks noChangeAspect="1"/>
+          </p:cNvPicPr>
+          <p:nvPr/>
+        </p:nvPicPr>
+        <p:blipFill>
+          <a:blip r:embed="rId5" cstate="print">
+            <a:extLst>
+              <a:ext uri="{28A0092B-C50C-407E-A947-70E740481C1C}">
+                <a14:useLocalDpi xmlns:a14="http://schemas.microsoft.com/office/drawing/2010/main" val="0"/>
+              </a:ext>
+            </a:extLst>
+          </a:blip>
+          <a:srcRect l="7500" t="23333" r="5834" b="16667"/>
+          <a:stretch/>
+        </p:blipFill>
+        <p:spPr>
+          <a:xfrm rot="5400000">
+            <a:off x="4042892" y="4804892"/>
+            <a:ext cx="1800000" cy="934615"/>
+          </a:xfrm>
+          <a:prstGeom prst="rect">
+            <a:avLst/>
+          </a:prstGeom>
+        </p:spPr>
+      </p:pic>
+      <p:pic>
+        <p:nvPicPr>
+          <p:cNvPr id="6" name="Picture 5" descr="A computer monitor with a green owl on it&#10;&#10;AI-generated content may be incorrect.">
+            <a:extLst>
+              <a:ext uri="{FF2B5EF4-FFF2-40B4-BE49-F238E27FC236}">
+                <a16:creationId xmlns:a16="http://schemas.microsoft.com/office/drawing/2014/main" id="{ED7F2381-D786-A2A0-C411-A7E158577C00}"/>
+              </a:ext>
+            </a:extLst>
+          </p:cNvPr>
+          <p:cNvPicPr>
+            <a:picLocks noChangeAspect="1"/>
+          </p:cNvPicPr>
+          <p:nvPr/>
+        </p:nvPicPr>
+        <p:blipFill>
+          <a:blip r:embed="rId6" cstate="print">
+            <a:extLst>
+              <a:ext uri="{28A0092B-C50C-407E-A947-70E740481C1C}">
+                <a14:useLocalDpi xmlns:a14="http://schemas.microsoft.com/office/drawing/2010/main" val="0"/>
+              </a:ext>
+            </a:extLst>
+          </a:blip>
+          <a:srcRect l="11537" t="21796" r="5769" b="19230"/>
+          <a:stretch/>
+        </p:blipFill>
+        <p:spPr>
+          <a:xfrm rot="5400000">
+            <a:off x="6314804" y="4790805"/>
+            <a:ext cx="1800000" cy="962790"/>
+          </a:xfrm>
+          <a:prstGeom prst="rect">
+            <a:avLst/>
+          </a:prstGeom>
+        </p:spPr>
+      </p:pic>
+      <p:pic>
+        <p:nvPicPr>
+          <p:cNvPr id="8" name="Picture 7" descr="A monitor with an owl image on it&#10;&#10;AI-generated content may be incorrect.">
+            <a:extLst>
+              <a:ext uri="{FF2B5EF4-FFF2-40B4-BE49-F238E27FC236}">
+                <a16:creationId xmlns:a16="http://schemas.microsoft.com/office/drawing/2014/main" id="{8ABB3B9D-C619-DB11-0EBE-A161BD9CA339}"/>
+              </a:ext>
+            </a:extLst>
+          </p:cNvPr>
+          <p:cNvPicPr>
+            <a:picLocks noChangeAspect="1"/>
+          </p:cNvPicPr>
+          <p:nvPr/>
+        </p:nvPicPr>
+        <p:blipFill>
+          <a:blip r:embed="rId7" cstate="print">
+            <a:extLst>
+              <a:ext uri="{28A0092B-C50C-407E-A947-70E740481C1C}">
+                <a14:useLocalDpi xmlns:a14="http://schemas.microsoft.com/office/drawing/2010/main" val="0"/>
+              </a:ext>
+            </a:extLst>
+          </a:blip>
+          <a:srcRect l="16667" t="28571" r="16666" b="23809"/>
+          <a:stretch/>
+        </p:blipFill>
+        <p:spPr>
+          <a:xfrm rot="5400000">
+            <a:off x="8371457" y="4784266"/>
+            <a:ext cx="1800000" cy="964286"/>
+          </a:xfrm>
+          <a:prstGeom prst="rect">
+            <a:avLst/>
+          </a:prstGeom>
+        </p:spPr>
+      </p:pic>
+      <p:pic>
+        <p:nvPicPr>
+          <p:cNvPr id="11" name="Picture 10" descr="A computer mouse and a circuit board on a desk&#10;&#10;AI-generated content may be incorrect.">
+            <a:extLst>
+              <a:ext uri="{FF2B5EF4-FFF2-40B4-BE49-F238E27FC236}">
+                <a16:creationId xmlns:a16="http://schemas.microsoft.com/office/drawing/2014/main" id="{5F5AE1FF-7F38-9164-8279-D4D5B99E087B}"/>
+              </a:ext>
+            </a:extLst>
+          </p:cNvPr>
+          <p:cNvPicPr>
+            <a:picLocks noChangeAspect="1"/>
+          </p:cNvPicPr>
+          <p:nvPr/>
+        </p:nvPicPr>
+        <p:blipFill>
+          <a:blip r:embed="rId8" cstate="print">
+            <a:extLst>
+              <a:ext uri="{28A0092B-C50C-407E-A947-70E740481C1C}">
+                <a14:useLocalDpi xmlns:a14="http://schemas.microsoft.com/office/drawing/2010/main" val="0"/>
+              </a:ext>
+            </a:extLst>
+          </a:blip>
+          <a:stretch>
+            <a:fillRect/>
+          </a:stretch>
+        </p:blipFill>
+        <p:spPr>
+          <a:xfrm>
+            <a:off x="9753600" y="279400"/>
+            <a:ext cx="1981200" cy="2641600"/>
+          </a:xfrm>
+          <a:prstGeom prst="rect">
+            <a:avLst/>
+          </a:prstGeom>
+        </p:spPr>
+      </p:pic>
     </p:spTree>
     <p:extLst>
       <p:ext uri="{BB962C8B-B14F-4D97-AF65-F5344CB8AC3E}">
-        <p14:creationId xmlns:p14="http://schemas.microsoft.com/office/powerpoint/2010/main" val="2404027986"/>
+        <p14:creationId xmlns:p14="http://schemas.microsoft.com/office/powerpoint/2010/main" val="3500706204"/>
       </p:ext>
     </p:extLst>
   </p:cSld>

--- a/datasheets/Digital Zoom presentation.pptx
+++ b/datasheets/Digital Zoom presentation.pptx
@@ -234,7 +234,7 @@
           <a:p>
             <a:fld id="{762B48F5-BACC-47D6-A0F7-82FBF9C6BC85}" type="datetimeFigureOut">
               <a:rPr lang="en-US"/>
-              <a:t>5/14/2025</a:t>
+              <a:t>5/15/2025</a:t>
             </a:fld>
             <a:endParaRPr/>
           </a:p>
@@ -431,7 +431,7 @@
           <a:p>
             <a:fld id="{0CB1CD00-5424-4675-AB18-2C419B060449}" type="datetimeFigureOut">
               <a:rPr lang="en-US"/>
-              <a:t>5/14/2025</a:t>
+              <a:t>5/15/2025</a:t>
             </a:fld>
             <a:endParaRPr/>
           </a:p>
@@ -3045,7 +3045,7 @@
           <a:p>
             <a:fld id="{37CC0096-1860-4642-9CD2-0079EA5E7CD1}" type="datetimeFigureOut">
               <a:rPr lang="en-US" smtClean="0"/>
-              <a:t>5/14/2025</a:t>
+              <a:t>5/15/2025</a:t>
             </a:fld>
             <a:endParaRPr lang="en-US"/>
           </a:p>
@@ -3229,7 +3229,7 @@
           <a:p>
             <a:fld id="{37CC0096-1860-4642-9CD2-0079EA5E7CD1}" type="datetimeFigureOut">
               <a:rPr lang="en-US" smtClean="0"/>
-              <a:t>5/14/2025</a:t>
+              <a:t>5/15/2025</a:t>
             </a:fld>
             <a:endParaRPr lang="en-US"/>
           </a:p>
@@ -3407,7 +3407,7 @@
           <a:p>
             <a:fld id="{37CC0096-1860-4642-9CD2-0079EA5E7CD1}" type="datetimeFigureOut">
               <a:rPr lang="en-US" smtClean="0"/>
-              <a:t>5/14/2025</a:t>
+              <a:t>5/15/2025</a:t>
             </a:fld>
             <a:endParaRPr lang="en-US"/>
           </a:p>
@@ -3850,7 +3850,7 @@
           <a:p>
             <a:fld id="{37CC0096-1860-4642-9CD2-0079EA5E7CD1}" type="datetimeFigureOut">
               <a:rPr lang="en-US" smtClean="0"/>
-              <a:t>5/14/2025</a:t>
+              <a:t>5/15/2025</a:t>
             </a:fld>
             <a:endParaRPr lang="en-US"/>
           </a:p>
@@ -4294,7 +4294,7 @@
           <a:p>
             <a:fld id="{37CC0096-1860-4642-9CD2-0079EA5E7CD1}" type="datetimeFigureOut">
               <a:rPr lang="en-US" smtClean="0"/>
-              <a:t>5/14/2025</a:t>
+              <a:t>5/15/2025</a:t>
             </a:fld>
             <a:endParaRPr lang="en-US"/>
           </a:p>
@@ -4416,7 +4416,7 @@
           <a:p>
             <a:fld id="{37CC0096-1860-4642-9CD2-0079EA5E7CD1}" type="datetimeFigureOut">
               <a:rPr lang="en-US" smtClean="0"/>
-              <a:t>5/14/2025</a:t>
+              <a:t>5/15/2025</a:t>
             </a:fld>
             <a:endParaRPr lang="en-US"/>
           </a:p>
@@ -4516,7 +4516,7 @@
           <a:p>
             <a:fld id="{37CC0096-1860-4642-9CD2-0079EA5E7CD1}" type="datetimeFigureOut">
               <a:rPr lang="en-US" smtClean="0"/>
-              <a:t>5/14/2025</a:t>
+              <a:t>5/15/2025</a:t>
             </a:fld>
             <a:endParaRPr lang="en-US"/>
           </a:p>
@@ -4805,7 +4805,7 @@
           <a:p>
             <a:fld id="{37CC0096-1860-4642-9CD2-0079EA5E7CD1}" type="datetimeFigureOut">
               <a:rPr lang="en-US" smtClean="0"/>
-              <a:t>5/14/2025</a:t>
+              <a:t>5/15/2025</a:t>
             </a:fld>
             <a:endParaRPr lang="en-US"/>
           </a:p>
@@ -5121,7 +5121,7 @@
           <a:p>
             <a:fld id="{37CC0096-1860-4642-9CD2-0079EA5E7CD1}" type="datetimeFigureOut">
               <a:rPr lang="en-US" smtClean="0"/>
-              <a:t>5/14/2025</a:t>
+              <a:t>5/15/2025</a:t>
             </a:fld>
             <a:endParaRPr lang="en-US"/>
           </a:p>
@@ -5353,7 +5353,7 @@
             <a:fld id="{37CC0096-1860-4642-9CD2-0079EA5E7CD1}" type="datetimeFigureOut">
               <a:rPr lang="en-US" smtClean="0"/>
               <a:pPr/>
-              <a:t>5/14/2025</a:t>
+              <a:t>5/15/2025</a:t>
             </a:fld>
             <a:endParaRPr lang="en-US"/>
           </a:p>
@@ -18966,7 +18966,7 @@
         </p:nvSpPr>
         <p:spPr>
           <a:xfrm>
-            <a:off x="1219200" y="457200"/>
+            <a:off x="-304800" y="76200"/>
             <a:ext cx="5410200" cy="1143000"/>
           </a:xfrm>
         </p:spPr>
@@ -22703,7 +22703,7 @@
         </p:nvSpPr>
         <p:spPr>
           <a:xfrm>
-            <a:off x="-303362" y="4840069"/>
+            <a:off x="4533900" y="2688104"/>
             <a:ext cx="6094562" cy="646331"/>
           </a:xfrm>
           <a:prstGeom prst="rect">
@@ -22724,7 +22724,15 @@
             </a:pPr>
             <a:r>
               <a:rPr lang="en-US" sz="1800" dirty="0"/>
-              <a:t>Zoom enabled</a:t>
+              <a:t>Zoom </a:t>
+            </a:r>
+            <a:r>
+              <a:rPr lang="en-US" dirty="0"/>
+              <a:t>dis</a:t>
+            </a:r>
+            <a:r>
+              <a:rPr lang="en-US" sz="1800" dirty="0"/>
+              <a:t>abled</a:t>
             </a:r>
           </a:p>
           <a:p>
@@ -22823,6 +22831,55 @@
           </a:fontRef>
         </p:style>
       </p:cxnSp>
+      <p:sp>
+        <p:nvSpPr>
+          <p:cNvPr id="3" name="TextBox 2">
+            <a:extLst>
+              <a:ext uri="{FF2B5EF4-FFF2-40B4-BE49-F238E27FC236}">
+                <a16:creationId xmlns:a16="http://schemas.microsoft.com/office/drawing/2014/main" id="{9E9EFE75-2FF5-EFD6-0797-ADE228E72F5C}"/>
+              </a:ext>
+            </a:extLst>
+          </p:cNvPr>
+          <p:cNvSpPr txBox="1"/>
+          <p:nvPr/>
+        </p:nvSpPr>
+        <p:spPr>
+          <a:xfrm>
+            <a:off x="-150962" y="4992469"/>
+            <a:ext cx="6094562" cy="646331"/>
+          </a:xfrm>
+          <a:prstGeom prst="rect">
+            <a:avLst/>
+          </a:prstGeom>
+          <a:noFill/>
+        </p:spPr>
+        <p:txBody>
+          <a:bodyPr wrap="square">
+            <a:spAutoFit/>
+          </a:bodyPr>
+          <a:lstStyle/>
+          <a:p>
+            <a:pPr algn="ctr" fontAlgn="base">
+              <a:spcAft>
+                <a:spcPct val="0"/>
+              </a:spcAft>
+            </a:pPr>
+            <a:r>
+              <a:rPr lang="en-US" sz="1800" dirty="0"/>
+              <a:t>Zoom enabled</a:t>
+            </a:r>
+          </a:p>
+          <a:p>
+            <a:pPr marL="0" lvl="0" indent="0" algn="ctr" fontAlgn="base">
+              <a:spcAft>
+                <a:spcPct val="0"/>
+              </a:spcAft>
+              <a:buNone/>
+            </a:pPr>
+            <a:endParaRPr lang="en-US" sz="1800" dirty="0"/>
+          </a:p>
+        </p:txBody>
+      </p:sp>
     </p:spTree>
     <p:extLst>
       <p:ext uri="{BB962C8B-B14F-4D97-AF65-F5344CB8AC3E}">
@@ -23933,6 +23990,79 @@
                                   </p:childTnLst>
                                 </p:cTn>
                               </p:par>
+                              <p:par>
+                                <p:cTn id="68" presetID="2" presetClass="entr" presetSubtype="4" fill="hold" grpId="0" nodeType="withEffect">
+                                  <p:stCondLst>
+                                    <p:cond delay="0"/>
+                                  </p:stCondLst>
+                                  <p:childTnLst>
+                                    <p:set>
+                                      <p:cBhvr>
+                                        <p:cTn id="69" dur="1" fill="hold">
+                                          <p:stCondLst>
+                                            <p:cond delay="0"/>
+                                          </p:stCondLst>
+                                        </p:cTn>
+                                        <p:tgtEl>
+                                          <p:spTgt spid="3"/>
+                                        </p:tgtEl>
+                                        <p:attrNameLst>
+                                          <p:attrName>style.visibility</p:attrName>
+                                        </p:attrNameLst>
+                                      </p:cBhvr>
+                                      <p:to>
+                                        <p:strVal val="visible"/>
+                                      </p:to>
+                                    </p:set>
+                                    <p:anim calcmode="lin" valueType="num">
+                                      <p:cBhvr additive="base">
+                                        <p:cTn id="70" dur="500" fill="hold"/>
+                                        <p:tgtEl>
+                                          <p:spTgt spid="3"/>
+                                        </p:tgtEl>
+                                        <p:attrNameLst>
+                                          <p:attrName>ppt_x</p:attrName>
+                                        </p:attrNameLst>
+                                      </p:cBhvr>
+                                      <p:tavLst>
+                                        <p:tav tm="0">
+                                          <p:val>
+                                            <p:strVal val="#ppt_x"/>
+                                          </p:val>
+                                        </p:tav>
+                                        <p:tav tm="100000">
+                                          <p:val>
+                                            <p:strVal val="#ppt_x"/>
+                                          </p:val>
+                                        </p:tav>
+                                      </p:tavLst>
+                                    </p:anim>
+                                    <p:anim calcmode="lin" valueType="num">
+                                      <p:cBhvr additive="base">
+                                        <p:cTn id="71" dur="500" fill="hold"/>
+                                        <p:tgtEl>
+                                          <p:spTgt spid="3"/>
+                                        </p:tgtEl>
+                                        <p:attrNameLst>
+                                          <p:attrName>ppt_y</p:attrName>
+                                        </p:attrNameLst>
+                                      </p:cBhvr>
+                                      <p:tavLst>
+                                        <p:tav tm="0">
+                                          <p:val>
+                                            <p:strVal val="1+#ppt_h/2"/>
+                                          </p:val>
+                                        </p:tav>
+                                        <p:tav tm="100000">
+                                          <p:val>
+                                            <p:strVal val="#ppt_y"/>
+                                          </p:val>
+                                        </p:tav>
+                                      </p:tavLst>
+                                    </p:anim>
+                                  </p:childTnLst>
+                                </p:cTn>
+                              </p:par>
                             </p:childTnLst>
                           </p:cTn>
                         </p:par>
@@ -23967,6 +24097,7 @@
       <p:bldP spid="11" grpId="0" animBg="1"/>
       <p:bldP spid="25" grpId="0" animBg="1"/>
       <p:bldP spid="36" grpId="0"/>
+      <p:bldP spid="3" grpId="0"/>
     </p:bldLst>
   </p:timing>
 </p:sld>
@@ -24023,7 +24154,15 @@
           <a:p>
             <a:r>
               <a:rPr lang="en-US" dirty="0"/>
-              <a:t>Architecture V2.0 – Key FPGA Modules.</a:t>
+              <a:t>Architecture V</a:t>
+            </a:r>
+            <a:r>
+              <a:rPr lang="en-US" u="sng" dirty="0"/>
+              <a:t>2.0</a:t>
+            </a:r>
+            <a:r>
+              <a:rPr lang="en-US" dirty="0"/>
+              <a:t> – Key FPGA Modules.</a:t>
             </a:r>
           </a:p>
         </p:txBody>
